--- a/Presentación1 [Autoguardado].pptx
+++ b/Presentación1 [Autoguardado].pptx
@@ -10,9 +10,12 @@
     <p:sldId id="263" r:id="rId4"/>
     <p:sldId id="264" r:id="rId5"/>
     <p:sldId id="265" r:id="rId6"/>
-    <p:sldId id="258" r:id="rId7"/>
-    <p:sldId id="259" r:id="rId8"/>
-    <p:sldId id="260" r:id="rId9"/>
+    <p:sldId id="266" r:id="rId7"/>
+    <p:sldId id="267" r:id="rId8"/>
+    <p:sldId id="269" r:id="rId9"/>
+    <p:sldId id="258" r:id="rId10"/>
+    <p:sldId id="259" r:id="rId11"/>
+    <p:sldId id="260" r:id="rId12"/>
   </p:sldIdLst>
   <p:sldSz cx="12192000" cy="6858000"/>
   <p:notesSz cx="6858000" cy="9144000"/>
@@ -123,8 +126,8 @@
 <pc:chgInfo xmlns:a="http://schemas.openxmlformats.org/drawingml/2006/main" xmlns:r="http://schemas.openxmlformats.org/officeDocument/2006/relationships" xmlns:ac="http://schemas.microsoft.com/office/drawing/2013/main/command" xmlns:pc="http://schemas.microsoft.com/office/powerpoint/2013/main/command">
   <pc:docChgLst>
     <pc:chgData name="Paula MH" userId="28fd2089f52684aa" providerId="LiveId" clId="{0258A1A6-39FA-4B4D-8769-F170ECCE015E}"/>
-    <pc:docChg chg="custSel addSld modSld">
-      <pc:chgData name="Paula MH" userId="28fd2089f52684aa" providerId="LiveId" clId="{0258A1A6-39FA-4B4D-8769-F170ECCE015E}" dt="2022-04-30T07:41:32.526" v="39" actId="1076"/>
+    <pc:docChg chg="custSel addSld delSld modSld sldOrd">
+      <pc:chgData name="Paula MH" userId="28fd2089f52684aa" providerId="LiveId" clId="{0258A1A6-39FA-4B4D-8769-F170ECCE015E}" dt="2022-05-08T17:21:33.214" v="459" actId="478"/>
       <pc:docMkLst>
         <pc:docMk/>
       </pc:docMkLst>
@@ -239,6 +242,354 @@
           </ac:spMkLst>
         </pc:spChg>
       </pc:sldChg>
+      <pc:sldChg chg="addSp delSp modSp add mod">
+        <pc:chgData name="Paula MH" userId="28fd2089f52684aa" providerId="LiveId" clId="{0258A1A6-39FA-4B4D-8769-F170ECCE015E}" dt="2022-05-02T11:27:16.354" v="76" actId="14100"/>
+        <pc:sldMkLst>
+          <pc:docMk/>
+          <pc:sldMk cId="3414448487" sldId="266"/>
+        </pc:sldMkLst>
+        <pc:spChg chg="mod">
+          <ac:chgData name="Paula MH" userId="28fd2089f52684aa" providerId="LiveId" clId="{0258A1A6-39FA-4B4D-8769-F170ECCE015E}" dt="2022-05-02T11:26:15.072" v="44" actId="1076"/>
+          <ac:spMkLst>
+            <pc:docMk/>
+            <pc:sldMk cId="3414448487" sldId="266"/>
+            <ac:spMk id="2" creationId="{38E1812C-D773-48CF-94E4-E9DFADC092C7}"/>
+          </ac:spMkLst>
+        </pc:spChg>
+        <pc:spChg chg="add mod">
+          <ac:chgData name="Paula MH" userId="28fd2089f52684aa" providerId="LiveId" clId="{0258A1A6-39FA-4B4D-8769-F170ECCE015E}" dt="2022-05-02T11:26:41.235" v="66" actId="1076"/>
+          <ac:spMkLst>
+            <pc:docMk/>
+            <pc:sldMk cId="3414448487" sldId="266"/>
+            <ac:spMk id="3" creationId="{7667559E-D63F-42B6-FD3F-E9AD9D0EC9CC}"/>
+          </ac:spMkLst>
+        </pc:spChg>
+        <pc:spChg chg="del">
+          <ac:chgData name="Paula MH" userId="28fd2089f52684aa" providerId="LiveId" clId="{0258A1A6-39FA-4B4D-8769-F170ECCE015E}" dt="2022-05-02T11:25:58.700" v="41" actId="478"/>
+          <ac:spMkLst>
+            <pc:docMk/>
+            <pc:sldMk cId="3414448487" sldId="266"/>
+            <ac:spMk id="5" creationId="{029B01E7-6128-4842-85B5-5EF29A1C4A66}"/>
+          </ac:spMkLst>
+        </pc:spChg>
+        <pc:spChg chg="add mod">
+          <ac:chgData name="Paula MH" userId="28fd2089f52684aa" providerId="LiveId" clId="{0258A1A6-39FA-4B4D-8769-F170ECCE015E}" dt="2022-05-02T11:26:15.072" v="44" actId="1076"/>
+          <ac:spMkLst>
+            <pc:docMk/>
+            <pc:sldMk cId="3414448487" sldId="266"/>
+            <ac:spMk id="13" creationId="{F3D69D8C-5D6C-3E3B-92FC-22D4399FC904}"/>
+          </ac:spMkLst>
+        </pc:spChg>
+        <pc:spChg chg="add mod">
+          <ac:chgData name="Paula MH" userId="28fd2089f52684aa" providerId="LiveId" clId="{0258A1A6-39FA-4B4D-8769-F170ECCE015E}" dt="2022-05-02T11:26:52.676" v="68" actId="1076"/>
+          <ac:spMkLst>
+            <pc:docMk/>
+            <pc:sldMk cId="3414448487" sldId="266"/>
+            <ac:spMk id="15" creationId="{D09CDE5D-E0F0-DB2A-4745-48DBA6B03E7A}"/>
+          </ac:spMkLst>
+        </pc:spChg>
+        <pc:spChg chg="add mod">
+          <ac:chgData name="Paula MH" userId="28fd2089f52684aa" providerId="LiveId" clId="{0258A1A6-39FA-4B4D-8769-F170ECCE015E}" dt="2022-05-02T11:27:11.527" v="75" actId="1076"/>
+          <ac:spMkLst>
+            <pc:docMk/>
+            <pc:sldMk cId="3414448487" sldId="266"/>
+            <ac:spMk id="16" creationId="{004BE492-F7DF-8785-7199-EC591D9D392C}"/>
+          </ac:spMkLst>
+        </pc:spChg>
+        <pc:spChg chg="mod">
+          <ac:chgData name="Paula MH" userId="28fd2089f52684aa" providerId="LiveId" clId="{0258A1A6-39FA-4B4D-8769-F170ECCE015E}" dt="2022-05-02T11:27:16.354" v="76" actId="14100"/>
+          <ac:spMkLst>
+            <pc:docMk/>
+            <pc:sldMk cId="3414448487" sldId="266"/>
+            <ac:spMk id="18" creationId="{F32E89A6-BE1D-4036-A951-ABFF245AA3AD}"/>
+          </ac:spMkLst>
+        </pc:spChg>
+        <pc:spChg chg="mod">
+          <ac:chgData name="Paula MH" userId="28fd2089f52684aa" providerId="LiveId" clId="{0258A1A6-39FA-4B4D-8769-F170ECCE015E}" dt="2022-05-02T11:26:15.072" v="44" actId="1076"/>
+          <ac:spMkLst>
+            <pc:docMk/>
+            <pc:sldMk cId="3414448487" sldId="266"/>
+            <ac:spMk id="28" creationId="{1F4C5B23-C922-46F7-A41A-DE2491024847}"/>
+          </ac:spMkLst>
+        </pc:spChg>
+      </pc:sldChg>
+      <pc:sldChg chg="addSp delSp modSp add mod">
+        <pc:chgData name="Paula MH" userId="28fd2089f52684aa" providerId="LiveId" clId="{0258A1A6-39FA-4B4D-8769-F170ECCE015E}" dt="2022-05-02T15:19:57.966" v="396" actId="1076"/>
+        <pc:sldMkLst>
+          <pc:docMk/>
+          <pc:sldMk cId="2898004746" sldId="267"/>
+        </pc:sldMkLst>
+        <pc:spChg chg="del">
+          <ac:chgData name="Paula MH" userId="28fd2089f52684aa" providerId="LiveId" clId="{0258A1A6-39FA-4B4D-8769-F170ECCE015E}" dt="2022-05-02T11:31:57.044" v="79" actId="478"/>
+          <ac:spMkLst>
+            <pc:docMk/>
+            <pc:sldMk cId="2898004746" sldId="267"/>
+            <ac:spMk id="2" creationId="{38E1812C-D773-48CF-94E4-E9DFADC092C7}"/>
+          </ac:spMkLst>
+        </pc:spChg>
+        <pc:spChg chg="del">
+          <ac:chgData name="Paula MH" userId="28fd2089f52684aa" providerId="LiveId" clId="{0258A1A6-39FA-4B4D-8769-F170ECCE015E}" dt="2022-05-02T11:32:02.603" v="81" actId="478"/>
+          <ac:spMkLst>
+            <pc:docMk/>
+            <pc:sldMk cId="2898004746" sldId="267"/>
+            <ac:spMk id="3" creationId="{7667559E-D63F-42B6-FD3F-E9AD9D0EC9CC}"/>
+          </ac:spMkLst>
+        </pc:spChg>
+        <pc:spChg chg="del mod">
+          <ac:chgData name="Paula MH" userId="28fd2089f52684aa" providerId="LiveId" clId="{0258A1A6-39FA-4B4D-8769-F170ECCE015E}" dt="2022-05-02T11:32:14.955" v="87" actId="478"/>
+          <ac:spMkLst>
+            <pc:docMk/>
+            <pc:sldMk cId="2898004746" sldId="267"/>
+            <ac:spMk id="4" creationId="{E15F18AD-0E2B-4A3C-AB0E-3364FC9CF6E9}"/>
+          </ac:spMkLst>
+        </pc:spChg>
+        <pc:spChg chg="add mod">
+          <ac:chgData name="Paula MH" userId="28fd2089f52684aa" providerId="LiveId" clId="{0258A1A6-39FA-4B4D-8769-F170ECCE015E}" dt="2022-05-02T15:16:50.762" v="100" actId="1076"/>
+          <ac:spMkLst>
+            <pc:docMk/>
+            <pc:sldMk cId="2898004746" sldId="267"/>
+            <ac:spMk id="9" creationId="{BF364115-2E1C-AD40-CE80-4E7959AD8083}"/>
+          </ac:spMkLst>
+        </pc:spChg>
+        <pc:spChg chg="del">
+          <ac:chgData name="Paula MH" userId="28fd2089f52684aa" providerId="LiveId" clId="{0258A1A6-39FA-4B4D-8769-F170ECCE015E}" dt="2022-05-02T11:31:55.529" v="78" actId="478"/>
+          <ac:spMkLst>
+            <pc:docMk/>
+            <pc:sldMk cId="2898004746" sldId="267"/>
+            <ac:spMk id="13" creationId="{F3D69D8C-5D6C-3E3B-92FC-22D4399FC904}"/>
+          </ac:spMkLst>
+        </pc:spChg>
+        <pc:spChg chg="del">
+          <ac:chgData name="Paula MH" userId="28fd2089f52684aa" providerId="LiveId" clId="{0258A1A6-39FA-4B4D-8769-F170ECCE015E}" dt="2022-05-02T11:32:08.457" v="83" actId="478"/>
+          <ac:spMkLst>
+            <pc:docMk/>
+            <pc:sldMk cId="2898004746" sldId="267"/>
+            <ac:spMk id="15" creationId="{D09CDE5D-E0F0-DB2A-4745-48DBA6B03E7A}"/>
+          </ac:spMkLst>
+        </pc:spChg>
+        <pc:spChg chg="del">
+          <ac:chgData name="Paula MH" userId="28fd2089f52684aa" providerId="LiveId" clId="{0258A1A6-39FA-4B4D-8769-F170ECCE015E}" dt="2022-05-02T11:32:05.729" v="82" actId="478"/>
+          <ac:spMkLst>
+            <pc:docMk/>
+            <pc:sldMk cId="2898004746" sldId="267"/>
+            <ac:spMk id="16" creationId="{004BE492-F7DF-8785-7199-EC591D9D392C}"/>
+          </ac:spMkLst>
+        </pc:spChg>
+        <pc:spChg chg="add mod">
+          <ac:chgData name="Paula MH" userId="28fd2089f52684aa" providerId="LiveId" clId="{0258A1A6-39FA-4B4D-8769-F170ECCE015E}" dt="2022-05-02T15:17:26.823" v="334" actId="1076"/>
+          <ac:spMkLst>
+            <pc:docMk/>
+            <pc:sldMk cId="2898004746" sldId="267"/>
+            <ac:spMk id="17" creationId="{C23217B3-3F48-A7D1-4C7C-242AC76839B7}"/>
+          </ac:spMkLst>
+        </pc:spChg>
+        <pc:spChg chg="add mod">
+          <ac:chgData name="Paula MH" userId="28fd2089f52684aa" providerId="LiveId" clId="{0258A1A6-39FA-4B4D-8769-F170ECCE015E}" dt="2022-05-02T15:17:36.460" v="336" actId="1076"/>
+          <ac:spMkLst>
+            <pc:docMk/>
+            <pc:sldMk cId="2898004746" sldId="267"/>
+            <ac:spMk id="19" creationId="{F97FD2C5-ABEB-5FC9-DEEF-83CA4E61F691}"/>
+          </ac:spMkLst>
+        </pc:spChg>
+        <pc:spChg chg="add mod">
+          <ac:chgData name="Paula MH" userId="28fd2089f52684aa" providerId="LiveId" clId="{0258A1A6-39FA-4B4D-8769-F170ECCE015E}" dt="2022-05-02T15:19:57.966" v="396" actId="1076"/>
+          <ac:spMkLst>
+            <pc:docMk/>
+            <pc:sldMk cId="2898004746" sldId="267"/>
+            <ac:spMk id="21" creationId="{07AD41A1-BA11-05DB-68CF-8C1735CC3203}"/>
+          </ac:spMkLst>
+        </pc:spChg>
+        <pc:spChg chg="del">
+          <ac:chgData name="Paula MH" userId="28fd2089f52684aa" providerId="LiveId" clId="{0258A1A6-39FA-4B4D-8769-F170ECCE015E}" dt="2022-05-02T11:31:58.929" v="80" actId="478"/>
+          <ac:spMkLst>
+            <pc:docMk/>
+            <pc:sldMk cId="2898004746" sldId="267"/>
+            <ac:spMk id="28" creationId="{1F4C5B23-C922-46F7-A41A-DE2491024847}"/>
+          </ac:spMkLst>
+        </pc:spChg>
+        <pc:picChg chg="del">
+          <ac:chgData name="Paula MH" userId="28fd2089f52684aa" providerId="LiveId" clId="{0258A1A6-39FA-4B4D-8769-F170ECCE015E}" dt="2022-05-02T11:32:11.261" v="86" actId="478"/>
+          <ac:picMkLst>
+            <pc:docMk/>
+            <pc:sldMk cId="2898004746" sldId="267"/>
+            <ac:picMk id="6" creationId="{9F6754B4-C9C9-4A6E-9A4F-C855EFD086DD}"/>
+          </ac:picMkLst>
+        </pc:picChg>
+        <pc:cxnChg chg="add mod">
+          <ac:chgData name="Paula MH" userId="28fd2089f52684aa" providerId="LiveId" clId="{0258A1A6-39FA-4B4D-8769-F170ECCE015E}" dt="2022-05-02T15:16:15.354" v="89" actId="1582"/>
+          <ac:cxnSpMkLst>
+            <pc:docMk/>
+            <pc:sldMk cId="2898004746" sldId="267"/>
+            <ac:cxnSpMk id="8" creationId="{2667211A-D8E3-82D8-C3F7-9061CF24ECFB}"/>
+          </ac:cxnSpMkLst>
+        </pc:cxnChg>
+      </pc:sldChg>
+      <pc:sldChg chg="addSp modSp add del mod">
+        <pc:chgData name="Paula MH" userId="28fd2089f52684aa" providerId="LiveId" clId="{0258A1A6-39FA-4B4D-8769-F170ECCE015E}" dt="2022-05-08T17:16:02.452" v="428" actId="47"/>
+        <pc:sldMkLst>
+          <pc:docMk/>
+          <pc:sldMk cId="1482637364" sldId="268"/>
+        </pc:sldMkLst>
+        <pc:spChg chg="add mod">
+          <ac:chgData name="Paula MH" userId="28fd2089f52684aa" providerId="LiveId" clId="{0258A1A6-39FA-4B4D-8769-F170ECCE015E}" dt="2022-05-02T16:20:13.297" v="400" actId="13822"/>
+          <ac:spMkLst>
+            <pc:docMk/>
+            <pc:sldMk cId="1482637364" sldId="268"/>
+            <ac:spMk id="2" creationId="{053B3C7F-8AFC-958F-6F87-6C1495F51B40}"/>
+          </ac:spMkLst>
+        </pc:spChg>
+        <pc:spChg chg="add mod">
+          <ac:chgData name="Paula MH" userId="28fd2089f52684aa" providerId="LiveId" clId="{0258A1A6-39FA-4B4D-8769-F170ECCE015E}" dt="2022-05-02T16:20:25.419" v="403" actId="13822"/>
+          <ac:spMkLst>
+            <pc:docMk/>
+            <pc:sldMk cId="1482637364" sldId="268"/>
+            <ac:spMk id="3" creationId="{C4868CFB-45B4-4397-06D3-AE79BCD51BA7}"/>
+          </ac:spMkLst>
+        </pc:spChg>
+        <pc:spChg chg="mod">
+          <ac:chgData name="Paula MH" userId="28fd2089f52684aa" providerId="LiveId" clId="{0258A1A6-39FA-4B4D-8769-F170ECCE015E}" dt="2022-05-02T16:21:13.281" v="410" actId="1076"/>
+          <ac:spMkLst>
+            <pc:docMk/>
+            <pc:sldMk cId="1482637364" sldId="268"/>
+            <ac:spMk id="9" creationId="{BF364115-2E1C-AD40-CE80-4E7959AD8083}"/>
+          </ac:spMkLst>
+        </pc:spChg>
+        <pc:spChg chg="mod">
+          <ac:chgData name="Paula MH" userId="28fd2089f52684aa" providerId="LiveId" clId="{0258A1A6-39FA-4B4D-8769-F170ECCE015E}" dt="2022-05-02T16:20:31.760" v="404" actId="1076"/>
+          <ac:spMkLst>
+            <pc:docMk/>
+            <pc:sldMk cId="1482637364" sldId="268"/>
+            <ac:spMk id="17" creationId="{C23217B3-3F48-A7D1-4C7C-242AC76839B7}"/>
+          </ac:spMkLst>
+        </pc:spChg>
+        <pc:spChg chg="mod">
+          <ac:chgData name="Paula MH" userId="28fd2089f52684aa" providerId="LiveId" clId="{0258A1A6-39FA-4B4D-8769-F170ECCE015E}" dt="2022-05-02T16:20:47.530" v="405" actId="1076"/>
+          <ac:spMkLst>
+            <pc:docMk/>
+            <pc:sldMk cId="1482637364" sldId="268"/>
+            <ac:spMk id="19" creationId="{F97FD2C5-ABEB-5FC9-DEEF-83CA4E61F691}"/>
+          </ac:spMkLst>
+        </pc:spChg>
+        <pc:spChg chg="mod">
+          <ac:chgData name="Paula MH" userId="28fd2089f52684aa" providerId="LiveId" clId="{0258A1A6-39FA-4B4D-8769-F170ECCE015E}" dt="2022-05-02T16:20:47.530" v="405" actId="1076"/>
+          <ac:spMkLst>
+            <pc:docMk/>
+            <pc:sldMk cId="1482637364" sldId="268"/>
+            <ac:spMk id="21" creationId="{07AD41A1-BA11-05DB-68CF-8C1735CC3203}"/>
+          </ac:spMkLst>
+        </pc:spChg>
+        <pc:cxnChg chg="mod">
+          <ac:chgData name="Paula MH" userId="28fd2089f52684aa" providerId="LiveId" clId="{0258A1A6-39FA-4B4D-8769-F170ECCE015E}" dt="2022-05-02T16:21:03.420" v="407" actId="14100"/>
+          <ac:cxnSpMkLst>
+            <pc:docMk/>
+            <pc:sldMk cId="1482637364" sldId="268"/>
+            <ac:cxnSpMk id="8" creationId="{2667211A-D8E3-82D8-C3F7-9061CF24ECFB}"/>
+          </ac:cxnSpMkLst>
+        </pc:cxnChg>
+        <pc:cxnChg chg="add mod">
+          <ac:chgData name="Paula MH" userId="28fd2089f52684aa" providerId="LiveId" clId="{0258A1A6-39FA-4B4D-8769-F170ECCE015E}" dt="2022-05-02T16:21:17.699" v="411" actId="1076"/>
+          <ac:cxnSpMkLst>
+            <pc:docMk/>
+            <pc:sldMk cId="1482637364" sldId="268"/>
+            <ac:cxnSpMk id="16" creationId="{AF617071-B6F2-22C2-2807-2AFEAA45C7D5}"/>
+          </ac:cxnSpMkLst>
+        </pc:cxnChg>
+      </pc:sldChg>
+      <pc:sldChg chg="addSp delSp modSp add mod ord">
+        <pc:chgData name="Paula MH" userId="28fd2089f52684aa" providerId="LiveId" clId="{0258A1A6-39FA-4B4D-8769-F170ECCE015E}" dt="2022-05-08T17:21:33.214" v="459" actId="478"/>
+        <pc:sldMkLst>
+          <pc:docMk/>
+          <pc:sldMk cId="3301873646" sldId="269"/>
+        </pc:sldMkLst>
+        <pc:spChg chg="del">
+          <ac:chgData name="Paula MH" userId="28fd2089f52684aa" providerId="LiveId" clId="{0258A1A6-39FA-4B4D-8769-F170ECCE015E}" dt="2022-05-08T17:15:11.413" v="419" actId="478"/>
+          <ac:spMkLst>
+            <pc:docMk/>
+            <pc:sldMk cId="3301873646" sldId="269"/>
+            <ac:spMk id="9" creationId="{BF364115-2E1C-AD40-CE80-4E7959AD8083}"/>
+          </ac:spMkLst>
+        </pc:spChg>
+        <pc:spChg chg="add mod">
+          <ac:chgData name="Paula MH" userId="28fd2089f52684aa" providerId="LiveId" clId="{0258A1A6-39FA-4B4D-8769-F170ECCE015E}" dt="2022-05-08T17:15:45.944" v="427" actId="1076"/>
+          <ac:spMkLst>
+            <pc:docMk/>
+            <pc:sldMk cId="3301873646" sldId="269"/>
+            <ac:spMk id="13" creationId="{87AEF759-4FCB-6AFD-3479-7857F7AD6FA7}"/>
+          </ac:spMkLst>
+        </pc:spChg>
+        <pc:spChg chg="add del mod">
+          <ac:chgData name="Paula MH" userId="28fd2089f52684aa" providerId="LiveId" clId="{0258A1A6-39FA-4B4D-8769-F170ECCE015E}" dt="2022-05-08T17:21:33.214" v="459" actId="478"/>
+          <ac:spMkLst>
+            <pc:docMk/>
+            <pc:sldMk cId="3301873646" sldId="269"/>
+            <ac:spMk id="15" creationId="{86161054-20FB-8DC3-2E71-78722CEAE35F}"/>
+          </ac:spMkLst>
+        </pc:spChg>
+        <pc:spChg chg="add del mod">
+          <ac:chgData name="Paula MH" userId="28fd2089f52684aa" providerId="LiveId" clId="{0258A1A6-39FA-4B4D-8769-F170ECCE015E}" dt="2022-05-08T17:18:32.284" v="455" actId="478"/>
+          <ac:spMkLst>
+            <pc:docMk/>
+            <pc:sldMk cId="3301873646" sldId="269"/>
+            <ac:spMk id="16" creationId="{1C4BD95E-D008-D427-D69C-0776A92B14C0}"/>
+          </ac:spMkLst>
+        </pc:spChg>
+        <pc:spChg chg="del">
+          <ac:chgData name="Paula MH" userId="28fd2089f52684aa" providerId="LiveId" clId="{0258A1A6-39FA-4B4D-8769-F170ECCE015E}" dt="2022-05-08T17:15:05.955" v="416" actId="478"/>
+          <ac:spMkLst>
+            <pc:docMk/>
+            <pc:sldMk cId="3301873646" sldId="269"/>
+            <ac:spMk id="17" creationId="{C23217B3-3F48-A7D1-4C7C-242AC76839B7}"/>
+          </ac:spMkLst>
+        </pc:spChg>
+        <pc:spChg chg="del">
+          <ac:chgData name="Paula MH" userId="28fd2089f52684aa" providerId="LiveId" clId="{0258A1A6-39FA-4B4D-8769-F170ECCE015E}" dt="2022-05-08T17:15:04.256" v="415" actId="478"/>
+          <ac:spMkLst>
+            <pc:docMk/>
+            <pc:sldMk cId="3301873646" sldId="269"/>
+            <ac:spMk id="19" creationId="{F97FD2C5-ABEB-5FC9-DEEF-83CA4E61F691}"/>
+          </ac:spMkLst>
+        </pc:spChg>
+        <pc:spChg chg="add del mod">
+          <ac:chgData name="Paula MH" userId="28fd2089f52684aa" providerId="LiveId" clId="{0258A1A6-39FA-4B4D-8769-F170ECCE015E}" dt="2022-05-08T17:18:34.302" v="456" actId="478"/>
+          <ac:spMkLst>
+            <pc:docMk/>
+            <pc:sldMk cId="3301873646" sldId="269"/>
+            <ac:spMk id="20" creationId="{AAF86928-C8FC-BC93-F0DA-CEC5BCA8296D}"/>
+          </ac:spMkLst>
+        </pc:spChg>
+        <pc:spChg chg="del">
+          <ac:chgData name="Paula MH" userId="28fd2089f52684aa" providerId="LiveId" clId="{0258A1A6-39FA-4B4D-8769-F170ECCE015E}" dt="2022-05-08T17:15:07.636" v="417" actId="478"/>
+          <ac:spMkLst>
+            <pc:docMk/>
+            <pc:sldMk cId="3301873646" sldId="269"/>
+            <ac:spMk id="21" creationId="{07AD41A1-BA11-05DB-68CF-8C1735CC3203}"/>
+          </ac:spMkLst>
+        </pc:spChg>
+        <pc:spChg chg="add del mod">
+          <ac:chgData name="Paula MH" userId="28fd2089f52684aa" providerId="LiveId" clId="{0258A1A6-39FA-4B4D-8769-F170ECCE015E}" dt="2022-05-08T17:18:35.958" v="457" actId="478"/>
+          <ac:spMkLst>
+            <pc:docMk/>
+            <pc:sldMk cId="3301873646" sldId="269"/>
+            <ac:spMk id="22" creationId="{440E3A57-315B-06FA-E5F1-4B936CAD39C0}"/>
+          </ac:spMkLst>
+        </pc:spChg>
+        <pc:spChg chg="add del mod">
+          <ac:chgData name="Paula MH" userId="28fd2089f52684aa" providerId="LiveId" clId="{0258A1A6-39FA-4B4D-8769-F170ECCE015E}" dt="2022-05-08T17:18:37.828" v="458" actId="478"/>
+          <ac:spMkLst>
+            <pc:docMk/>
+            <pc:sldMk cId="3301873646" sldId="269"/>
+            <ac:spMk id="23" creationId="{B497D45A-548B-5DED-C412-31C055D1C067}"/>
+          </ac:spMkLst>
+        </pc:spChg>
+        <pc:cxnChg chg="del">
+          <ac:chgData name="Paula MH" userId="28fd2089f52684aa" providerId="LiveId" clId="{0258A1A6-39FA-4B4D-8769-F170ECCE015E}" dt="2022-05-08T17:15:09.499" v="418" actId="478"/>
+          <ac:cxnSpMkLst>
+            <pc:docMk/>
+            <pc:sldMk cId="3301873646" sldId="269"/>
+            <ac:cxnSpMk id="8" creationId="{2667211A-D8E3-82D8-C3F7-9061CF24ECFB}"/>
+          </ac:cxnSpMkLst>
+        </pc:cxnChg>
+      </pc:sldChg>
     </pc:docChg>
   </pc:docChgLst>
 </pc:chgInfo>
@@ -391,7 +742,7 @@
           <a:p>
             <a:fld id="{58943FA6-1F0B-4FCB-A92C-BFC95ED638A9}" type="datetimeFigureOut">
               <a:rPr lang="es-ES" smtClean="0"/>
-              <a:t>30/04/2022</a:t>
+              <a:t>08/05/2022</a:t>
             </a:fld>
             <a:endParaRPr lang="es-ES"/>
           </a:p>
@@ -589,7 +940,7 @@
           <a:p>
             <a:fld id="{58943FA6-1F0B-4FCB-A92C-BFC95ED638A9}" type="datetimeFigureOut">
               <a:rPr lang="es-ES" smtClean="0"/>
-              <a:t>30/04/2022</a:t>
+              <a:t>08/05/2022</a:t>
             </a:fld>
             <a:endParaRPr lang="es-ES"/>
           </a:p>
@@ -797,7 +1148,7 @@
           <a:p>
             <a:fld id="{58943FA6-1F0B-4FCB-A92C-BFC95ED638A9}" type="datetimeFigureOut">
               <a:rPr lang="es-ES" smtClean="0"/>
-              <a:t>30/04/2022</a:t>
+              <a:t>08/05/2022</a:t>
             </a:fld>
             <a:endParaRPr lang="es-ES"/>
           </a:p>
@@ -995,7 +1346,7 @@
           <a:p>
             <a:fld id="{58943FA6-1F0B-4FCB-A92C-BFC95ED638A9}" type="datetimeFigureOut">
               <a:rPr lang="es-ES" smtClean="0"/>
-              <a:t>30/04/2022</a:t>
+              <a:t>08/05/2022</a:t>
             </a:fld>
             <a:endParaRPr lang="es-ES"/>
           </a:p>
@@ -1270,7 +1621,7 @@
           <a:p>
             <a:fld id="{58943FA6-1F0B-4FCB-A92C-BFC95ED638A9}" type="datetimeFigureOut">
               <a:rPr lang="es-ES" smtClean="0"/>
-              <a:t>30/04/2022</a:t>
+              <a:t>08/05/2022</a:t>
             </a:fld>
             <a:endParaRPr lang="es-ES"/>
           </a:p>
@@ -1535,7 +1886,7 @@
           <a:p>
             <a:fld id="{58943FA6-1F0B-4FCB-A92C-BFC95ED638A9}" type="datetimeFigureOut">
               <a:rPr lang="es-ES" smtClean="0"/>
-              <a:t>30/04/2022</a:t>
+              <a:t>08/05/2022</a:t>
             </a:fld>
             <a:endParaRPr lang="es-ES"/>
           </a:p>
@@ -1947,7 +2298,7 @@
           <a:p>
             <a:fld id="{58943FA6-1F0B-4FCB-A92C-BFC95ED638A9}" type="datetimeFigureOut">
               <a:rPr lang="es-ES" smtClean="0"/>
-              <a:t>30/04/2022</a:t>
+              <a:t>08/05/2022</a:t>
             </a:fld>
             <a:endParaRPr lang="es-ES"/>
           </a:p>
@@ -2088,7 +2439,7 @@
           <a:p>
             <a:fld id="{58943FA6-1F0B-4FCB-A92C-BFC95ED638A9}" type="datetimeFigureOut">
               <a:rPr lang="es-ES" smtClean="0"/>
-              <a:t>30/04/2022</a:t>
+              <a:t>08/05/2022</a:t>
             </a:fld>
             <a:endParaRPr lang="es-ES"/>
           </a:p>
@@ -2201,7 +2552,7 @@
           <a:p>
             <a:fld id="{58943FA6-1F0B-4FCB-A92C-BFC95ED638A9}" type="datetimeFigureOut">
               <a:rPr lang="es-ES" smtClean="0"/>
-              <a:t>30/04/2022</a:t>
+              <a:t>08/05/2022</a:t>
             </a:fld>
             <a:endParaRPr lang="es-ES"/>
           </a:p>
@@ -2512,7 +2863,7 @@
           <a:p>
             <a:fld id="{58943FA6-1F0B-4FCB-A92C-BFC95ED638A9}" type="datetimeFigureOut">
               <a:rPr lang="es-ES" smtClean="0"/>
-              <a:t>30/04/2022</a:t>
+              <a:t>08/05/2022</a:t>
             </a:fld>
             <a:endParaRPr lang="es-ES"/>
           </a:p>
@@ -2800,7 +3151,7 @@
           <a:p>
             <a:fld id="{58943FA6-1F0B-4FCB-A92C-BFC95ED638A9}" type="datetimeFigureOut">
               <a:rPr lang="es-ES" smtClean="0"/>
-              <a:t>30/04/2022</a:t>
+              <a:t>08/05/2022</a:t>
             </a:fld>
             <a:endParaRPr lang="es-ES"/>
           </a:p>
@@ -3041,7 +3392,7 @@
           <a:p>
             <a:fld id="{58943FA6-1F0B-4FCB-A92C-BFC95ED638A9}" type="datetimeFigureOut">
               <a:rPr lang="es-ES" smtClean="0"/>
-              <a:t>30/04/2022</a:t>
+              <a:t>08/05/2022</a:t>
             </a:fld>
             <a:endParaRPr lang="es-ES"/>
           </a:p>
@@ -4400,6 +4751,131 @@
 </p:sld>
 </file>
 
+<file path=ppt/slides/slide10.xml><?xml version="1.0" encoding="utf-8"?>
+<p:sld xmlns:a="http://schemas.openxmlformats.org/drawingml/2006/main" xmlns:r="http://schemas.openxmlformats.org/officeDocument/2006/relationships" xmlns:p="http://schemas.openxmlformats.org/presentationml/2006/main">
+  <p:cSld>
+    <p:spTree>
+      <p:nvGrpSpPr>
+        <p:cNvPr id="1" name=""/>
+        <p:cNvGrpSpPr/>
+        <p:nvPr/>
+      </p:nvGrpSpPr>
+      <p:grpSpPr>
+        <a:xfrm>
+          <a:off x="0" y="0"/>
+          <a:ext cx="0" cy="0"/>
+          <a:chOff x="0" y="0"/>
+          <a:chExt cx="0" cy="0"/>
+        </a:xfrm>
+      </p:grpSpPr>
+      <p:sp>
+        <p:nvSpPr>
+          <p:cNvPr id="3" name="CuadroTexto 2">
+            <a:extLst>
+              <a:ext uri="{FF2B5EF4-FFF2-40B4-BE49-F238E27FC236}">
+                <a16:creationId xmlns:a16="http://schemas.microsoft.com/office/drawing/2014/main" id="{7043C214-05A4-4605-9A3A-3C2C76CFBA33}"/>
+              </a:ext>
+            </a:extLst>
+          </p:cNvPr>
+          <p:cNvSpPr txBox="1"/>
+          <p:nvPr/>
+        </p:nvSpPr>
+        <p:spPr>
+          <a:xfrm>
+            <a:off x="3047189" y="3244334"/>
+            <a:ext cx="6094378" cy="369332"/>
+          </a:xfrm>
+          <a:prstGeom prst="rect">
+            <a:avLst/>
+          </a:prstGeom>
+          <a:noFill/>
+        </p:spPr>
+        <p:txBody>
+          <a:bodyPr wrap="square">
+            <a:spAutoFit/>
+          </a:bodyPr>
+          <a:lstStyle/>
+          <a:p>
+            <a:r>
+              <a:rPr lang="es-ES" dirty="0"/>
+              <a:t>https://kojo.com.au/</a:t>
+            </a:r>
+          </a:p>
+        </p:txBody>
+      </p:sp>
+    </p:spTree>
+    <p:extLst>
+      <p:ext uri="{BB962C8B-B14F-4D97-AF65-F5344CB8AC3E}">
+        <p14:creationId xmlns:p14="http://schemas.microsoft.com/office/powerpoint/2010/main" val="4206286501"/>
+      </p:ext>
+    </p:extLst>
+  </p:cSld>
+  <p:clrMapOvr>
+    <a:masterClrMapping/>
+  </p:clrMapOvr>
+</p:sld>
+</file>
+
+<file path=ppt/slides/slide11.xml><?xml version="1.0" encoding="utf-8"?>
+<p:sld xmlns:a="http://schemas.openxmlformats.org/drawingml/2006/main" xmlns:r="http://schemas.openxmlformats.org/officeDocument/2006/relationships" xmlns:p="http://schemas.openxmlformats.org/presentationml/2006/main">
+  <p:cSld>
+    <p:spTree>
+      <p:nvGrpSpPr>
+        <p:cNvPr id="1" name=""/>
+        <p:cNvGrpSpPr/>
+        <p:nvPr/>
+      </p:nvGrpSpPr>
+      <p:grpSpPr>
+        <a:xfrm>
+          <a:off x="0" y="0"/>
+          <a:ext cx="0" cy="0"/>
+          <a:chOff x="0" y="0"/>
+          <a:chExt cx="0" cy="0"/>
+        </a:xfrm>
+      </p:grpSpPr>
+      <p:pic>
+        <p:nvPicPr>
+          <p:cNvPr id="3" name="Imagen 2">
+            <a:extLst>
+              <a:ext uri="{FF2B5EF4-FFF2-40B4-BE49-F238E27FC236}">
+                <a16:creationId xmlns:a16="http://schemas.microsoft.com/office/drawing/2014/main" id="{B6096502-2A9C-45CA-8873-1D77929A210E}"/>
+              </a:ext>
+            </a:extLst>
+          </p:cNvPr>
+          <p:cNvPicPr>
+            <a:picLocks noChangeAspect="1"/>
+          </p:cNvPicPr>
+          <p:nvPr/>
+        </p:nvPicPr>
+        <p:blipFill>
+          <a:blip r:embed="rId2"/>
+          <a:stretch>
+            <a:fillRect/>
+          </a:stretch>
+        </p:blipFill>
+        <p:spPr>
+          <a:xfrm>
+            <a:off x="0" y="441423"/>
+            <a:ext cx="12192000" cy="5975154"/>
+          </a:xfrm>
+          <a:prstGeom prst="rect">
+            <a:avLst/>
+          </a:prstGeom>
+        </p:spPr>
+      </p:pic>
+    </p:spTree>
+    <p:extLst>
+      <p:ext uri="{BB962C8B-B14F-4D97-AF65-F5344CB8AC3E}">
+        <p14:creationId xmlns:p14="http://schemas.microsoft.com/office/powerpoint/2010/main" val="813271363"/>
+      </p:ext>
+    </p:extLst>
+  </p:cSld>
+  <p:clrMapOvr>
+    <a:masterClrMapping/>
+  </p:clrMapOvr>
+</p:sld>
+</file>
+
 <file path=ppt/slides/slide2.xml><?xml version="1.0" encoding="utf-8"?>
 <p:sld xmlns:a="http://schemas.openxmlformats.org/drawingml/2006/main" xmlns:r="http://schemas.openxmlformats.org/officeDocument/2006/relationships" xmlns:p="http://schemas.openxmlformats.org/presentationml/2006/main">
   <p:cSld>
@@ -9680,12 +10156,667 @@
           <a:chExt cx="0" cy="0"/>
         </a:xfrm>
       </p:grpSpPr>
+      <p:sp>
+        <p:nvSpPr>
+          <p:cNvPr id="18" name="Rectángulo 17">
+            <a:extLst>
+              <a:ext uri="{FF2B5EF4-FFF2-40B4-BE49-F238E27FC236}">
+                <a16:creationId xmlns:a16="http://schemas.microsoft.com/office/drawing/2014/main" id="{F32E89A6-BE1D-4036-A951-ABFF245AA3AD}"/>
+              </a:ext>
+            </a:extLst>
+          </p:cNvPr>
+          <p:cNvSpPr/>
+          <p:nvPr/>
+        </p:nvSpPr>
+        <p:spPr>
+          <a:xfrm>
+            <a:off x="855406" y="1349952"/>
+            <a:ext cx="10481188" cy="5508047"/>
+          </a:xfrm>
+          <a:prstGeom prst="rect">
+            <a:avLst/>
+          </a:prstGeom>
+          <a:solidFill>
+            <a:srgbClr val="E5FFFF"/>
+          </a:solidFill>
+          <a:ln>
+            <a:noFill/>
+          </a:ln>
+        </p:spPr>
+        <p:style>
+          <a:lnRef idx="2">
+            <a:schemeClr val="accent1">
+              <a:shade val="50000"/>
+            </a:schemeClr>
+          </a:lnRef>
+          <a:fillRef idx="1">
+            <a:schemeClr val="accent1"/>
+          </a:fillRef>
+          <a:effectRef idx="0">
+            <a:schemeClr val="accent1"/>
+          </a:effectRef>
+          <a:fontRef idx="minor">
+            <a:schemeClr val="lt1"/>
+          </a:fontRef>
+        </p:style>
+        <p:txBody>
+          <a:bodyPr rtlCol="0" anchor="ctr"/>
+          <a:lstStyle/>
+          <a:p>
+            <a:pPr marL="0" marR="0" lvl="0" indent="0" algn="ctr" defTabSz="914400" rtl="0" eaLnBrk="1" fontAlgn="auto" latinLnBrk="0" hangingPunct="1">
+              <a:lnSpc>
+                <a:spcPct val="100000"/>
+              </a:lnSpc>
+              <a:spcBef>
+                <a:spcPts val="0"/>
+              </a:spcBef>
+              <a:spcAft>
+                <a:spcPts val="0"/>
+              </a:spcAft>
+              <a:buClrTx/>
+              <a:buSzTx/>
+              <a:buFontTx/>
+              <a:buNone/>
+              <a:tabLst/>
+              <a:defRPr/>
+            </a:pPr>
+            <a:endParaRPr kumimoji="0" lang="es-ES" sz="1800" b="0" i="0" u="none" strike="noStrike" kern="1200" cap="none" spc="0" normalizeH="0" baseline="0" noProof="0" dirty="0">
+              <a:ln>
+                <a:noFill/>
+              </a:ln>
+              <a:solidFill>
+                <a:prstClr val="white"/>
+              </a:solidFill>
+              <a:effectLst/>
+              <a:uLnTx/>
+              <a:uFillTx/>
+              <a:latin typeface="Calibri" panose="020F0502020204030204"/>
+              <a:ea typeface="+mn-ea"/>
+              <a:cs typeface="+mn-cs"/>
+            </a:endParaRPr>
+          </a:p>
+        </p:txBody>
+      </p:sp>
+      <p:sp>
+        <p:nvSpPr>
+          <p:cNvPr id="10" name="Elipse 9">
+            <a:extLst>
+              <a:ext uri="{FF2B5EF4-FFF2-40B4-BE49-F238E27FC236}">
+                <a16:creationId xmlns:a16="http://schemas.microsoft.com/office/drawing/2014/main" id="{1D365CBE-FF67-46AB-9B8E-D5E8A1314E63}"/>
+              </a:ext>
+            </a:extLst>
+          </p:cNvPr>
+          <p:cNvSpPr/>
+          <p:nvPr/>
+        </p:nvSpPr>
+        <p:spPr>
+          <a:xfrm>
+            <a:off x="11520054" y="3560965"/>
+            <a:ext cx="272473" cy="247954"/>
+          </a:xfrm>
+          <a:prstGeom prst="ellipse">
+            <a:avLst/>
+          </a:prstGeom>
+          <a:solidFill>
+            <a:schemeClr val="accent2">
+              <a:alpha val="50000"/>
+            </a:schemeClr>
+          </a:solidFill>
+          <a:ln>
+            <a:noFill/>
+          </a:ln>
+        </p:spPr>
+        <p:style>
+          <a:lnRef idx="0">
+            <a:scrgbClr r="0" g="0" b="0"/>
+          </a:lnRef>
+          <a:fillRef idx="0">
+            <a:scrgbClr r="0" g="0" b="0"/>
+          </a:fillRef>
+          <a:effectRef idx="0">
+            <a:scrgbClr r="0" g="0" b="0"/>
+          </a:effectRef>
+          <a:fontRef idx="minor">
+            <a:schemeClr val="lt1"/>
+          </a:fontRef>
+        </p:style>
+        <p:txBody>
+          <a:bodyPr rtlCol="0" anchor="ctr"/>
+          <a:lstStyle/>
+          <a:p>
+            <a:pPr marL="0" marR="0" lvl="0" indent="0" algn="ctr" defTabSz="914400" rtl="0" eaLnBrk="1" fontAlgn="auto" latinLnBrk="0" hangingPunct="1">
+              <a:lnSpc>
+                <a:spcPct val="100000"/>
+              </a:lnSpc>
+              <a:spcBef>
+                <a:spcPts val="0"/>
+              </a:spcBef>
+              <a:spcAft>
+                <a:spcPts val="0"/>
+              </a:spcAft>
+              <a:buClrTx/>
+              <a:buSzTx/>
+              <a:buFontTx/>
+              <a:buNone/>
+              <a:tabLst/>
+              <a:defRPr/>
+            </a:pPr>
+            <a:endParaRPr kumimoji="0" lang="es-ES" sz="1800" b="0" i="0" u="none" strike="noStrike" kern="1200" cap="none" spc="0" normalizeH="0" baseline="0" noProof="0">
+              <a:ln>
+                <a:noFill/>
+              </a:ln>
+              <a:solidFill>
+                <a:prstClr val="white"/>
+              </a:solidFill>
+              <a:effectLst/>
+              <a:uLnTx/>
+              <a:uFillTx/>
+              <a:latin typeface="Calibri" panose="020F0502020204030204"/>
+              <a:ea typeface="+mn-ea"/>
+              <a:cs typeface="+mn-cs"/>
+            </a:endParaRPr>
+          </a:p>
+        </p:txBody>
+      </p:sp>
+      <p:sp>
+        <p:nvSpPr>
+          <p:cNvPr id="11" name="Elipse 10">
+            <a:extLst>
+              <a:ext uri="{FF2B5EF4-FFF2-40B4-BE49-F238E27FC236}">
+                <a16:creationId xmlns:a16="http://schemas.microsoft.com/office/drawing/2014/main" id="{D3178CD2-487D-44AA-BC65-C732B5C988FF}"/>
+              </a:ext>
+            </a:extLst>
+          </p:cNvPr>
+          <p:cNvSpPr/>
+          <p:nvPr/>
+        </p:nvSpPr>
+        <p:spPr>
+          <a:xfrm>
+            <a:off x="11520054" y="4530783"/>
+            <a:ext cx="272473" cy="247954"/>
+          </a:xfrm>
+          <a:prstGeom prst="ellipse">
+            <a:avLst/>
+          </a:prstGeom>
+          <a:solidFill>
+            <a:schemeClr val="accent2">
+              <a:alpha val="50000"/>
+            </a:schemeClr>
+          </a:solidFill>
+          <a:ln>
+            <a:noFill/>
+          </a:ln>
+        </p:spPr>
+        <p:style>
+          <a:lnRef idx="0">
+            <a:scrgbClr r="0" g="0" b="0"/>
+          </a:lnRef>
+          <a:fillRef idx="0">
+            <a:scrgbClr r="0" g="0" b="0"/>
+          </a:fillRef>
+          <a:effectRef idx="0">
+            <a:scrgbClr r="0" g="0" b="0"/>
+          </a:effectRef>
+          <a:fontRef idx="minor">
+            <a:schemeClr val="lt1"/>
+          </a:fontRef>
+        </p:style>
+        <p:txBody>
+          <a:bodyPr rtlCol="0" anchor="ctr"/>
+          <a:lstStyle/>
+          <a:p>
+            <a:pPr marL="0" marR="0" lvl="0" indent="0" algn="ctr" defTabSz="914400" rtl="0" eaLnBrk="1" fontAlgn="auto" latinLnBrk="0" hangingPunct="1">
+              <a:lnSpc>
+                <a:spcPct val="100000"/>
+              </a:lnSpc>
+              <a:spcBef>
+                <a:spcPts val="0"/>
+              </a:spcBef>
+              <a:spcAft>
+                <a:spcPts val="0"/>
+              </a:spcAft>
+              <a:buClrTx/>
+              <a:buSzTx/>
+              <a:buFontTx/>
+              <a:buNone/>
+              <a:tabLst/>
+              <a:defRPr/>
+            </a:pPr>
+            <a:endParaRPr kumimoji="0" lang="es-ES" sz="1800" b="0" i="0" u="none" strike="noStrike" kern="1200" cap="none" spc="0" normalizeH="0" baseline="0" noProof="0">
+              <a:ln>
+                <a:noFill/>
+              </a:ln>
+              <a:solidFill>
+                <a:prstClr val="white"/>
+              </a:solidFill>
+              <a:effectLst/>
+              <a:uLnTx/>
+              <a:uFillTx/>
+              <a:latin typeface="Calibri" panose="020F0502020204030204"/>
+              <a:ea typeface="+mn-ea"/>
+              <a:cs typeface="+mn-cs"/>
+            </a:endParaRPr>
+          </a:p>
+        </p:txBody>
+      </p:sp>
+      <p:sp>
+        <p:nvSpPr>
+          <p:cNvPr id="12" name="Elipse 11">
+            <a:extLst>
+              <a:ext uri="{FF2B5EF4-FFF2-40B4-BE49-F238E27FC236}">
+                <a16:creationId xmlns:a16="http://schemas.microsoft.com/office/drawing/2014/main" id="{8ACA2EB6-431E-4BF3-A0EF-4D714EFE5D45}"/>
+              </a:ext>
+            </a:extLst>
+          </p:cNvPr>
+          <p:cNvSpPr/>
+          <p:nvPr/>
+        </p:nvSpPr>
+        <p:spPr>
+          <a:xfrm>
+            <a:off x="11520054" y="2591147"/>
+            <a:ext cx="272473" cy="247954"/>
+          </a:xfrm>
+          <a:prstGeom prst="ellipse">
+            <a:avLst/>
+          </a:prstGeom>
+          <a:solidFill>
+            <a:schemeClr val="accent2">
+              <a:alpha val="50000"/>
+            </a:schemeClr>
+          </a:solidFill>
+          <a:ln>
+            <a:noFill/>
+          </a:ln>
+        </p:spPr>
+        <p:style>
+          <a:lnRef idx="0">
+            <a:scrgbClr r="0" g="0" b="0"/>
+          </a:lnRef>
+          <a:fillRef idx="0">
+            <a:scrgbClr r="0" g="0" b="0"/>
+          </a:fillRef>
+          <a:effectRef idx="0">
+            <a:scrgbClr r="0" g="0" b="0"/>
+          </a:effectRef>
+          <a:fontRef idx="minor">
+            <a:schemeClr val="lt1"/>
+          </a:fontRef>
+        </p:style>
+        <p:txBody>
+          <a:bodyPr rtlCol="0" anchor="ctr"/>
+          <a:lstStyle/>
+          <a:p>
+            <a:pPr marL="0" marR="0" lvl="0" indent="0" algn="ctr" defTabSz="914400" rtl="0" eaLnBrk="1" fontAlgn="auto" latinLnBrk="0" hangingPunct="1">
+              <a:lnSpc>
+                <a:spcPct val="100000"/>
+              </a:lnSpc>
+              <a:spcBef>
+                <a:spcPts val="0"/>
+              </a:spcBef>
+              <a:spcAft>
+                <a:spcPts val="0"/>
+              </a:spcAft>
+              <a:buClrTx/>
+              <a:buSzTx/>
+              <a:buFontTx/>
+              <a:buNone/>
+              <a:tabLst/>
+              <a:defRPr/>
+            </a:pPr>
+            <a:endParaRPr kumimoji="0" lang="es-ES" sz="1800" b="0" i="0" u="none" strike="noStrike" kern="1200" cap="none" spc="0" normalizeH="0" baseline="0" noProof="0">
+              <a:ln>
+                <a:noFill/>
+              </a:ln>
+              <a:solidFill>
+                <a:prstClr val="white"/>
+              </a:solidFill>
+              <a:effectLst/>
+              <a:uLnTx/>
+              <a:uFillTx/>
+              <a:latin typeface="Calibri" panose="020F0502020204030204"/>
+              <a:ea typeface="+mn-ea"/>
+              <a:cs typeface="+mn-cs"/>
+            </a:endParaRPr>
+          </a:p>
+        </p:txBody>
+      </p:sp>
+      <p:sp>
+        <p:nvSpPr>
+          <p:cNvPr id="14" name="CuadroTexto 13">
+            <a:extLst>
+              <a:ext uri="{FF2B5EF4-FFF2-40B4-BE49-F238E27FC236}">
+                <a16:creationId xmlns:a16="http://schemas.microsoft.com/office/drawing/2014/main" id="{17725C3C-F5ED-4C16-9579-3AFF248C3DC1}"/>
+              </a:ext>
+            </a:extLst>
+          </p:cNvPr>
+          <p:cNvSpPr txBox="1"/>
+          <p:nvPr/>
+        </p:nvSpPr>
+        <p:spPr>
+          <a:xfrm flipV="1">
+            <a:off x="210281" y="3484631"/>
+            <a:ext cx="461665" cy="648575"/>
+          </a:xfrm>
+          <a:prstGeom prst="rect">
+            <a:avLst/>
+          </a:prstGeom>
+          <a:noFill/>
+        </p:spPr>
+        <p:txBody>
+          <a:bodyPr vert="eaVert" wrap="none" rtlCol="0">
+            <a:spAutoFit/>
+          </a:bodyPr>
+          <a:lstStyle/>
+          <a:p>
+            <a:pPr marL="0" marR="0" lvl="0" indent="0" algn="l" defTabSz="914400" rtl="0" eaLnBrk="1" fontAlgn="auto" latinLnBrk="0" hangingPunct="1">
+              <a:lnSpc>
+                <a:spcPct val="100000"/>
+              </a:lnSpc>
+              <a:spcBef>
+                <a:spcPts val="0"/>
+              </a:spcBef>
+              <a:spcAft>
+                <a:spcPts val="0"/>
+              </a:spcAft>
+              <a:buClrTx/>
+              <a:buSzTx/>
+              <a:buFontTx/>
+              <a:buNone/>
+              <a:tabLst/>
+              <a:defRPr/>
+            </a:pPr>
+            <a:r>
+              <a:rPr kumimoji="0" lang="es-ES" sz="1800" b="0" i="0" u="none" strike="noStrike" kern="1200" cap="none" spc="0" normalizeH="0" baseline="0" noProof="0" dirty="0">
+                <a:ln>
+                  <a:noFill/>
+                </a:ln>
+                <a:solidFill>
+                  <a:srgbClr val="ED7D31">
+                    <a:lumMod val="40000"/>
+                    <a:lumOff val="60000"/>
+                  </a:srgbClr>
+                </a:solidFill>
+                <a:effectLst/>
+                <a:uLnTx/>
+                <a:uFillTx/>
+                <a:latin typeface="Calibri" panose="020F0502020204030204"/>
+                <a:ea typeface="+mn-ea"/>
+                <a:cs typeface="+mn-cs"/>
+              </a:rPr>
+              <a:t>Menú</a:t>
+            </a:r>
+          </a:p>
+        </p:txBody>
+      </p:sp>
+      <p:sp>
+        <p:nvSpPr>
+          <p:cNvPr id="7" name="CuadroTexto 6">
+            <a:extLst>
+              <a:ext uri="{FF2B5EF4-FFF2-40B4-BE49-F238E27FC236}">
+                <a16:creationId xmlns:a16="http://schemas.microsoft.com/office/drawing/2014/main" id="{7CF5C6C3-C16C-4F33-9A2C-0D831A7C0181}"/>
+              </a:ext>
+            </a:extLst>
+          </p:cNvPr>
+          <p:cNvSpPr txBox="1"/>
+          <p:nvPr/>
+        </p:nvSpPr>
+        <p:spPr>
+          <a:xfrm>
+            <a:off x="4142021" y="298524"/>
+            <a:ext cx="4174836" cy="1107996"/>
+          </a:xfrm>
+          <a:prstGeom prst="rect">
+            <a:avLst/>
+          </a:prstGeom>
+          <a:noFill/>
+        </p:spPr>
+        <p:txBody>
+          <a:bodyPr wrap="square" rtlCol="0">
+            <a:spAutoFit/>
+          </a:bodyPr>
+          <a:lstStyle/>
+          <a:p>
+            <a:pPr marL="0" marR="0" lvl="0" indent="0" algn="l" defTabSz="914400" rtl="0" eaLnBrk="1" fontAlgn="auto" latinLnBrk="0" hangingPunct="1">
+              <a:lnSpc>
+                <a:spcPct val="100000"/>
+              </a:lnSpc>
+              <a:spcBef>
+                <a:spcPts val="0"/>
+              </a:spcBef>
+              <a:spcAft>
+                <a:spcPts val="0"/>
+              </a:spcAft>
+              <a:buClrTx/>
+              <a:buSzTx/>
+              <a:buFontTx/>
+              <a:buNone/>
+              <a:tabLst/>
+              <a:defRPr/>
+            </a:pPr>
+            <a:r>
+              <a:rPr kumimoji="0" lang="es-ES" sz="6600" b="1" i="0" u="none" strike="noStrike" kern="1200" cap="none" spc="0" normalizeH="0" baseline="0" noProof="0" dirty="0" err="1">
+                <a:ln w="22225">
+                  <a:noFill/>
+                  <a:prstDash val="solid"/>
+                </a:ln>
+                <a:solidFill>
+                  <a:srgbClr val="ED7D31">
+                    <a:lumMod val="40000"/>
+                    <a:lumOff val="60000"/>
+                  </a:srgbClr>
+                </a:solidFill>
+                <a:effectLst/>
+                <a:uLnTx/>
+                <a:uFillTx/>
+                <a:latin typeface="Rage Italic" panose="03070502040507070304" pitchFamily="66" charset="0"/>
+                <a:ea typeface="Gulim" panose="020B0600000101010101" pitchFamily="34" charset="-127"/>
+                <a:cs typeface="+mn-cs"/>
+              </a:rPr>
+              <a:t>KiteSurfing</a:t>
+            </a:r>
+            <a:endParaRPr kumimoji="0" lang="es-ES" sz="6600" b="1" i="0" u="none" strike="noStrike" kern="1200" cap="none" spc="0" normalizeH="0" baseline="0" noProof="0" dirty="0">
+              <a:ln w="22225">
+                <a:noFill/>
+                <a:prstDash val="solid"/>
+              </a:ln>
+              <a:solidFill>
+                <a:srgbClr val="ED7D31">
+                  <a:lumMod val="40000"/>
+                  <a:lumOff val="60000"/>
+                </a:srgbClr>
+              </a:solidFill>
+              <a:effectLst/>
+              <a:uLnTx/>
+              <a:uFillTx/>
+              <a:latin typeface="Rage Italic" panose="03070502040507070304" pitchFamily="66" charset="0"/>
+              <a:ea typeface="Gulim" panose="020B0600000101010101" pitchFamily="34" charset="-127"/>
+              <a:cs typeface="+mn-cs"/>
+            </a:endParaRPr>
+          </a:p>
+        </p:txBody>
+      </p:sp>
+      <p:sp>
+        <p:nvSpPr>
+          <p:cNvPr id="4" name="CuadroTexto 3">
+            <a:extLst>
+              <a:ext uri="{FF2B5EF4-FFF2-40B4-BE49-F238E27FC236}">
+                <a16:creationId xmlns:a16="http://schemas.microsoft.com/office/drawing/2014/main" id="{E15F18AD-0E2B-4A3C-AB0E-3364FC9CF6E9}"/>
+              </a:ext>
+            </a:extLst>
+          </p:cNvPr>
+          <p:cNvSpPr txBox="1"/>
+          <p:nvPr/>
+        </p:nvSpPr>
+        <p:spPr>
+          <a:xfrm>
+            <a:off x="322378" y="195791"/>
+            <a:ext cx="2013626" cy="2308324"/>
+          </a:xfrm>
+          <a:prstGeom prst="rect">
+            <a:avLst/>
+          </a:prstGeom>
+          <a:solidFill>
+            <a:srgbClr val="FFFF00"/>
+          </a:solidFill>
+          <a:effectLst>
+            <a:outerShdw blurRad="50800" dist="38100" dir="2700000" algn="tl" rotWithShape="0">
+              <a:prstClr val="black">
+                <a:alpha val="40000"/>
+              </a:prstClr>
+            </a:outerShdw>
+          </a:effectLst>
+        </p:spPr>
+        <p:txBody>
+          <a:bodyPr wrap="square" rtlCol="0">
+            <a:spAutoFit/>
+          </a:bodyPr>
+          <a:lstStyle/>
+          <a:p>
+            <a:pPr marL="0" marR="0" lvl="0" indent="0" algn="l" defTabSz="914400" rtl="0" eaLnBrk="1" fontAlgn="auto" latinLnBrk="0" hangingPunct="1">
+              <a:lnSpc>
+                <a:spcPct val="100000"/>
+              </a:lnSpc>
+              <a:spcBef>
+                <a:spcPts val="0"/>
+              </a:spcBef>
+              <a:spcAft>
+                <a:spcPts val="0"/>
+              </a:spcAft>
+              <a:buClrTx/>
+              <a:buSzTx/>
+              <a:buFontTx/>
+              <a:buNone/>
+              <a:tabLst/>
+              <a:defRPr/>
+            </a:pPr>
+            <a:endParaRPr kumimoji="0" lang="es-ES" sz="1800" b="0" i="0" u="none" strike="noStrike" kern="1200" cap="none" spc="0" normalizeH="0" baseline="0" noProof="0" dirty="0">
+              <a:ln>
+                <a:noFill/>
+              </a:ln>
+              <a:solidFill>
+                <a:prstClr val="black"/>
+              </a:solidFill>
+              <a:effectLst/>
+              <a:uLnTx/>
+              <a:uFillTx/>
+              <a:latin typeface="Calibri" panose="020F0502020204030204"/>
+              <a:ea typeface="+mn-ea"/>
+              <a:cs typeface="+mn-cs"/>
+            </a:endParaRPr>
+          </a:p>
+          <a:p>
+            <a:pPr marL="0" marR="0" lvl="0" indent="0" algn="l" defTabSz="914400" rtl="0" eaLnBrk="1" fontAlgn="auto" latinLnBrk="0" hangingPunct="1">
+              <a:lnSpc>
+                <a:spcPct val="100000"/>
+              </a:lnSpc>
+              <a:spcBef>
+                <a:spcPts val="0"/>
+              </a:spcBef>
+              <a:spcAft>
+                <a:spcPts val="0"/>
+              </a:spcAft>
+              <a:buClrTx/>
+              <a:buSzTx/>
+              <a:buFontTx/>
+              <a:buNone/>
+              <a:tabLst/>
+              <a:defRPr/>
+            </a:pPr>
+            <a:r>
+              <a:rPr kumimoji="0" lang="es-ES" sz="1800" b="0" i="0" u="none" strike="noStrike" kern="1200" cap="none" spc="0" normalizeH="0" baseline="0" noProof="0" dirty="0">
+                <a:ln>
+                  <a:noFill/>
+                </a:ln>
+                <a:solidFill>
+                  <a:prstClr val="black"/>
+                </a:solidFill>
+                <a:effectLst/>
+                <a:uLnTx/>
+                <a:uFillTx/>
+                <a:latin typeface="Calibri" panose="020F0502020204030204"/>
+                <a:ea typeface="+mn-ea"/>
+                <a:cs typeface="+mn-cs"/>
+              </a:rPr>
+              <a:t>Se mezclaran videos y fotos en los rectángulos</a:t>
+            </a:r>
+          </a:p>
+          <a:p>
+            <a:pPr marL="0" marR="0" lvl="0" indent="0" algn="l" defTabSz="914400" rtl="0" eaLnBrk="1" fontAlgn="auto" latinLnBrk="0" hangingPunct="1">
+              <a:lnSpc>
+                <a:spcPct val="100000"/>
+              </a:lnSpc>
+              <a:spcBef>
+                <a:spcPts val="0"/>
+              </a:spcBef>
+              <a:spcAft>
+                <a:spcPts val="0"/>
+              </a:spcAft>
+              <a:buClrTx/>
+              <a:buSzTx/>
+              <a:buFontTx/>
+              <a:buNone/>
+              <a:tabLst/>
+              <a:defRPr/>
+            </a:pPr>
+            <a:endParaRPr kumimoji="0" lang="es-ES" sz="1800" b="0" i="0" u="none" strike="noStrike" kern="1200" cap="none" spc="0" normalizeH="0" baseline="0" noProof="0" dirty="0">
+              <a:ln>
+                <a:noFill/>
+              </a:ln>
+              <a:solidFill>
+                <a:prstClr val="black"/>
+              </a:solidFill>
+              <a:effectLst/>
+              <a:uLnTx/>
+              <a:uFillTx/>
+              <a:latin typeface="Calibri" panose="020F0502020204030204"/>
+              <a:ea typeface="+mn-ea"/>
+              <a:cs typeface="+mn-cs"/>
+            </a:endParaRPr>
+          </a:p>
+          <a:p>
+            <a:pPr marL="0" marR="0" lvl="0" indent="0" algn="l" defTabSz="914400" rtl="0" eaLnBrk="1" fontAlgn="auto" latinLnBrk="0" hangingPunct="1">
+              <a:lnSpc>
+                <a:spcPct val="100000"/>
+              </a:lnSpc>
+              <a:spcBef>
+                <a:spcPts val="0"/>
+              </a:spcBef>
+              <a:spcAft>
+                <a:spcPts val="0"/>
+              </a:spcAft>
+              <a:buClrTx/>
+              <a:buSzTx/>
+              <a:buFontTx/>
+              <a:buNone/>
+              <a:tabLst/>
+              <a:defRPr/>
+            </a:pPr>
+            <a:r>
+              <a:rPr kumimoji="0" lang="es-ES" sz="1800" b="0" i="0" u="none" strike="noStrike" kern="1200" cap="none" spc="0" normalizeH="0" baseline="0" noProof="0" dirty="0">
+                <a:ln>
+                  <a:noFill/>
+                </a:ln>
+                <a:solidFill>
+                  <a:prstClr val="black"/>
+                </a:solidFill>
+                <a:effectLst/>
+                <a:uLnTx/>
+                <a:uFillTx/>
+                <a:latin typeface="Calibri" panose="020F0502020204030204"/>
+                <a:ea typeface="+mn-ea"/>
+                <a:cs typeface="+mn-cs"/>
+              </a:rPr>
+              <a:t>Entrarán unas palabras y luego se irán</a:t>
+            </a:r>
+          </a:p>
+        </p:txBody>
+      </p:sp>
       <p:pic>
         <p:nvPicPr>
-          <p:cNvPr id="3" name="Imagen 2">
-            <a:extLst>
-              <a:ext uri="{FF2B5EF4-FFF2-40B4-BE49-F238E27FC236}">
-                <a16:creationId xmlns:a16="http://schemas.microsoft.com/office/drawing/2014/main" id="{F5F2A04A-8D41-4C48-9816-386F1448D505}"/>
+          <p:cNvPr id="6" name="Gráfico 5" descr="Clip">
+            <a:extLst>
+              <a:ext uri="{FF2B5EF4-FFF2-40B4-BE49-F238E27FC236}">
+                <a16:creationId xmlns:a16="http://schemas.microsoft.com/office/drawing/2014/main" id="{9F6754B4-C9C9-4A6E-9A4F-C855EFD086DD}"/>
               </a:ext>
             </a:extLst>
           </p:cNvPr>
@@ -9695,25 +10826,277 @@
           <p:nvPr/>
         </p:nvPicPr>
         <p:blipFill>
-          <a:blip r:embed="rId2"/>
+          <a:blip r:embed="rId2">
+            <a:extLst>
+              <a:ext uri="{28A0092B-C50C-407E-A947-70E740481C1C}">
+                <a14:useLocalDpi xmlns:a14="http://schemas.microsoft.com/office/drawing/2010/main" val="0"/>
+              </a:ext>
+              <a:ext uri="{96DAC541-7B7A-43D3-8B79-37D633B846F1}">
+                <asvg:svgBlip xmlns:asvg="http://schemas.microsoft.com/office/drawing/2016/SVG/main" r:embed="rId3"/>
+              </a:ext>
+            </a:extLst>
+          </a:blip>
           <a:stretch>
             <a:fillRect/>
           </a:stretch>
         </p:blipFill>
         <p:spPr>
           <a:xfrm>
-            <a:off x="0" y="185555"/>
-            <a:ext cx="12192000" cy="6486889"/>
+            <a:off x="741911" y="-366598"/>
+            <a:ext cx="914400" cy="914400"/>
           </a:xfrm>
           <a:prstGeom prst="rect">
             <a:avLst/>
           </a:prstGeom>
         </p:spPr>
       </p:pic>
+      <p:sp>
+        <p:nvSpPr>
+          <p:cNvPr id="2" name="Rectángulo 1">
+            <a:extLst>
+              <a:ext uri="{FF2B5EF4-FFF2-40B4-BE49-F238E27FC236}">
+                <a16:creationId xmlns:a16="http://schemas.microsoft.com/office/drawing/2014/main" id="{38E1812C-D773-48CF-94E4-E9DFADC092C7}"/>
+              </a:ext>
+            </a:extLst>
+          </p:cNvPr>
+          <p:cNvSpPr/>
+          <p:nvPr/>
+        </p:nvSpPr>
+        <p:spPr>
+          <a:xfrm>
+            <a:off x="4804481" y="2280203"/>
+            <a:ext cx="2324911" cy="3842425"/>
+          </a:xfrm>
+          <a:prstGeom prst="rect">
+            <a:avLst/>
+          </a:prstGeom>
+        </p:spPr>
+        <p:style>
+          <a:lnRef idx="2">
+            <a:schemeClr val="accent1">
+              <a:shade val="50000"/>
+            </a:schemeClr>
+          </a:lnRef>
+          <a:fillRef idx="1">
+            <a:schemeClr val="accent1"/>
+          </a:fillRef>
+          <a:effectRef idx="0">
+            <a:schemeClr val="accent1"/>
+          </a:effectRef>
+          <a:fontRef idx="minor">
+            <a:schemeClr val="lt1"/>
+          </a:fontRef>
+        </p:style>
+        <p:txBody>
+          <a:bodyPr rtlCol="0" anchor="ctr"/>
+          <a:lstStyle/>
+          <a:p>
+            <a:pPr algn="ctr"/>
+            <a:endParaRPr lang="es-ES"/>
+          </a:p>
+        </p:txBody>
+      </p:sp>
+      <p:sp>
+        <p:nvSpPr>
+          <p:cNvPr id="28" name="Rectángulo 27">
+            <a:extLst>
+              <a:ext uri="{FF2B5EF4-FFF2-40B4-BE49-F238E27FC236}">
+                <a16:creationId xmlns:a16="http://schemas.microsoft.com/office/drawing/2014/main" id="{1F4C5B23-C922-46F7-A41A-DE2491024847}"/>
+              </a:ext>
+            </a:extLst>
+          </p:cNvPr>
+          <p:cNvSpPr/>
+          <p:nvPr/>
+        </p:nvSpPr>
+        <p:spPr>
+          <a:xfrm>
+            <a:off x="7465252" y="2280203"/>
+            <a:ext cx="2324911" cy="3842425"/>
+          </a:xfrm>
+          <a:prstGeom prst="rect">
+            <a:avLst/>
+          </a:prstGeom>
+        </p:spPr>
+        <p:style>
+          <a:lnRef idx="2">
+            <a:schemeClr val="accent1">
+              <a:shade val="50000"/>
+            </a:schemeClr>
+          </a:lnRef>
+          <a:fillRef idx="1">
+            <a:schemeClr val="accent1"/>
+          </a:fillRef>
+          <a:effectRef idx="0">
+            <a:schemeClr val="accent1"/>
+          </a:effectRef>
+          <a:fontRef idx="minor">
+            <a:schemeClr val="lt1"/>
+          </a:fontRef>
+        </p:style>
+        <p:txBody>
+          <a:bodyPr rtlCol="0" anchor="ctr"/>
+          <a:lstStyle/>
+          <a:p>
+            <a:pPr algn="ctr"/>
+            <a:endParaRPr lang="es-ES"/>
+          </a:p>
+        </p:txBody>
+      </p:sp>
+      <p:sp>
+        <p:nvSpPr>
+          <p:cNvPr id="13" name="Rectángulo 12">
+            <a:extLst>
+              <a:ext uri="{FF2B5EF4-FFF2-40B4-BE49-F238E27FC236}">
+                <a16:creationId xmlns:a16="http://schemas.microsoft.com/office/drawing/2014/main" id="{F3D69D8C-5D6C-3E3B-92FC-22D4399FC904}"/>
+              </a:ext>
+            </a:extLst>
+          </p:cNvPr>
+          <p:cNvSpPr/>
+          <p:nvPr/>
+        </p:nvSpPr>
+        <p:spPr>
+          <a:xfrm>
+            <a:off x="2143710" y="2280203"/>
+            <a:ext cx="2324911" cy="3842425"/>
+          </a:xfrm>
+          <a:prstGeom prst="rect">
+            <a:avLst/>
+          </a:prstGeom>
+        </p:spPr>
+        <p:style>
+          <a:lnRef idx="2">
+            <a:schemeClr val="accent1">
+              <a:shade val="50000"/>
+            </a:schemeClr>
+          </a:lnRef>
+          <a:fillRef idx="1">
+            <a:schemeClr val="accent1"/>
+          </a:fillRef>
+          <a:effectRef idx="0">
+            <a:schemeClr val="accent1"/>
+          </a:effectRef>
+          <a:fontRef idx="minor">
+            <a:schemeClr val="lt1"/>
+          </a:fontRef>
+        </p:style>
+        <p:txBody>
+          <a:bodyPr rtlCol="0" anchor="ctr"/>
+          <a:lstStyle/>
+          <a:p>
+            <a:pPr algn="ctr"/>
+            <a:endParaRPr lang="es-ES"/>
+          </a:p>
+        </p:txBody>
+      </p:sp>
+      <p:sp>
+        <p:nvSpPr>
+          <p:cNvPr id="3" name="CuadroTexto 2">
+            <a:extLst>
+              <a:ext uri="{FF2B5EF4-FFF2-40B4-BE49-F238E27FC236}">
+                <a16:creationId xmlns:a16="http://schemas.microsoft.com/office/drawing/2014/main" id="{7667559E-D63F-42B6-FD3F-E9AD9D0EC9CC}"/>
+              </a:ext>
+            </a:extLst>
+          </p:cNvPr>
+          <p:cNvSpPr txBox="1"/>
+          <p:nvPr/>
+        </p:nvSpPr>
+        <p:spPr>
+          <a:xfrm>
+            <a:off x="4818584" y="1913135"/>
+            <a:ext cx="2200474" cy="369332"/>
+          </a:xfrm>
+          <a:prstGeom prst="rect">
+            <a:avLst/>
+          </a:prstGeom>
+          <a:noFill/>
+        </p:spPr>
+        <p:txBody>
+          <a:bodyPr wrap="none" rtlCol="0">
+            <a:spAutoFit/>
+          </a:bodyPr>
+          <a:lstStyle/>
+          <a:p>
+            <a:r>
+              <a:rPr lang="es-ES" dirty="0"/>
+              <a:t>Comienza la aventura</a:t>
+            </a:r>
+          </a:p>
+        </p:txBody>
+      </p:sp>
+      <p:sp>
+        <p:nvSpPr>
+          <p:cNvPr id="15" name="CuadroTexto 14">
+            <a:extLst>
+              <a:ext uri="{FF2B5EF4-FFF2-40B4-BE49-F238E27FC236}">
+                <a16:creationId xmlns:a16="http://schemas.microsoft.com/office/drawing/2014/main" id="{D09CDE5D-E0F0-DB2A-4745-48DBA6B03E7A}"/>
+              </a:ext>
+            </a:extLst>
+          </p:cNvPr>
+          <p:cNvSpPr txBox="1"/>
+          <p:nvPr/>
+        </p:nvSpPr>
+        <p:spPr>
+          <a:xfrm>
+            <a:off x="4866699" y="6120364"/>
+            <a:ext cx="2200474" cy="369332"/>
+          </a:xfrm>
+          <a:prstGeom prst="rect">
+            <a:avLst/>
+          </a:prstGeom>
+          <a:noFill/>
+        </p:spPr>
+        <p:txBody>
+          <a:bodyPr wrap="none" rtlCol="0">
+            <a:spAutoFit/>
+          </a:bodyPr>
+          <a:lstStyle/>
+          <a:p>
+            <a:r>
+              <a:rPr lang="es-ES" dirty="0"/>
+              <a:t>Comienza la aventura</a:t>
+            </a:r>
+          </a:p>
+        </p:txBody>
+      </p:sp>
+      <p:sp>
+        <p:nvSpPr>
+          <p:cNvPr id="16" name="CuadroTexto 15">
+            <a:extLst>
+              <a:ext uri="{FF2B5EF4-FFF2-40B4-BE49-F238E27FC236}">
+                <a16:creationId xmlns:a16="http://schemas.microsoft.com/office/drawing/2014/main" id="{004BE492-F7DF-8785-7199-EC591D9D392C}"/>
+              </a:ext>
+            </a:extLst>
+          </p:cNvPr>
+          <p:cNvSpPr txBox="1"/>
+          <p:nvPr/>
+        </p:nvSpPr>
+        <p:spPr>
+          <a:xfrm rot="16200000">
+            <a:off x="1441243" y="2570327"/>
+            <a:ext cx="1102546" cy="369332"/>
+          </a:xfrm>
+          <a:prstGeom prst="rect">
+            <a:avLst/>
+          </a:prstGeom>
+          <a:noFill/>
+        </p:spPr>
+        <p:txBody>
+          <a:bodyPr wrap="none" rtlCol="0">
+            <a:spAutoFit/>
+          </a:bodyPr>
+          <a:lstStyle/>
+          <a:p>
+            <a:r>
+              <a:rPr lang="es-ES" dirty="0"/>
+              <a:t>Comienza</a:t>
+            </a:r>
+          </a:p>
+        </p:txBody>
+      </p:sp>
     </p:spTree>
     <p:extLst>
       <p:ext uri="{BB962C8B-B14F-4D97-AF65-F5344CB8AC3E}">
-        <p14:creationId xmlns:p14="http://schemas.microsoft.com/office/powerpoint/2010/main" val="2229508293"/>
+        <p14:creationId xmlns:p14="http://schemas.microsoft.com/office/powerpoint/2010/main" val="3414448487"/>
       </p:ext>
     </p:extLst>
   </p:cSld>
@@ -9742,10 +11125,334 @@
       </p:grpSpPr>
       <p:sp>
         <p:nvSpPr>
-          <p:cNvPr id="3" name="CuadroTexto 2">
-            <a:extLst>
-              <a:ext uri="{FF2B5EF4-FFF2-40B4-BE49-F238E27FC236}">
-                <a16:creationId xmlns:a16="http://schemas.microsoft.com/office/drawing/2014/main" id="{7043C214-05A4-4605-9A3A-3C2C76CFBA33}"/>
+          <p:cNvPr id="18" name="Rectángulo 17">
+            <a:extLst>
+              <a:ext uri="{FF2B5EF4-FFF2-40B4-BE49-F238E27FC236}">
+                <a16:creationId xmlns:a16="http://schemas.microsoft.com/office/drawing/2014/main" id="{F32E89A6-BE1D-4036-A951-ABFF245AA3AD}"/>
+              </a:ext>
+            </a:extLst>
+          </p:cNvPr>
+          <p:cNvSpPr/>
+          <p:nvPr/>
+        </p:nvSpPr>
+        <p:spPr>
+          <a:xfrm>
+            <a:off x="855406" y="1349952"/>
+            <a:ext cx="10481188" cy="5508047"/>
+          </a:xfrm>
+          <a:prstGeom prst="rect">
+            <a:avLst/>
+          </a:prstGeom>
+          <a:solidFill>
+            <a:srgbClr val="E5FFFF"/>
+          </a:solidFill>
+          <a:ln>
+            <a:noFill/>
+          </a:ln>
+        </p:spPr>
+        <p:style>
+          <a:lnRef idx="2">
+            <a:schemeClr val="accent1">
+              <a:shade val="50000"/>
+            </a:schemeClr>
+          </a:lnRef>
+          <a:fillRef idx="1">
+            <a:schemeClr val="accent1"/>
+          </a:fillRef>
+          <a:effectRef idx="0">
+            <a:schemeClr val="accent1"/>
+          </a:effectRef>
+          <a:fontRef idx="minor">
+            <a:schemeClr val="lt1"/>
+          </a:fontRef>
+        </p:style>
+        <p:txBody>
+          <a:bodyPr rtlCol="0" anchor="ctr"/>
+          <a:lstStyle/>
+          <a:p>
+            <a:pPr marL="0" marR="0" lvl="0" indent="0" algn="ctr" defTabSz="914400" rtl="0" eaLnBrk="1" fontAlgn="auto" latinLnBrk="0" hangingPunct="1">
+              <a:lnSpc>
+                <a:spcPct val="100000"/>
+              </a:lnSpc>
+              <a:spcBef>
+                <a:spcPts val="0"/>
+              </a:spcBef>
+              <a:spcAft>
+                <a:spcPts val="0"/>
+              </a:spcAft>
+              <a:buClrTx/>
+              <a:buSzTx/>
+              <a:buFontTx/>
+              <a:buNone/>
+              <a:tabLst/>
+              <a:defRPr/>
+            </a:pPr>
+            <a:endParaRPr kumimoji="0" lang="es-ES" sz="1800" b="0" i="0" u="none" strike="noStrike" kern="1200" cap="none" spc="0" normalizeH="0" baseline="0" noProof="0" dirty="0">
+              <a:ln>
+                <a:noFill/>
+              </a:ln>
+              <a:solidFill>
+                <a:prstClr val="white"/>
+              </a:solidFill>
+              <a:effectLst/>
+              <a:uLnTx/>
+              <a:uFillTx/>
+              <a:latin typeface="Calibri" panose="020F0502020204030204"/>
+              <a:ea typeface="+mn-ea"/>
+              <a:cs typeface="+mn-cs"/>
+            </a:endParaRPr>
+          </a:p>
+        </p:txBody>
+      </p:sp>
+      <p:sp>
+        <p:nvSpPr>
+          <p:cNvPr id="10" name="Elipse 9">
+            <a:extLst>
+              <a:ext uri="{FF2B5EF4-FFF2-40B4-BE49-F238E27FC236}">
+                <a16:creationId xmlns:a16="http://schemas.microsoft.com/office/drawing/2014/main" id="{1D365CBE-FF67-46AB-9B8E-D5E8A1314E63}"/>
+              </a:ext>
+            </a:extLst>
+          </p:cNvPr>
+          <p:cNvSpPr/>
+          <p:nvPr/>
+        </p:nvSpPr>
+        <p:spPr>
+          <a:xfrm>
+            <a:off x="11520054" y="3560965"/>
+            <a:ext cx="272473" cy="247954"/>
+          </a:xfrm>
+          <a:prstGeom prst="ellipse">
+            <a:avLst/>
+          </a:prstGeom>
+          <a:solidFill>
+            <a:schemeClr val="accent2">
+              <a:alpha val="50000"/>
+            </a:schemeClr>
+          </a:solidFill>
+          <a:ln>
+            <a:noFill/>
+          </a:ln>
+        </p:spPr>
+        <p:style>
+          <a:lnRef idx="0">
+            <a:scrgbClr r="0" g="0" b="0"/>
+          </a:lnRef>
+          <a:fillRef idx="0">
+            <a:scrgbClr r="0" g="0" b="0"/>
+          </a:fillRef>
+          <a:effectRef idx="0">
+            <a:scrgbClr r="0" g="0" b="0"/>
+          </a:effectRef>
+          <a:fontRef idx="minor">
+            <a:schemeClr val="lt1"/>
+          </a:fontRef>
+        </p:style>
+        <p:txBody>
+          <a:bodyPr rtlCol="0" anchor="ctr"/>
+          <a:lstStyle/>
+          <a:p>
+            <a:pPr marL="0" marR="0" lvl="0" indent="0" algn="ctr" defTabSz="914400" rtl="0" eaLnBrk="1" fontAlgn="auto" latinLnBrk="0" hangingPunct="1">
+              <a:lnSpc>
+                <a:spcPct val="100000"/>
+              </a:lnSpc>
+              <a:spcBef>
+                <a:spcPts val="0"/>
+              </a:spcBef>
+              <a:spcAft>
+                <a:spcPts val="0"/>
+              </a:spcAft>
+              <a:buClrTx/>
+              <a:buSzTx/>
+              <a:buFontTx/>
+              <a:buNone/>
+              <a:tabLst/>
+              <a:defRPr/>
+            </a:pPr>
+            <a:endParaRPr kumimoji="0" lang="es-ES" sz="1800" b="0" i="0" u="none" strike="noStrike" kern="1200" cap="none" spc="0" normalizeH="0" baseline="0" noProof="0">
+              <a:ln>
+                <a:noFill/>
+              </a:ln>
+              <a:solidFill>
+                <a:prstClr val="white"/>
+              </a:solidFill>
+              <a:effectLst/>
+              <a:uLnTx/>
+              <a:uFillTx/>
+              <a:latin typeface="Calibri" panose="020F0502020204030204"/>
+              <a:ea typeface="+mn-ea"/>
+              <a:cs typeface="+mn-cs"/>
+            </a:endParaRPr>
+          </a:p>
+        </p:txBody>
+      </p:sp>
+      <p:sp>
+        <p:nvSpPr>
+          <p:cNvPr id="11" name="Elipse 10">
+            <a:extLst>
+              <a:ext uri="{FF2B5EF4-FFF2-40B4-BE49-F238E27FC236}">
+                <a16:creationId xmlns:a16="http://schemas.microsoft.com/office/drawing/2014/main" id="{D3178CD2-487D-44AA-BC65-C732B5C988FF}"/>
+              </a:ext>
+            </a:extLst>
+          </p:cNvPr>
+          <p:cNvSpPr/>
+          <p:nvPr/>
+        </p:nvSpPr>
+        <p:spPr>
+          <a:xfrm>
+            <a:off x="11520054" y="4530783"/>
+            <a:ext cx="272473" cy="247954"/>
+          </a:xfrm>
+          <a:prstGeom prst="ellipse">
+            <a:avLst/>
+          </a:prstGeom>
+          <a:solidFill>
+            <a:schemeClr val="accent2">
+              <a:alpha val="50000"/>
+            </a:schemeClr>
+          </a:solidFill>
+          <a:ln>
+            <a:noFill/>
+          </a:ln>
+        </p:spPr>
+        <p:style>
+          <a:lnRef idx="0">
+            <a:scrgbClr r="0" g="0" b="0"/>
+          </a:lnRef>
+          <a:fillRef idx="0">
+            <a:scrgbClr r="0" g="0" b="0"/>
+          </a:fillRef>
+          <a:effectRef idx="0">
+            <a:scrgbClr r="0" g="0" b="0"/>
+          </a:effectRef>
+          <a:fontRef idx="minor">
+            <a:schemeClr val="lt1"/>
+          </a:fontRef>
+        </p:style>
+        <p:txBody>
+          <a:bodyPr rtlCol="0" anchor="ctr"/>
+          <a:lstStyle/>
+          <a:p>
+            <a:pPr marL="0" marR="0" lvl="0" indent="0" algn="ctr" defTabSz="914400" rtl="0" eaLnBrk="1" fontAlgn="auto" latinLnBrk="0" hangingPunct="1">
+              <a:lnSpc>
+                <a:spcPct val="100000"/>
+              </a:lnSpc>
+              <a:spcBef>
+                <a:spcPts val="0"/>
+              </a:spcBef>
+              <a:spcAft>
+                <a:spcPts val="0"/>
+              </a:spcAft>
+              <a:buClrTx/>
+              <a:buSzTx/>
+              <a:buFontTx/>
+              <a:buNone/>
+              <a:tabLst/>
+              <a:defRPr/>
+            </a:pPr>
+            <a:endParaRPr kumimoji="0" lang="es-ES" sz="1800" b="0" i="0" u="none" strike="noStrike" kern="1200" cap="none" spc="0" normalizeH="0" baseline="0" noProof="0">
+              <a:ln>
+                <a:noFill/>
+              </a:ln>
+              <a:solidFill>
+                <a:prstClr val="white"/>
+              </a:solidFill>
+              <a:effectLst/>
+              <a:uLnTx/>
+              <a:uFillTx/>
+              <a:latin typeface="Calibri" panose="020F0502020204030204"/>
+              <a:ea typeface="+mn-ea"/>
+              <a:cs typeface="+mn-cs"/>
+            </a:endParaRPr>
+          </a:p>
+        </p:txBody>
+      </p:sp>
+      <p:sp>
+        <p:nvSpPr>
+          <p:cNvPr id="12" name="Elipse 11">
+            <a:extLst>
+              <a:ext uri="{FF2B5EF4-FFF2-40B4-BE49-F238E27FC236}">
+                <a16:creationId xmlns:a16="http://schemas.microsoft.com/office/drawing/2014/main" id="{8ACA2EB6-431E-4BF3-A0EF-4D714EFE5D45}"/>
+              </a:ext>
+            </a:extLst>
+          </p:cNvPr>
+          <p:cNvSpPr/>
+          <p:nvPr/>
+        </p:nvSpPr>
+        <p:spPr>
+          <a:xfrm>
+            <a:off x="11520054" y="2591147"/>
+            <a:ext cx="272473" cy="247954"/>
+          </a:xfrm>
+          <a:prstGeom prst="ellipse">
+            <a:avLst/>
+          </a:prstGeom>
+          <a:solidFill>
+            <a:schemeClr val="accent2">
+              <a:alpha val="50000"/>
+            </a:schemeClr>
+          </a:solidFill>
+          <a:ln>
+            <a:noFill/>
+          </a:ln>
+        </p:spPr>
+        <p:style>
+          <a:lnRef idx="0">
+            <a:scrgbClr r="0" g="0" b="0"/>
+          </a:lnRef>
+          <a:fillRef idx="0">
+            <a:scrgbClr r="0" g="0" b="0"/>
+          </a:fillRef>
+          <a:effectRef idx="0">
+            <a:scrgbClr r="0" g="0" b="0"/>
+          </a:effectRef>
+          <a:fontRef idx="minor">
+            <a:schemeClr val="lt1"/>
+          </a:fontRef>
+        </p:style>
+        <p:txBody>
+          <a:bodyPr rtlCol="0" anchor="ctr"/>
+          <a:lstStyle/>
+          <a:p>
+            <a:pPr marL="0" marR="0" lvl="0" indent="0" algn="ctr" defTabSz="914400" rtl="0" eaLnBrk="1" fontAlgn="auto" latinLnBrk="0" hangingPunct="1">
+              <a:lnSpc>
+                <a:spcPct val="100000"/>
+              </a:lnSpc>
+              <a:spcBef>
+                <a:spcPts val="0"/>
+              </a:spcBef>
+              <a:spcAft>
+                <a:spcPts val="0"/>
+              </a:spcAft>
+              <a:buClrTx/>
+              <a:buSzTx/>
+              <a:buFontTx/>
+              <a:buNone/>
+              <a:tabLst/>
+              <a:defRPr/>
+            </a:pPr>
+            <a:endParaRPr kumimoji="0" lang="es-ES" sz="1800" b="0" i="0" u="none" strike="noStrike" kern="1200" cap="none" spc="0" normalizeH="0" baseline="0" noProof="0">
+              <a:ln>
+                <a:noFill/>
+              </a:ln>
+              <a:solidFill>
+                <a:prstClr val="white"/>
+              </a:solidFill>
+              <a:effectLst/>
+              <a:uLnTx/>
+              <a:uFillTx/>
+              <a:latin typeface="Calibri" panose="020F0502020204030204"/>
+              <a:ea typeface="+mn-ea"/>
+              <a:cs typeface="+mn-cs"/>
+            </a:endParaRPr>
+          </a:p>
+        </p:txBody>
+      </p:sp>
+      <p:sp>
+        <p:nvSpPr>
+          <p:cNvPr id="14" name="CuadroTexto 13">
+            <a:extLst>
+              <a:ext uri="{FF2B5EF4-FFF2-40B4-BE49-F238E27FC236}">
+                <a16:creationId xmlns:a16="http://schemas.microsoft.com/office/drawing/2014/main" id="{17725C3C-F5ED-4C16-9579-3AFF248C3DC1}"/>
               </a:ext>
             </a:extLst>
           </p:cNvPr>
@@ -9753,9 +11460,9 @@
           <p:nvPr/>
         </p:nvSpPr>
         <p:spPr>
-          <a:xfrm>
-            <a:off x="3047189" y="3244334"/>
-            <a:ext cx="6094378" cy="369332"/>
+          <a:xfrm flipV="1">
+            <a:off x="210281" y="3484631"/>
+            <a:ext cx="461665" cy="648575"/>
           </a:xfrm>
           <a:prstGeom prst="rect">
             <a:avLst/>
@@ -9763,22 +11470,412 @@
           <a:noFill/>
         </p:spPr>
         <p:txBody>
-          <a:bodyPr wrap="square">
+          <a:bodyPr vert="eaVert" wrap="none" rtlCol="0">
             <a:spAutoFit/>
           </a:bodyPr>
           <a:lstStyle/>
           <a:p>
+            <a:pPr marL="0" marR="0" lvl="0" indent="0" algn="l" defTabSz="914400" rtl="0" eaLnBrk="1" fontAlgn="auto" latinLnBrk="0" hangingPunct="1">
+              <a:lnSpc>
+                <a:spcPct val="100000"/>
+              </a:lnSpc>
+              <a:spcBef>
+                <a:spcPts val="0"/>
+              </a:spcBef>
+              <a:spcAft>
+                <a:spcPts val="0"/>
+              </a:spcAft>
+              <a:buClrTx/>
+              <a:buSzTx/>
+              <a:buFontTx/>
+              <a:buNone/>
+              <a:tabLst/>
+              <a:defRPr/>
+            </a:pPr>
+            <a:r>
+              <a:rPr kumimoji="0" lang="es-ES" sz="1800" b="0" i="0" u="none" strike="noStrike" kern="1200" cap="none" spc="0" normalizeH="0" baseline="0" noProof="0" dirty="0">
+                <a:ln>
+                  <a:noFill/>
+                </a:ln>
+                <a:solidFill>
+                  <a:srgbClr val="ED7D31">
+                    <a:lumMod val="40000"/>
+                    <a:lumOff val="60000"/>
+                  </a:srgbClr>
+                </a:solidFill>
+                <a:effectLst/>
+                <a:uLnTx/>
+                <a:uFillTx/>
+                <a:latin typeface="Calibri" panose="020F0502020204030204"/>
+                <a:ea typeface="+mn-ea"/>
+                <a:cs typeface="+mn-cs"/>
+              </a:rPr>
+              <a:t>Menú</a:t>
+            </a:r>
+          </a:p>
+        </p:txBody>
+      </p:sp>
+      <p:sp>
+        <p:nvSpPr>
+          <p:cNvPr id="7" name="CuadroTexto 6">
+            <a:extLst>
+              <a:ext uri="{FF2B5EF4-FFF2-40B4-BE49-F238E27FC236}">
+                <a16:creationId xmlns:a16="http://schemas.microsoft.com/office/drawing/2014/main" id="{7CF5C6C3-C16C-4F33-9A2C-0D831A7C0181}"/>
+              </a:ext>
+            </a:extLst>
+          </p:cNvPr>
+          <p:cNvSpPr txBox="1"/>
+          <p:nvPr/>
+        </p:nvSpPr>
+        <p:spPr>
+          <a:xfrm>
+            <a:off x="4142021" y="298524"/>
+            <a:ext cx="4174836" cy="1107996"/>
+          </a:xfrm>
+          <a:prstGeom prst="rect">
+            <a:avLst/>
+          </a:prstGeom>
+          <a:noFill/>
+        </p:spPr>
+        <p:txBody>
+          <a:bodyPr wrap="square" rtlCol="0">
+            <a:spAutoFit/>
+          </a:bodyPr>
+          <a:lstStyle/>
+          <a:p>
+            <a:pPr marL="0" marR="0" lvl="0" indent="0" algn="l" defTabSz="914400" rtl="0" eaLnBrk="1" fontAlgn="auto" latinLnBrk="0" hangingPunct="1">
+              <a:lnSpc>
+                <a:spcPct val="100000"/>
+              </a:lnSpc>
+              <a:spcBef>
+                <a:spcPts val="0"/>
+              </a:spcBef>
+              <a:spcAft>
+                <a:spcPts val="0"/>
+              </a:spcAft>
+              <a:buClrTx/>
+              <a:buSzTx/>
+              <a:buFontTx/>
+              <a:buNone/>
+              <a:tabLst/>
+              <a:defRPr/>
+            </a:pPr>
+            <a:r>
+              <a:rPr kumimoji="0" lang="es-ES" sz="6600" b="1" i="0" u="none" strike="noStrike" kern="1200" cap="none" spc="0" normalizeH="0" baseline="0" noProof="0" dirty="0" err="1">
+                <a:ln w="22225">
+                  <a:noFill/>
+                  <a:prstDash val="solid"/>
+                </a:ln>
+                <a:solidFill>
+                  <a:srgbClr val="ED7D31">
+                    <a:lumMod val="40000"/>
+                    <a:lumOff val="60000"/>
+                  </a:srgbClr>
+                </a:solidFill>
+                <a:effectLst/>
+                <a:uLnTx/>
+                <a:uFillTx/>
+                <a:latin typeface="Rage Italic" panose="03070502040507070304" pitchFamily="66" charset="0"/>
+                <a:ea typeface="Gulim" panose="020B0600000101010101" pitchFamily="34" charset="-127"/>
+                <a:cs typeface="+mn-cs"/>
+              </a:rPr>
+              <a:t>KiteSurfing</a:t>
+            </a:r>
+            <a:endParaRPr kumimoji="0" lang="es-ES" sz="6600" b="1" i="0" u="none" strike="noStrike" kern="1200" cap="none" spc="0" normalizeH="0" baseline="0" noProof="0" dirty="0">
+              <a:ln w="22225">
+                <a:noFill/>
+                <a:prstDash val="solid"/>
+              </a:ln>
+              <a:solidFill>
+                <a:srgbClr val="ED7D31">
+                  <a:lumMod val="40000"/>
+                  <a:lumOff val="60000"/>
+                </a:srgbClr>
+              </a:solidFill>
+              <a:effectLst/>
+              <a:uLnTx/>
+              <a:uFillTx/>
+              <a:latin typeface="Rage Italic" panose="03070502040507070304" pitchFamily="66" charset="0"/>
+              <a:ea typeface="Gulim" panose="020B0600000101010101" pitchFamily="34" charset="-127"/>
+              <a:cs typeface="+mn-cs"/>
+            </a:endParaRPr>
+          </a:p>
+        </p:txBody>
+      </p:sp>
+      <p:cxnSp>
+        <p:nvCxnSpPr>
+          <p:cNvPr id="8" name="Conector recto 7">
+            <a:extLst>
+              <a:ext uri="{FF2B5EF4-FFF2-40B4-BE49-F238E27FC236}">
+                <a16:creationId xmlns:a16="http://schemas.microsoft.com/office/drawing/2014/main" id="{2667211A-D8E3-82D8-C3F7-9061CF24ECFB}"/>
+              </a:ext>
+            </a:extLst>
+          </p:cNvPr>
+          <p:cNvCxnSpPr/>
+          <p:nvPr/>
+        </p:nvCxnSpPr>
+        <p:spPr>
+          <a:xfrm>
+            <a:off x="1616364" y="1995055"/>
+            <a:ext cx="9051636" cy="0"/>
+          </a:xfrm>
+          <a:prstGeom prst="line">
+            <a:avLst/>
+          </a:prstGeom>
+          <a:ln w="38100"/>
+        </p:spPr>
+        <p:style>
+          <a:lnRef idx="1">
+            <a:schemeClr val="accent1"/>
+          </a:lnRef>
+          <a:fillRef idx="0">
+            <a:schemeClr val="accent1"/>
+          </a:fillRef>
+          <a:effectRef idx="0">
+            <a:schemeClr val="accent1"/>
+          </a:effectRef>
+          <a:fontRef idx="minor">
+            <a:schemeClr val="tx1"/>
+          </a:fontRef>
+        </p:style>
+      </p:cxnSp>
+      <p:sp>
+        <p:nvSpPr>
+          <p:cNvPr id="9" name="CuadroTexto 8">
+            <a:extLst>
+              <a:ext uri="{FF2B5EF4-FFF2-40B4-BE49-F238E27FC236}">
+                <a16:creationId xmlns:a16="http://schemas.microsoft.com/office/drawing/2014/main" id="{BF364115-2E1C-AD40-CE80-4E7959AD8083}"/>
+              </a:ext>
+            </a:extLst>
+          </p:cNvPr>
+          <p:cNvSpPr txBox="1"/>
+          <p:nvPr/>
+        </p:nvSpPr>
+        <p:spPr>
+          <a:xfrm>
+            <a:off x="1524000" y="1616364"/>
+            <a:ext cx="2346036" cy="378691"/>
+          </a:xfrm>
+          <a:prstGeom prst="rect">
+            <a:avLst/>
+          </a:prstGeom>
+          <a:noFill/>
+        </p:spPr>
+        <p:txBody>
+          <a:bodyPr wrap="square" rtlCol="0">
+            <a:spAutoFit/>
+          </a:bodyPr>
+          <a:lstStyle/>
+          <a:p>
             <a:r>
               <a:rPr lang="es-ES" dirty="0"/>
-              <a:t>https://kojo.com.au/</a:t>
+              <a:t>Conócenos</a:t>
             </a:r>
+          </a:p>
+        </p:txBody>
+      </p:sp>
+      <p:sp>
+        <p:nvSpPr>
+          <p:cNvPr id="17" name="CuadroTexto 16">
+            <a:extLst>
+              <a:ext uri="{FF2B5EF4-FFF2-40B4-BE49-F238E27FC236}">
+                <a16:creationId xmlns:a16="http://schemas.microsoft.com/office/drawing/2014/main" id="{C23217B3-3F48-A7D1-4C7C-242AC76839B7}"/>
+              </a:ext>
+            </a:extLst>
+          </p:cNvPr>
+          <p:cNvSpPr txBox="1"/>
+          <p:nvPr/>
+        </p:nvSpPr>
+        <p:spPr>
+          <a:xfrm>
+            <a:off x="3020291" y="2745967"/>
+            <a:ext cx="6243782" cy="1477328"/>
+          </a:xfrm>
+          <a:prstGeom prst="rect">
+            <a:avLst/>
+          </a:prstGeom>
+          <a:noFill/>
+        </p:spPr>
+        <p:txBody>
+          <a:bodyPr wrap="square" rtlCol="0">
+            <a:spAutoFit/>
+          </a:bodyPr>
+          <a:lstStyle/>
+          <a:p>
+            <a:pPr algn="ctr"/>
+            <a:r>
+              <a:rPr lang="es-ES" dirty="0" err="1"/>
+              <a:t>Lksdfjwe,oeilcj,solfkjdsfljfmojckeofkjckerkfjvkrceikvjcrekfvij</a:t>
+            </a:r>
+            <a:endParaRPr lang="es-ES" dirty="0"/>
+          </a:p>
+          <a:p>
+            <a:pPr algn="ctr"/>
+            <a:r>
+              <a:rPr lang="es-ES" dirty="0"/>
+              <a:t>Ervjifcjekroej9fvoecjkrk9voifel9vfokvjv9ifrj+wiere</a:t>
+            </a:r>
+          </a:p>
+          <a:p>
+            <a:pPr algn="ctr"/>
+            <a:r>
+              <a:rPr lang="es-ES" dirty="0" err="1"/>
+              <a:t>Weemutkwmerweemv</a:t>
+            </a:r>
+            <a:r>
+              <a:rPr lang="es-ES" dirty="0"/>
+              <a:t> u vth34ut 3498 tuth989ti2 ti2 th23it 23 ut</a:t>
+            </a:r>
+          </a:p>
+          <a:p>
+            <a:pPr algn="ctr"/>
+            <a:r>
+              <a:rPr lang="es-ES" dirty="0"/>
+              <a:t> </a:t>
+            </a:r>
+            <a:r>
+              <a:rPr lang="es-ES" dirty="0" err="1"/>
+              <a:t>uiwtuijwewuwetuht</a:t>
+            </a:r>
+            <a:r>
+              <a:rPr lang="es-ES" dirty="0"/>
+              <a:t> 98w </a:t>
+            </a:r>
+            <a:r>
+              <a:rPr lang="es-ES" dirty="0" err="1"/>
+              <a:t>ot</a:t>
+            </a:r>
+            <a:r>
+              <a:rPr lang="es-ES" dirty="0"/>
+              <a:t> </a:t>
+            </a:r>
+            <a:r>
+              <a:rPr lang="es-ES" dirty="0" err="1"/>
+              <a:t>hwt</a:t>
+            </a:r>
+            <a:r>
+              <a:rPr lang="es-ES" dirty="0"/>
+              <a:t> h398 t 8tnwm  w </a:t>
+            </a:r>
+            <a:r>
+              <a:rPr lang="es-ES" dirty="0" err="1"/>
+              <a:t>oiw</a:t>
+            </a:r>
+            <a:r>
+              <a:rPr lang="es-ES" dirty="0"/>
+              <a:t> </a:t>
+            </a:r>
+            <a:r>
+              <a:rPr lang="es-ES" dirty="0" err="1"/>
+              <a:t>woi</a:t>
+            </a:r>
+            <a:endParaRPr lang="es-ES" dirty="0"/>
+          </a:p>
+        </p:txBody>
+      </p:sp>
+      <p:sp>
+        <p:nvSpPr>
+          <p:cNvPr id="19" name="Elipse 18">
+            <a:extLst>
+              <a:ext uri="{FF2B5EF4-FFF2-40B4-BE49-F238E27FC236}">
+                <a16:creationId xmlns:a16="http://schemas.microsoft.com/office/drawing/2014/main" id="{F97FD2C5-ABEB-5FC9-DEEF-83CA4E61F691}"/>
+              </a:ext>
+            </a:extLst>
+          </p:cNvPr>
+          <p:cNvSpPr/>
+          <p:nvPr/>
+        </p:nvSpPr>
+        <p:spPr>
+          <a:xfrm>
+            <a:off x="4461164" y="4809621"/>
+            <a:ext cx="831272" cy="785091"/>
+          </a:xfrm>
+          <a:prstGeom prst="ellipse">
+            <a:avLst/>
+          </a:prstGeom>
+        </p:spPr>
+        <p:style>
+          <a:lnRef idx="2">
+            <a:schemeClr val="accent1">
+              <a:shade val="50000"/>
+            </a:schemeClr>
+          </a:lnRef>
+          <a:fillRef idx="1">
+            <a:schemeClr val="accent1"/>
+          </a:fillRef>
+          <a:effectRef idx="0">
+            <a:schemeClr val="accent1"/>
+          </a:effectRef>
+          <a:fontRef idx="minor">
+            <a:schemeClr val="lt1"/>
+          </a:fontRef>
+        </p:style>
+        <p:txBody>
+          <a:bodyPr rtlCol="0" anchor="ctr"/>
+          <a:lstStyle/>
+          <a:p>
+            <a:pPr algn="ctr"/>
+            <a:endParaRPr lang="es-ES"/>
+          </a:p>
+        </p:txBody>
+      </p:sp>
+      <p:sp>
+        <p:nvSpPr>
+          <p:cNvPr id="21" name="CuadroTexto 20">
+            <a:extLst>
+              <a:ext uri="{FF2B5EF4-FFF2-40B4-BE49-F238E27FC236}">
+                <a16:creationId xmlns:a16="http://schemas.microsoft.com/office/drawing/2014/main" id="{07AD41A1-BA11-05DB-68CF-8C1735CC3203}"/>
+              </a:ext>
+            </a:extLst>
+          </p:cNvPr>
+          <p:cNvSpPr txBox="1"/>
+          <p:nvPr/>
+        </p:nvSpPr>
+        <p:spPr>
+          <a:xfrm>
+            <a:off x="4974528" y="5017500"/>
+            <a:ext cx="2700891" cy="369332"/>
+          </a:xfrm>
+          <a:prstGeom prst="rect">
+            <a:avLst/>
+          </a:prstGeom>
+          <a:noFill/>
+        </p:spPr>
+        <p:txBody>
+          <a:bodyPr wrap="square" rtlCol="0">
+            <a:spAutoFit/>
+          </a:bodyPr>
+          <a:lstStyle/>
+          <a:p>
+            <a:pPr algn="ctr"/>
+            <a:r>
+              <a:rPr lang="es-ES" dirty="0" err="1"/>
+              <a:t>Smdlsd,sdf</a:t>
+            </a:r>
+            <a:r>
+              <a:rPr lang="es-ES" dirty="0"/>
+              <a:t> </a:t>
+            </a:r>
+            <a:r>
+              <a:rPr lang="es-ES" dirty="0" err="1"/>
+              <a:t>psodf</a:t>
+            </a:r>
+            <a:r>
+              <a:rPr lang="es-ES" dirty="0"/>
+              <a:t> </a:t>
+            </a:r>
+            <a:r>
+              <a:rPr lang="es-ES" dirty="0" err="1"/>
+              <a:t>psdwoi</a:t>
+            </a:r>
+            <a:endParaRPr lang="es-ES" dirty="0"/>
           </a:p>
         </p:txBody>
       </p:sp>
     </p:spTree>
     <p:extLst>
       <p:ext uri="{BB962C8B-B14F-4D97-AF65-F5344CB8AC3E}">
-        <p14:creationId xmlns:p14="http://schemas.microsoft.com/office/powerpoint/2010/main" val="4206286501"/>
+        <p14:creationId xmlns:p14="http://schemas.microsoft.com/office/powerpoint/2010/main" val="2898004746"/>
       </p:ext>
     </p:extLst>
   </p:cSld>
@@ -9805,12 +11902,602 @@
           <a:chExt cx="0" cy="0"/>
         </a:xfrm>
       </p:grpSpPr>
+      <p:sp>
+        <p:nvSpPr>
+          <p:cNvPr id="18" name="Rectángulo 17">
+            <a:extLst>
+              <a:ext uri="{FF2B5EF4-FFF2-40B4-BE49-F238E27FC236}">
+                <a16:creationId xmlns:a16="http://schemas.microsoft.com/office/drawing/2014/main" id="{F32E89A6-BE1D-4036-A951-ABFF245AA3AD}"/>
+              </a:ext>
+            </a:extLst>
+          </p:cNvPr>
+          <p:cNvSpPr/>
+          <p:nvPr/>
+        </p:nvSpPr>
+        <p:spPr>
+          <a:xfrm>
+            <a:off x="855406" y="1349952"/>
+            <a:ext cx="10481188" cy="5508047"/>
+          </a:xfrm>
+          <a:prstGeom prst="rect">
+            <a:avLst/>
+          </a:prstGeom>
+          <a:solidFill>
+            <a:srgbClr val="E5FFFF"/>
+          </a:solidFill>
+          <a:ln>
+            <a:noFill/>
+          </a:ln>
+        </p:spPr>
+        <p:style>
+          <a:lnRef idx="2">
+            <a:schemeClr val="accent1">
+              <a:shade val="50000"/>
+            </a:schemeClr>
+          </a:lnRef>
+          <a:fillRef idx="1">
+            <a:schemeClr val="accent1"/>
+          </a:fillRef>
+          <a:effectRef idx="0">
+            <a:schemeClr val="accent1"/>
+          </a:effectRef>
+          <a:fontRef idx="minor">
+            <a:schemeClr val="lt1"/>
+          </a:fontRef>
+        </p:style>
+        <p:txBody>
+          <a:bodyPr rtlCol="0" anchor="ctr"/>
+          <a:lstStyle/>
+          <a:p>
+            <a:pPr marL="0" marR="0" lvl="0" indent="0" algn="ctr" defTabSz="914400" rtl="0" eaLnBrk="1" fontAlgn="auto" latinLnBrk="0" hangingPunct="1">
+              <a:lnSpc>
+                <a:spcPct val="100000"/>
+              </a:lnSpc>
+              <a:spcBef>
+                <a:spcPts val="0"/>
+              </a:spcBef>
+              <a:spcAft>
+                <a:spcPts val="0"/>
+              </a:spcAft>
+              <a:buClrTx/>
+              <a:buSzTx/>
+              <a:buFontTx/>
+              <a:buNone/>
+              <a:tabLst/>
+              <a:defRPr/>
+            </a:pPr>
+            <a:endParaRPr kumimoji="0" lang="es-ES" sz="1800" b="0" i="0" u="none" strike="noStrike" kern="1200" cap="none" spc="0" normalizeH="0" baseline="0" noProof="0" dirty="0">
+              <a:ln>
+                <a:noFill/>
+              </a:ln>
+              <a:solidFill>
+                <a:prstClr val="white"/>
+              </a:solidFill>
+              <a:effectLst/>
+              <a:uLnTx/>
+              <a:uFillTx/>
+              <a:latin typeface="Calibri" panose="020F0502020204030204"/>
+              <a:ea typeface="+mn-ea"/>
+              <a:cs typeface="+mn-cs"/>
+            </a:endParaRPr>
+          </a:p>
+        </p:txBody>
+      </p:sp>
+      <p:sp>
+        <p:nvSpPr>
+          <p:cNvPr id="10" name="Elipse 9">
+            <a:extLst>
+              <a:ext uri="{FF2B5EF4-FFF2-40B4-BE49-F238E27FC236}">
+                <a16:creationId xmlns:a16="http://schemas.microsoft.com/office/drawing/2014/main" id="{1D365CBE-FF67-46AB-9B8E-D5E8A1314E63}"/>
+              </a:ext>
+            </a:extLst>
+          </p:cNvPr>
+          <p:cNvSpPr/>
+          <p:nvPr/>
+        </p:nvSpPr>
+        <p:spPr>
+          <a:xfrm>
+            <a:off x="11520054" y="3560965"/>
+            <a:ext cx="272473" cy="247954"/>
+          </a:xfrm>
+          <a:prstGeom prst="ellipse">
+            <a:avLst/>
+          </a:prstGeom>
+          <a:solidFill>
+            <a:schemeClr val="accent2">
+              <a:alpha val="50000"/>
+            </a:schemeClr>
+          </a:solidFill>
+          <a:ln>
+            <a:noFill/>
+          </a:ln>
+        </p:spPr>
+        <p:style>
+          <a:lnRef idx="0">
+            <a:scrgbClr r="0" g="0" b="0"/>
+          </a:lnRef>
+          <a:fillRef idx="0">
+            <a:scrgbClr r="0" g="0" b="0"/>
+          </a:fillRef>
+          <a:effectRef idx="0">
+            <a:scrgbClr r="0" g="0" b="0"/>
+          </a:effectRef>
+          <a:fontRef idx="minor">
+            <a:schemeClr val="lt1"/>
+          </a:fontRef>
+        </p:style>
+        <p:txBody>
+          <a:bodyPr rtlCol="0" anchor="ctr"/>
+          <a:lstStyle/>
+          <a:p>
+            <a:pPr marL="0" marR="0" lvl="0" indent="0" algn="ctr" defTabSz="914400" rtl="0" eaLnBrk="1" fontAlgn="auto" latinLnBrk="0" hangingPunct="1">
+              <a:lnSpc>
+                <a:spcPct val="100000"/>
+              </a:lnSpc>
+              <a:spcBef>
+                <a:spcPts val="0"/>
+              </a:spcBef>
+              <a:spcAft>
+                <a:spcPts val="0"/>
+              </a:spcAft>
+              <a:buClrTx/>
+              <a:buSzTx/>
+              <a:buFontTx/>
+              <a:buNone/>
+              <a:tabLst/>
+              <a:defRPr/>
+            </a:pPr>
+            <a:endParaRPr kumimoji="0" lang="es-ES" sz="1800" b="0" i="0" u="none" strike="noStrike" kern="1200" cap="none" spc="0" normalizeH="0" baseline="0" noProof="0">
+              <a:ln>
+                <a:noFill/>
+              </a:ln>
+              <a:solidFill>
+                <a:prstClr val="white"/>
+              </a:solidFill>
+              <a:effectLst/>
+              <a:uLnTx/>
+              <a:uFillTx/>
+              <a:latin typeface="Calibri" panose="020F0502020204030204"/>
+              <a:ea typeface="+mn-ea"/>
+              <a:cs typeface="+mn-cs"/>
+            </a:endParaRPr>
+          </a:p>
+        </p:txBody>
+      </p:sp>
+      <p:sp>
+        <p:nvSpPr>
+          <p:cNvPr id="11" name="Elipse 10">
+            <a:extLst>
+              <a:ext uri="{FF2B5EF4-FFF2-40B4-BE49-F238E27FC236}">
+                <a16:creationId xmlns:a16="http://schemas.microsoft.com/office/drawing/2014/main" id="{D3178CD2-487D-44AA-BC65-C732B5C988FF}"/>
+              </a:ext>
+            </a:extLst>
+          </p:cNvPr>
+          <p:cNvSpPr/>
+          <p:nvPr/>
+        </p:nvSpPr>
+        <p:spPr>
+          <a:xfrm>
+            <a:off x="11520054" y="4530783"/>
+            <a:ext cx="272473" cy="247954"/>
+          </a:xfrm>
+          <a:prstGeom prst="ellipse">
+            <a:avLst/>
+          </a:prstGeom>
+          <a:solidFill>
+            <a:schemeClr val="accent2">
+              <a:alpha val="50000"/>
+            </a:schemeClr>
+          </a:solidFill>
+          <a:ln>
+            <a:noFill/>
+          </a:ln>
+        </p:spPr>
+        <p:style>
+          <a:lnRef idx="0">
+            <a:scrgbClr r="0" g="0" b="0"/>
+          </a:lnRef>
+          <a:fillRef idx="0">
+            <a:scrgbClr r="0" g="0" b="0"/>
+          </a:fillRef>
+          <a:effectRef idx="0">
+            <a:scrgbClr r="0" g="0" b="0"/>
+          </a:effectRef>
+          <a:fontRef idx="minor">
+            <a:schemeClr val="lt1"/>
+          </a:fontRef>
+        </p:style>
+        <p:txBody>
+          <a:bodyPr rtlCol="0" anchor="ctr"/>
+          <a:lstStyle/>
+          <a:p>
+            <a:pPr marL="0" marR="0" lvl="0" indent="0" algn="ctr" defTabSz="914400" rtl="0" eaLnBrk="1" fontAlgn="auto" latinLnBrk="0" hangingPunct="1">
+              <a:lnSpc>
+                <a:spcPct val="100000"/>
+              </a:lnSpc>
+              <a:spcBef>
+                <a:spcPts val="0"/>
+              </a:spcBef>
+              <a:spcAft>
+                <a:spcPts val="0"/>
+              </a:spcAft>
+              <a:buClrTx/>
+              <a:buSzTx/>
+              <a:buFontTx/>
+              <a:buNone/>
+              <a:tabLst/>
+              <a:defRPr/>
+            </a:pPr>
+            <a:endParaRPr kumimoji="0" lang="es-ES" sz="1800" b="0" i="0" u="none" strike="noStrike" kern="1200" cap="none" spc="0" normalizeH="0" baseline="0" noProof="0">
+              <a:ln>
+                <a:noFill/>
+              </a:ln>
+              <a:solidFill>
+                <a:prstClr val="white"/>
+              </a:solidFill>
+              <a:effectLst/>
+              <a:uLnTx/>
+              <a:uFillTx/>
+              <a:latin typeface="Calibri" panose="020F0502020204030204"/>
+              <a:ea typeface="+mn-ea"/>
+              <a:cs typeface="+mn-cs"/>
+            </a:endParaRPr>
+          </a:p>
+        </p:txBody>
+      </p:sp>
+      <p:sp>
+        <p:nvSpPr>
+          <p:cNvPr id="12" name="Elipse 11">
+            <a:extLst>
+              <a:ext uri="{FF2B5EF4-FFF2-40B4-BE49-F238E27FC236}">
+                <a16:creationId xmlns:a16="http://schemas.microsoft.com/office/drawing/2014/main" id="{8ACA2EB6-431E-4BF3-A0EF-4D714EFE5D45}"/>
+              </a:ext>
+            </a:extLst>
+          </p:cNvPr>
+          <p:cNvSpPr/>
+          <p:nvPr/>
+        </p:nvSpPr>
+        <p:spPr>
+          <a:xfrm>
+            <a:off x="11520054" y="2591147"/>
+            <a:ext cx="272473" cy="247954"/>
+          </a:xfrm>
+          <a:prstGeom prst="ellipse">
+            <a:avLst/>
+          </a:prstGeom>
+          <a:solidFill>
+            <a:schemeClr val="accent2">
+              <a:alpha val="50000"/>
+            </a:schemeClr>
+          </a:solidFill>
+          <a:ln>
+            <a:noFill/>
+          </a:ln>
+        </p:spPr>
+        <p:style>
+          <a:lnRef idx="0">
+            <a:scrgbClr r="0" g="0" b="0"/>
+          </a:lnRef>
+          <a:fillRef idx="0">
+            <a:scrgbClr r="0" g="0" b="0"/>
+          </a:fillRef>
+          <a:effectRef idx="0">
+            <a:scrgbClr r="0" g="0" b="0"/>
+          </a:effectRef>
+          <a:fontRef idx="minor">
+            <a:schemeClr val="lt1"/>
+          </a:fontRef>
+        </p:style>
+        <p:txBody>
+          <a:bodyPr rtlCol="0" anchor="ctr"/>
+          <a:lstStyle/>
+          <a:p>
+            <a:pPr marL="0" marR="0" lvl="0" indent="0" algn="ctr" defTabSz="914400" rtl="0" eaLnBrk="1" fontAlgn="auto" latinLnBrk="0" hangingPunct="1">
+              <a:lnSpc>
+                <a:spcPct val="100000"/>
+              </a:lnSpc>
+              <a:spcBef>
+                <a:spcPts val="0"/>
+              </a:spcBef>
+              <a:spcAft>
+                <a:spcPts val="0"/>
+              </a:spcAft>
+              <a:buClrTx/>
+              <a:buSzTx/>
+              <a:buFontTx/>
+              <a:buNone/>
+              <a:tabLst/>
+              <a:defRPr/>
+            </a:pPr>
+            <a:endParaRPr kumimoji="0" lang="es-ES" sz="1800" b="0" i="0" u="none" strike="noStrike" kern="1200" cap="none" spc="0" normalizeH="0" baseline="0" noProof="0">
+              <a:ln>
+                <a:noFill/>
+              </a:ln>
+              <a:solidFill>
+                <a:prstClr val="white"/>
+              </a:solidFill>
+              <a:effectLst/>
+              <a:uLnTx/>
+              <a:uFillTx/>
+              <a:latin typeface="Calibri" panose="020F0502020204030204"/>
+              <a:ea typeface="+mn-ea"/>
+              <a:cs typeface="+mn-cs"/>
+            </a:endParaRPr>
+          </a:p>
+        </p:txBody>
+      </p:sp>
+      <p:sp>
+        <p:nvSpPr>
+          <p:cNvPr id="14" name="CuadroTexto 13">
+            <a:extLst>
+              <a:ext uri="{FF2B5EF4-FFF2-40B4-BE49-F238E27FC236}">
+                <a16:creationId xmlns:a16="http://schemas.microsoft.com/office/drawing/2014/main" id="{17725C3C-F5ED-4C16-9579-3AFF248C3DC1}"/>
+              </a:ext>
+            </a:extLst>
+          </p:cNvPr>
+          <p:cNvSpPr txBox="1"/>
+          <p:nvPr/>
+        </p:nvSpPr>
+        <p:spPr>
+          <a:xfrm flipV="1">
+            <a:off x="210281" y="3484631"/>
+            <a:ext cx="461665" cy="648575"/>
+          </a:xfrm>
+          <a:prstGeom prst="rect">
+            <a:avLst/>
+          </a:prstGeom>
+          <a:noFill/>
+        </p:spPr>
+        <p:txBody>
+          <a:bodyPr vert="eaVert" wrap="none" rtlCol="0">
+            <a:spAutoFit/>
+          </a:bodyPr>
+          <a:lstStyle/>
+          <a:p>
+            <a:pPr marL="0" marR="0" lvl="0" indent="0" algn="l" defTabSz="914400" rtl="0" eaLnBrk="1" fontAlgn="auto" latinLnBrk="0" hangingPunct="1">
+              <a:lnSpc>
+                <a:spcPct val="100000"/>
+              </a:lnSpc>
+              <a:spcBef>
+                <a:spcPts val="0"/>
+              </a:spcBef>
+              <a:spcAft>
+                <a:spcPts val="0"/>
+              </a:spcAft>
+              <a:buClrTx/>
+              <a:buSzTx/>
+              <a:buFontTx/>
+              <a:buNone/>
+              <a:tabLst/>
+              <a:defRPr/>
+            </a:pPr>
+            <a:r>
+              <a:rPr kumimoji="0" lang="es-ES" sz="1800" b="0" i="0" u="none" strike="noStrike" kern="1200" cap="none" spc="0" normalizeH="0" baseline="0" noProof="0" dirty="0">
+                <a:ln>
+                  <a:noFill/>
+                </a:ln>
+                <a:solidFill>
+                  <a:srgbClr val="ED7D31">
+                    <a:lumMod val="40000"/>
+                    <a:lumOff val="60000"/>
+                  </a:srgbClr>
+                </a:solidFill>
+                <a:effectLst/>
+                <a:uLnTx/>
+                <a:uFillTx/>
+                <a:latin typeface="Calibri" panose="020F0502020204030204"/>
+                <a:ea typeface="+mn-ea"/>
+                <a:cs typeface="+mn-cs"/>
+              </a:rPr>
+              <a:t>Menú</a:t>
+            </a:r>
+          </a:p>
+        </p:txBody>
+      </p:sp>
+      <p:sp>
+        <p:nvSpPr>
+          <p:cNvPr id="7" name="CuadroTexto 6">
+            <a:extLst>
+              <a:ext uri="{FF2B5EF4-FFF2-40B4-BE49-F238E27FC236}">
+                <a16:creationId xmlns:a16="http://schemas.microsoft.com/office/drawing/2014/main" id="{7CF5C6C3-C16C-4F33-9A2C-0D831A7C0181}"/>
+              </a:ext>
+            </a:extLst>
+          </p:cNvPr>
+          <p:cNvSpPr txBox="1"/>
+          <p:nvPr/>
+        </p:nvSpPr>
+        <p:spPr>
+          <a:xfrm>
+            <a:off x="4142021" y="298524"/>
+            <a:ext cx="4174836" cy="1107996"/>
+          </a:xfrm>
+          <a:prstGeom prst="rect">
+            <a:avLst/>
+          </a:prstGeom>
+          <a:noFill/>
+        </p:spPr>
+        <p:txBody>
+          <a:bodyPr wrap="square" rtlCol="0">
+            <a:spAutoFit/>
+          </a:bodyPr>
+          <a:lstStyle/>
+          <a:p>
+            <a:pPr marL="0" marR="0" lvl="0" indent="0" algn="l" defTabSz="914400" rtl="0" eaLnBrk="1" fontAlgn="auto" latinLnBrk="0" hangingPunct="1">
+              <a:lnSpc>
+                <a:spcPct val="100000"/>
+              </a:lnSpc>
+              <a:spcBef>
+                <a:spcPts val="0"/>
+              </a:spcBef>
+              <a:spcAft>
+                <a:spcPts val="0"/>
+              </a:spcAft>
+              <a:buClrTx/>
+              <a:buSzTx/>
+              <a:buFontTx/>
+              <a:buNone/>
+              <a:tabLst/>
+              <a:defRPr/>
+            </a:pPr>
+            <a:r>
+              <a:rPr kumimoji="0" lang="es-ES" sz="6600" b="1" i="0" u="none" strike="noStrike" kern="1200" cap="none" spc="0" normalizeH="0" baseline="0" noProof="0" dirty="0" err="1">
+                <a:ln w="22225">
+                  <a:noFill/>
+                  <a:prstDash val="solid"/>
+                </a:ln>
+                <a:solidFill>
+                  <a:srgbClr val="ED7D31">
+                    <a:lumMod val="40000"/>
+                    <a:lumOff val="60000"/>
+                  </a:srgbClr>
+                </a:solidFill>
+                <a:effectLst/>
+                <a:uLnTx/>
+                <a:uFillTx/>
+                <a:latin typeface="Rage Italic" panose="03070502040507070304" pitchFamily="66" charset="0"/>
+                <a:ea typeface="Gulim" panose="020B0600000101010101" pitchFamily="34" charset="-127"/>
+                <a:cs typeface="+mn-cs"/>
+              </a:rPr>
+              <a:t>KiteSurfing</a:t>
+            </a:r>
+            <a:endParaRPr kumimoji="0" lang="es-ES" sz="6600" b="1" i="0" u="none" strike="noStrike" kern="1200" cap="none" spc="0" normalizeH="0" baseline="0" noProof="0" dirty="0">
+              <a:ln w="22225">
+                <a:noFill/>
+                <a:prstDash val="solid"/>
+              </a:ln>
+              <a:solidFill>
+                <a:srgbClr val="ED7D31">
+                  <a:lumMod val="40000"/>
+                  <a:lumOff val="60000"/>
+                </a:srgbClr>
+              </a:solidFill>
+              <a:effectLst/>
+              <a:uLnTx/>
+              <a:uFillTx/>
+              <a:latin typeface="Rage Italic" panose="03070502040507070304" pitchFamily="66" charset="0"/>
+              <a:ea typeface="Gulim" panose="020B0600000101010101" pitchFamily="34" charset="-127"/>
+              <a:cs typeface="+mn-cs"/>
+            </a:endParaRPr>
+          </a:p>
+        </p:txBody>
+      </p:sp>
+      <p:sp>
+        <p:nvSpPr>
+          <p:cNvPr id="13" name="Rectángulo 12">
+            <a:extLst>
+              <a:ext uri="{FF2B5EF4-FFF2-40B4-BE49-F238E27FC236}">
+                <a16:creationId xmlns:a16="http://schemas.microsoft.com/office/drawing/2014/main" id="{87AEF759-4FCB-6AFD-3479-7857F7AD6FA7}"/>
+              </a:ext>
+            </a:extLst>
+          </p:cNvPr>
+          <p:cNvSpPr/>
+          <p:nvPr/>
+        </p:nvSpPr>
+        <p:spPr>
+          <a:xfrm>
+            <a:off x="1137247" y="1609553"/>
+            <a:ext cx="9917506" cy="5045412"/>
+          </a:xfrm>
+          <a:prstGeom prst="rect">
+            <a:avLst/>
+          </a:prstGeom>
+          <a:solidFill>
+            <a:srgbClr val="FEF6F0"/>
+          </a:solidFill>
+          <a:ln>
+            <a:noFill/>
+          </a:ln>
+        </p:spPr>
+        <p:style>
+          <a:lnRef idx="2">
+            <a:schemeClr val="accent1">
+              <a:shade val="50000"/>
+            </a:schemeClr>
+          </a:lnRef>
+          <a:fillRef idx="1">
+            <a:schemeClr val="accent1"/>
+          </a:fillRef>
+          <a:effectRef idx="0">
+            <a:schemeClr val="accent1"/>
+          </a:effectRef>
+          <a:fontRef idx="minor">
+            <a:schemeClr val="lt1"/>
+          </a:fontRef>
+        </p:style>
+        <p:txBody>
+          <a:bodyPr rtlCol="0" anchor="ctr"/>
+          <a:lstStyle/>
+          <a:p>
+            <a:pPr marL="0" marR="0" lvl="0" indent="0" algn="ctr" defTabSz="914400" rtl="0" eaLnBrk="1" fontAlgn="auto" latinLnBrk="0" hangingPunct="1">
+              <a:lnSpc>
+                <a:spcPct val="100000"/>
+              </a:lnSpc>
+              <a:spcBef>
+                <a:spcPts val="0"/>
+              </a:spcBef>
+              <a:spcAft>
+                <a:spcPts val="0"/>
+              </a:spcAft>
+              <a:buClrTx/>
+              <a:buSzTx/>
+              <a:buFontTx/>
+              <a:buNone/>
+              <a:tabLst/>
+              <a:defRPr/>
+            </a:pPr>
+            <a:endParaRPr kumimoji="0" lang="es-ES" sz="1800" b="0" i="0" u="none" strike="noStrike" kern="1200" cap="none" spc="0" normalizeH="0" baseline="0" noProof="0" dirty="0">
+              <a:ln>
+                <a:noFill/>
+              </a:ln>
+              <a:solidFill>
+                <a:prstClr val="white"/>
+              </a:solidFill>
+              <a:effectLst/>
+              <a:uLnTx/>
+              <a:uFillTx/>
+              <a:latin typeface="Calibri" panose="020F0502020204030204"/>
+              <a:ea typeface="+mn-ea"/>
+              <a:cs typeface="+mn-cs"/>
+            </a:endParaRPr>
+          </a:p>
+        </p:txBody>
+      </p:sp>
+    </p:spTree>
+    <p:extLst>
+      <p:ext uri="{BB962C8B-B14F-4D97-AF65-F5344CB8AC3E}">
+        <p14:creationId xmlns:p14="http://schemas.microsoft.com/office/powerpoint/2010/main" val="3301873646"/>
+      </p:ext>
+    </p:extLst>
+  </p:cSld>
+  <p:clrMapOvr>
+    <a:masterClrMapping/>
+  </p:clrMapOvr>
+</p:sld>
+</file>
+
+<file path=ppt/slides/slide9.xml><?xml version="1.0" encoding="utf-8"?>
+<p:sld xmlns:a="http://schemas.openxmlformats.org/drawingml/2006/main" xmlns:r="http://schemas.openxmlformats.org/officeDocument/2006/relationships" xmlns:p="http://schemas.openxmlformats.org/presentationml/2006/main">
+  <p:cSld>
+    <p:spTree>
+      <p:nvGrpSpPr>
+        <p:cNvPr id="1" name=""/>
+        <p:cNvGrpSpPr/>
+        <p:nvPr/>
+      </p:nvGrpSpPr>
+      <p:grpSpPr>
+        <a:xfrm>
+          <a:off x="0" y="0"/>
+          <a:ext cx="0" cy="0"/>
+          <a:chOff x="0" y="0"/>
+          <a:chExt cx="0" cy="0"/>
+        </a:xfrm>
+      </p:grpSpPr>
       <p:pic>
         <p:nvPicPr>
           <p:cNvPr id="3" name="Imagen 2">
             <a:extLst>
               <a:ext uri="{FF2B5EF4-FFF2-40B4-BE49-F238E27FC236}">
-                <a16:creationId xmlns:a16="http://schemas.microsoft.com/office/drawing/2014/main" id="{B6096502-2A9C-45CA-8873-1D77929A210E}"/>
+                <a16:creationId xmlns:a16="http://schemas.microsoft.com/office/drawing/2014/main" id="{F5F2A04A-8D41-4C48-9816-386F1448D505}"/>
               </a:ext>
             </a:extLst>
           </p:cNvPr>
@@ -9827,8 +12514,8 @@
         </p:blipFill>
         <p:spPr>
           <a:xfrm>
-            <a:off x="0" y="441423"/>
-            <a:ext cx="12192000" cy="5975154"/>
+            <a:off x="0" y="185555"/>
+            <a:ext cx="12192000" cy="6486889"/>
           </a:xfrm>
           <a:prstGeom prst="rect">
             <a:avLst/>
@@ -9838,7 +12525,7 @@
     </p:spTree>
     <p:extLst>
       <p:ext uri="{BB962C8B-B14F-4D97-AF65-F5344CB8AC3E}">
-        <p14:creationId xmlns:p14="http://schemas.microsoft.com/office/powerpoint/2010/main" val="813271363"/>
+        <p14:creationId xmlns:p14="http://schemas.microsoft.com/office/powerpoint/2010/main" val="2229508293"/>
       </p:ext>
     </p:extLst>
   </p:cSld>

--- a/Presentación1 [Autoguardado].pptx
+++ b/Presentación1 [Autoguardado].pptx
@@ -13,9 +13,14 @@
     <p:sldId id="266" r:id="rId7"/>
     <p:sldId id="267" r:id="rId8"/>
     <p:sldId id="269" r:id="rId9"/>
-    <p:sldId id="258" r:id="rId10"/>
-    <p:sldId id="259" r:id="rId11"/>
-    <p:sldId id="260" r:id="rId12"/>
+    <p:sldId id="274" r:id="rId10"/>
+    <p:sldId id="276" r:id="rId11"/>
+    <p:sldId id="277" r:id="rId12"/>
+    <p:sldId id="271" r:id="rId13"/>
+    <p:sldId id="272" r:id="rId14"/>
+    <p:sldId id="258" r:id="rId15"/>
+    <p:sldId id="259" r:id="rId16"/>
+    <p:sldId id="260" r:id="rId17"/>
   </p:sldIdLst>
   <p:sldSz cx="12192000" cy="6858000"/>
   <p:notesSz cx="6858000" cy="9144000"/>
@@ -126,8 +131,8 @@
 <pc:chgInfo xmlns:a="http://schemas.openxmlformats.org/drawingml/2006/main" xmlns:r="http://schemas.openxmlformats.org/officeDocument/2006/relationships" xmlns:ac="http://schemas.microsoft.com/office/drawing/2013/main/command" xmlns:pc="http://schemas.microsoft.com/office/powerpoint/2013/main/command">
   <pc:docChgLst>
     <pc:chgData name="Paula MH" userId="28fd2089f52684aa" providerId="LiveId" clId="{0258A1A6-39FA-4B4D-8769-F170ECCE015E}"/>
-    <pc:docChg chg="custSel addSld delSld modSld sldOrd">
-      <pc:chgData name="Paula MH" userId="28fd2089f52684aa" providerId="LiveId" clId="{0258A1A6-39FA-4B4D-8769-F170ECCE015E}" dt="2022-05-08T17:21:33.214" v="459" actId="478"/>
+    <pc:docChg chg="undo custSel addSld delSld modSld sldOrd">
+      <pc:chgData name="Paula MH" userId="28fd2089f52684aa" providerId="LiveId" clId="{0258A1A6-39FA-4B4D-8769-F170ECCE015E}" dt="2022-05-12T20:19:56.764" v="1566"/>
       <pc:docMkLst>
         <pc:docMk/>
       </pc:docMkLst>
@@ -496,11 +501,27 @@
         </pc:cxnChg>
       </pc:sldChg>
       <pc:sldChg chg="addSp delSp modSp add mod ord">
-        <pc:chgData name="Paula MH" userId="28fd2089f52684aa" providerId="LiveId" clId="{0258A1A6-39FA-4B4D-8769-F170ECCE015E}" dt="2022-05-08T17:21:33.214" v="459" actId="478"/>
+        <pc:chgData name="Paula MH" userId="28fd2089f52684aa" providerId="LiveId" clId="{0258A1A6-39FA-4B4D-8769-F170ECCE015E}" dt="2022-05-09T14:57:54.854" v="592" actId="1076"/>
         <pc:sldMkLst>
           <pc:docMk/>
           <pc:sldMk cId="3301873646" sldId="269"/>
         </pc:sldMkLst>
+        <pc:spChg chg="add mod">
+          <ac:chgData name="Paula MH" userId="28fd2089f52684aa" providerId="LiveId" clId="{0258A1A6-39FA-4B4D-8769-F170ECCE015E}" dt="2022-05-09T14:55:39.803" v="564" actId="164"/>
+          <ac:spMkLst>
+            <pc:docMk/>
+            <pc:sldMk cId="3301873646" sldId="269"/>
+            <ac:spMk id="2" creationId="{E820D0CA-1F1C-CD85-E2CD-AB2598B71E6A}"/>
+          </ac:spMkLst>
+        </pc:spChg>
+        <pc:spChg chg="add mod">
+          <ac:chgData name="Paula MH" userId="28fd2089f52684aa" providerId="LiveId" clId="{0258A1A6-39FA-4B4D-8769-F170ECCE015E}" dt="2022-05-09T14:55:39.803" v="564" actId="164"/>
+          <ac:spMkLst>
+            <pc:docMk/>
+            <pc:sldMk cId="3301873646" sldId="269"/>
+            <ac:spMk id="3" creationId="{421251BF-0799-957F-D187-219E8B073CD2}"/>
+          </ac:spMkLst>
+        </pc:spChg>
         <pc:spChg chg="del">
           <ac:chgData name="Paula MH" userId="28fd2089f52684aa" providerId="LiveId" clId="{0258A1A6-39FA-4B4D-8769-F170ECCE015E}" dt="2022-05-08T17:15:11.413" v="419" actId="478"/>
           <ac:spMkLst>
@@ -515,6 +536,14 @@
             <pc:docMk/>
             <pc:sldMk cId="3301873646" sldId="269"/>
             <ac:spMk id="13" creationId="{87AEF759-4FCB-6AFD-3479-7857F7AD6FA7}"/>
+          </ac:spMkLst>
+        </pc:spChg>
+        <pc:spChg chg="add del mod">
+          <ac:chgData name="Paula MH" userId="28fd2089f52684aa" providerId="LiveId" clId="{0258A1A6-39FA-4B4D-8769-F170ECCE015E}" dt="2022-05-09T14:50:30.504" v="469" actId="478"/>
+          <ac:spMkLst>
+            <pc:docMk/>
+            <pc:sldMk cId="3301873646" sldId="269"/>
+            <ac:spMk id="15" creationId="{19666812-AA80-5E32-5841-8DBFA5B81639}"/>
           </ac:spMkLst>
         </pc:spChg>
         <pc:spChg chg="add del mod">
@@ -533,6 +562,22 @@
             <ac:spMk id="16" creationId="{1C4BD95E-D008-D427-D69C-0776A92B14C0}"/>
           </ac:spMkLst>
         </pc:spChg>
+        <pc:spChg chg="add del mod">
+          <ac:chgData name="Paula MH" userId="28fd2089f52684aa" providerId="LiveId" clId="{0258A1A6-39FA-4B4D-8769-F170ECCE015E}" dt="2022-05-09T14:50:32.149" v="470" actId="478"/>
+          <ac:spMkLst>
+            <pc:docMk/>
+            <pc:sldMk cId="3301873646" sldId="269"/>
+            <ac:spMk id="16" creationId="{B5214798-C901-51FD-9D31-A6730316D495}"/>
+          </ac:spMkLst>
+        </pc:spChg>
+        <pc:spChg chg="add mod ord">
+          <ac:chgData name="Paula MH" userId="28fd2089f52684aa" providerId="LiveId" clId="{0258A1A6-39FA-4B4D-8769-F170ECCE015E}" dt="2022-05-09T14:55:39.803" v="564" actId="164"/>
+          <ac:spMkLst>
+            <pc:docMk/>
+            <pc:sldMk cId="3301873646" sldId="269"/>
+            <ac:spMk id="17" creationId="{7500182C-DECE-B06B-2FC0-E16775CD7C2B}"/>
+          </ac:spMkLst>
+        </pc:spChg>
         <pc:spChg chg="del">
           <ac:chgData name="Paula MH" userId="28fd2089f52684aa" providerId="LiveId" clId="{0258A1A6-39FA-4B4D-8769-F170ECCE015E}" dt="2022-05-08T17:15:05.955" v="416" actId="478"/>
           <ac:spMkLst>
@@ -541,12 +586,28 @@
             <ac:spMk id="17" creationId="{C23217B3-3F48-A7D1-4C7C-242AC76839B7}"/>
           </ac:spMkLst>
         </pc:spChg>
+        <pc:spChg chg="add mod">
+          <ac:chgData name="Paula MH" userId="28fd2089f52684aa" providerId="LiveId" clId="{0258A1A6-39FA-4B4D-8769-F170ECCE015E}" dt="2022-05-09T14:55:39.803" v="564" actId="164"/>
+          <ac:spMkLst>
+            <pc:docMk/>
+            <pc:sldMk cId="3301873646" sldId="269"/>
+            <ac:spMk id="19" creationId="{AA53B862-7378-C4A5-D0AD-6ACFCF58F880}"/>
+          </ac:spMkLst>
+        </pc:spChg>
         <pc:spChg chg="del">
           <ac:chgData name="Paula MH" userId="28fd2089f52684aa" providerId="LiveId" clId="{0258A1A6-39FA-4B4D-8769-F170ECCE015E}" dt="2022-05-08T17:15:04.256" v="415" actId="478"/>
           <ac:spMkLst>
             <pc:docMk/>
             <pc:sldMk cId="3301873646" sldId="269"/>
             <ac:spMk id="19" creationId="{F97FD2C5-ABEB-5FC9-DEEF-83CA4E61F691}"/>
+          </ac:spMkLst>
+        </pc:spChg>
+        <pc:spChg chg="add mod">
+          <ac:chgData name="Paula MH" userId="28fd2089f52684aa" providerId="LiveId" clId="{0258A1A6-39FA-4B4D-8769-F170ECCE015E}" dt="2022-05-09T14:55:39.803" v="564" actId="164"/>
+          <ac:spMkLst>
+            <pc:docMk/>
+            <pc:sldMk cId="3301873646" sldId="269"/>
+            <ac:spMk id="20" creationId="{545C79D4-3EFE-013D-C831-8AC8FB208084}"/>
           </ac:spMkLst>
         </pc:spChg>
         <pc:spChg chg="add del mod">
@@ -565,6 +626,14 @@
             <ac:spMk id="21" creationId="{07AD41A1-BA11-05DB-68CF-8C1735CC3203}"/>
           </ac:spMkLst>
         </pc:spChg>
+        <pc:spChg chg="add mod">
+          <ac:chgData name="Paula MH" userId="28fd2089f52684aa" providerId="LiveId" clId="{0258A1A6-39FA-4B4D-8769-F170ECCE015E}" dt="2022-05-09T14:55:39.803" v="564" actId="164"/>
+          <ac:spMkLst>
+            <pc:docMk/>
+            <pc:sldMk cId="3301873646" sldId="269"/>
+            <ac:spMk id="21" creationId="{D2280FD5-93FC-92EA-FB08-1FE9557AAC87}"/>
+          </ac:spMkLst>
+        </pc:spChg>
         <pc:spChg chg="add del mod">
           <ac:chgData name="Paula MH" userId="28fd2089f52684aa" providerId="LiveId" clId="{0258A1A6-39FA-4B4D-8769-F170ECCE015E}" dt="2022-05-08T17:18:35.958" v="457" actId="478"/>
           <ac:spMkLst>
@@ -581,6 +650,142 @@
             <ac:spMk id="23" creationId="{B497D45A-548B-5DED-C412-31C055D1C067}"/>
           </ac:spMkLst>
         </pc:spChg>
+        <pc:spChg chg="mod">
+          <ac:chgData name="Paula MH" userId="28fd2089f52684aa" providerId="LiveId" clId="{0258A1A6-39FA-4B4D-8769-F170ECCE015E}" dt="2022-05-09T14:55:42.909" v="565"/>
+          <ac:spMkLst>
+            <pc:docMk/>
+            <pc:sldMk cId="3301873646" sldId="269"/>
+            <ac:spMk id="23" creationId="{CB66C06D-4105-DBFB-0922-D046099405FB}"/>
+          </ac:spMkLst>
+        </pc:spChg>
+        <pc:spChg chg="mod">
+          <ac:chgData name="Paula MH" userId="28fd2089f52684aa" providerId="LiveId" clId="{0258A1A6-39FA-4B4D-8769-F170ECCE015E}" dt="2022-05-09T14:55:42.909" v="565"/>
+          <ac:spMkLst>
+            <pc:docMk/>
+            <pc:sldMk cId="3301873646" sldId="269"/>
+            <ac:spMk id="24" creationId="{C5D8F52B-59F5-C942-017C-82A33CF6D1C4}"/>
+          </ac:spMkLst>
+        </pc:spChg>
+        <pc:spChg chg="mod">
+          <ac:chgData name="Paula MH" userId="28fd2089f52684aa" providerId="LiveId" clId="{0258A1A6-39FA-4B4D-8769-F170ECCE015E}" dt="2022-05-09T14:55:42.909" v="565"/>
+          <ac:spMkLst>
+            <pc:docMk/>
+            <pc:sldMk cId="3301873646" sldId="269"/>
+            <ac:spMk id="25" creationId="{0DF6A5DB-B9F3-7566-E4A7-4C1058840372}"/>
+          </ac:spMkLst>
+        </pc:spChg>
+        <pc:spChg chg="mod">
+          <ac:chgData name="Paula MH" userId="28fd2089f52684aa" providerId="LiveId" clId="{0258A1A6-39FA-4B4D-8769-F170ECCE015E}" dt="2022-05-09T14:55:42.909" v="565"/>
+          <ac:spMkLst>
+            <pc:docMk/>
+            <pc:sldMk cId="3301873646" sldId="269"/>
+            <ac:spMk id="26" creationId="{828D598A-2112-14B1-C8DF-6940D0258897}"/>
+          </ac:spMkLst>
+        </pc:spChg>
+        <pc:spChg chg="mod">
+          <ac:chgData name="Paula MH" userId="28fd2089f52684aa" providerId="LiveId" clId="{0258A1A6-39FA-4B4D-8769-F170ECCE015E}" dt="2022-05-09T14:55:42.909" v="565"/>
+          <ac:spMkLst>
+            <pc:docMk/>
+            <pc:sldMk cId="3301873646" sldId="269"/>
+            <ac:spMk id="27" creationId="{6CC25E64-AD09-733C-9C46-9962015CD412}"/>
+          </ac:spMkLst>
+        </pc:spChg>
+        <pc:spChg chg="mod">
+          <ac:chgData name="Paula MH" userId="28fd2089f52684aa" providerId="LiveId" clId="{0258A1A6-39FA-4B4D-8769-F170ECCE015E}" dt="2022-05-09T14:55:42.909" v="565"/>
+          <ac:spMkLst>
+            <pc:docMk/>
+            <pc:sldMk cId="3301873646" sldId="269"/>
+            <ac:spMk id="28" creationId="{7E7FABC7-74CE-F6AE-BF30-2F8218B322EC}"/>
+          </ac:spMkLst>
+        </pc:spChg>
+        <pc:spChg chg="mod">
+          <ac:chgData name="Paula MH" userId="28fd2089f52684aa" providerId="LiveId" clId="{0258A1A6-39FA-4B4D-8769-F170ECCE015E}" dt="2022-05-09T14:55:51.917" v="567"/>
+          <ac:spMkLst>
+            <pc:docMk/>
+            <pc:sldMk cId="3301873646" sldId="269"/>
+            <ac:spMk id="31" creationId="{4AA66699-6D84-2657-6C1D-2CB2C63669C6}"/>
+          </ac:spMkLst>
+        </pc:spChg>
+        <pc:spChg chg="mod">
+          <ac:chgData name="Paula MH" userId="28fd2089f52684aa" providerId="LiveId" clId="{0258A1A6-39FA-4B4D-8769-F170ECCE015E}" dt="2022-05-09T14:55:51.917" v="567"/>
+          <ac:spMkLst>
+            <pc:docMk/>
+            <pc:sldMk cId="3301873646" sldId="269"/>
+            <ac:spMk id="32" creationId="{DB115B92-2033-0DA9-D8BC-CCA88F8BDAC8}"/>
+          </ac:spMkLst>
+        </pc:spChg>
+        <pc:spChg chg="mod">
+          <ac:chgData name="Paula MH" userId="28fd2089f52684aa" providerId="LiveId" clId="{0258A1A6-39FA-4B4D-8769-F170ECCE015E}" dt="2022-05-09T14:55:51.917" v="567"/>
+          <ac:spMkLst>
+            <pc:docMk/>
+            <pc:sldMk cId="3301873646" sldId="269"/>
+            <ac:spMk id="33" creationId="{3F3E250A-34F5-5F2A-2667-86A6A3F27E36}"/>
+          </ac:spMkLst>
+        </pc:spChg>
+        <pc:spChg chg="mod">
+          <ac:chgData name="Paula MH" userId="28fd2089f52684aa" providerId="LiveId" clId="{0258A1A6-39FA-4B4D-8769-F170ECCE015E}" dt="2022-05-09T14:55:51.917" v="567"/>
+          <ac:spMkLst>
+            <pc:docMk/>
+            <pc:sldMk cId="3301873646" sldId="269"/>
+            <ac:spMk id="34" creationId="{49F4F0E1-2563-0F1A-969C-EFDF3C1F45DB}"/>
+          </ac:spMkLst>
+        </pc:spChg>
+        <pc:spChg chg="mod">
+          <ac:chgData name="Paula MH" userId="28fd2089f52684aa" providerId="LiveId" clId="{0258A1A6-39FA-4B4D-8769-F170ECCE015E}" dt="2022-05-09T14:55:51.917" v="567"/>
+          <ac:spMkLst>
+            <pc:docMk/>
+            <pc:sldMk cId="3301873646" sldId="269"/>
+            <ac:spMk id="35" creationId="{8BD841F2-5EE9-552C-4AA1-73A7373E65F7}"/>
+          </ac:spMkLst>
+        </pc:spChg>
+        <pc:spChg chg="mod">
+          <ac:chgData name="Paula MH" userId="28fd2089f52684aa" providerId="LiveId" clId="{0258A1A6-39FA-4B4D-8769-F170ECCE015E}" dt="2022-05-09T14:55:51.917" v="567"/>
+          <ac:spMkLst>
+            <pc:docMk/>
+            <pc:sldMk cId="3301873646" sldId="269"/>
+            <ac:spMk id="36" creationId="{42561AC8-E264-8C1C-46A2-C64E327C01D3}"/>
+          </ac:spMkLst>
+        </pc:spChg>
+        <pc:spChg chg="add mod">
+          <ac:chgData name="Paula MH" userId="28fd2089f52684aa" providerId="LiveId" clId="{0258A1A6-39FA-4B4D-8769-F170ECCE015E}" dt="2022-05-09T14:57:54.854" v="592" actId="1076"/>
+          <ac:spMkLst>
+            <pc:docMk/>
+            <pc:sldMk cId="3301873646" sldId="269"/>
+            <ac:spMk id="41" creationId="{7CDBF8D2-6B70-913F-977E-E80369A5F496}"/>
+          </ac:spMkLst>
+        </pc:spChg>
+        <pc:grpChg chg="add mod">
+          <ac:chgData name="Paula MH" userId="28fd2089f52684aa" providerId="LiveId" clId="{0258A1A6-39FA-4B4D-8769-F170ECCE015E}" dt="2022-05-09T14:55:39.803" v="564" actId="164"/>
+          <ac:grpSpMkLst>
+            <pc:docMk/>
+            <pc:sldMk cId="3301873646" sldId="269"/>
+            <ac:grpSpMk id="6" creationId="{9DBEBA5E-1A9A-9508-537D-4E2E0C168505}"/>
+          </ac:grpSpMkLst>
+        </pc:grpChg>
+        <pc:grpChg chg="add mod">
+          <ac:chgData name="Paula MH" userId="28fd2089f52684aa" providerId="LiveId" clId="{0258A1A6-39FA-4B4D-8769-F170ECCE015E}" dt="2022-05-09T14:55:49.836" v="566" actId="1076"/>
+          <ac:grpSpMkLst>
+            <pc:docMk/>
+            <pc:sldMk cId="3301873646" sldId="269"/>
+            <ac:grpSpMk id="22" creationId="{BCADE0A8-2B48-DD8F-175E-CE09E101EFA5}"/>
+          </ac:grpSpMkLst>
+        </pc:grpChg>
+        <pc:grpChg chg="add mod">
+          <ac:chgData name="Paula MH" userId="28fd2089f52684aa" providerId="LiveId" clId="{0258A1A6-39FA-4B4D-8769-F170ECCE015E}" dt="2022-05-09T14:55:59.878" v="568" actId="1076"/>
+          <ac:grpSpMkLst>
+            <pc:docMk/>
+            <pc:sldMk cId="3301873646" sldId="269"/>
+            <ac:grpSpMk id="30" creationId="{5BFA42E4-CF58-39FD-1AC2-0486F8F655A5}"/>
+          </ac:grpSpMkLst>
+        </pc:grpChg>
+        <pc:cxnChg chg="add mod">
+          <ac:chgData name="Paula MH" userId="28fd2089f52684aa" providerId="LiveId" clId="{0258A1A6-39FA-4B4D-8769-F170ECCE015E}" dt="2022-05-09T14:55:39.803" v="564" actId="164"/>
+          <ac:cxnSpMkLst>
+            <pc:docMk/>
+            <pc:sldMk cId="3301873646" sldId="269"/>
+            <ac:cxnSpMk id="5" creationId="{8246C5AC-584D-CD8F-D411-8BDDE7AC2065}"/>
+          </ac:cxnSpMkLst>
+        </pc:cxnChg>
         <pc:cxnChg chg="del">
           <ac:chgData name="Paula MH" userId="28fd2089f52684aa" providerId="LiveId" clId="{0258A1A6-39FA-4B4D-8769-F170ECCE015E}" dt="2022-05-08T17:15:09.499" v="418" actId="478"/>
           <ac:cxnSpMkLst>
@@ -589,6 +794,614 @@
             <ac:cxnSpMk id="8" creationId="{2667211A-D8E3-82D8-C3F7-9061CF24ECFB}"/>
           </ac:cxnSpMkLst>
         </pc:cxnChg>
+        <pc:cxnChg chg="add mod">
+          <ac:chgData name="Paula MH" userId="28fd2089f52684aa" providerId="LiveId" clId="{0258A1A6-39FA-4B4D-8769-F170ECCE015E}" dt="2022-05-09T14:56:25.730" v="571" actId="692"/>
+          <ac:cxnSpMkLst>
+            <pc:docMk/>
+            <pc:sldMk cId="3301873646" sldId="269"/>
+            <ac:cxnSpMk id="9" creationId="{B72D5335-8034-3048-850E-49CDC3E6B99D}"/>
+          </ac:cxnSpMkLst>
+        </pc:cxnChg>
+        <pc:cxnChg chg="mod">
+          <ac:chgData name="Paula MH" userId="28fd2089f52684aa" providerId="LiveId" clId="{0258A1A6-39FA-4B4D-8769-F170ECCE015E}" dt="2022-05-09T14:55:42.909" v="565"/>
+          <ac:cxnSpMkLst>
+            <pc:docMk/>
+            <pc:sldMk cId="3301873646" sldId="269"/>
+            <ac:cxnSpMk id="29" creationId="{BCAC8DE7-6054-6700-BA61-89C9151B8FB0}"/>
+          </ac:cxnSpMkLst>
+        </pc:cxnChg>
+        <pc:cxnChg chg="mod">
+          <ac:chgData name="Paula MH" userId="28fd2089f52684aa" providerId="LiveId" clId="{0258A1A6-39FA-4B4D-8769-F170ECCE015E}" dt="2022-05-09T14:55:51.917" v="567"/>
+          <ac:cxnSpMkLst>
+            <pc:docMk/>
+            <pc:sldMk cId="3301873646" sldId="269"/>
+            <ac:cxnSpMk id="37" creationId="{CA1190A5-D2A9-8AB4-A785-43D0E638F4FA}"/>
+          </ac:cxnSpMkLst>
+        </pc:cxnChg>
+        <pc:cxnChg chg="add mod">
+          <ac:chgData name="Paula MH" userId="28fd2089f52684aa" providerId="LiveId" clId="{0258A1A6-39FA-4B4D-8769-F170ECCE015E}" dt="2022-05-09T14:57:00.337" v="576" actId="692"/>
+          <ac:cxnSpMkLst>
+            <pc:docMk/>
+            <pc:sldMk cId="3301873646" sldId="269"/>
+            <ac:cxnSpMk id="39" creationId="{B2BA31C0-3F65-0657-F2AF-5A776D06EE60}"/>
+          </ac:cxnSpMkLst>
+        </pc:cxnChg>
+        <pc:cxnChg chg="add mod">
+          <ac:chgData name="Paula MH" userId="28fd2089f52684aa" providerId="LiveId" clId="{0258A1A6-39FA-4B4D-8769-F170ECCE015E}" dt="2022-05-09T14:56:55.745" v="575" actId="692"/>
+          <ac:cxnSpMkLst>
+            <pc:docMk/>
+            <pc:sldMk cId="3301873646" sldId="269"/>
+            <ac:cxnSpMk id="40" creationId="{32A2AC79-31F1-CDEC-8697-57AE80A6ABD6}"/>
+          </ac:cxnSpMkLst>
+        </pc:cxnChg>
+      </pc:sldChg>
+      <pc:sldChg chg="addSp delSp modSp add del mod">
+        <pc:chgData name="Paula MH" userId="28fd2089f52684aa" providerId="LiveId" clId="{0258A1A6-39FA-4B4D-8769-F170ECCE015E}" dt="2022-05-12T19:35:44.433" v="1564" actId="47"/>
+        <pc:sldMkLst>
+          <pc:docMk/>
+          <pc:sldMk cId="2693389005" sldId="270"/>
+        </pc:sldMkLst>
+        <pc:spChg chg="add mod">
+          <ac:chgData name="Paula MH" userId="28fd2089f52684aa" providerId="LiveId" clId="{0258A1A6-39FA-4B4D-8769-F170ECCE015E}" dt="2022-05-11T15:58:28.561" v="746" actId="207"/>
+          <ac:spMkLst>
+            <pc:docMk/>
+            <pc:sldMk cId="2693389005" sldId="270"/>
+            <ac:spMk id="2" creationId="{6EC1CBEB-D95A-A8E6-22C8-D3CF1C51CC4D}"/>
+          </ac:spMkLst>
+        </pc:spChg>
+        <pc:spChg chg="add mod ord">
+          <ac:chgData name="Paula MH" userId="28fd2089f52684aa" providerId="LiveId" clId="{0258A1A6-39FA-4B4D-8769-F170ECCE015E}" dt="2022-05-11T15:58:28.396" v="745" actId="166"/>
+          <ac:spMkLst>
+            <pc:docMk/>
+            <pc:sldMk cId="2693389005" sldId="270"/>
+            <ac:spMk id="3" creationId="{1B310F0A-7A1A-A0DF-E03B-01F5B73CFB46}"/>
+          </ac:spMkLst>
+        </pc:spChg>
+        <pc:spChg chg="add mod ord">
+          <ac:chgData name="Paula MH" userId="28fd2089f52684aa" providerId="LiveId" clId="{0258A1A6-39FA-4B4D-8769-F170ECCE015E}" dt="2022-05-11T15:58:28.349" v="744" actId="166"/>
+          <ac:spMkLst>
+            <pc:docMk/>
+            <pc:sldMk cId="2693389005" sldId="270"/>
+            <ac:spMk id="4" creationId="{B49D3C5D-01A5-50E3-42B1-772145853E7E}"/>
+          </ac:spMkLst>
+        </pc:spChg>
+        <pc:spChg chg="ord">
+          <ac:chgData name="Paula MH" userId="28fd2089f52684aa" providerId="LiveId" clId="{0258A1A6-39FA-4B4D-8769-F170ECCE015E}" dt="2022-05-11T15:58:28.699" v="753" actId="171"/>
+          <ac:spMkLst>
+            <pc:docMk/>
+            <pc:sldMk cId="2693389005" sldId="270"/>
+            <ac:spMk id="13" creationId="{87AEF759-4FCB-6AFD-3479-7857F7AD6FA7}"/>
+          </ac:spMkLst>
+        </pc:spChg>
+        <pc:spChg chg="mod ord topLvl">
+          <ac:chgData name="Paula MH" userId="28fd2089f52684aa" providerId="LiveId" clId="{0258A1A6-39FA-4B4D-8769-F170ECCE015E}" dt="2022-05-11T15:58:28.793" v="757" actId="14100"/>
+          <ac:spMkLst>
+            <pc:docMk/>
+            <pc:sldMk cId="2693389005" sldId="270"/>
+            <ac:spMk id="16" creationId="{BC1D5E78-A8F5-C834-E21A-8EACD66330A8}"/>
+          </ac:spMkLst>
+        </pc:spChg>
+        <pc:spChg chg="del mod">
+          <ac:chgData name="Paula MH" userId="28fd2089f52684aa" providerId="LiveId" clId="{0258A1A6-39FA-4B4D-8769-F170ECCE015E}" dt="2022-05-11T15:56:07.200" v="670" actId="478"/>
+          <ac:spMkLst>
+            <pc:docMk/>
+            <pc:sldMk cId="2693389005" sldId="270"/>
+            <ac:spMk id="17" creationId="{47CB6D88-95CC-456A-027F-A06BAC3821CC}"/>
+          </ac:spMkLst>
+        </pc:spChg>
+        <pc:spChg chg="ord">
+          <ac:chgData name="Paula MH" userId="28fd2089f52684aa" providerId="LiveId" clId="{0258A1A6-39FA-4B4D-8769-F170ECCE015E}" dt="2022-05-11T15:58:28.699" v="754" actId="167"/>
+          <ac:spMkLst>
+            <pc:docMk/>
+            <pc:sldMk cId="2693389005" sldId="270"/>
+            <ac:spMk id="18" creationId="{F32E89A6-BE1D-4036-A951-ABFF245AA3AD}"/>
+          </ac:spMkLst>
+        </pc:spChg>
+        <pc:spChg chg="add del mod">
+          <ac:chgData name="Paula MH" userId="28fd2089f52684aa" providerId="LiveId" clId="{0258A1A6-39FA-4B4D-8769-F170ECCE015E}" dt="2022-05-11T15:58:29.127" v="762" actId="478"/>
+          <ac:spMkLst>
+            <pc:docMk/>
+            <pc:sldMk cId="2693389005" sldId="270"/>
+            <ac:spMk id="19" creationId="{66FD9307-0AF1-07F0-523A-B56CFAD5FBCE}"/>
+          </ac:spMkLst>
+        </pc:spChg>
+        <pc:spChg chg="add del mod">
+          <ac:chgData name="Paula MH" userId="28fd2089f52684aa" providerId="LiveId" clId="{0258A1A6-39FA-4B4D-8769-F170ECCE015E}" dt="2022-05-11T15:58:29.127" v="761" actId="478"/>
+          <ac:spMkLst>
+            <pc:docMk/>
+            <pc:sldMk cId="2693389005" sldId="270"/>
+            <ac:spMk id="20" creationId="{86FD72A2-5B46-446E-F948-AD6A4BFDC970}"/>
+          </ac:spMkLst>
+        </pc:spChg>
+        <pc:spChg chg="add del mod">
+          <ac:chgData name="Paula MH" userId="28fd2089f52684aa" providerId="LiveId" clId="{0258A1A6-39FA-4B4D-8769-F170ECCE015E}" dt="2022-05-11T15:58:28.874" v="759" actId="478"/>
+          <ac:spMkLst>
+            <pc:docMk/>
+            <pc:sldMk cId="2693389005" sldId="270"/>
+            <ac:spMk id="21" creationId="{155F2988-FD6F-3483-A71E-28035B751233}"/>
+          </ac:spMkLst>
+        </pc:spChg>
+        <pc:spChg chg="add del mod topLvl">
+          <ac:chgData name="Paula MH" userId="28fd2089f52684aa" providerId="LiveId" clId="{0258A1A6-39FA-4B4D-8769-F170ECCE015E}" dt="2022-05-11T15:58:28.824" v="758" actId="478"/>
+          <ac:spMkLst>
+            <pc:docMk/>
+            <pc:sldMk cId="2693389005" sldId="270"/>
+            <ac:spMk id="22" creationId="{2C961C4F-D293-69A1-337E-48CFA858F11E}"/>
+          </ac:spMkLst>
+        </pc:spChg>
+        <pc:spChg chg="add del mod">
+          <ac:chgData name="Paula MH" userId="28fd2089f52684aa" providerId="LiveId" clId="{0258A1A6-39FA-4B4D-8769-F170ECCE015E}" dt="2022-05-11T15:58:53.588" v="766" actId="478"/>
+          <ac:spMkLst>
+            <pc:docMk/>
+            <pc:sldMk cId="2693389005" sldId="270"/>
+            <ac:spMk id="24" creationId="{FFA5A189-E814-3E39-5847-B82915D31EBC}"/>
+          </ac:spMkLst>
+        </pc:spChg>
+        <pc:spChg chg="del">
+          <ac:chgData name="Paula MH" userId="28fd2089f52684aa" providerId="LiveId" clId="{0258A1A6-39FA-4B4D-8769-F170ECCE015E}" dt="2022-05-11T15:44:34.563" v="599" actId="478"/>
+          <ac:spMkLst>
+            <pc:docMk/>
+            <pc:sldMk cId="2693389005" sldId="270"/>
+            <ac:spMk id="41" creationId="{7CDBF8D2-6B70-913F-977E-E80369A5F496}"/>
+          </ac:spMkLst>
+        </pc:spChg>
+        <pc:grpChg chg="del">
+          <ac:chgData name="Paula MH" userId="28fd2089f52684aa" providerId="LiveId" clId="{0258A1A6-39FA-4B4D-8769-F170ECCE015E}" dt="2022-05-09T14:59:02.379" v="594" actId="478"/>
+          <ac:grpSpMkLst>
+            <pc:docMk/>
+            <pc:sldMk cId="2693389005" sldId="270"/>
+            <ac:grpSpMk id="6" creationId="{9DBEBA5E-1A9A-9508-537D-4E2E0C168505}"/>
+          </ac:grpSpMkLst>
+        </pc:grpChg>
+        <pc:grpChg chg="add del mod">
+          <ac:chgData name="Paula MH" userId="28fd2089f52684aa" providerId="LiveId" clId="{0258A1A6-39FA-4B4D-8769-F170ECCE015E}" dt="2022-05-11T15:58:32.572" v="763" actId="478"/>
+          <ac:grpSpMkLst>
+            <pc:docMk/>
+            <pc:sldMk cId="2693389005" sldId="270"/>
+            <ac:grpSpMk id="15" creationId="{2117EE59-92CF-0401-BDFF-E213F684722F}"/>
+          </ac:grpSpMkLst>
+        </pc:grpChg>
+        <pc:grpChg chg="del">
+          <ac:chgData name="Paula MH" userId="28fd2089f52684aa" providerId="LiveId" clId="{0258A1A6-39FA-4B4D-8769-F170ECCE015E}" dt="2022-05-09T14:59:03.499" v="595" actId="478"/>
+          <ac:grpSpMkLst>
+            <pc:docMk/>
+            <pc:sldMk cId="2693389005" sldId="270"/>
+            <ac:grpSpMk id="22" creationId="{BCADE0A8-2B48-DD8F-175E-CE09E101EFA5}"/>
+          </ac:grpSpMkLst>
+        </pc:grpChg>
+        <pc:grpChg chg="del">
+          <ac:chgData name="Paula MH" userId="28fd2089f52684aa" providerId="LiveId" clId="{0258A1A6-39FA-4B4D-8769-F170ECCE015E}" dt="2022-05-09T14:59:04.547" v="596" actId="478"/>
+          <ac:grpSpMkLst>
+            <pc:docMk/>
+            <pc:sldMk cId="2693389005" sldId="270"/>
+            <ac:grpSpMk id="30" creationId="{5BFA42E4-CF58-39FD-1AC2-0486F8F655A5}"/>
+          </ac:grpSpMkLst>
+        </pc:grpChg>
+        <pc:cxnChg chg="del">
+          <ac:chgData name="Paula MH" userId="28fd2089f52684aa" providerId="LiveId" clId="{0258A1A6-39FA-4B4D-8769-F170ECCE015E}" dt="2022-05-09T14:59:06.111" v="597" actId="478"/>
+          <ac:cxnSpMkLst>
+            <pc:docMk/>
+            <pc:sldMk cId="2693389005" sldId="270"/>
+            <ac:cxnSpMk id="9" creationId="{B72D5335-8034-3048-850E-49CDC3E6B99D}"/>
+          </ac:cxnSpMkLst>
+        </pc:cxnChg>
+        <pc:cxnChg chg="add del mod">
+          <ac:chgData name="Paula MH" userId="28fd2089f52684aa" providerId="LiveId" clId="{0258A1A6-39FA-4B4D-8769-F170ECCE015E}" dt="2022-05-11T15:58:28.890" v="760" actId="478"/>
+          <ac:cxnSpMkLst>
+            <pc:docMk/>
+            <pc:sldMk cId="2693389005" sldId="270"/>
+            <ac:cxnSpMk id="23" creationId="{216F6AFE-A92D-BCE8-EBA6-CCA69E4143EC}"/>
+          </ac:cxnSpMkLst>
+        </pc:cxnChg>
+        <pc:cxnChg chg="del">
+          <ac:chgData name="Paula MH" userId="28fd2089f52684aa" providerId="LiveId" clId="{0258A1A6-39FA-4B4D-8769-F170ECCE015E}" dt="2022-05-11T15:44:31.674" v="598" actId="478"/>
+          <ac:cxnSpMkLst>
+            <pc:docMk/>
+            <pc:sldMk cId="2693389005" sldId="270"/>
+            <ac:cxnSpMk id="39" creationId="{B2BA31C0-3F65-0657-F2AF-5A776D06EE60}"/>
+          </ac:cxnSpMkLst>
+        </pc:cxnChg>
+        <pc:cxnChg chg="del">
+          <ac:chgData name="Paula MH" userId="28fd2089f52684aa" providerId="LiveId" clId="{0258A1A6-39FA-4B4D-8769-F170ECCE015E}" dt="2022-05-11T15:44:36.716" v="600" actId="478"/>
+          <ac:cxnSpMkLst>
+            <pc:docMk/>
+            <pc:sldMk cId="2693389005" sldId="270"/>
+            <ac:cxnSpMk id="40" creationId="{32A2AC79-31F1-CDEC-8697-57AE80A6ABD6}"/>
+          </ac:cxnSpMkLst>
+        </pc:cxnChg>
+      </pc:sldChg>
+      <pc:sldChg chg="addSp delSp modSp mod">
+        <pc:chgData name="Paula MH" userId="28fd2089f52684aa" providerId="LiveId" clId="{0258A1A6-39FA-4B4D-8769-F170ECCE015E}" dt="2022-05-11T16:01:05.622" v="902" actId="20577"/>
+        <pc:sldMkLst>
+          <pc:docMk/>
+          <pc:sldMk cId="4009227395" sldId="271"/>
+        </pc:sldMkLst>
+        <pc:spChg chg="add mod">
+          <ac:chgData name="Paula MH" userId="28fd2089f52684aa" providerId="LiveId" clId="{0258A1A6-39FA-4B4D-8769-F170ECCE015E}" dt="2022-05-11T16:00:30.516" v="855" actId="207"/>
+          <ac:spMkLst>
+            <pc:docMk/>
+            <pc:sldMk cId="4009227395" sldId="271"/>
+            <ac:spMk id="4" creationId="{2AE03554-72BA-1301-6888-43D03751469D}"/>
+          </ac:spMkLst>
+        </pc:spChg>
+        <pc:spChg chg="add mod">
+          <ac:chgData name="Paula MH" userId="28fd2089f52684aa" providerId="LiveId" clId="{0258A1A6-39FA-4B4D-8769-F170ECCE015E}" dt="2022-05-11T15:59:46.064" v="779" actId="404"/>
+          <ac:spMkLst>
+            <pc:docMk/>
+            <pc:sldMk cId="4009227395" sldId="271"/>
+            <ac:spMk id="38" creationId="{2831F911-28D9-9A23-1291-A51AD6ED3F8E}"/>
+          </ac:spMkLst>
+        </pc:spChg>
+        <pc:spChg chg="add mod">
+          <ac:chgData name="Paula MH" userId="28fd2089f52684aa" providerId="LiveId" clId="{0258A1A6-39FA-4B4D-8769-F170ECCE015E}" dt="2022-05-11T16:01:05.622" v="902" actId="20577"/>
+          <ac:spMkLst>
+            <pc:docMk/>
+            <pc:sldMk cId="4009227395" sldId="271"/>
+            <ac:spMk id="42" creationId="{27902688-EA6A-0F97-F016-2BB783803DEF}"/>
+          </ac:spMkLst>
+        </pc:spChg>
+        <pc:grpChg chg="del">
+          <ac:chgData name="Paula MH" userId="28fd2089f52684aa" providerId="LiveId" clId="{0258A1A6-39FA-4B4D-8769-F170ECCE015E}" dt="2022-05-11T15:59:11.262" v="767" actId="478"/>
+          <ac:grpSpMkLst>
+            <pc:docMk/>
+            <pc:sldMk cId="4009227395" sldId="271"/>
+            <ac:grpSpMk id="6" creationId="{9DBEBA5E-1A9A-9508-537D-4E2E0C168505}"/>
+          </ac:grpSpMkLst>
+        </pc:grpChg>
+        <pc:grpChg chg="del">
+          <ac:chgData name="Paula MH" userId="28fd2089f52684aa" providerId="LiveId" clId="{0258A1A6-39FA-4B4D-8769-F170ECCE015E}" dt="2022-05-11T15:59:13.357" v="768" actId="478"/>
+          <ac:grpSpMkLst>
+            <pc:docMk/>
+            <pc:sldMk cId="4009227395" sldId="271"/>
+            <ac:grpSpMk id="22" creationId="{BCADE0A8-2B48-DD8F-175E-CE09E101EFA5}"/>
+          </ac:grpSpMkLst>
+        </pc:grpChg>
+        <pc:grpChg chg="del">
+          <ac:chgData name="Paula MH" userId="28fd2089f52684aa" providerId="LiveId" clId="{0258A1A6-39FA-4B4D-8769-F170ECCE015E}" dt="2022-05-11T15:59:17.469" v="769" actId="478"/>
+          <ac:grpSpMkLst>
+            <pc:docMk/>
+            <pc:sldMk cId="4009227395" sldId="271"/>
+            <ac:grpSpMk id="30" creationId="{5BFA42E4-CF58-39FD-1AC2-0486F8F655A5}"/>
+          </ac:grpSpMkLst>
+        </pc:grpChg>
+        <pc:cxnChg chg="del">
+          <ac:chgData name="Paula MH" userId="28fd2089f52684aa" providerId="LiveId" clId="{0258A1A6-39FA-4B4D-8769-F170ECCE015E}" dt="2022-05-11T15:59:20.483" v="770" actId="478"/>
+          <ac:cxnSpMkLst>
+            <pc:docMk/>
+            <pc:sldMk cId="4009227395" sldId="271"/>
+            <ac:cxnSpMk id="9" creationId="{B72D5335-8034-3048-850E-49CDC3E6B99D}"/>
+          </ac:cxnSpMkLst>
+        </pc:cxnChg>
+      </pc:sldChg>
+      <pc:sldChg chg="addSp delSp modSp add mod">
+        <pc:chgData name="Paula MH" userId="28fd2089f52684aa" providerId="LiveId" clId="{0258A1A6-39FA-4B4D-8769-F170ECCE015E}" dt="2022-05-11T16:05:33.383" v="928" actId="1076"/>
+        <pc:sldMkLst>
+          <pc:docMk/>
+          <pc:sldMk cId="3796107060" sldId="272"/>
+        </pc:sldMkLst>
+        <pc:spChg chg="add mod">
+          <ac:chgData name="Paula MH" userId="28fd2089f52684aa" providerId="LiveId" clId="{0258A1A6-39FA-4B4D-8769-F170ECCE015E}" dt="2022-05-11T16:05:33.383" v="928" actId="1076"/>
+          <ac:spMkLst>
+            <pc:docMk/>
+            <pc:sldMk cId="3796107060" sldId="272"/>
+            <ac:spMk id="2" creationId="{755811EA-E790-485F-8066-CCC0B0282BF0}"/>
+          </ac:spMkLst>
+        </pc:spChg>
+        <pc:spChg chg="add mod">
+          <ac:chgData name="Paula MH" userId="28fd2089f52684aa" providerId="LiveId" clId="{0258A1A6-39FA-4B4D-8769-F170ECCE015E}" dt="2022-05-11T16:05:33.383" v="928" actId="1076"/>
+          <ac:spMkLst>
+            <pc:docMk/>
+            <pc:sldMk cId="3796107060" sldId="272"/>
+            <ac:spMk id="3" creationId="{364CF907-893E-5DDC-BC83-68CF16E9F45F}"/>
+          </ac:spMkLst>
+        </pc:spChg>
+        <pc:spChg chg="del">
+          <ac:chgData name="Paula MH" userId="28fd2089f52684aa" providerId="LiveId" clId="{0258A1A6-39FA-4B4D-8769-F170ECCE015E}" dt="2022-05-11T16:01:21.604" v="904" actId="478"/>
+          <ac:spMkLst>
+            <pc:docMk/>
+            <pc:sldMk cId="3796107060" sldId="272"/>
+            <ac:spMk id="4" creationId="{2AE03554-72BA-1301-6888-43D03751469D}"/>
+          </ac:spMkLst>
+        </pc:spChg>
+        <pc:spChg chg="add mod">
+          <ac:chgData name="Paula MH" userId="28fd2089f52684aa" providerId="LiveId" clId="{0258A1A6-39FA-4B4D-8769-F170ECCE015E}" dt="2022-05-11T16:05:21.337" v="927" actId="1076"/>
+          <ac:spMkLst>
+            <pc:docMk/>
+            <pc:sldMk cId="3796107060" sldId="272"/>
+            <ac:spMk id="5" creationId="{1DD6A17E-372A-3206-79BC-0CC867CA2BBE}"/>
+          </ac:spMkLst>
+        </pc:spChg>
+        <pc:spChg chg="add mod">
+          <ac:chgData name="Paula MH" userId="28fd2089f52684aa" providerId="LiveId" clId="{0258A1A6-39FA-4B4D-8769-F170ECCE015E}" dt="2022-05-11T16:05:33.383" v="928" actId="1076"/>
+          <ac:spMkLst>
+            <pc:docMk/>
+            <pc:sldMk cId="3796107060" sldId="272"/>
+            <ac:spMk id="17" creationId="{69D7B266-30A7-C7BA-3E69-D1E0CBCE32C2}"/>
+          </ac:spMkLst>
+        </pc:spChg>
+        <pc:spChg chg="add mod">
+          <ac:chgData name="Paula MH" userId="28fd2089f52684aa" providerId="LiveId" clId="{0258A1A6-39FA-4B4D-8769-F170ECCE015E}" dt="2022-05-11T16:05:33.383" v="928" actId="1076"/>
+          <ac:spMkLst>
+            <pc:docMk/>
+            <pc:sldMk cId="3796107060" sldId="272"/>
+            <ac:spMk id="19" creationId="{B94C5C5E-EDA8-841E-6B38-6A486CBE33E1}"/>
+          </ac:spMkLst>
+        </pc:spChg>
+        <pc:spChg chg="add mod">
+          <ac:chgData name="Paula MH" userId="28fd2089f52684aa" providerId="LiveId" clId="{0258A1A6-39FA-4B4D-8769-F170ECCE015E}" dt="2022-05-11T16:05:33.383" v="928" actId="1076"/>
+          <ac:spMkLst>
+            <pc:docMk/>
+            <pc:sldMk cId="3796107060" sldId="272"/>
+            <ac:spMk id="20" creationId="{906E5234-0C51-6BBB-29F5-E0B531B023FD}"/>
+          </ac:spMkLst>
+        </pc:spChg>
+        <pc:spChg chg="add mod">
+          <ac:chgData name="Paula MH" userId="28fd2089f52684aa" providerId="LiveId" clId="{0258A1A6-39FA-4B4D-8769-F170ECCE015E}" dt="2022-05-11T16:05:33.383" v="928" actId="1076"/>
+          <ac:spMkLst>
+            <pc:docMk/>
+            <pc:sldMk cId="3796107060" sldId="272"/>
+            <ac:spMk id="21" creationId="{72A380A5-DA4C-E2B9-94EF-4E378AFFAD23}"/>
+          </ac:spMkLst>
+        </pc:spChg>
+        <pc:spChg chg="add mod">
+          <ac:chgData name="Paula MH" userId="28fd2089f52684aa" providerId="LiveId" clId="{0258A1A6-39FA-4B4D-8769-F170ECCE015E}" dt="2022-05-11T16:05:33.383" v="928" actId="1076"/>
+          <ac:spMkLst>
+            <pc:docMk/>
+            <pc:sldMk cId="3796107060" sldId="272"/>
+            <ac:spMk id="22" creationId="{D467BBD6-B6FB-83A1-2A5A-CBCA90FB0B71}"/>
+          </ac:spMkLst>
+        </pc:spChg>
+        <pc:spChg chg="del">
+          <ac:chgData name="Paula MH" userId="28fd2089f52684aa" providerId="LiveId" clId="{0258A1A6-39FA-4B4D-8769-F170ECCE015E}" dt="2022-05-11T16:01:27.958" v="906" actId="478"/>
+          <ac:spMkLst>
+            <pc:docMk/>
+            <pc:sldMk cId="3796107060" sldId="272"/>
+            <ac:spMk id="38" creationId="{2831F911-28D9-9A23-1291-A51AD6ED3F8E}"/>
+          </ac:spMkLst>
+        </pc:spChg>
+        <pc:spChg chg="del">
+          <ac:chgData name="Paula MH" userId="28fd2089f52684aa" providerId="LiveId" clId="{0258A1A6-39FA-4B4D-8769-F170ECCE015E}" dt="2022-05-11T16:05:15.815" v="925" actId="478"/>
+          <ac:spMkLst>
+            <pc:docMk/>
+            <pc:sldMk cId="3796107060" sldId="272"/>
+            <ac:spMk id="41" creationId="{7CDBF8D2-6B70-913F-977E-E80369A5F496}"/>
+          </ac:spMkLst>
+        </pc:spChg>
+        <pc:spChg chg="del">
+          <ac:chgData name="Paula MH" userId="28fd2089f52684aa" providerId="LiveId" clId="{0258A1A6-39FA-4B4D-8769-F170ECCE015E}" dt="2022-05-11T16:01:24.700" v="905" actId="478"/>
+          <ac:spMkLst>
+            <pc:docMk/>
+            <pc:sldMk cId="3796107060" sldId="272"/>
+            <ac:spMk id="42" creationId="{27902688-EA6A-0F97-F016-2BB783803DEF}"/>
+          </ac:spMkLst>
+        </pc:spChg>
+        <pc:cxnChg chg="del">
+          <ac:chgData name="Paula MH" userId="28fd2089f52684aa" providerId="LiveId" clId="{0258A1A6-39FA-4B4D-8769-F170ECCE015E}" dt="2022-05-11T16:05:13.270" v="924" actId="478"/>
+          <ac:cxnSpMkLst>
+            <pc:docMk/>
+            <pc:sldMk cId="3796107060" sldId="272"/>
+            <ac:cxnSpMk id="39" creationId="{B2BA31C0-3F65-0657-F2AF-5A776D06EE60}"/>
+          </ac:cxnSpMkLst>
+        </pc:cxnChg>
+        <pc:cxnChg chg="del">
+          <ac:chgData name="Paula MH" userId="28fd2089f52684aa" providerId="LiveId" clId="{0258A1A6-39FA-4B4D-8769-F170ECCE015E}" dt="2022-05-11T16:05:18.164" v="926" actId="478"/>
+          <ac:cxnSpMkLst>
+            <pc:docMk/>
+            <pc:sldMk cId="3796107060" sldId="272"/>
+            <ac:cxnSpMk id="40" creationId="{32A2AC79-31F1-CDEC-8697-57AE80A6ABD6}"/>
+          </ac:cxnSpMkLst>
+        </pc:cxnChg>
+      </pc:sldChg>
+      <pc:sldChg chg="addSp delSp modSp add del mod">
+        <pc:chgData name="Paula MH" userId="28fd2089f52684aa" providerId="LiveId" clId="{0258A1A6-39FA-4B4D-8769-F170ECCE015E}" dt="2022-05-12T19:35:44.433" v="1564" actId="47"/>
+        <pc:sldMkLst>
+          <pc:docMk/>
+          <pc:sldMk cId="494466625" sldId="273"/>
+        </pc:sldMkLst>
+        <pc:spChg chg="mod">
+          <ac:chgData name="Paula MH" userId="28fd2089f52684aa" providerId="LiveId" clId="{0258A1A6-39FA-4B4D-8769-F170ECCE015E}" dt="2022-05-11T19:30:37.163" v="937" actId="1076"/>
+          <ac:spMkLst>
+            <pc:docMk/>
+            <pc:sldMk cId="494466625" sldId="273"/>
+            <ac:spMk id="2" creationId="{6EC1CBEB-D95A-A8E6-22C8-D3CF1C51CC4D}"/>
+          </ac:spMkLst>
+        </pc:spChg>
+        <pc:spChg chg="mod ord">
+          <ac:chgData name="Paula MH" userId="28fd2089f52684aa" providerId="LiveId" clId="{0258A1A6-39FA-4B4D-8769-F170ECCE015E}" dt="2022-05-11T19:30:50.271" v="940" actId="166"/>
+          <ac:spMkLst>
+            <pc:docMk/>
+            <pc:sldMk cId="494466625" sldId="273"/>
+            <ac:spMk id="3" creationId="{1B310F0A-7A1A-A0DF-E03B-01F5B73CFB46}"/>
+          </ac:spMkLst>
+        </pc:spChg>
+        <pc:spChg chg="del mod">
+          <ac:chgData name="Paula MH" userId="28fd2089f52684aa" providerId="LiveId" clId="{0258A1A6-39FA-4B4D-8769-F170ECCE015E}" dt="2022-05-11T19:30:11.088" v="931" actId="478"/>
+          <ac:spMkLst>
+            <pc:docMk/>
+            <pc:sldMk cId="494466625" sldId="273"/>
+            <ac:spMk id="4" creationId="{B49D3C5D-01A5-50E3-42B1-772145853E7E}"/>
+          </ac:spMkLst>
+        </pc:spChg>
+        <pc:spChg chg="add del mod">
+          <ac:chgData name="Paula MH" userId="28fd2089f52684aa" providerId="LiveId" clId="{0258A1A6-39FA-4B4D-8769-F170ECCE015E}" dt="2022-05-11T19:30:27.341" v="936" actId="1076"/>
+          <ac:spMkLst>
+            <pc:docMk/>
+            <pc:sldMk cId="494466625" sldId="273"/>
+            <ac:spMk id="13" creationId="{87AEF759-4FCB-6AFD-3479-7857F7AD6FA7}"/>
+          </ac:spMkLst>
+        </pc:spChg>
+        <pc:spChg chg="add del mod">
+          <ac:chgData name="Paula MH" userId="28fd2089f52684aa" providerId="LiveId" clId="{0258A1A6-39FA-4B4D-8769-F170ECCE015E}" dt="2022-05-11T23:01:30.526" v="942"/>
+          <ac:spMkLst>
+            <pc:docMk/>
+            <pc:sldMk cId="494466625" sldId="273"/>
+            <ac:spMk id="15" creationId="{EC89A3C9-5B98-E10D-4E66-AC1D2B1DAA3E}"/>
+          </ac:spMkLst>
+        </pc:spChg>
+      </pc:sldChg>
+      <pc:sldChg chg="addSp delSp modSp add mod ord">
+        <pc:chgData name="Paula MH" userId="28fd2089f52684aa" providerId="LiveId" clId="{0258A1A6-39FA-4B4D-8769-F170ECCE015E}" dt="2022-05-12T19:41:15.128" v="1565" actId="478"/>
+        <pc:sldMkLst>
+          <pc:docMk/>
+          <pc:sldMk cId="2999363434" sldId="274"/>
+        </pc:sldMkLst>
+        <pc:spChg chg="del">
+          <ac:chgData name="Paula MH" userId="28fd2089f52684aa" providerId="LiveId" clId="{0258A1A6-39FA-4B4D-8769-F170ECCE015E}" dt="2022-05-11T23:01:41.190" v="944" actId="478"/>
+          <ac:spMkLst>
+            <pc:docMk/>
+            <pc:sldMk cId="2999363434" sldId="274"/>
+            <ac:spMk id="2" creationId="{6EC1CBEB-D95A-A8E6-22C8-D3CF1C51CC4D}"/>
+          </ac:spMkLst>
+        </pc:spChg>
+        <pc:spChg chg="mod">
+          <ac:chgData name="Paula MH" userId="28fd2089f52684aa" providerId="LiveId" clId="{0258A1A6-39FA-4B4D-8769-F170ECCE015E}" dt="2022-05-11T23:01:48.796" v="946" actId="14100"/>
+          <ac:spMkLst>
+            <pc:docMk/>
+            <pc:sldMk cId="2999363434" sldId="274"/>
+            <ac:spMk id="3" creationId="{1B310F0A-7A1A-A0DF-E03B-01F5B73CFB46}"/>
+          </ac:spMkLst>
+        </pc:spChg>
+        <pc:spChg chg="add mod">
+          <ac:chgData name="Paula MH" userId="28fd2089f52684aa" providerId="LiveId" clId="{0258A1A6-39FA-4B4D-8769-F170ECCE015E}" dt="2022-05-11T23:07:07.227" v="1023" actId="207"/>
+          <ac:spMkLst>
+            <pc:docMk/>
+            <pc:sldMk cId="2999363434" sldId="274"/>
+            <ac:spMk id="4" creationId="{63CF4347-D3B2-B421-5288-7B9EA95C3538}"/>
+          </ac:spMkLst>
+        </pc:spChg>
+        <pc:spChg chg="add mod">
+          <ac:chgData name="Paula MH" userId="28fd2089f52684aa" providerId="LiveId" clId="{0258A1A6-39FA-4B4D-8769-F170ECCE015E}" dt="2022-05-11T23:08:20.114" v="1235" actId="1076"/>
+          <ac:spMkLst>
+            <pc:docMk/>
+            <pc:sldMk cId="2999363434" sldId="274"/>
+            <ac:spMk id="5" creationId="{4A08A2D0-7821-7F42-7782-221C973FDF00}"/>
+          </ac:spMkLst>
+        </pc:spChg>
+        <pc:spChg chg="add mod">
+          <ac:chgData name="Paula MH" userId="28fd2089f52684aa" providerId="LiveId" clId="{0258A1A6-39FA-4B4D-8769-F170ECCE015E}" dt="2022-05-11T23:08:37.134" v="1247" actId="1076"/>
+          <ac:spMkLst>
+            <pc:docMk/>
+            <pc:sldMk cId="2999363434" sldId="274"/>
+            <ac:spMk id="6" creationId="{01A82ACF-EC7C-3F75-3F62-30F2E96EB8E4}"/>
+          </ac:spMkLst>
+        </pc:spChg>
+        <pc:cxnChg chg="add del mod">
+          <ac:chgData name="Paula MH" userId="28fd2089f52684aa" providerId="LiveId" clId="{0258A1A6-39FA-4B4D-8769-F170ECCE015E}" dt="2022-05-12T19:41:15.128" v="1565" actId="478"/>
+          <ac:cxnSpMkLst>
+            <pc:docMk/>
+            <pc:sldMk cId="2999363434" sldId="274"/>
+            <ac:cxnSpMk id="15" creationId="{CDE366CC-585C-51DA-6EE5-93BD8389B48D}"/>
+          </ac:cxnSpMkLst>
+        </pc:cxnChg>
+      </pc:sldChg>
+      <pc:sldChg chg="addSp modSp add del mod">
+        <pc:chgData name="Paula MH" userId="28fd2089f52684aa" providerId="LiveId" clId="{0258A1A6-39FA-4B4D-8769-F170ECCE015E}" dt="2022-05-12T19:35:44.433" v="1564" actId="47"/>
+        <pc:sldMkLst>
+          <pc:docMk/>
+          <pc:sldMk cId="2557199871" sldId="275"/>
+        </pc:sldMkLst>
+        <pc:spChg chg="mod">
+          <ac:chgData name="Paula MH" userId="28fd2089f52684aa" providerId="LiveId" clId="{0258A1A6-39FA-4B4D-8769-F170ECCE015E}" dt="2022-05-12T19:25:34.103" v="1256" actId="207"/>
+          <ac:spMkLst>
+            <pc:docMk/>
+            <pc:sldMk cId="2557199871" sldId="275"/>
+            <ac:spMk id="2" creationId="{6EC1CBEB-D95A-A8E6-22C8-D3CF1C51CC4D}"/>
+          </ac:spMkLst>
+        </pc:spChg>
+        <pc:spChg chg="mod">
+          <ac:chgData name="Paula MH" userId="28fd2089f52684aa" providerId="LiveId" clId="{0258A1A6-39FA-4B4D-8769-F170ECCE015E}" dt="2022-05-12T19:25:24.234" v="1255" actId="14100"/>
+          <ac:spMkLst>
+            <pc:docMk/>
+            <pc:sldMk cId="2557199871" sldId="275"/>
+            <ac:spMk id="3" creationId="{1B310F0A-7A1A-A0DF-E03B-01F5B73CFB46}"/>
+          </ac:spMkLst>
+        </pc:spChg>
+        <pc:spChg chg="add mod">
+          <ac:chgData name="Paula MH" userId="28fd2089f52684aa" providerId="LiveId" clId="{0258A1A6-39FA-4B4D-8769-F170ECCE015E}" dt="2022-05-12T19:26:07.350" v="1314" actId="207"/>
+          <ac:spMkLst>
+            <pc:docMk/>
+            <pc:sldMk cId="2557199871" sldId="275"/>
+            <ac:spMk id="4" creationId="{6868664A-CAFB-E71C-1272-7E64A3EBCC2A}"/>
+          </ac:spMkLst>
+        </pc:spChg>
+      </pc:sldChg>
+      <pc:sldChg chg="addSp delSp modSp add mod">
+        <pc:chgData name="Paula MH" userId="28fd2089f52684aa" providerId="LiveId" clId="{0258A1A6-39FA-4B4D-8769-F170ECCE015E}" dt="2022-05-12T19:34:34.537" v="1560" actId="207"/>
+        <pc:sldMkLst>
+          <pc:docMk/>
+          <pc:sldMk cId="2850696988" sldId="276"/>
+        </pc:sldMkLst>
+        <pc:spChg chg="del">
+          <ac:chgData name="Paula MH" userId="28fd2089f52684aa" providerId="LiveId" clId="{0258A1A6-39FA-4B4D-8769-F170ECCE015E}" dt="2022-05-12T19:28:32.459" v="1317" actId="478"/>
+          <ac:spMkLst>
+            <pc:docMk/>
+            <pc:sldMk cId="2850696988" sldId="276"/>
+            <ac:spMk id="2" creationId="{6EC1CBEB-D95A-A8E6-22C8-D3CF1C51CC4D}"/>
+          </ac:spMkLst>
+        </pc:spChg>
+        <pc:spChg chg="mod">
+          <ac:chgData name="Paula MH" userId="28fd2089f52684aa" providerId="LiveId" clId="{0258A1A6-39FA-4B4D-8769-F170ECCE015E}" dt="2022-05-12T19:28:48.294" v="1320" actId="14100"/>
+          <ac:spMkLst>
+            <pc:docMk/>
+            <pc:sldMk cId="2850696988" sldId="276"/>
+            <ac:spMk id="3" creationId="{1B310F0A-7A1A-A0DF-E03B-01F5B73CFB46}"/>
+          </ac:spMkLst>
+        </pc:spChg>
+        <pc:spChg chg="del">
+          <ac:chgData name="Paula MH" userId="28fd2089f52684aa" providerId="LiveId" clId="{0258A1A6-39FA-4B4D-8769-F170ECCE015E}" dt="2022-05-12T19:28:30.915" v="1316" actId="478"/>
+          <ac:spMkLst>
+            <pc:docMk/>
+            <pc:sldMk cId="2850696988" sldId="276"/>
+            <ac:spMk id="4" creationId="{6868664A-CAFB-E71C-1272-7E64A3EBCC2A}"/>
+          </ac:spMkLst>
+        </pc:spChg>
+        <pc:spChg chg="add mod">
+          <ac:chgData name="Paula MH" userId="28fd2089f52684aa" providerId="LiveId" clId="{0258A1A6-39FA-4B4D-8769-F170ECCE015E}" dt="2022-05-12T19:30:08.753" v="1381" actId="1076"/>
+          <ac:spMkLst>
+            <pc:docMk/>
+            <pc:sldMk cId="2850696988" sldId="276"/>
+            <ac:spMk id="8" creationId="{96929BF0-FF9F-DDD6-017F-7617DD725026}"/>
+          </ac:spMkLst>
+        </pc:spChg>
+        <pc:spChg chg="add mod">
+          <ac:chgData name="Paula MH" userId="28fd2089f52684aa" providerId="LiveId" clId="{0258A1A6-39FA-4B4D-8769-F170ECCE015E}" dt="2022-05-12T19:34:34.537" v="1560" actId="207"/>
+          <ac:spMkLst>
+            <pc:docMk/>
+            <pc:sldMk cId="2850696988" sldId="276"/>
+            <ac:spMk id="9" creationId="{636667D1-BBAD-2128-95A4-1FD6D811B173}"/>
+          </ac:spMkLst>
+        </pc:spChg>
+        <pc:spChg chg="ord">
+          <ac:chgData name="Paula MH" userId="28fd2089f52684aa" providerId="LiveId" clId="{0258A1A6-39FA-4B4D-8769-F170ECCE015E}" dt="2022-05-12T19:32:10.691" v="1541" actId="170"/>
+          <ac:spMkLst>
+            <pc:docMk/>
+            <pc:sldMk cId="2850696988" sldId="276"/>
+            <ac:spMk id="13" creationId="{87AEF759-4FCB-6AFD-3479-7857F7AD6FA7}"/>
+          </ac:spMkLst>
+        </pc:spChg>
+        <pc:spChg chg="add mod ord">
+          <ac:chgData name="Paula MH" userId="28fd2089f52684aa" providerId="LiveId" clId="{0258A1A6-39FA-4B4D-8769-F170ECCE015E}" dt="2022-05-12T19:34:18.876" v="1559" actId="2085"/>
+          <ac:spMkLst>
+            <pc:docMk/>
+            <pc:sldMk cId="2850696988" sldId="276"/>
+            <ac:spMk id="16" creationId="{F4A79740-F8E6-054B-BFDB-11AF12C1B149}"/>
+          </ac:spMkLst>
+        </pc:spChg>
+        <pc:cxnChg chg="add mod">
+          <ac:chgData name="Paula MH" userId="28fd2089f52684aa" providerId="LiveId" clId="{0258A1A6-39FA-4B4D-8769-F170ECCE015E}" dt="2022-05-12T19:29:14.309" v="1324" actId="208"/>
+          <ac:cxnSpMkLst>
+            <pc:docMk/>
+            <pc:sldMk cId="2850696988" sldId="276"/>
+            <ac:cxnSpMk id="6" creationId="{6A4D2705-F409-28F3-47C2-3DE8574E3ED0}"/>
+          </ac:cxnSpMkLst>
+        </pc:cxnChg>
+      </pc:sldChg>
+      <pc:sldChg chg="add">
+        <pc:chgData name="Paula MH" userId="28fd2089f52684aa" providerId="LiveId" clId="{0258A1A6-39FA-4B4D-8769-F170ECCE015E}" dt="2022-05-12T20:19:56.764" v="1566"/>
+        <pc:sldMkLst>
+          <pc:docMk/>
+          <pc:sldMk cId="912737023" sldId="277"/>
+        </pc:sldMkLst>
       </pc:sldChg>
     </pc:docChg>
   </pc:docChgLst>
@@ -742,7 +1555,7 @@
           <a:p>
             <a:fld id="{58943FA6-1F0B-4FCB-A92C-BFC95ED638A9}" type="datetimeFigureOut">
               <a:rPr lang="es-ES" smtClean="0"/>
-              <a:t>08/05/2022</a:t>
+              <a:t>12/05/2022</a:t>
             </a:fld>
             <a:endParaRPr lang="es-ES"/>
           </a:p>
@@ -940,7 +1753,7 @@
           <a:p>
             <a:fld id="{58943FA6-1F0B-4FCB-A92C-BFC95ED638A9}" type="datetimeFigureOut">
               <a:rPr lang="es-ES" smtClean="0"/>
-              <a:t>08/05/2022</a:t>
+              <a:t>12/05/2022</a:t>
             </a:fld>
             <a:endParaRPr lang="es-ES"/>
           </a:p>
@@ -1148,7 +1961,7 @@
           <a:p>
             <a:fld id="{58943FA6-1F0B-4FCB-A92C-BFC95ED638A9}" type="datetimeFigureOut">
               <a:rPr lang="es-ES" smtClean="0"/>
-              <a:t>08/05/2022</a:t>
+              <a:t>12/05/2022</a:t>
             </a:fld>
             <a:endParaRPr lang="es-ES"/>
           </a:p>
@@ -1346,7 +2159,7 @@
           <a:p>
             <a:fld id="{58943FA6-1F0B-4FCB-A92C-BFC95ED638A9}" type="datetimeFigureOut">
               <a:rPr lang="es-ES" smtClean="0"/>
-              <a:t>08/05/2022</a:t>
+              <a:t>12/05/2022</a:t>
             </a:fld>
             <a:endParaRPr lang="es-ES"/>
           </a:p>
@@ -1621,7 +2434,7 @@
           <a:p>
             <a:fld id="{58943FA6-1F0B-4FCB-A92C-BFC95ED638A9}" type="datetimeFigureOut">
               <a:rPr lang="es-ES" smtClean="0"/>
-              <a:t>08/05/2022</a:t>
+              <a:t>12/05/2022</a:t>
             </a:fld>
             <a:endParaRPr lang="es-ES"/>
           </a:p>
@@ -1886,7 +2699,7 @@
           <a:p>
             <a:fld id="{58943FA6-1F0B-4FCB-A92C-BFC95ED638A9}" type="datetimeFigureOut">
               <a:rPr lang="es-ES" smtClean="0"/>
-              <a:t>08/05/2022</a:t>
+              <a:t>12/05/2022</a:t>
             </a:fld>
             <a:endParaRPr lang="es-ES"/>
           </a:p>
@@ -2298,7 +3111,7 @@
           <a:p>
             <a:fld id="{58943FA6-1F0B-4FCB-A92C-BFC95ED638A9}" type="datetimeFigureOut">
               <a:rPr lang="es-ES" smtClean="0"/>
-              <a:t>08/05/2022</a:t>
+              <a:t>12/05/2022</a:t>
             </a:fld>
             <a:endParaRPr lang="es-ES"/>
           </a:p>
@@ -2439,7 +3252,7 @@
           <a:p>
             <a:fld id="{58943FA6-1F0B-4FCB-A92C-BFC95ED638A9}" type="datetimeFigureOut">
               <a:rPr lang="es-ES" smtClean="0"/>
-              <a:t>08/05/2022</a:t>
+              <a:t>12/05/2022</a:t>
             </a:fld>
             <a:endParaRPr lang="es-ES"/>
           </a:p>
@@ -2552,7 +3365,7 @@
           <a:p>
             <a:fld id="{58943FA6-1F0B-4FCB-A92C-BFC95ED638A9}" type="datetimeFigureOut">
               <a:rPr lang="es-ES" smtClean="0"/>
-              <a:t>08/05/2022</a:t>
+              <a:t>12/05/2022</a:t>
             </a:fld>
             <a:endParaRPr lang="es-ES"/>
           </a:p>
@@ -2863,7 +3676,7 @@
           <a:p>
             <a:fld id="{58943FA6-1F0B-4FCB-A92C-BFC95ED638A9}" type="datetimeFigureOut">
               <a:rPr lang="es-ES" smtClean="0"/>
-              <a:t>08/05/2022</a:t>
+              <a:t>12/05/2022</a:t>
             </a:fld>
             <a:endParaRPr lang="es-ES"/>
           </a:p>
@@ -3151,7 +3964,7 @@
           <a:p>
             <a:fld id="{58943FA6-1F0B-4FCB-A92C-BFC95ED638A9}" type="datetimeFigureOut">
               <a:rPr lang="es-ES" smtClean="0"/>
-              <a:t>08/05/2022</a:t>
+              <a:t>12/05/2022</a:t>
             </a:fld>
             <a:endParaRPr lang="es-ES"/>
           </a:p>
@@ -3392,7 +4205,7 @@
           <a:p>
             <a:fld id="{58943FA6-1F0B-4FCB-A92C-BFC95ED638A9}" type="datetimeFigureOut">
               <a:rPr lang="es-ES" smtClean="0"/>
-              <a:t>08/05/2022</a:t>
+              <a:t>12/05/2022</a:t>
             </a:fld>
             <a:endParaRPr lang="es-ES"/>
           </a:p>
@@ -4770,6 +5583,4259 @@
       </p:grpSpPr>
       <p:sp>
         <p:nvSpPr>
+          <p:cNvPr id="18" name="Rectángulo 17">
+            <a:extLst>
+              <a:ext uri="{FF2B5EF4-FFF2-40B4-BE49-F238E27FC236}">
+                <a16:creationId xmlns:a16="http://schemas.microsoft.com/office/drawing/2014/main" id="{F32E89A6-BE1D-4036-A951-ABFF245AA3AD}"/>
+              </a:ext>
+            </a:extLst>
+          </p:cNvPr>
+          <p:cNvSpPr/>
+          <p:nvPr/>
+        </p:nvSpPr>
+        <p:spPr>
+          <a:xfrm>
+            <a:off x="855406" y="1349952"/>
+            <a:ext cx="10481188" cy="5508047"/>
+          </a:xfrm>
+          <a:prstGeom prst="rect">
+            <a:avLst/>
+          </a:prstGeom>
+          <a:solidFill>
+            <a:srgbClr val="E5FFFF"/>
+          </a:solidFill>
+          <a:ln>
+            <a:noFill/>
+          </a:ln>
+        </p:spPr>
+        <p:style>
+          <a:lnRef idx="2">
+            <a:schemeClr val="accent1">
+              <a:shade val="50000"/>
+            </a:schemeClr>
+          </a:lnRef>
+          <a:fillRef idx="1">
+            <a:schemeClr val="accent1"/>
+          </a:fillRef>
+          <a:effectRef idx="0">
+            <a:schemeClr val="accent1"/>
+          </a:effectRef>
+          <a:fontRef idx="minor">
+            <a:schemeClr val="lt1"/>
+          </a:fontRef>
+        </p:style>
+        <p:txBody>
+          <a:bodyPr rtlCol="0" anchor="ctr"/>
+          <a:lstStyle/>
+          <a:p>
+            <a:pPr marL="0" marR="0" lvl="0" indent="0" algn="ctr" defTabSz="914400" rtl="0" eaLnBrk="1" fontAlgn="auto" latinLnBrk="0" hangingPunct="1">
+              <a:lnSpc>
+                <a:spcPct val="100000"/>
+              </a:lnSpc>
+              <a:spcBef>
+                <a:spcPts val="0"/>
+              </a:spcBef>
+              <a:spcAft>
+                <a:spcPts val="0"/>
+              </a:spcAft>
+              <a:buClrTx/>
+              <a:buSzTx/>
+              <a:buFontTx/>
+              <a:buNone/>
+              <a:tabLst/>
+              <a:defRPr/>
+            </a:pPr>
+            <a:endParaRPr kumimoji="0" lang="es-ES" sz="1800" b="0" i="0" u="none" strike="noStrike" kern="1200" cap="none" spc="0" normalizeH="0" baseline="0" noProof="0" dirty="0">
+              <a:ln>
+                <a:noFill/>
+              </a:ln>
+              <a:solidFill>
+                <a:prstClr val="white"/>
+              </a:solidFill>
+              <a:effectLst/>
+              <a:uLnTx/>
+              <a:uFillTx/>
+              <a:latin typeface="Calibri" panose="020F0502020204030204"/>
+              <a:ea typeface="+mn-ea"/>
+              <a:cs typeface="+mn-cs"/>
+            </a:endParaRPr>
+          </a:p>
+        </p:txBody>
+      </p:sp>
+      <p:sp>
+        <p:nvSpPr>
+          <p:cNvPr id="13" name="Rectángulo 12">
+            <a:extLst>
+              <a:ext uri="{FF2B5EF4-FFF2-40B4-BE49-F238E27FC236}">
+                <a16:creationId xmlns:a16="http://schemas.microsoft.com/office/drawing/2014/main" id="{87AEF759-4FCB-6AFD-3479-7857F7AD6FA7}"/>
+              </a:ext>
+            </a:extLst>
+          </p:cNvPr>
+          <p:cNvSpPr/>
+          <p:nvPr/>
+        </p:nvSpPr>
+        <p:spPr>
+          <a:xfrm>
+            <a:off x="1137247" y="1609553"/>
+            <a:ext cx="9917506" cy="5045412"/>
+          </a:xfrm>
+          <a:prstGeom prst="rect">
+            <a:avLst/>
+          </a:prstGeom>
+          <a:solidFill>
+            <a:srgbClr val="FEF6F0"/>
+          </a:solidFill>
+          <a:ln>
+            <a:noFill/>
+          </a:ln>
+        </p:spPr>
+        <p:style>
+          <a:lnRef idx="2">
+            <a:schemeClr val="accent1">
+              <a:shade val="50000"/>
+            </a:schemeClr>
+          </a:lnRef>
+          <a:fillRef idx="1">
+            <a:schemeClr val="accent1"/>
+          </a:fillRef>
+          <a:effectRef idx="0">
+            <a:schemeClr val="accent1"/>
+          </a:effectRef>
+          <a:fontRef idx="minor">
+            <a:schemeClr val="lt1"/>
+          </a:fontRef>
+        </p:style>
+        <p:txBody>
+          <a:bodyPr rtlCol="0" anchor="ctr"/>
+          <a:lstStyle/>
+          <a:p>
+            <a:pPr marL="0" marR="0" lvl="0" indent="0" algn="ctr" defTabSz="914400" rtl="0" eaLnBrk="1" fontAlgn="auto" latinLnBrk="0" hangingPunct="1">
+              <a:lnSpc>
+                <a:spcPct val="100000"/>
+              </a:lnSpc>
+              <a:spcBef>
+                <a:spcPts val="0"/>
+              </a:spcBef>
+              <a:spcAft>
+                <a:spcPts val="0"/>
+              </a:spcAft>
+              <a:buClrTx/>
+              <a:buSzTx/>
+              <a:buFontTx/>
+              <a:buNone/>
+              <a:tabLst/>
+              <a:defRPr/>
+            </a:pPr>
+            <a:endParaRPr kumimoji="0" lang="es-ES" sz="1800" b="0" i="0" u="none" strike="noStrike" kern="1200" cap="none" spc="0" normalizeH="0" baseline="0" noProof="0" dirty="0">
+              <a:ln>
+                <a:noFill/>
+              </a:ln>
+              <a:solidFill>
+                <a:prstClr val="white"/>
+              </a:solidFill>
+              <a:effectLst/>
+              <a:uLnTx/>
+              <a:uFillTx/>
+              <a:latin typeface="Calibri" panose="020F0502020204030204"/>
+              <a:ea typeface="+mn-ea"/>
+              <a:cs typeface="+mn-cs"/>
+            </a:endParaRPr>
+          </a:p>
+        </p:txBody>
+      </p:sp>
+      <p:sp>
+        <p:nvSpPr>
+          <p:cNvPr id="10" name="Elipse 9">
+            <a:extLst>
+              <a:ext uri="{FF2B5EF4-FFF2-40B4-BE49-F238E27FC236}">
+                <a16:creationId xmlns:a16="http://schemas.microsoft.com/office/drawing/2014/main" id="{1D365CBE-FF67-46AB-9B8E-D5E8A1314E63}"/>
+              </a:ext>
+            </a:extLst>
+          </p:cNvPr>
+          <p:cNvSpPr/>
+          <p:nvPr/>
+        </p:nvSpPr>
+        <p:spPr>
+          <a:xfrm>
+            <a:off x="11520054" y="3560965"/>
+            <a:ext cx="272473" cy="247954"/>
+          </a:xfrm>
+          <a:prstGeom prst="ellipse">
+            <a:avLst/>
+          </a:prstGeom>
+          <a:solidFill>
+            <a:schemeClr val="accent2">
+              <a:alpha val="50000"/>
+            </a:schemeClr>
+          </a:solidFill>
+          <a:ln>
+            <a:noFill/>
+          </a:ln>
+        </p:spPr>
+        <p:style>
+          <a:lnRef idx="0">
+            <a:scrgbClr r="0" g="0" b="0"/>
+          </a:lnRef>
+          <a:fillRef idx="0">
+            <a:scrgbClr r="0" g="0" b="0"/>
+          </a:fillRef>
+          <a:effectRef idx="0">
+            <a:scrgbClr r="0" g="0" b="0"/>
+          </a:effectRef>
+          <a:fontRef idx="minor">
+            <a:schemeClr val="lt1"/>
+          </a:fontRef>
+        </p:style>
+        <p:txBody>
+          <a:bodyPr rtlCol="0" anchor="ctr"/>
+          <a:lstStyle/>
+          <a:p>
+            <a:pPr marL="0" marR="0" lvl="0" indent="0" algn="ctr" defTabSz="914400" rtl="0" eaLnBrk="1" fontAlgn="auto" latinLnBrk="0" hangingPunct="1">
+              <a:lnSpc>
+                <a:spcPct val="100000"/>
+              </a:lnSpc>
+              <a:spcBef>
+                <a:spcPts val="0"/>
+              </a:spcBef>
+              <a:spcAft>
+                <a:spcPts val="0"/>
+              </a:spcAft>
+              <a:buClrTx/>
+              <a:buSzTx/>
+              <a:buFontTx/>
+              <a:buNone/>
+              <a:tabLst/>
+              <a:defRPr/>
+            </a:pPr>
+            <a:endParaRPr kumimoji="0" lang="es-ES" sz="1800" b="0" i="0" u="none" strike="noStrike" kern="1200" cap="none" spc="0" normalizeH="0" baseline="0" noProof="0">
+              <a:ln>
+                <a:noFill/>
+              </a:ln>
+              <a:solidFill>
+                <a:prstClr val="white"/>
+              </a:solidFill>
+              <a:effectLst/>
+              <a:uLnTx/>
+              <a:uFillTx/>
+              <a:latin typeface="Calibri" panose="020F0502020204030204"/>
+              <a:ea typeface="+mn-ea"/>
+              <a:cs typeface="+mn-cs"/>
+            </a:endParaRPr>
+          </a:p>
+        </p:txBody>
+      </p:sp>
+      <p:sp>
+        <p:nvSpPr>
+          <p:cNvPr id="11" name="Elipse 10">
+            <a:extLst>
+              <a:ext uri="{FF2B5EF4-FFF2-40B4-BE49-F238E27FC236}">
+                <a16:creationId xmlns:a16="http://schemas.microsoft.com/office/drawing/2014/main" id="{D3178CD2-487D-44AA-BC65-C732B5C988FF}"/>
+              </a:ext>
+            </a:extLst>
+          </p:cNvPr>
+          <p:cNvSpPr/>
+          <p:nvPr/>
+        </p:nvSpPr>
+        <p:spPr>
+          <a:xfrm>
+            <a:off x="11520054" y="4530783"/>
+            <a:ext cx="272473" cy="247954"/>
+          </a:xfrm>
+          <a:prstGeom prst="ellipse">
+            <a:avLst/>
+          </a:prstGeom>
+          <a:solidFill>
+            <a:schemeClr val="accent2">
+              <a:alpha val="50000"/>
+            </a:schemeClr>
+          </a:solidFill>
+          <a:ln>
+            <a:noFill/>
+          </a:ln>
+        </p:spPr>
+        <p:style>
+          <a:lnRef idx="0">
+            <a:scrgbClr r="0" g="0" b="0"/>
+          </a:lnRef>
+          <a:fillRef idx="0">
+            <a:scrgbClr r="0" g="0" b="0"/>
+          </a:fillRef>
+          <a:effectRef idx="0">
+            <a:scrgbClr r="0" g="0" b="0"/>
+          </a:effectRef>
+          <a:fontRef idx="minor">
+            <a:schemeClr val="lt1"/>
+          </a:fontRef>
+        </p:style>
+        <p:txBody>
+          <a:bodyPr rtlCol="0" anchor="ctr"/>
+          <a:lstStyle/>
+          <a:p>
+            <a:pPr marL="0" marR="0" lvl="0" indent="0" algn="ctr" defTabSz="914400" rtl="0" eaLnBrk="1" fontAlgn="auto" latinLnBrk="0" hangingPunct="1">
+              <a:lnSpc>
+                <a:spcPct val="100000"/>
+              </a:lnSpc>
+              <a:spcBef>
+                <a:spcPts val="0"/>
+              </a:spcBef>
+              <a:spcAft>
+                <a:spcPts val="0"/>
+              </a:spcAft>
+              <a:buClrTx/>
+              <a:buSzTx/>
+              <a:buFontTx/>
+              <a:buNone/>
+              <a:tabLst/>
+              <a:defRPr/>
+            </a:pPr>
+            <a:endParaRPr kumimoji="0" lang="es-ES" sz="1800" b="0" i="0" u="none" strike="noStrike" kern="1200" cap="none" spc="0" normalizeH="0" baseline="0" noProof="0">
+              <a:ln>
+                <a:noFill/>
+              </a:ln>
+              <a:solidFill>
+                <a:prstClr val="white"/>
+              </a:solidFill>
+              <a:effectLst/>
+              <a:uLnTx/>
+              <a:uFillTx/>
+              <a:latin typeface="Calibri" panose="020F0502020204030204"/>
+              <a:ea typeface="+mn-ea"/>
+              <a:cs typeface="+mn-cs"/>
+            </a:endParaRPr>
+          </a:p>
+        </p:txBody>
+      </p:sp>
+      <p:sp>
+        <p:nvSpPr>
+          <p:cNvPr id="12" name="Elipse 11">
+            <a:extLst>
+              <a:ext uri="{FF2B5EF4-FFF2-40B4-BE49-F238E27FC236}">
+                <a16:creationId xmlns:a16="http://schemas.microsoft.com/office/drawing/2014/main" id="{8ACA2EB6-431E-4BF3-A0EF-4D714EFE5D45}"/>
+              </a:ext>
+            </a:extLst>
+          </p:cNvPr>
+          <p:cNvSpPr/>
+          <p:nvPr/>
+        </p:nvSpPr>
+        <p:spPr>
+          <a:xfrm>
+            <a:off x="11520054" y="2591147"/>
+            <a:ext cx="272473" cy="247954"/>
+          </a:xfrm>
+          <a:prstGeom prst="ellipse">
+            <a:avLst/>
+          </a:prstGeom>
+          <a:solidFill>
+            <a:schemeClr val="accent2">
+              <a:alpha val="50000"/>
+            </a:schemeClr>
+          </a:solidFill>
+          <a:ln>
+            <a:noFill/>
+          </a:ln>
+        </p:spPr>
+        <p:style>
+          <a:lnRef idx="0">
+            <a:scrgbClr r="0" g="0" b="0"/>
+          </a:lnRef>
+          <a:fillRef idx="0">
+            <a:scrgbClr r="0" g="0" b="0"/>
+          </a:fillRef>
+          <a:effectRef idx="0">
+            <a:scrgbClr r="0" g="0" b="0"/>
+          </a:effectRef>
+          <a:fontRef idx="minor">
+            <a:schemeClr val="lt1"/>
+          </a:fontRef>
+        </p:style>
+        <p:txBody>
+          <a:bodyPr rtlCol="0" anchor="ctr"/>
+          <a:lstStyle/>
+          <a:p>
+            <a:pPr marL="0" marR="0" lvl="0" indent="0" algn="ctr" defTabSz="914400" rtl="0" eaLnBrk="1" fontAlgn="auto" latinLnBrk="0" hangingPunct="1">
+              <a:lnSpc>
+                <a:spcPct val="100000"/>
+              </a:lnSpc>
+              <a:spcBef>
+                <a:spcPts val="0"/>
+              </a:spcBef>
+              <a:spcAft>
+                <a:spcPts val="0"/>
+              </a:spcAft>
+              <a:buClrTx/>
+              <a:buSzTx/>
+              <a:buFontTx/>
+              <a:buNone/>
+              <a:tabLst/>
+              <a:defRPr/>
+            </a:pPr>
+            <a:endParaRPr kumimoji="0" lang="es-ES" sz="1800" b="0" i="0" u="none" strike="noStrike" kern="1200" cap="none" spc="0" normalizeH="0" baseline="0" noProof="0">
+              <a:ln>
+                <a:noFill/>
+              </a:ln>
+              <a:solidFill>
+                <a:prstClr val="white"/>
+              </a:solidFill>
+              <a:effectLst/>
+              <a:uLnTx/>
+              <a:uFillTx/>
+              <a:latin typeface="Calibri" panose="020F0502020204030204"/>
+              <a:ea typeface="+mn-ea"/>
+              <a:cs typeface="+mn-cs"/>
+            </a:endParaRPr>
+          </a:p>
+        </p:txBody>
+      </p:sp>
+      <p:sp>
+        <p:nvSpPr>
+          <p:cNvPr id="16" name="Rectángulo 15">
+            <a:extLst>
+              <a:ext uri="{FF2B5EF4-FFF2-40B4-BE49-F238E27FC236}">
+                <a16:creationId xmlns:a16="http://schemas.microsoft.com/office/drawing/2014/main" id="{F4A79740-F8E6-054B-BFDB-11AF12C1B149}"/>
+              </a:ext>
+            </a:extLst>
+          </p:cNvPr>
+          <p:cNvSpPr/>
+          <p:nvPr/>
+        </p:nvSpPr>
+        <p:spPr>
+          <a:xfrm>
+            <a:off x="1129495" y="1938115"/>
+            <a:ext cx="4638094" cy="3947998"/>
+          </a:xfrm>
+          <a:prstGeom prst="rect">
+            <a:avLst/>
+          </a:prstGeom>
+          <a:pattFill prst="wdUpDiag">
+            <a:fgClr>
+              <a:srgbClr val="C1FBF5"/>
+            </a:fgClr>
+            <a:bgClr>
+              <a:schemeClr val="bg1"/>
+            </a:bgClr>
+          </a:pattFill>
+          <a:ln w="28575" cap="flat" cmpd="sng" algn="ctr">
+            <a:noFill/>
+            <a:prstDash val="solid"/>
+            <a:round/>
+            <a:headEnd type="none" w="med" len="med"/>
+            <a:tailEnd type="none" w="med" len="med"/>
+          </a:ln>
+        </p:spPr>
+        <p:style>
+          <a:lnRef idx="0">
+            <a:scrgbClr r="0" g="0" b="0"/>
+          </a:lnRef>
+          <a:fillRef idx="0">
+            <a:scrgbClr r="0" g="0" b="0"/>
+          </a:fillRef>
+          <a:effectRef idx="0">
+            <a:scrgbClr r="0" g="0" b="0"/>
+          </a:effectRef>
+          <a:fontRef idx="minor">
+            <a:schemeClr val="accent2"/>
+          </a:fontRef>
+        </p:style>
+        <p:txBody>
+          <a:bodyPr rtlCol="0" anchor="ctr"/>
+          <a:lstStyle/>
+          <a:p>
+            <a:pPr algn="ctr"/>
+            <a:endParaRPr lang="es-ES"/>
+          </a:p>
+        </p:txBody>
+      </p:sp>
+      <p:sp>
+        <p:nvSpPr>
+          <p:cNvPr id="14" name="CuadroTexto 13">
+            <a:extLst>
+              <a:ext uri="{FF2B5EF4-FFF2-40B4-BE49-F238E27FC236}">
+                <a16:creationId xmlns:a16="http://schemas.microsoft.com/office/drawing/2014/main" id="{17725C3C-F5ED-4C16-9579-3AFF248C3DC1}"/>
+              </a:ext>
+            </a:extLst>
+          </p:cNvPr>
+          <p:cNvSpPr txBox="1"/>
+          <p:nvPr/>
+        </p:nvSpPr>
+        <p:spPr>
+          <a:xfrm flipV="1">
+            <a:off x="210281" y="3484631"/>
+            <a:ext cx="461665" cy="648575"/>
+          </a:xfrm>
+          <a:prstGeom prst="rect">
+            <a:avLst/>
+          </a:prstGeom>
+          <a:noFill/>
+        </p:spPr>
+        <p:txBody>
+          <a:bodyPr vert="eaVert" wrap="none" rtlCol="0">
+            <a:spAutoFit/>
+          </a:bodyPr>
+          <a:lstStyle/>
+          <a:p>
+            <a:pPr marL="0" marR="0" lvl="0" indent="0" algn="l" defTabSz="914400" rtl="0" eaLnBrk="1" fontAlgn="auto" latinLnBrk="0" hangingPunct="1">
+              <a:lnSpc>
+                <a:spcPct val="100000"/>
+              </a:lnSpc>
+              <a:spcBef>
+                <a:spcPts val="0"/>
+              </a:spcBef>
+              <a:spcAft>
+                <a:spcPts val="0"/>
+              </a:spcAft>
+              <a:buClrTx/>
+              <a:buSzTx/>
+              <a:buFontTx/>
+              <a:buNone/>
+              <a:tabLst/>
+              <a:defRPr/>
+            </a:pPr>
+            <a:r>
+              <a:rPr kumimoji="0" lang="es-ES" sz="1800" b="0" i="0" u="none" strike="noStrike" kern="1200" cap="none" spc="0" normalizeH="0" baseline="0" noProof="0" dirty="0">
+                <a:ln>
+                  <a:noFill/>
+                </a:ln>
+                <a:solidFill>
+                  <a:srgbClr val="ED7D31">
+                    <a:lumMod val="40000"/>
+                    <a:lumOff val="60000"/>
+                  </a:srgbClr>
+                </a:solidFill>
+                <a:effectLst/>
+                <a:uLnTx/>
+                <a:uFillTx/>
+                <a:latin typeface="Calibri" panose="020F0502020204030204"/>
+                <a:ea typeface="+mn-ea"/>
+                <a:cs typeface="+mn-cs"/>
+              </a:rPr>
+              <a:t>Menú</a:t>
+            </a:r>
+          </a:p>
+        </p:txBody>
+      </p:sp>
+      <p:sp>
+        <p:nvSpPr>
+          <p:cNvPr id="7" name="CuadroTexto 6">
+            <a:extLst>
+              <a:ext uri="{FF2B5EF4-FFF2-40B4-BE49-F238E27FC236}">
+                <a16:creationId xmlns:a16="http://schemas.microsoft.com/office/drawing/2014/main" id="{7CF5C6C3-C16C-4F33-9A2C-0D831A7C0181}"/>
+              </a:ext>
+            </a:extLst>
+          </p:cNvPr>
+          <p:cNvSpPr txBox="1"/>
+          <p:nvPr/>
+        </p:nvSpPr>
+        <p:spPr>
+          <a:xfrm>
+            <a:off x="4142021" y="298524"/>
+            <a:ext cx="4174836" cy="1107996"/>
+          </a:xfrm>
+          <a:prstGeom prst="rect">
+            <a:avLst/>
+          </a:prstGeom>
+          <a:noFill/>
+        </p:spPr>
+        <p:txBody>
+          <a:bodyPr wrap="square" rtlCol="0">
+            <a:spAutoFit/>
+          </a:bodyPr>
+          <a:lstStyle/>
+          <a:p>
+            <a:pPr marL="0" marR="0" lvl="0" indent="0" algn="l" defTabSz="914400" rtl="0" eaLnBrk="1" fontAlgn="auto" latinLnBrk="0" hangingPunct="1">
+              <a:lnSpc>
+                <a:spcPct val="100000"/>
+              </a:lnSpc>
+              <a:spcBef>
+                <a:spcPts val="0"/>
+              </a:spcBef>
+              <a:spcAft>
+                <a:spcPts val="0"/>
+              </a:spcAft>
+              <a:buClrTx/>
+              <a:buSzTx/>
+              <a:buFontTx/>
+              <a:buNone/>
+              <a:tabLst/>
+              <a:defRPr/>
+            </a:pPr>
+            <a:r>
+              <a:rPr kumimoji="0" lang="es-ES" sz="6600" b="1" i="0" u="none" strike="noStrike" kern="1200" cap="none" spc="0" normalizeH="0" baseline="0" noProof="0" dirty="0" err="1">
+                <a:ln w="22225">
+                  <a:noFill/>
+                  <a:prstDash val="solid"/>
+                </a:ln>
+                <a:solidFill>
+                  <a:srgbClr val="ED7D31">
+                    <a:lumMod val="40000"/>
+                    <a:lumOff val="60000"/>
+                  </a:srgbClr>
+                </a:solidFill>
+                <a:effectLst/>
+                <a:uLnTx/>
+                <a:uFillTx/>
+                <a:latin typeface="Rage Italic" panose="03070502040507070304" pitchFamily="66" charset="0"/>
+                <a:ea typeface="Gulim" panose="020B0600000101010101" pitchFamily="34" charset="-127"/>
+                <a:cs typeface="+mn-cs"/>
+              </a:rPr>
+              <a:t>KiteSurfing</a:t>
+            </a:r>
+            <a:endParaRPr kumimoji="0" lang="es-ES" sz="6600" b="1" i="0" u="none" strike="noStrike" kern="1200" cap="none" spc="0" normalizeH="0" baseline="0" noProof="0" dirty="0">
+              <a:ln w="22225">
+                <a:noFill/>
+                <a:prstDash val="solid"/>
+              </a:ln>
+              <a:solidFill>
+                <a:srgbClr val="ED7D31">
+                  <a:lumMod val="40000"/>
+                  <a:lumOff val="60000"/>
+                </a:srgbClr>
+              </a:solidFill>
+              <a:effectLst/>
+              <a:uLnTx/>
+              <a:uFillTx/>
+              <a:latin typeface="Rage Italic" panose="03070502040507070304" pitchFamily="66" charset="0"/>
+              <a:ea typeface="Gulim" panose="020B0600000101010101" pitchFamily="34" charset="-127"/>
+              <a:cs typeface="+mn-cs"/>
+            </a:endParaRPr>
+          </a:p>
+        </p:txBody>
+      </p:sp>
+      <p:sp>
+        <p:nvSpPr>
+          <p:cNvPr id="3" name="Rectángulo 2">
+            <a:extLst>
+              <a:ext uri="{FF2B5EF4-FFF2-40B4-BE49-F238E27FC236}">
+                <a16:creationId xmlns:a16="http://schemas.microsoft.com/office/drawing/2014/main" id="{1B310F0A-7A1A-A0DF-E03B-01F5B73CFB46}"/>
+              </a:ext>
+            </a:extLst>
+          </p:cNvPr>
+          <p:cNvSpPr/>
+          <p:nvPr/>
+        </p:nvSpPr>
+        <p:spPr>
+          <a:xfrm>
+            <a:off x="1411336" y="2316180"/>
+            <a:ext cx="4684664" cy="3191868"/>
+          </a:xfrm>
+          <a:prstGeom prst="rect">
+            <a:avLst/>
+          </a:prstGeom>
+          <a:blipFill>
+            <a:blip r:embed="rId2"/>
+            <a:stretch>
+              <a:fillRect/>
+            </a:stretch>
+          </a:blipFill>
+          <a:ln w="57150">
+            <a:solidFill>
+              <a:schemeClr val="bg1"/>
+            </a:solidFill>
+          </a:ln>
+          <a:effectLst>
+            <a:outerShdw blurRad="50800" dist="38100" dir="2700000" algn="tl" rotWithShape="0">
+              <a:prstClr val="black">
+                <a:alpha val="40000"/>
+              </a:prstClr>
+            </a:outerShdw>
+          </a:effectLst>
+        </p:spPr>
+        <p:style>
+          <a:lnRef idx="2">
+            <a:schemeClr val="accent1">
+              <a:shade val="50000"/>
+            </a:schemeClr>
+          </a:lnRef>
+          <a:fillRef idx="1">
+            <a:schemeClr val="accent1"/>
+          </a:fillRef>
+          <a:effectRef idx="0">
+            <a:schemeClr val="accent1"/>
+          </a:effectRef>
+          <a:fontRef idx="minor">
+            <a:schemeClr val="lt1"/>
+          </a:fontRef>
+        </p:style>
+        <p:txBody>
+          <a:bodyPr rtlCol="0" anchor="ctr"/>
+          <a:lstStyle/>
+          <a:p>
+            <a:pPr algn="ctr"/>
+            <a:endParaRPr lang="es-ES"/>
+          </a:p>
+        </p:txBody>
+      </p:sp>
+      <p:cxnSp>
+        <p:nvCxnSpPr>
+          <p:cNvPr id="6" name="Conector recto 5">
+            <a:extLst>
+              <a:ext uri="{FF2B5EF4-FFF2-40B4-BE49-F238E27FC236}">
+                <a16:creationId xmlns:a16="http://schemas.microsoft.com/office/drawing/2014/main" id="{6A4D2705-F409-28F3-47C2-3DE8574E3ED0}"/>
+              </a:ext>
+            </a:extLst>
+          </p:cNvPr>
+          <p:cNvCxnSpPr/>
+          <p:nvPr/>
+        </p:nvCxnSpPr>
+        <p:spPr>
+          <a:xfrm>
+            <a:off x="6001966" y="3054485"/>
+            <a:ext cx="4776281" cy="0"/>
+          </a:xfrm>
+          <a:prstGeom prst="line">
+            <a:avLst/>
+          </a:prstGeom>
+          <a:ln w="28575">
+            <a:solidFill>
+              <a:schemeClr val="accent2">
+                <a:lumMod val="60000"/>
+                <a:lumOff val="40000"/>
+              </a:schemeClr>
+            </a:solidFill>
+          </a:ln>
+        </p:spPr>
+        <p:style>
+          <a:lnRef idx="1">
+            <a:schemeClr val="accent2"/>
+          </a:lnRef>
+          <a:fillRef idx="0">
+            <a:schemeClr val="accent2"/>
+          </a:fillRef>
+          <a:effectRef idx="0">
+            <a:schemeClr val="accent2"/>
+          </a:effectRef>
+          <a:fontRef idx="minor">
+            <a:schemeClr val="tx1"/>
+          </a:fontRef>
+        </p:style>
+      </p:cxnSp>
+      <p:sp>
+        <p:nvSpPr>
+          <p:cNvPr id="8" name="CuadroTexto 7">
+            <a:extLst>
+              <a:ext uri="{FF2B5EF4-FFF2-40B4-BE49-F238E27FC236}">
+                <a16:creationId xmlns:a16="http://schemas.microsoft.com/office/drawing/2014/main" id="{96929BF0-FF9F-DDD6-017F-7617DD725026}"/>
+              </a:ext>
+            </a:extLst>
+          </p:cNvPr>
+          <p:cNvSpPr txBox="1"/>
+          <p:nvPr/>
+        </p:nvSpPr>
+        <p:spPr>
+          <a:xfrm>
+            <a:off x="6229439" y="3149868"/>
+            <a:ext cx="4590937" cy="954107"/>
+          </a:xfrm>
+          <a:prstGeom prst="rect">
+            <a:avLst/>
+          </a:prstGeom>
+          <a:noFill/>
+        </p:spPr>
+        <p:txBody>
+          <a:bodyPr wrap="none" rtlCol="0">
+            <a:spAutoFit/>
+          </a:bodyPr>
+          <a:lstStyle/>
+          <a:p>
+            <a:r>
+              <a:rPr lang="es-ES" sz="2800" dirty="0" err="1">
+                <a:solidFill>
+                  <a:schemeClr val="accent2"/>
+                </a:solidFill>
+              </a:rPr>
+              <a:t>Sdsdscd</a:t>
+            </a:r>
+            <a:r>
+              <a:rPr lang="es-ES" sz="2800" dirty="0">
+                <a:solidFill>
+                  <a:schemeClr val="accent2"/>
+                </a:solidFill>
+              </a:rPr>
+              <a:t> </a:t>
+            </a:r>
+            <a:r>
+              <a:rPr lang="es-ES" sz="2800" dirty="0" err="1">
+                <a:solidFill>
+                  <a:schemeClr val="accent2"/>
+                </a:solidFill>
+              </a:rPr>
+              <a:t>sokdmskd</a:t>
+            </a:r>
+            <a:r>
+              <a:rPr lang="es-ES" sz="2800" dirty="0">
+                <a:solidFill>
+                  <a:schemeClr val="accent2"/>
+                </a:solidFill>
+              </a:rPr>
+              <a:t> </a:t>
+            </a:r>
+            <a:r>
+              <a:rPr lang="es-ES" sz="2800" dirty="0" err="1">
+                <a:solidFill>
+                  <a:schemeClr val="accent2"/>
+                </a:solidFill>
+              </a:rPr>
+              <a:t>asidoajosd</a:t>
+            </a:r>
+            <a:r>
+              <a:rPr lang="es-ES" sz="2800" dirty="0">
+                <a:solidFill>
+                  <a:schemeClr val="accent2"/>
+                </a:solidFill>
+              </a:rPr>
+              <a:t> </a:t>
+            </a:r>
+          </a:p>
+          <a:p>
+            <a:r>
+              <a:rPr lang="es-ES" sz="2800" dirty="0" err="1">
+                <a:solidFill>
+                  <a:schemeClr val="accent2"/>
+                </a:solidFill>
+              </a:rPr>
+              <a:t>aiodsmaoimaso</a:t>
+            </a:r>
+            <a:endParaRPr lang="es-ES" sz="2800" dirty="0">
+              <a:solidFill>
+                <a:schemeClr val="accent2"/>
+              </a:solidFill>
+            </a:endParaRPr>
+          </a:p>
+        </p:txBody>
+      </p:sp>
+      <p:sp>
+        <p:nvSpPr>
+          <p:cNvPr id="9" name="CuadroTexto 8">
+            <a:extLst>
+              <a:ext uri="{FF2B5EF4-FFF2-40B4-BE49-F238E27FC236}">
+                <a16:creationId xmlns:a16="http://schemas.microsoft.com/office/drawing/2014/main" id="{636667D1-BBAD-2128-95A4-1FD6D811B173}"/>
+              </a:ext>
+            </a:extLst>
+          </p:cNvPr>
+          <p:cNvSpPr txBox="1"/>
+          <p:nvPr/>
+        </p:nvSpPr>
+        <p:spPr>
+          <a:xfrm>
+            <a:off x="6230047" y="4133136"/>
+            <a:ext cx="4548200" cy="738664"/>
+          </a:xfrm>
+          <a:prstGeom prst="rect">
+            <a:avLst/>
+          </a:prstGeom>
+          <a:noFill/>
+        </p:spPr>
+        <p:txBody>
+          <a:bodyPr wrap="square" rtlCol="0">
+            <a:spAutoFit/>
+          </a:bodyPr>
+          <a:lstStyle/>
+          <a:p>
+            <a:r>
+              <a:rPr lang="es-ES" sz="1400" dirty="0" err="1">
+                <a:solidFill>
+                  <a:srgbClr val="0CCAB8"/>
+                </a:solidFill>
+              </a:rPr>
+              <a:t>Cccccccxzxz</a:t>
+            </a:r>
+            <a:r>
+              <a:rPr lang="es-ES" sz="1400" dirty="0">
+                <a:solidFill>
+                  <a:srgbClr val="0CCAB8"/>
+                </a:solidFill>
+              </a:rPr>
+              <a:t> </a:t>
+            </a:r>
+            <a:r>
+              <a:rPr lang="es-ES" sz="1400" dirty="0" err="1">
+                <a:solidFill>
+                  <a:srgbClr val="0CCAB8"/>
+                </a:solidFill>
+              </a:rPr>
+              <a:t>appmdmpdc</a:t>
+            </a:r>
+            <a:r>
+              <a:rPr lang="es-ES" sz="1400" dirty="0">
+                <a:solidFill>
+                  <a:srgbClr val="0CCAB8"/>
+                </a:solidFill>
+              </a:rPr>
+              <a:t> </a:t>
+            </a:r>
+            <a:r>
+              <a:rPr lang="es-ES" sz="1400" dirty="0" err="1">
+                <a:solidFill>
+                  <a:srgbClr val="0CCAB8"/>
+                </a:solidFill>
+              </a:rPr>
+              <a:t>paoks.dpaosd</a:t>
+            </a:r>
+            <a:r>
+              <a:rPr lang="es-ES" sz="1400" dirty="0">
+                <a:solidFill>
+                  <a:srgbClr val="0CCAB8"/>
+                </a:solidFill>
+              </a:rPr>
+              <a:t> </a:t>
+            </a:r>
+            <a:r>
+              <a:rPr lang="es-ES" sz="1400" dirty="0" err="1">
+                <a:solidFill>
+                  <a:srgbClr val="0CCAB8"/>
+                </a:solidFill>
+              </a:rPr>
+              <a:t>aksk.das.op</a:t>
+            </a:r>
+            <a:endParaRPr lang="es-ES" sz="1400" dirty="0">
+              <a:solidFill>
+                <a:srgbClr val="0CCAB8"/>
+              </a:solidFill>
+            </a:endParaRPr>
+          </a:p>
+          <a:p>
+            <a:r>
+              <a:rPr lang="es-ES" sz="1400" dirty="0" err="1">
+                <a:solidFill>
+                  <a:srgbClr val="0CCAB8"/>
+                </a:solidFill>
+              </a:rPr>
+              <a:t>Aasd</a:t>
+            </a:r>
+            <a:r>
+              <a:rPr lang="es-ES" sz="1400" dirty="0">
+                <a:solidFill>
+                  <a:srgbClr val="0CCAB8"/>
+                </a:solidFill>
+              </a:rPr>
+              <a:t> </a:t>
+            </a:r>
+            <a:r>
+              <a:rPr lang="es-ES" sz="1400" dirty="0" err="1">
+                <a:solidFill>
+                  <a:srgbClr val="0CCAB8"/>
+                </a:solidFill>
+              </a:rPr>
+              <a:t>sdd,jf,fk</a:t>
+            </a:r>
+            <a:r>
+              <a:rPr lang="es-ES" sz="1400" dirty="0">
+                <a:solidFill>
+                  <a:srgbClr val="0CCAB8"/>
+                </a:solidFill>
+              </a:rPr>
+              <a:t> </a:t>
+            </a:r>
+            <a:r>
+              <a:rPr lang="es-ES" sz="1400" dirty="0" err="1">
+                <a:solidFill>
+                  <a:srgbClr val="0CCAB8"/>
+                </a:solidFill>
+              </a:rPr>
+              <a:t>oimjifidmfsd</a:t>
+            </a:r>
+            <a:r>
+              <a:rPr lang="es-ES" sz="1400" dirty="0">
+                <a:solidFill>
+                  <a:srgbClr val="0CCAB8"/>
+                </a:solidFill>
+              </a:rPr>
+              <a:t> </a:t>
+            </a:r>
+            <a:r>
+              <a:rPr lang="es-ES" sz="1400" dirty="0" err="1">
+                <a:solidFill>
+                  <a:srgbClr val="0CCAB8"/>
+                </a:solidFill>
+              </a:rPr>
+              <a:t>ajkmdamokdmad</a:t>
+            </a:r>
+            <a:r>
+              <a:rPr lang="es-ES" sz="1400" dirty="0">
+                <a:solidFill>
+                  <a:srgbClr val="0CCAB8"/>
+                </a:solidFill>
+              </a:rPr>
+              <a:t> </a:t>
+            </a:r>
+            <a:r>
+              <a:rPr lang="es-ES" sz="1400" dirty="0" err="1">
+                <a:solidFill>
+                  <a:srgbClr val="0CCAB8"/>
+                </a:solidFill>
+              </a:rPr>
+              <a:t>ajodka</a:t>
+            </a:r>
+            <a:endParaRPr lang="es-ES" sz="1400" dirty="0">
+              <a:solidFill>
+                <a:srgbClr val="0CCAB8"/>
+              </a:solidFill>
+            </a:endParaRPr>
+          </a:p>
+          <a:p>
+            <a:r>
+              <a:rPr lang="es-ES" sz="1400" dirty="0" err="1">
+                <a:solidFill>
+                  <a:srgbClr val="0CCAB8"/>
+                </a:solidFill>
+              </a:rPr>
+              <a:t>Ajsndiad</a:t>
+            </a:r>
+            <a:r>
+              <a:rPr lang="es-ES" sz="1400" dirty="0">
+                <a:solidFill>
+                  <a:srgbClr val="0CCAB8"/>
+                </a:solidFill>
+              </a:rPr>
+              <a:t> </a:t>
+            </a:r>
+            <a:r>
+              <a:rPr lang="es-ES" sz="1400" dirty="0" err="1">
+                <a:solidFill>
+                  <a:srgbClr val="0CCAB8"/>
+                </a:solidFill>
+              </a:rPr>
+              <a:t>aimjaodado</a:t>
+            </a:r>
+            <a:r>
+              <a:rPr lang="es-ES" sz="1400" dirty="0">
+                <a:solidFill>
+                  <a:srgbClr val="0CCAB8"/>
+                </a:solidFill>
+              </a:rPr>
+              <a:t> </a:t>
+            </a:r>
+            <a:r>
+              <a:rPr lang="es-ES" sz="1400" dirty="0" err="1">
+                <a:solidFill>
+                  <a:srgbClr val="0CCAB8"/>
+                </a:solidFill>
+              </a:rPr>
+              <a:t>amdaodm</a:t>
+            </a:r>
+            <a:r>
+              <a:rPr lang="es-ES" sz="1400" dirty="0">
+                <a:solidFill>
+                  <a:srgbClr val="0CCAB8"/>
+                </a:solidFill>
+              </a:rPr>
+              <a:t> </a:t>
+            </a:r>
+            <a:r>
+              <a:rPr lang="es-ES" sz="1400" dirty="0" err="1">
+                <a:solidFill>
+                  <a:srgbClr val="0CCAB8"/>
+                </a:solidFill>
+              </a:rPr>
+              <a:t>aosmdoiad</a:t>
+            </a:r>
+            <a:endParaRPr lang="es-ES" sz="1400" dirty="0">
+              <a:solidFill>
+                <a:srgbClr val="0CCAB8"/>
+              </a:solidFill>
+            </a:endParaRPr>
+          </a:p>
+        </p:txBody>
+      </p:sp>
+    </p:spTree>
+    <p:extLst>
+      <p:ext uri="{BB962C8B-B14F-4D97-AF65-F5344CB8AC3E}">
+        <p14:creationId xmlns:p14="http://schemas.microsoft.com/office/powerpoint/2010/main" val="2850696988"/>
+      </p:ext>
+    </p:extLst>
+  </p:cSld>
+  <p:clrMapOvr>
+    <a:masterClrMapping/>
+  </p:clrMapOvr>
+</p:sld>
+</file>
+
+<file path=ppt/slides/slide11.xml><?xml version="1.0" encoding="utf-8"?>
+<p:sld xmlns:a="http://schemas.openxmlformats.org/drawingml/2006/main" xmlns:r="http://schemas.openxmlformats.org/officeDocument/2006/relationships" xmlns:p="http://schemas.openxmlformats.org/presentationml/2006/main">
+  <p:cSld>
+    <p:spTree>
+      <p:nvGrpSpPr>
+        <p:cNvPr id="1" name=""/>
+        <p:cNvGrpSpPr/>
+        <p:nvPr/>
+      </p:nvGrpSpPr>
+      <p:grpSpPr>
+        <a:xfrm>
+          <a:off x="0" y="0"/>
+          <a:ext cx="0" cy="0"/>
+          <a:chOff x="0" y="0"/>
+          <a:chExt cx="0" cy="0"/>
+        </a:xfrm>
+      </p:grpSpPr>
+      <p:sp>
+        <p:nvSpPr>
+          <p:cNvPr id="18" name="Rectángulo 17">
+            <a:extLst>
+              <a:ext uri="{FF2B5EF4-FFF2-40B4-BE49-F238E27FC236}">
+                <a16:creationId xmlns:a16="http://schemas.microsoft.com/office/drawing/2014/main" id="{F32E89A6-BE1D-4036-A951-ABFF245AA3AD}"/>
+              </a:ext>
+            </a:extLst>
+          </p:cNvPr>
+          <p:cNvSpPr/>
+          <p:nvPr/>
+        </p:nvSpPr>
+        <p:spPr>
+          <a:xfrm>
+            <a:off x="855406" y="1349952"/>
+            <a:ext cx="10481188" cy="5508047"/>
+          </a:xfrm>
+          <a:prstGeom prst="rect">
+            <a:avLst/>
+          </a:prstGeom>
+          <a:solidFill>
+            <a:srgbClr val="E5FFFF"/>
+          </a:solidFill>
+          <a:ln>
+            <a:noFill/>
+          </a:ln>
+        </p:spPr>
+        <p:style>
+          <a:lnRef idx="2">
+            <a:schemeClr val="accent1">
+              <a:shade val="50000"/>
+            </a:schemeClr>
+          </a:lnRef>
+          <a:fillRef idx="1">
+            <a:schemeClr val="accent1"/>
+          </a:fillRef>
+          <a:effectRef idx="0">
+            <a:schemeClr val="accent1"/>
+          </a:effectRef>
+          <a:fontRef idx="minor">
+            <a:schemeClr val="lt1"/>
+          </a:fontRef>
+        </p:style>
+        <p:txBody>
+          <a:bodyPr rtlCol="0" anchor="ctr"/>
+          <a:lstStyle/>
+          <a:p>
+            <a:pPr marL="0" marR="0" lvl="0" indent="0" algn="ctr" defTabSz="914400" rtl="0" eaLnBrk="1" fontAlgn="auto" latinLnBrk="0" hangingPunct="1">
+              <a:lnSpc>
+                <a:spcPct val="100000"/>
+              </a:lnSpc>
+              <a:spcBef>
+                <a:spcPts val="0"/>
+              </a:spcBef>
+              <a:spcAft>
+                <a:spcPts val="0"/>
+              </a:spcAft>
+              <a:buClrTx/>
+              <a:buSzTx/>
+              <a:buFontTx/>
+              <a:buNone/>
+              <a:tabLst/>
+              <a:defRPr/>
+            </a:pPr>
+            <a:endParaRPr kumimoji="0" lang="es-ES" sz="1800" b="0" i="0" u="none" strike="noStrike" kern="1200" cap="none" spc="0" normalizeH="0" baseline="0" noProof="0" dirty="0">
+              <a:ln>
+                <a:noFill/>
+              </a:ln>
+              <a:solidFill>
+                <a:prstClr val="white"/>
+              </a:solidFill>
+              <a:effectLst/>
+              <a:uLnTx/>
+              <a:uFillTx/>
+              <a:latin typeface="Calibri" panose="020F0502020204030204"/>
+              <a:ea typeface="+mn-ea"/>
+              <a:cs typeface="+mn-cs"/>
+            </a:endParaRPr>
+          </a:p>
+        </p:txBody>
+      </p:sp>
+      <p:sp>
+        <p:nvSpPr>
+          <p:cNvPr id="13" name="Rectángulo 12">
+            <a:extLst>
+              <a:ext uri="{FF2B5EF4-FFF2-40B4-BE49-F238E27FC236}">
+                <a16:creationId xmlns:a16="http://schemas.microsoft.com/office/drawing/2014/main" id="{87AEF759-4FCB-6AFD-3479-7857F7AD6FA7}"/>
+              </a:ext>
+            </a:extLst>
+          </p:cNvPr>
+          <p:cNvSpPr/>
+          <p:nvPr/>
+        </p:nvSpPr>
+        <p:spPr>
+          <a:xfrm>
+            <a:off x="1137247" y="1609553"/>
+            <a:ext cx="9917506" cy="5045412"/>
+          </a:xfrm>
+          <a:prstGeom prst="rect">
+            <a:avLst/>
+          </a:prstGeom>
+          <a:solidFill>
+            <a:srgbClr val="FEF6F0"/>
+          </a:solidFill>
+          <a:ln>
+            <a:noFill/>
+          </a:ln>
+        </p:spPr>
+        <p:style>
+          <a:lnRef idx="2">
+            <a:schemeClr val="accent1">
+              <a:shade val="50000"/>
+            </a:schemeClr>
+          </a:lnRef>
+          <a:fillRef idx="1">
+            <a:schemeClr val="accent1"/>
+          </a:fillRef>
+          <a:effectRef idx="0">
+            <a:schemeClr val="accent1"/>
+          </a:effectRef>
+          <a:fontRef idx="minor">
+            <a:schemeClr val="lt1"/>
+          </a:fontRef>
+        </p:style>
+        <p:txBody>
+          <a:bodyPr rtlCol="0" anchor="ctr"/>
+          <a:lstStyle/>
+          <a:p>
+            <a:pPr marL="0" marR="0" lvl="0" indent="0" algn="ctr" defTabSz="914400" rtl="0" eaLnBrk="1" fontAlgn="auto" latinLnBrk="0" hangingPunct="1">
+              <a:lnSpc>
+                <a:spcPct val="100000"/>
+              </a:lnSpc>
+              <a:spcBef>
+                <a:spcPts val="0"/>
+              </a:spcBef>
+              <a:spcAft>
+                <a:spcPts val="0"/>
+              </a:spcAft>
+              <a:buClrTx/>
+              <a:buSzTx/>
+              <a:buFontTx/>
+              <a:buNone/>
+              <a:tabLst/>
+              <a:defRPr/>
+            </a:pPr>
+            <a:endParaRPr kumimoji="0" lang="es-ES" sz="1800" b="0" i="0" u="none" strike="noStrike" kern="1200" cap="none" spc="0" normalizeH="0" baseline="0" noProof="0" dirty="0">
+              <a:ln>
+                <a:noFill/>
+              </a:ln>
+              <a:solidFill>
+                <a:prstClr val="white"/>
+              </a:solidFill>
+              <a:effectLst/>
+              <a:uLnTx/>
+              <a:uFillTx/>
+              <a:latin typeface="Calibri" panose="020F0502020204030204"/>
+              <a:ea typeface="+mn-ea"/>
+              <a:cs typeface="+mn-cs"/>
+            </a:endParaRPr>
+          </a:p>
+        </p:txBody>
+      </p:sp>
+      <p:sp>
+        <p:nvSpPr>
+          <p:cNvPr id="10" name="Elipse 9">
+            <a:extLst>
+              <a:ext uri="{FF2B5EF4-FFF2-40B4-BE49-F238E27FC236}">
+                <a16:creationId xmlns:a16="http://schemas.microsoft.com/office/drawing/2014/main" id="{1D365CBE-FF67-46AB-9B8E-D5E8A1314E63}"/>
+              </a:ext>
+            </a:extLst>
+          </p:cNvPr>
+          <p:cNvSpPr/>
+          <p:nvPr/>
+        </p:nvSpPr>
+        <p:spPr>
+          <a:xfrm>
+            <a:off x="11520054" y="3560965"/>
+            <a:ext cx="272473" cy="247954"/>
+          </a:xfrm>
+          <a:prstGeom prst="ellipse">
+            <a:avLst/>
+          </a:prstGeom>
+          <a:solidFill>
+            <a:schemeClr val="accent2">
+              <a:alpha val="50000"/>
+            </a:schemeClr>
+          </a:solidFill>
+          <a:ln>
+            <a:noFill/>
+          </a:ln>
+        </p:spPr>
+        <p:style>
+          <a:lnRef idx="0">
+            <a:scrgbClr r="0" g="0" b="0"/>
+          </a:lnRef>
+          <a:fillRef idx="0">
+            <a:scrgbClr r="0" g="0" b="0"/>
+          </a:fillRef>
+          <a:effectRef idx="0">
+            <a:scrgbClr r="0" g="0" b="0"/>
+          </a:effectRef>
+          <a:fontRef idx="minor">
+            <a:schemeClr val="lt1"/>
+          </a:fontRef>
+        </p:style>
+        <p:txBody>
+          <a:bodyPr rtlCol="0" anchor="ctr"/>
+          <a:lstStyle/>
+          <a:p>
+            <a:pPr marL="0" marR="0" lvl="0" indent="0" algn="ctr" defTabSz="914400" rtl="0" eaLnBrk="1" fontAlgn="auto" latinLnBrk="0" hangingPunct="1">
+              <a:lnSpc>
+                <a:spcPct val="100000"/>
+              </a:lnSpc>
+              <a:spcBef>
+                <a:spcPts val="0"/>
+              </a:spcBef>
+              <a:spcAft>
+                <a:spcPts val="0"/>
+              </a:spcAft>
+              <a:buClrTx/>
+              <a:buSzTx/>
+              <a:buFontTx/>
+              <a:buNone/>
+              <a:tabLst/>
+              <a:defRPr/>
+            </a:pPr>
+            <a:endParaRPr kumimoji="0" lang="es-ES" sz="1800" b="0" i="0" u="none" strike="noStrike" kern="1200" cap="none" spc="0" normalizeH="0" baseline="0" noProof="0">
+              <a:ln>
+                <a:noFill/>
+              </a:ln>
+              <a:solidFill>
+                <a:prstClr val="white"/>
+              </a:solidFill>
+              <a:effectLst/>
+              <a:uLnTx/>
+              <a:uFillTx/>
+              <a:latin typeface="Calibri" panose="020F0502020204030204"/>
+              <a:ea typeface="+mn-ea"/>
+              <a:cs typeface="+mn-cs"/>
+            </a:endParaRPr>
+          </a:p>
+        </p:txBody>
+      </p:sp>
+      <p:sp>
+        <p:nvSpPr>
+          <p:cNvPr id="11" name="Elipse 10">
+            <a:extLst>
+              <a:ext uri="{FF2B5EF4-FFF2-40B4-BE49-F238E27FC236}">
+                <a16:creationId xmlns:a16="http://schemas.microsoft.com/office/drawing/2014/main" id="{D3178CD2-487D-44AA-BC65-C732B5C988FF}"/>
+              </a:ext>
+            </a:extLst>
+          </p:cNvPr>
+          <p:cNvSpPr/>
+          <p:nvPr/>
+        </p:nvSpPr>
+        <p:spPr>
+          <a:xfrm>
+            <a:off x="11520054" y="4530783"/>
+            <a:ext cx="272473" cy="247954"/>
+          </a:xfrm>
+          <a:prstGeom prst="ellipse">
+            <a:avLst/>
+          </a:prstGeom>
+          <a:solidFill>
+            <a:schemeClr val="accent2">
+              <a:alpha val="50000"/>
+            </a:schemeClr>
+          </a:solidFill>
+          <a:ln>
+            <a:noFill/>
+          </a:ln>
+        </p:spPr>
+        <p:style>
+          <a:lnRef idx="0">
+            <a:scrgbClr r="0" g="0" b="0"/>
+          </a:lnRef>
+          <a:fillRef idx="0">
+            <a:scrgbClr r="0" g="0" b="0"/>
+          </a:fillRef>
+          <a:effectRef idx="0">
+            <a:scrgbClr r="0" g="0" b="0"/>
+          </a:effectRef>
+          <a:fontRef idx="minor">
+            <a:schemeClr val="lt1"/>
+          </a:fontRef>
+        </p:style>
+        <p:txBody>
+          <a:bodyPr rtlCol="0" anchor="ctr"/>
+          <a:lstStyle/>
+          <a:p>
+            <a:pPr marL="0" marR="0" lvl="0" indent="0" algn="ctr" defTabSz="914400" rtl="0" eaLnBrk="1" fontAlgn="auto" latinLnBrk="0" hangingPunct="1">
+              <a:lnSpc>
+                <a:spcPct val="100000"/>
+              </a:lnSpc>
+              <a:spcBef>
+                <a:spcPts val="0"/>
+              </a:spcBef>
+              <a:spcAft>
+                <a:spcPts val="0"/>
+              </a:spcAft>
+              <a:buClrTx/>
+              <a:buSzTx/>
+              <a:buFontTx/>
+              <a:buNone/>
+              <a:tabLst/>
+              <a:defRPr/>
+            </a:pPr>
+            <a:endParaRPr kumimoji="0" lang="es-ES" sz="1800" b="0" i="0" u="none" strike="noStrike" kern="1200" cap="none" spc="0" normalizeH="0" baseline="0" noProof="0">
+              <a:ln>
+                <a:noFill/>
+              </a:ln>
+              <a:solidFill>
+                <a:prstClr val="white"/>
+              </a:solidFill>
+              <a:effectLst/>
+              <a:uLnTx/>
+              <a:uFillTx/>
+              <a:latin typeface="Calibri" panose="020F0502020204030204"/>
+              <a:ea typeface="+mn-ea"/>
+              <a:cs typeface="+mn-cs"/>
+            </a:endParaRPr>
+          </a:p>
+        </p:txBody>
+      </p:sp>
+      <p:sp>
+        <p:nvSpPr>
+          <p:cNvPr id="12" name="Elipse 11">
+            <a:extLst>
+              <a:ext uri="{FF2B5EF4-FFF2-40B4-BE49-F238E27FC236}">
+                <a16:creationId xmlns:a16="http://schemas.microsoft.com/office/drawing/2014/main" id="{8ACA2EB6-431E-4BF3-A0EF-4D714EFE5D45}"/>
+              </a:ext>
+            </a:extLst>
+          </p:cNvPr>
+          <p:cNvSpPr/>
+          <p:nvPr/>
+        </p:nvSpPr>
+        <p:spPr>
+          <a:xfrm>
+            <a:off x="11520054" y="2591147"/>
+            <a:ext cx="272473" cy="247954"/>
+          </a:xfrm>
+          <a:prstGeom prst="ellipse">
+            <a:avLst/>
+          </a:prstGeom>
+          <a:solidFill>
+            <a:schemeClr val="accent2">
+              <a:alpha val="50000"/>
+            </a:schemeClr>
+          </a:solidFill>
+          <a:ln>
+            <a:noFill/>
+          </a:ln>
+        </p:spPr>
+        <p:style>
+          <a:lnRef idx="0">
+            <a:scrgbClr r="0" g="0" b="0"/>
+          </a:lnRef>
+          <a:fillRef idx="0">
+            <a:scrgbClr r="0" g="0" b="0"/>
+          </a:fillRef>
+          <a:effectRef idx="0">
+            <a:scrgbClr r="0" g="0" b="0"/>
+          </a:effectRef>
+          <a:fontRef idx="minor">
+            <a:schemeClr val="lt1"/>
+          </a:fontRef>
+        </p:style>
+        <p:txBody>
+          <a:bodyPr rtlCol="0" anchor="ctr"/>
+          <a:lstStyle/>
+          <a:p>
+            <a:pPr marL="0" marR="0" lvl="0" indent="0" algn="ctr" defTabSz="914400" rtl="0" eaLnBrk="1" fontAlgn="auto" latinLnBrk="0" hangingPunct="1">
+              <a:lnSpc>
+                <a:spcPct val="100000"/>
+              </a:lnSpc>
+              <a:spcBef>
+                <a:spcPts val="0"/>
+              </a:spcBef>
+              <a:spcAft>
+                <a:spcPts val="0"/>
+              </a:spcAft>
+              <a:buClrTx/>
+              <a:buSzTx/>
+              <a:buFontTx/>
+              <a:buNone/>
+              <a:tabLst/>
+              <a:defRPr/>
+            </a:pPr>
+            <a:endParaRPr kumimoji="0" lang="es-ES" sz="1800" b="0" i="0" u="none" strike="noStrike" kern="1200" cap="none" spc="0" normalizeH="0" baseline="0" noProof="0">
+              <a:ln>
+                <a:noFill/>
+              </a:ln>
+              <a:solidFill>
+                <a:prstClr val="white"/>
+              </a:solidFill>
+              <a:effectLst/>
+              <a:uLnTx/>
+              <a:uFillTx/>
+              <a:latin typeface="Calibri" panose="020F0502020204030204"/>
+              <a:ea typeface="+mn-ea"/>
+              <a:cs typeface="+mn-cs"/>
+            </a:endParaRPr>
+          </a:p>
+        </p:txBody>
+      </p:sp>
+      <p:sp>
+        <p:nvSpPr>
+          <p:cNvPr id="16" name="Rectángulo 15">
+            <a:extLst>
+              <a:ext uri="{FF2B5EF4-FFF2-40B4-BE49-F238E27FC236}">
+                <a16:creationId xmlns:a16="http://schemas.microsoft.com/office/drawing/2014/main" id="{F4A79740-F8E6-054B-BFDB-11AF12C1B149}"/>
+              </a:ext>
+            </a:extLst>
+          </p:cNvPr>
+          <p:cNvSpPr/>
+          <p:nvPr/>
+        </p:nvSpPr>
+        <p:spPr>
+          <a:xfrm>
+            <a:off x="1129495" y="1938115"/>
+            <a:ext cx="4638094" cy="3947998"/>
+          </a:xfrm>
+          <a:prstGeom prst="rect">
+            <a:avLst/>
+          </a:prstGeom>
+          <a:pattFill prst="wdUpDiag">
+            <a:fgClr>
+              <a:srgbClr val="C1FBF5"/>
+            </a:fgClr>
+            <a:bgClr>
+              <a:schemeClr val="bg1"/>
+            </a:bgClr>
+          </a:pattFill>
+          <a:ln w="28575" cap="flat" cmpd="sng" algn="ctr">
+            <a:noFill/>
+            <a:prstDash val="solid"/>
+            <a:round/>
+            <a:headEnd type="none" w="med" len="med"/>
+            <a:tailEnd type="none" w="med" len="med"/>
+          </a:ln>
+        </p:spPr>
+        <p:style>
+          <a:lnRef idx="0">
+            <a:scrgbClr r="0" g="0" b="0"/>
+          </a:lnRef>
+          <a:fillRef idx="0">
+            <a:scrgbClr r="0" g="0" b="0"/>
+          </a:fillRef>
+          <a:effectRef idx="0">
+            <a:scrgbClr r="0" g="0" b="0"/>
+          </a:effectRef>
+          <a:fontRef idx="minor">
+            <a:schemeClr val="accent2"/>
+          </a:fontRef>
+        </p:style>
+        <p:txBody>
+          <a:bodyPr rtlCol="0" anchor="ctr"/>
+          <a:lstStyle/>
+          <a:p>
+            <a:pPr algn="ctr"/>
+            <a:endParaRPr lang="es-ES"/>
+          </a:p>
+        </p:txBody>
+      </p:sp>
+      <p:sp>
+        <p:nvSpPr>
+          <p:cNvPr id="14" name="CuadroTexto 13">
+            <a:extLst>
+              <a:ext uri="{FF2B5EF4-FFF2-40B4-BE49-F238E27FC236}">
+                <a16:creationId xmlns:a16="http://schemas.microsoft.com/office/drawing/2014/main" id="{17725C3C-F5ED-4C16-9579-3AFF248C3DC1}"/>
+              </a:ext>
+            </a:extLst>
+          </p:cNvPr>
+          <p:cNvSpPr txBox="1"/>
+          <p:nvPr/>
+        </p:nvSpPr>
+        <p:spPr>
+          <a:xfrm flipV="1">
+            <a:off x="210281" y="3484631"/>
+            <a:ext cx="461665" cy="648575"/>
+          </a:xfrm>
+          <a:prstGeom prst="rect">
+            <a:avLst/>
+          </a:prstGeom>
+          <a:noFill/>
+        </p:spPr>
+        <p:txBody>
+          <a:bodyPr vert="eaVert" wrap="none" rtlCol="0">
+            <a:spAutoFit/>
+          </a:bodyPr>
+          <a:lstStyle/>
+          <a:p>
+            <a:pPr marL="0" marR="0" lvl="0" indent="0" algn="l" defTabSz="914400" rtl="0" eaLnBrk="1" fontAlgn="auto" latinLnBrk="0" hangingPunct="1">
+              <a:lnSpc>
+                <a:spcPct val="100000"/>
+              </a:lnSpc>
+              <a:spcBef>
+                <a:spcPts val="0"/>
+              </a:spcBef>
+              <a:spcAft>
+                <a:spcPts val="0"/>
+              </a:spcAft>
+              <a:buClrTx/>
+              <a:buSzTx/>
+              <a:buFontTx/>
+              <a:buNone/>
+              <a:tabLst/>
+              <a:defRPr/>
+            </a:pPr>
+            <a:r>
+              <a:rPr kumimoji="0" lang="es-ES" sz="1800" b="0" i="0" u="none" strike="noStrike" kern="1200" cap="none" spc="0" normalizeH="0" baseline="0" noProof="0" dirty="0">
+                <a:ln>
+                  <a:noFill/>
+                </a:ln>
+                <a:solidFill>
+                  <a:srgbClr val="ED7D31">
+                    <a:lumMod val="40000"/>
+                    <a:lumOff val="60000"/>
+                  </a:srgbClr>
+                </a:solidFill>
+                <a:effectLst/>
+                <a:uLnTx/>
+                <a:uFillTx/>
+                <a:latin typeface="Calibri" panose="020F0502020204030204"/>
+                <a:ea typeface="+mn-ea"/>
+                <a:cs typeface="+mn-cs"/>
+              </a:rPr>
+              <a:t>Menú</a:t>
+            </a:r>
+          </a:p>
+        </p:txBody>
+      </p:sp>
+      <p:sp>
+        <p:nvSpPr>
+          <p:cNvPr id="7" name="CuadroTexto 6">
+            <a:extLst>
+              <a:ext uri="{FF2B5EF4-FFF2-40B4-BE49-F238E27FC236}">
+                <a16:creationId xmlns:a16="http://schemas.microsoft.com/office/drawing/2014/main" id="{7CF5C6C3-C16C-4F33-9A2C-0D831A7C0181}"/>
+              </a:ext>
+            </a:extLst>
+          </p:cNvPr>
+          <p:cNvSpPr txBox="1"/>
+          <p:nvPr/>
+        </p:nvSpPr>
+        <p:spPr>
+          <a:xfrm>
+            <a:off x="4142021" y="298524"/>
+            <a:ext cx="4174836" cy="1107996"/>
+          </a:xfrm>
+          <a:prstGeom prst="rect">
+            <a:avLst/>
+          </a:prstGeom>
+          <a:noFill/>
+        </p:spPr>
+        <p:txBody>
+          <a:bodyPr wrap="square" rtlCol="0">
+            <a:spAutoFit/>
+          </a:bodyPr>
+          <a:lstStyle/>
+          <a:p>
+            <a:pPr marL="0" marR="0" lvl="0" indent="0" algn="l" defTabSz="914400" rtl="0" eaLnBrk="1" fontAlgn="auto" latinLnBrk="0" hangingPunct="1">
+              <a:lnSpc>
+                <a:spcPct val="100000"/>
+              </a:lnSpc>
+              <a:spcBef>
+                <a:spcPts val="0"/>
+              </a:spcBef>
+              <a:spcAft>
+                <a:spcPts val="0"/>
+              </a:spcAft>
+              <a:buClrTx/>
+              <a:buSzTx/>
+              <a:buFontTx/>
+              <a:buNone/>
+              <a:tabLst/>
+              <a:defRPr/>
+            </a:pPr>
+            <a:r>
+              <a:rPr kumimoji="0" lang="es-ES" sz="6600" b="1" i="0" u="none" strike="noStrike" kern="1200" cap="none" spc="0" normalizeH="0" baseline="0" noProof="0" dirty="0" err="1">
+                <a:ln w="22225">
+                  <a:noFill/>
+                  <a:prstDash val="solid"/>
+                </a:ln>
+                <a:solidFill>
+                  <a:srgbClr val="ED7D31">
+                    <a:lumMod val="40000"/>
+                    <a:lumOff val="60000"/>
+                  </a:srgbClr>
+                </a:solidFill>
+                <a:effectLst/>
+                <a:uLnTx/>
+                <a:uFillTx/>
+                <a:latin typeface="Rage Italic" panose="03070502040507070304" pitchFamily="66" charset="0"/>
+                <a:ea typeface="Gulim" panose="020B0600000101010101" pitchFamily="34" charset="-127"/>
+                <a:cs typeface="+mn-cs"/>
+              </a:rPr>
+              <a:t>KiteSurfing</a:t>
+            </a:r>
+            <a:endParaRPr kumimoji="0" lang="es-ES" sz="6600" b="1" i="0" u="none" strike="noStrike" kern="1200" cap="none" spc="0" normalizeH="0" baseline="0" noProof="0" dirty="0">
+              <a:ln w="22225">
+                <a:noFill/>
+                <a:prstDash val="solid"/>
+              </a:ln>
+              <a:solidFill>
+                <a:srgbClr val="ED7D31">
+                  <a:lumMod val="40000"/>
+                  <a:lumOff val="60000"/>
+                </a:srgbClr>
+              </a:solidFill>
+              <a:effectLst/>
+              <a:uLnTx/>
+              <a:uFillTx/>
+              <a:latin typeface="Rage Italic" panose="03070502040507070304" pitchFamily="66" charset="0"/>
+              <a:ea typeface="Gulim" panose="020B0600000101010101" pitchFamily="34" charset="-127"/>
+              <a:cs typeface="+mn-cs"/>
+            </a:endParaRPr>
+          </a:p>
+        </p:txBody>
+      </p:sp>
+      <p:sp>
+        <p:nvSpPr>
+          <p:cNvPr id="3" name="Rectángulo 2">
+            <a:extLst>
+              <a:ext uri="{FF2B5EF4-FFF2-40B4-BE49-F238E27FC236}">
+                <a16:creationId xmlns:a16="http://schemas.microsoft.com/office/drawing/2014/main" id="{1B310F0A-7A1A-A0DF-E03B-01F5B73CFB46}"/>
+              </a:ext>
+            </a:extLst>
+          </p:cNvPr>
+          <p:cNvSpPr/>
+          <p:nvPr/>
+        </p:nvSpPr>
+        <p:spPr>
+          <a:xfrm>
+            <a:off x="1411336" y="2316180"/>
+            <a:ext cx="4684664" cy="3191868"/>
+          </a:xfrm>
+          <a:prstGeom prst="rect">
+            <a:avLst/>
+          </a:prstGeom>
+          <a:blipFill>
+            <a:blip r:embed="rId2"/>
+            <a:stretch>
+              <a:fillRect/>
+            </a:stretch>
+          </a:blipFill>
+          <a:ln w="57150">
+            <a:solidFill>
+              <a:schemeClr val="bg1"/>
+            </a:solidFill>
+          </a:ln>
+          <a:effectLst>
+            <a:outerShdw blurRad="50800" dist="38100" dir="2700000" algn="tl" rotWithShape="0">
+              <a:prstClr val="black">
+                <a:alpha val="40000"/>
+              </a:prstClr>
+            </a:outerShdw>
+          </a:effectLst>
+        </p:spPr>
+        <p:style>
+          <a:lnRef idx="2">
+            <a:schemeClr val="accent1">
+              <a:shade val="50000"/>
+            </a:schemeClr>
+          </a:lnRef>
+          <a:fillRef idx="1">
+            <a:schemeClr val="accent1"/>
+          </a:fillRef>
+          <a:effectRef idx="0">
+            <a:schemeClr val="accent1"/>
+          </a:effectRef>
+          <a:fontRef idx="minor">
+            <a:schemeClr val="lt1"/>
+          </a:fontRef>
+        </p:style>
+        <p:txBody>
+          <a:bodyPr rtlCol="0" anchor="ctr"/>
+          <a:lstStyle/>
+          <a:p>
+            <a:pPr algn="ctr"/>
+            <a:endParaRPr lang="es-ES"/>
+          </a:p>
+        </p:txBody>
+      </p:sp>
+      <p:cxnSp>
+        <p:nvCxnSpPr>
+          <p:cNvPr id="6" name="Conector recto 5">
+            <a:extLst>
+              <a:ext uri="{FF2B5EF4-FFF2-40B4-BE49-F238E27FC236}">
+                <a16:creationId xmlns:a16="http://schemas.microsoft.com/office/drawing/2014/main" id="{6A4D2705-F409-28F3-47C2-3DE8574E3ED0}"/>
+              </a:ext>
+            </a:extLst>
+          </p:cNvPr>
+          <p:cNvCxnSpPr/>
+          <p:nvPr/>
+        </p:nvCxnSpPr>
+        <p:spPr>
+          <a:xfrm>
+            <a:off x="6001966" y="3054485"/>
+            <a:ext cx="4776281" cy="0"/>
+          </a:xfrm>
+          <a:prstGeom prst="line">
+            <a:avLst/>
+          </a:prstGeom>
+          <a:ln w="28575">
+            <a:solidFill>
+              <a:schemeClr val="accent2">
+                <a:lumMod val="60000"/>
+                <a:lumOff val="40000"/>
+              </a:schemeClr>
+            </a:solidFill>
+          </a:ln>
+        </p:spPr>
+        <p:style>
+          <a:lnRef idx="1">
+            <a:schemeClr val="accent2"/>
+          </a:lnRef>
+          <a:fillRef idx="0">
+            <a:schemeClr val="accent2"/>
+          </a:fillRef>
+          <a:effectRef idx="0">
+            <a:schemeClr val="accent2"/>
+          </a:effectRef>
+          <a:fontRef idx="minor">
+            <a:schemeClr val="tx1"/>
+          </a:fontRef>
+        </p:style>
+      </p:cxnSp>
+      <p:sp>
+        <p:nvSpPr>
+          <p:cNvPr id="8" name="CuadroTexto 7">
+            <a:extLst>
+              <a:ext uri="{FF2B5EF4-FFF2-40B4-BE49-F238E27FC236}">
+                <a16:creationId xmlns:a16="http://schemas.microsoft.com/office/drawing/2014/main" id="{96929BF0-FF9F-DDD6-017F-7617DD725026}"/>
+              </a:ext>
+            </a:extLst>
+          </p:cNvPr>
+          <p:cNvSpPr txBox="1"/>
+          <p:nvPr/>
+        </p:nvSpPr>
+        <p:spPr>
+          <a:xfrm>
+            <a:off x="6229439" y="3149868"/>
+            <a:ext cx="4590937" cy="954107"/>
+          </a:xfrm>
+          <a:prstGeom prst="rect">
+            <a:avLst/>
+          </a:prstGeom>
+          <a:noFill/>
+        </p:spPr>
+        <p:txBody>
+          <a:bodyPr wrap="none" rtlCol="0">
+            <a:spAutoFit/>
+          </a:bodyPr>
+          <a:lstStyle/>
+          <a:p>
+            <a:r>
+              <a:rPr lang="es-ES" sz="2800" dirty="0" err="1">
+                <a:solidFill>
+                  <a:schemeClr val="accent2"/>
+                </a:solidFill>
+              </a:rPr>
+              <a:t>Sdsdscd</a:t>
+            </a:r>
+            <a:r>
+              <a:rPr lang="es-ES" sz="2800" dirty="0">
+                <a:solidFill>
+                  <a:schemeClr val="accent2"/>
+                </a:solidFill>
+              </a:rPr>
+              <a:t> </a:t>
+            </a:r>
+            <a:r>
+              <a:rPr lang="es-ES" sz="2800" dirty="0" err="1">
+                <a:solidFill>
+                  <a:schemeClr val="accent2"/>
+                </a:solidFill>
+              </a:rPr>
+              <a:t>sokdmskd</a:t>
+            </a:r>
+            <a:r>
+              <a:rPr lang="es-ES" sz="2800" dirty="0">
+                <a:solidFill>
+                  <a:schemeClr val="accent2"/>
+                </a:solidFill>
+              </a:rPr>
+              <a:t> </a:t>
+            </a:r>
+            <a:r>
+              <a:rPr lang="es-ES" sz="2800" dirty="0" err="1">
+                <a:solidFill>
+                  <a:schemeClr val="accent2"/>
+                </a:solidFill>
+              </a:rPr>
+              <a:t>asidoajosd</a:t>
+            </a:r>
+            <a:r>
+              <a:rPr lang="es-ES" sz="2800" dirty="0">
+                <a:solidFill>
+                  <a:schemeClr val="accent2"/>
+                </a:solidFill>
+              </a:rPr>
+              <a:t> </a:t>
+            </a:r>
+          </a:p>
+          <a:p>
+            <a:r>
+              <a:rPr lang="es-ES" sz="2800" dirty="0" err="1">
+                <a:solidFill>
+                  <a:schemeClr val="accent2"/>
+                </a:solidFill>
+              </a:rPr>
+              <a:t>aiodsmaoimaso</a:t>
+            </a:r>
+            <a:endParaRPr lang="es-ES" sz="2800" dirty="0">
+              <a:solidFill>
+                <a:schemeClr val="accent2"/>
+              </a:solidFill>
+            </a:endParaRPr>
+          </a:p>
+        </p:txBody>
+      </p:sp>
+      <p:sp>
+        <p:nvSpPr>
+          <p:cNvPr id="9" name="CuadroTexto 8">
+            <a:extLst>
+              <a:ext uri="{FF2B5EF4-FFF2-40B4-BE49-F238E27FC236}">
+                <a16:creationId xmlns:a16="http://schemas.microsoft.com/office/drawing/2014/main" id="{636667D1-BBAD-2128-95A4-1FD6D811B173}"/>
+              </a:ext>
+            </a:extLst>
+          </p:cNvPr>
+          <p:cNvSpPr txBox="1"/>
+          <p:nvPr/>
+        </p:nvSpPr>
+        <p:spPr>
+          <a:xfrm>
+            <a:off x="6230047" y="4133136"/>
+            <a:ext cx="4548200" cy="738664"/>
+          </a:xfrm>
+          <a:prstGeom prst="rect">
+            <a:avLst/>
+          </a:prstGeom>
+          <a:noFill/>
+        </p:spPr>
+        <p:txBody>
+          <a:bodyPr wrap="square" rtlCol="0">
+            <a:spAutoFit/>
+          </a:bodyPr>
+          <a:lstStyle/>
+          <a:p>
+            <a:r>
+              <a:rPr lang="es-ES" sz="1400" dirty="0" err="1">
+                <a:solidFill>
+                  <a:srgbClr val="0CCAB8"/>
+                </a:solidFill>
+              </a:rPr>
+              <a:t>Cccccccxzxz</a:t>
+            </a:r>
+            <a:r>
+              <a:rPr lang="es-ES" sz="1400" dirty="0">
+                <a:solidFill>
+                  <a:srgbClr val="0CCAB8"/>
+                </a:solidFill>
+              </a:rPr>
+              <a:t> </a:t>
+            </a:r>
+            <a:r>
+              <a:rPr lang="es-ES" sz="1400" dirty="0" err="1">
+                <a:solidFill>
+                  <a:srgbClr val="0CCAB8"/>
+                </a:solidFill>
+              </a:rPr>
+              <a:t>appmdmpdc</a:t>
+            </a:r>
+            <a:r>
+              <a:rPr lang="es-ES" sz="1400" dirty="0">
+                <a:solidFill>
+                  <a:srgbClr val="0CCAB8"/>
+                </a:solidFill>
+              </a:rPr>
+              <a:t> </a:t>
+            </a:r>
+            <a:r>
+              <a:rPr lang="es-ES" sz="1400" dirty="0" err="1">
+                <a:solidFill>
+                  <a:srgbClr val="0CCAB8"/>
+                </a:solidFill>
+              </a:rPr>
+              <a:t>paoks.dpaosd</a:t>
+            </a:r>
+            <a:r>
+              <a:rPr lang="es-ES" sz="1400" dirty="0">
+                <a:solidFill>
+                  <a:srgbClr val="0CCAB8"/>
+                </a:solidFill>
+              </a:rPr>
+              <a:t> </a:t>
+            </a:r>
+            <a:r>
+              <a:rPr lang="es-ES" sz="1400" dirty="0" err="1">
+                <a:solidFill>
+                  <a:srgbClr val="0CCAB8"/>
+                </a:solidFill>
+              </a:rPr>
+              <a:t>aksk.das.op</a:t>
+            </a:r>
+            <a:endParaRPr lang="es-ES" sz="1400" dirty="0">
+              <a:solidFill>
+                <a:srgbClr val="0CCAB8"/>
+              </a:solidFill>
+            </a:endParaRPr>
+          </a:p>
+          <a:p>
+            <a:r>
+              <a:rPr lang="es-ES" sz="1400" dirty="0" err="1">
+                <a:solidFill>
+                  <a:srgbClr val="0CCAB8"/>
+                </a:solidFill>
+              </a:rPr>
+              <a:t>Aasd</a:t>
+            </a:r>
+            <a:r>
+              <a:rPr lang="es-ES" sz="1400" dirty="0">
+                <a:solidFill>
+                  <a:srgbClr val="0CCAB8"/>
+                </a:solidFill>
+              </a:rPr>
+              <a:t> </a:t>
+            </a:r>
+            <a:r>
+              <a:rPr lang="es-ES" sz="1400" dirty="0" err="1">
+                <a:solidFill>
+                  <a:srgbClr val="0CCAB8"/>
+                </a:solidFill>
+              </a:rPr>
+              <a:t>sdd,jf,fk</a:t>
+            </a:r>
+            <a:r>
+              <a:rPr lang="es-ES" sz="1400" dirty="0">
+                <a:solidFill>
+                  <a:srgbClr val="0CCAB8"/>
+                </a:solidFill>
+              </a:rPr>
+              <a:t> </a:t>
+            </a:r>
+            <a:r>
+              <a:rPr lang="es-ES" sz="1400" dirty="0" err="1">
+                <a:solidFill>
+                  <a:srgbClr val="0CCAB8"/>
+                </a:solidFill>
+              </a:rPr>
+              <a:t>oimjifidmfsd</a:t>
+            </a:r>
+            <a:r>
+              <a:rPr lang="es-ES" sz="1400" dirty="0">
+                <a:solidFill>
+                  <a:srgbClr val="0CCAB8"/>
+                </a:solidFill>
+              </a:rPr>
+              <a:t> </a:t>
+            </a:r>
+            <a:r>
+              <a:rPr lang="es-ES" sz="1400" dirty="0" err="1">
+                <a:solidFill>
+                  <a:srgbClr val="0CCAB8"/>
+                </a:solidFill>
+              </a:rPr>
+              <a:t>ajkmdamokdmad</a:t>
+            </a:r>
+            <a:r>
+              <a:rPr lang="es-ES" sz="1400" dirty="0">
+                <a:solidFill>
+                  <a:srgbClr val="0CCAB8"/>
+                </a:solidFill>
+              </a:rPr>
+              <a:t> </a:t>
+            </a:r>
+            <a:r>
+              <a:rPr lang="es-ES" sz="1400" dirty="0" err="1">
+                <a:solidFill>
+                  <a:srgbClr val="0CCAB8"/>
+                </a:solidFill>
+              </a:rPr>
+              <a:t>ajodka</a:t>
+            </a:r>
+            <a:endParaRPr lang="es-ES" sz="1400" dirty="0">
+              <a:solidFill>
+                <a:srgbClr val="0CCAB8"/>
+              </a:solidFill>
+            </a:endParaRPr>
+          </a:p>
+          <a:p>
+            <a:r>
+              <a:rPr lang="es-ES" sz="1400" dirty="0" err="1">
+                <a:solidFill>
+                  <a:srgbClr val="0CCAB8"/>
+                </a:solidFill>
+              </a:rPr>
+              <a:t>Ajsndiad</a:t>
+            </a:r>
+            <a:r>
+              <a:rPr lang="es-ES" sz="1400" dirty="0">
+                <a:solidFill>
+                  <a:srgbClr val="0CCAB8"/>
+                </a:solidFill>
+              </a:rPr>
+              <a:t> </a:t>
+            </a:r>
+            <a:r>
+              <a:rPr lang="es-ES" sz="1400" dirty="0" err="1">
+                <a:solidFill>
+                  <a:srgbClr val="0CCAB8"/>
+                </a:solidFill>
+              </a:rPr>
+              <a:t>aimjaodado</a:t>
+            </a:r>
+            <a:r>
+              <a:rPr lang="es-ES" sz="1400" dirty="0">
+                <a:solidFill>
+                  <a:srgbClr val="0CCAB8"/>
+                </a:solidFill>
+              </a:rPr>
+              <a:t> </a:t>
+            </a:r>
+            <a:r>
+              <a:rPr lang="es-ES" sz="1400" dirty="0" err="1">
+                <a:solidFill>
+                  <a:srgbClr val="0CCAB8"/>
+                </a:solidFill>
+              </a:rPr>
+              <a:t>amdaodm</a:t>
+            </a:r>
+            <a:r>
+              <a:rPr lang="es-ES" sz="1400" dirty="0">
+                <a:solidFill>
+                  <a:srgbClr val="0CCAB8"/>
+                </a:solidFill>
+              </a:rPr>
+              <a:t> </a:t>
+            </a:r>
+            <a:r>
+              <a:rPr lang="es-ES" sz="1400" dirty="0" err="1">
+                <a:solidFill>
+                  <a:srgbClr val="0CCAB8"/>
+                </a:solidFill>
+              </a:rPr>
+              <a:t>aosmdoiad</a:t>
+            </a:r>
+            <a:endParaRPr lang="es-ES" sz="1400" dirty="0">
+              <a:solidFill>
+                <a:srgbClr val="0CCAB8"/>
+              </a:solidFill>
+            </a:endParaRPr>
+          </a:p>
+        </p:txBody>
+      </p:sp>
+    </p:spTree>
+    <p:extLst>
+      <p:ext uri="{BB962C8B-B14F-4D97-AF65-F5344CB8AC3E}">
+        <p14:creationId xmlns:p14="http://schemas.microsoft.com/office/powerpoint/2010/main" val="912737023"/>
+      </p:ext>
+    </p:extLst>
+  </p:cSld>
+  <p:clrMapOvr>
+    <a:masterClrMapping/>
+  </p:clrMapOvr>
+</p:sld>
+</file>
+
+<file path=ppt/slides/slide12.xml><?xml version="1.0" encoding="utf-8"?>
+<p:sld xmlns:a="http://schemas.openxmlformats.org/drawingml/2006/main" xmlns:r="http://schemas.openxmlformats.org/officeDocument/2006/relationships" xmlns:p="http://schemas.openxmlformats.org/presentationml/2006/main">
+  <p:cSld>
+    <p:spTree>
+      <p:nvGrpSpPr>
+        <p:cNvPr id="1" name=""/>
+        <p:cNvGrpSpPr/>
+        <p:nvPr/>
+      </p:nvGrpSpPr>
+      <p:grpSpPr>
+        <a:xfrm>
+          <a:off x="0" y="0"/>
+          <a:ext cx="0" cy="0"/>
+          <a:chOff x="0" y="0"/>
+          <a:chExt cx="0" cy="0"/>
+        </a:xfrm>
+      </p:grpSpPr>
+      <p:sp>
+        <p:nvSpPr>
+          <p:cNvPr id="18" name="Rectángulo 17">
+            <a:extLst>
+              <a:ext uri="{FF2B5EF4-FFF2-40B4-BE49-F238E27FC236}">
+                <a16:creationId xmlns:a16="http://schemas.microsoft.com/office/drawing/2014/main" id="{F32E89A6-BE1D-4036-A951-ABFF245AA3AD}"/>
+              </a:ext>
+            </a:extLst>
+          </p:cNvPr>
+          <p:cNvSpPr/>
+          <p:nvPr/>
+        </p:nvSpPr>
+        <p:spPr>
+          <a:xfrm>
+            <a:off x="855406" y="1349952"/>
+            <a:ext cx="10481188" cy="5508047"/>
+          </a:xfrm>
+          <a:prstGeom prst="rect">
+            <a:avLst/>
+          </a:prstGeom>
+          <a:solidFill>
+            <a:srgbClr val="E5FFFF"/>
+          </a:solidFill>
+          <a:ln>
+            <a:noFill/>
+          </a:ln>
+        </p:spPr>
+        <p:style>
+          <a:lnRef idx="2">
+            <a:schemeClr val="accent1">
+              <a:shade val="50000"/>
+            </a:schemeClr>
+          </a:lnRef>
+          <a:fillRef idx="1">
+            <a:schemeClr val="accent1"/>
+          </a:fillRef>
+          <a:effectRef idx="0">
+            <a:schemeClr val="accent1"/>
+          </a:effectRef>
+          <a:fontRef idx="minor">
+            <a:schemeClr val="lt1"/>
+          </a:fontRef>
+        </p:style>
+        <p:txBody>
+          <a:bodyPr rtlCol="0" anchor="ctr"/>
+          <a:lstStyle/>
+          <a:p>
+            <a:pPr marL="0" marR="0" lvl="0" indent="0" algn="ctr" defTabSz="914400" rtl="0" eaLnBrk="1" fontAlgn="auto" latinLnBrk="0" hangingPunct="1">
+              <a:lnSpc>
+                <a:spcPct val="100000"/>
+              </a:lnSpc>
+              <a:spcBef>
+                <a:spcPts val="0"/>
+              </a:spcBef>
+              <a:spcAft>
+                <a:spcPts val="0"/>
+              </a:spcAft>
+              <a:buClrTx/>
+              <a:buSzTx/>
+              <a:buFontTx/>
+              <a:buNone/>
+              <a:tabLst/>
+              <a:defRPr/>
+            </a:pPr>
+            <a:endParaRPr kumimoji="0" lang="es-ES" sz="1800" b="0" i="0" u="none" strike="noStrike" kern="1200" cap="none" spc="0" normalizeH="0" baseline="0" noProof="0" dirty="0">
+              <a:ln>
+                <a:noFill/>
+              </a:ln>
+              <a:solidFill>
+                <a:prstClr val="white"/>
+              </a:solidFill>
+              <a:effectLst/>
+              <a:uLnTx/>
+              <a:uFillTx/>
+              <a:latin typeface="Calibri" panose="020F0502020204030204"/>
+              <a:ea typeface="+mn-ea"/>
+              <a:cs typeface="+mn-cs"/>
+            </a:endParaRPr>
+          </a:p>
+        </p:txBody>
+      </p:sp>
+      <p:sp>
+        <p:nvSpPr>
+          <p:cNvPr id="10" name="Elipse 9">
+            <a:extLst>
+              <a:ext uri="{FF2B5EF4-FFF2-40B4-BE49-F238E27FC236}">
+                <a16:creationId xmlns:a16="http://schemas.microsoft.com/office/drawing/2014/main" id="{1D365CBE-FF67-46AB-9B8E-D5E8A1314E63}"/>
+              </a:ext>
+            </a:extLst>
+          </p:cNvPr>
+          <p:cNvSpPr/>
+          <p:nvPr/>
+        </p:nvSpPr>
+        <p:spPr>
+          <a:xfrm>
+            <a:off x="11520054" y="3560965"/>
+            <a:ext cx="272473" cy="247954"/>
+          </a:xfrm>
+          <a:prstGeom prst="ellipse">
+            <a:avLst/>
+          </a:prstGeom>
+          <a:solidFill>
+            <a:schemeClr val="accent2">
+              <a:alpha val="50000"/>
+            </a:schemeClr>
+          </a:solidFill>
+          <a:ln>
+            <a:noFill/>
+          </a:ln>
+        </p:spPr>
+        <p:style>
+          <a:lnRef idx="0">
+            <a:scrgbClr r="0" g="0" b="0"/>
+          </a:lnRef>
+          <a:fillRef idx="0">
+            <a:scrgbClr r="0" g="0" b="0"/>
+          </a:fillRef>
+          <a:effectRef idx="0">
+            <a:scrgbClr r="0" g="0" b="0"/>
+          </a:effectRef>
+          <a:fontRef idx="minor">
+            <a:schemeClr val="lt1"/>
+          </a:fontRef>
+        </p:style>
+        <p:txBody>
+          <a:bodyPr rtlCol="0" anchor="ctr"/>
+          <a:lstStyle/>
+          <a:p>
+            <a:pPr marL="0" marR="0" lvl="0" indent="0" algn="ctr" defTabSz="914400" rtl="0" eaLnBrk="1" fontAlgn="auto" latinLnBrk="0" hangingPunct="1">
+              <a:lnSpc>
+                <a:spcPct val="100000"/>
+              </a:lnSpc>
+              <a:spcBef>
+                <a:spcPts val="0"/>
+              </a:spcBef>
+              <a:spcAft>
+                <a:spcPts val="0"/>
+              </a:spcAft>
+              <a:buClrTx/>
+              <a:buSzTx/>
+              <a:buFontTx/>
+              <a:buNone/>
+              <a:tabLst/>
+              <a:defRPr/>
+            </a:pPr>
+            <a:endParaRPr kumimoji="0" lang="es-ES" sz="1800" b="0" i="0" u="none" strike="noStrike" kern="1200" cap="none" spc="0" normalizeH="0" baseline="0" noProof="0">
+              <a:ln>
+                <a:noFill/>
+              </a:ln>
+              <a:solidFill>
+                <a:prstClr val="white"/>
+              </a:solidFill>
+              <a:effectLst/>
+              <a:uLnTx/>
+              <a:uFillTx/>
+              <a:latin typeface="Calibri" panose="020F0502020204030204"/>
+              <a:ea typeface="+mn-ea"/>
+              <a:cs typeface="+mn-cs"/>
+            </a:endParaRPr>
+          </a:p>
+        </p:txBody>
+      </p:sp>
+      <p:sp>
+        <p:nvSpPr>
+          <p:cNvPr id="11" name="Elipse 10">
+            <a:extLst>
+              <a:ext uri="{FF2B5EF4-FFF2-40B4-BE49-F238E27FC236}">
+                <a16:creationId xmlns:a16="http://schemas.microsoft.com/office/drawing/2014/main" id="{D3178CD2-487D-44AA-BC65-C732B5C988FF}"/>
+              </a:ext>
+            </a:extLst>
+          </p:cNvPr>
+          <p:cNvSpPr/>
+          <p:nvPr/>
+        </p:nvSpPr>
+        <p:spPr>
+          <a:xfrm>
+            <a:off x="11520054" y="4530783"/>
+            <a:ext cx="272473" cy="247954"/>
+          </a:xfrm>
+          <a:prstGeom prst="ellipse">
+            <a:avLst/>
+          </a:prstGeom>
+          <a:solidFill>
+            <a:schemeClr val="accent2">
+              <a:alpha val="50000"/>
+            </a:schemeClr>
+          </a:solidFill>
+          <a:ln>
+            <a:noFill/>
+          </a:ln>
+        </p:spPr>
+        <p:style>
+          <a:lnRef idx="0">
+            <a:scrgbClr r="0" g="0" b="0"/>
+          </a:lnRef>
+          <a:fillRef idx="0">
+            <a:scrgbClr r="0" g="0" b="0"/>
+          </a:fillRef>
+          <a:effectRef idx="0">
+            <a:scrgbClr r="0" g="0" b="0"/>
+          </a:effectRef>
+          <a:fontRef idx="minor">
+            <a:schemeClr val="lt1"/>
+          </a:fontRef>
+        </p:style>
+        <p:txBody>
+          <a:bodyPr rtlCol="0" anchor="ctr"/>
+          <a:lstStyle/>
+          <a:p>
+            <a:pPr marL="0" marR="0" lvl="0" indent="0" algn="ctr" defTabSz="914400" rtl="0" eaLnBrk="1" fontAlgn="auto" latinLnBrk="0" hangingPunct="1">
+              <a:lnSpc>
+                <a:spcPct val="100000"/>
+              </a:lnSpc>
+              <a:spcBef>
+                <a:spcPts val="0"/>
+              </a:spcBef>
+              <a:spcAft>
+                <a:spcPts val="0"/>
+              </a:spcAft>
+              <a:buClrTx/>
+              <a:buSzTx/>
+              <a:buFontTx/>
+              <a:buNone/>
+              <a:tabLst/>
+              <a:defRPr/>
+            </a:pPr>
+            <a:endParaRPr kumimoji="0" lang="es-ES" sz="1800" b="0" i="0" u="none" strike="noStrike" kern="1200" cap="none" spc="0" normalizeH="0" baseline="0" noProof="0">
+              <a:ln>
+                <a:noFill/>
+              </a:ln>
+              <a:solidFill>
+                <a:prstClr val="white"/>
+              </a:solidFill>
+              <a:effectLst/>
+              <a:uLnTx/>
+              <a:uFillTx/>
+              <a:latin typeface="Calibri" panose="020F0502020204030204"/>
+              <a:ea typeface="+mn-ea"/>
+              <a:cs typeface="+mn-cs"/>
+            </a:endParaRPr>
+          </a:p>
+        </p:txBody>
+      </p:sp>
+      <p:sp>
+        <p:nvSpPr>
+          <p:cNvPr id="12" name="Elipse 11">
+            <a:extLst>
+              <a:ext uri="{FF2B5EF4-FFF2-40B4-BE49-F238E27FC236}">
+                <a16:creationId xmlns:a16="http://schemas.microsoft.com/office/drawing/2014/main" id="{8ACA2EB6-431E-4BF3-A0EF-4D714EFE5D45}"/>
+              </a:ext>
+            </a:extLst>
+          </p:cNvPr>
+          <p:cNvSpPr/>
+          <p:nvPr/>
+        </p:nvSpPr>
+        <p:spPr>
+          <a:xfrm>
+            <a:off x="11520054" y="2591147"/>
+            <a:ext cx="272473" cy="247954"/>
+          </a:xfrm>
+          <a:prstGeom prst="ellipse">
+            <a:avLst/>
+          </a:prstGeom>
+          <a:solidFill>
+            <a:schemeClr val="accent2">
+              <a:alpha val="50000"/>
+            </a:schemeClr>
+          </a:solidFill>
+          <a:ln>
+            <a:noFill/>
+          </a:ln>
+        </p:spPr>
+        <p:style>
+          <a:lnRef idx="0">
+            <a:scrgbClr r="0" g="0" b="0"/>
+          </a:lnRef>
+          <a:fillRef idx="0">
+            <a:scrgbClr r="0" g="0" b="0"/>
+          </a:fillRef>
+          <a:effectRef idx="0">
+            <a:scrgbClr r="0" g="0" b="0"/>
+          </a:effectRef>
+          <a:fontRef idx="minor">
+            <a:schemeClr val="lt1"/>
+          </a:fontRef>
+        </p:style>
+        <p:txBody>
+          <a:bodyPr rtlCol="0" anchor="ctr"/>
+          <a:lstStyle/>
+          <a:p>
+            <a:pPr marL="0" marR="0" lvl="0" indent="0" algn="ctr" defTabSz="914400" rtl="0" eaLnBrk="1" fontAlgn="auto" latinLnBrk="0" hangingPunct="1">
+              <a:lnSpc>
+                <a:spcPct val="100000"/>
+              </a:lnSpc>
+              <a:spcBef>
+                <a:spcPts val="0"/>
+              </a:spcBef>
+              <a:spcAft>
+                <a:spcPts val="0"/>
+              </a:spcAft>
+              <a:buClrTx/>
+              <a:buSzTx/>
+              <a:buFontTx/>
+              <a:buNone/>
+              <a:tabLst/>
+              <a:defRPr/>
+            </a:pPr>
+            <a:endParaRPr kumimoji="0" lang="es-ES" sz="1800" b="0" i="0" u="none" strike="noStrike" kern="1200" cap="none" spc="0" normalizeH="0" baseline="0" noProof="0">
+              <a:ln>
+                <a:noFill/>
+              </a:ln>
+              <a:solidFill>
+                <a:prstClr val="white"/>
+              </a:solidFill>
+              <a:effectLst/>
+              <a:uLnTx/>
+              <a:uFillTx/>
+              <a:latin typeface="Calibri" panose="020F0502020204030204"/>
+              <a:ea typeface="+mn-ea"/>
+              <a:cs typeface="+mn-cs"/>
+            </a:endParaRPr>
+          </a:p>
+        </p:txBody>
+      </p:sp>
+      <p:sp>
+        <p:nvSpPr>
+          <p:cNvPr id="14" name="CuadroTexto 13">
+            <a:extLst>
+              <a:ext uri="{FF2B5EF4-FFF2-40B4-BE49-F238E27FC236}">
+                <a16:creationId xmlns:a16="http://schemas.microsoft.com/office/drawing/2014/main" id="{17725C3C-F5ED-4C16-9579-3AFF248C3DC1}"/>
+              </a:ext>
+            </a:extLst>
+          </p:cNvPr>
+          <p:cNvSpPr txBox="1"/>
+          <p:nvPr/>
+        </p:nvSpPr>
+        <p:spPr>
+          <a:xfrm flipV="1">
+            <a:off x="210281" y="3484631"/>
+            <a:ext cx="461665" cy="648575"/>
+          </a:xfrm>
+          <a:prstGeom prst="rect">
+            <a:avLst/>
+          </a:prstGeom>
+          <a:noFill/>
+        </p:spPr>
+        <p:txBody>
+          <a:bodyPr vert="eaVert" wrap="none" rtlCol="0">
+            <a:spAutoFit/>
+          </a:bodyPr>
+          <a:lstStyle/>
+          <a:p>
+            <a:pPr marL="0" marR="0" lvl="0" indent="0" algn="l" defTabSz="914400" rtl="0" eaLnBrk="1" fontAlgn="auto" latinLnBrk="0" hangingPunct="1">
+              <a:lnSpc>
+                <a:spcPct val="100000"/>
+              </a:lnSpc>
+              <a:spcBef>
+                <a:spcPts val="0"/>
+              </a:spcBef>
+              <a:spcAft>
+                <a:spcPts val="0"/>
+              </a:spcAft>
+              <a:buClrTx/>
+              <a:buSzTx/>
+              <a:buFontTx/>
+              <a:buNone/>
+              <a:tabLst/>
+              <a:defRPr/>
+            </a:pPr>
+            <a:r>
+              <a:rPr kumimoji="0" lang="es-ES" sz="1800" b="0" i="0" u="none" strike="noStrike" kern="1200" cap="none" spc="0" normalizeH="0" baseline="0" noProof="0" dirty="0">
+                <a:ln>
+                  <a:noFill/>
+                </a:ln>
+                <a:solidFill>
+                  <a:srgbClr val="ED7D31">
+                    <a:lumMod val="40000"/>
+                    <a:lumOff val="60000"/>
+                  </a:srgbClr>
+                </a:solidFill>
+                <a:effectLst/>
+                <a:uLnTx/>
+                <a:uFillTx/>
+                <a:latin typeface="Calibri" panose="020F0502020204030204"/>
+                <a:ea typeface="+mn-ea"/>
+                <a:cs typeface="+mn-cs"/>
+              </a:rPr>
+              <a:t>Menú</a:t>
+            </a:r>
+          </a:p>
+        </p:txBody>
+      </p:sp>
+      <p:sp>
+        <p:nvSpPr>
+          <p:cNvPr id="7" name="CuadroTexto 6">
+            <a:extLst>
+              <a:ext uri="{FF2B5EF4-FFF2-40B4-BE49-F238E27FC236}">
+                <a16:creationId xmlns:a16="http://schemas.microsoft.com/office/drawing/2014/main" id="{7CF5C6C3-C16C-4F33-9A2C-0D831A7C0181}"/>
+              </a:ext>
+            </a:extLst>
+          </p:cNvPr>
+          <p:cNvSpPr txBox="1"/>
+          <p:nvPr/>
+        </p:nvSpPr>
+        <p:spPr>
+          <a:xfrm>
+            <a:off x="4142021" y="298524"/>
+            <a:ext cx="4174836" cy="1107996"/>
+          </a:xfrm>
+          <a:prstGeom prst="rect">
+            <a:avLst/>
+          </a:prstGeom>
+          <a:noFill/>
+        </p:spPr>
+        <p:txBody>
+          <a:bodyPr wrap="square" rtlCol="0">
+            <a:spAutoFit/>
+          </a:bodyPr>
+          <a:lstStyle/>
+          <a:p>
+            <a:pPr marL="0" marR="0" lvl="0" indent="0" algn="l" defTabSz="914400" rtl="0" eaLnBrk="1" fontAlgn="auto" latinLnBrk="0" hangingPunct="1">
+              <a:lnSpc>
+                <a:spcPct val="100000"/>
+              </a:lnSpc>
+              <a:spcBef>
+                <a:spcPts val="0"/>
+              </a:spcBef>
+              <a:spcAft>
+                <a:spcPts val="0"/>
+              </a:spcAft>
+              <a:buClrTx/>
+              <a:buSzTx/>
+              <a:buFontTx/>
+              <a:buNone/>
+              <a:tabLst/>
+              <a:defRPr/>
+            </a:pPr>
+            <a:r>
+              <a:rPr kumimoji="0" lang="es-ES" sz="6600" b="1" i="0" u="none" strike="noStrike" kern="1200" cap="none" spc="0" normalizeH="0" baseline="0" noProof="0" dirty="0" err="1">
+                <a:ln w="22225">
+                  <a:noFill/>
+                  <a:prstDash val="solid"/>
+                </a:ln>
+                <a:solidFill>
+                  <a:srgbClr val="ED7D31">
+                    <a:lumMod val="40000"/>
+                    <a:lumOff val="60000"/>
+                  </a:srgbClr>
+                </a:solidFill>
+                <a:effectLst/>
+                <a:uLnTx/>
+                <a:uFillTx/>
+                <a:latin typeface="Rage Italic" panose="03070502040507070304" pitchFamily="66" charset="0"/>
+                <a:ea typeface="Gulim" panose="020B0600000101010101" pitchFamily="34" charset="-127"/>
+                <a:cs typeface="+mn-cs"/>
+              </a:rPr>
+              <a:t>KiteSurfing</a:t>
+            </a:r>
+            <a:endParaRPr kumimoji="0" lang="es-ES" sz="6600" b="1" i="0" u="none" strike="noStrike" kern="1200" cap="none" spc="0" normalizeH="0" baseline="0" noProof="0" dirty="0">
+              <a:ln w="22225">
+                <a:noFill/>
+                <a:prstDash val="solid"/>
+              </a:ln>
+              <a:solidFill>
+                <a:srgbClr val="ED7D31">
+                  <a:lumMod val="40000"/>
+                  <a:lumOff val="60000"/>
+                </a:srgbClr>
+              </a:solidFill>
+              <a:effectLst/>
+              <a:uLnTx/>
+              <a:uFillTx/>
+              <a:latin typeface="Rage Italic" panose="03070502040507070304" pitchFamily="66" charset="0"/>
+              <a:ea typeface="Gulim" panose="020B0600000101010101" pitchFamily="34" charset="-127"/>
+              <a:cs typeface="+mn-cs"/>
+            </a:endParaRPr>
+          </a:p>
+        </p:txBody>
+      </p:sp>
+      <p:sp>
+        <p:nvSpPr>
+          <p:cNvPr id="13" name="Rectángulo 12">
+            <a:extLst>
+              <a:ext uri="{FF2B5EF4-FFF2-40B4-BE49-F238E27FC236}">
+                <a16:creationId xmlns:a16="http://schemas.microsoft.com/office/drawing/2014/main" id="{87AEF759-4FCB-6AFD-3479-7857F7AD6FA7}"/>
+              </a:ext>
+            </a:extLst>
+          </p:cNvPr>
+          <p:cNvSpPr/>
+          <p:nvPr/>
+        </p:nvSpPr>
+        <p:spPr>
+          <a:xfrm>
+            <a:off x="1137247" y="1609553"/>
+            <a:ext cx="9917506" cy="5045412"/>
+          </a:xfrm>
+          <a:prstGeom prst="rect">
+            <a:avLst/>
+          </a:prstGeom>
+          <a:solidFill>
+            <a:srgbClr val="FEF6F0"/>
+          </a:solidFill>
+          <a:ln>
+            <a:noFill/>
+          </a:ln>
+        </p:spPr>
+        <p:style>
+          <a:lnRef idx="2">
+            <a:schemeClr val="accent1">
+              <a:shade val="50000"/>
+            </a:schemeClr>
+          </a:lnRef>
+          <a:fillRef idx="1">
+            <a:schemeClr val="accent1"/>
+          </a:fillRef>
+          <a:effectRef idx="0">
+            <a:schemeClr val="accent1"/>
+          </a:effectRef>
+          <a:fontRef idx="minor">
+            <a:schemeClr val="lt1"/>
+          </a:fontRef>
+        </p:style>
+        <p:txBody>
+          <a:bodyPr rtlCol="0" anchor="ctr"/>
+          <a:lstStyle/>
+          <a:p>
+            <a:pPr marL="0" marR="0" lvl="0" indent="0" algn="ctr" defTabSz="914400" rtl="0" eaLnBrk="1" fontAlgn="auto" latinLnBrk="0" hangingPunct="1">
+              <a:lnSpc>
+                <a:spcPct val="100000"/>
+              </a:lnSpc>
+              <a:spcBef>
+                <a:spcPts val="0"/>
+              </a:spcBef>
+              <a:spcAft>
+                <a:spcPts val="0"/>
+              </a:spcAft>
+              <a:buClrTx/>
+              <a:buSzTx/>
+              <a:buFontTx/>
+              <a:buNone/>
+              <a:tabLst/>
+              <a:defRPr/>
+            </a:pPr>
+            <a:endParaRPr kumimoji="0" lang="es-ES" sz="1800" b="0" i="0" u="none" strike="noStrike" kern="1200" cap="none" spc="0" normalizeH="0" baseline="0" noProof="0" dirty="0">
+              <a:ln>
+                <a:noFill/>
+              </a:ln>
+              <a:solidFill>
+                <a:prstClr val="white"/>
+              </a:solidFill>
+              <a:effectLst/>
+              <a:uLnTx/>
+              <a:uFillTx/>
+              <a:latin typeface="Calibri" panose="020F0502020204030204"/>
+              <a:ea typeface="+mn-ea"/>
+              <a:cs typeface="+mn-cs"/>
+            </a:endParaRPr>
+          </a:p>
+        </p:txBody>
+      </p:sp>
+      <p:cxnSp>
+        <p:nvCxnSpPr>
+          <p:cNvPr id="39" name="Conector recto 38">
+            <a:extLst>
+              <a:ext uri="{FF2B5EF4-FFF2-40B4-BE49-F238E27FC236}">
+                <a16:creationId xmlns:a16="http://schemas.microsoft.com/office/drawing/2014/main" id="{B2BA31C0-3F65-0657-F2AF-5A776D06EE60}"/>
+              </a:ext>
+            </a:extLst>
+          </p:cNvPr>
+          <p:cNvCxnSpPr/>
+          <p:nvPr/>
+        </p:nvCxnSpPr>
+        <p:spPr>
+          <a:xfrm>
+            <a:off x="2045110" y="2290916"/>
+            <a:ext cx="3036705" cy="0"/>
+          </a:xfrm>
+          <a:prstGeom prst="line">
+            <a:avLst/>
+          </a:prstGeom>
+          <a:ln>
+            <a:solidFill>
+              <a:schemeClr val="accent2"/>
+            </a:solidFill>
+          </a:ln>
+        </p:spPr>
+        <p:style>
+          <a:lnRef idx="1">
+            <a:schemeClr val="accent1"/>
+          </a:lnRef>
+          <a:fillRef idx="0">
+            <a:schemeClr val="accent1"/>
+          </a:fillRef>
+          <a:effectRef idx="0">
+            <a:schemeClr val="accent1"/>
+          </a:effectRef>
+          <a:fontRef idx="minor">
+            <a:schemeClr val="tx1"/>
+          </a:fontRef>
+        </p:style>
+      </p:cxnSp>
+      <p:cxnSp>
+        <p:nvCxnSpPr>
+          <p:cNvPr id="40" name="Conector recto 39">
+            <a:extLst>
+              <a:ext uri="{FF2B5EF4-FFF2-40B4-BE49-F238E27FC236}">
+                <a16:creationId xmlns:a16="http://schemas.microsoft.com/office/drawing/2014/main" id="{32A2AC79-31F1-CDEC-8697-57AE80A6ABD6}"/>
+              </a:ext>
+            </a:extLst>
+          </p:cNvPr>
+          <p:cNvCxnSpPr/>
+          <p:nvPr/>
+        </p:nvCxnSpPr>
+        <p:spPr>
+          <a:xfrm>
+            <a:off x="6940874" y="2290916"/>
+            <a:ext cx="3036705" cy="0"/>
+          </a:xfrm>
+          <a:prstGeom prst="line">
+            <a:avLst/>
+          </a:prstGeom>
+          <a:ln>
+            <a:solidFill>
+              <a:schemeClr val="accent2"/>
+            </a:solidFill>
+          </a:ln>
+        </p:spPr>
+        <p:style>
+          <a:lnRef idx="1">
+            <a:schemeClr val="accent1"/>
+          </a:lnRef>
+          <a:fillRef idx="0">
+            <a:schemeClr val="accent1"/>
+          </a:fillRef>
+          <a:effectRef idx="0">
+            <a:schemeClr val="accent1"/>
+          </a:effectRef>
+          <a:fontRef idx="minor">
+            <a:schemeClr val="tx1"/>
+          </a:fontRef>
+        </p:style>
+      </p:cxnSp>
+      <p:sp>
+        <p:nvSpPr>
+          <p:cNvPr id="41" name="CuadroTexto 40">
+            <a:extLst>
+              <a:ext uri="{FF2B5EF4-FFF2-40B4-BE49-F238E27FC236}">
+                <a16:creationId xmlns:a16="http://schemas.microsoft.com/office/drawing/2014/main" id="{7CDBF8D2-6B70-913F-977E-E80369A5F496}"/>
+              </a:ext>
+            </a:extLst>
+          </p:cNvPr>
+          <p:cNvSpPr txBox="1"/>
+          <p:nvPr/>
+        </p:nvSpPr>
+        <p:spPr>
+          <a:xfrm>
+            <a:off x="5443705" y="2105940"/>
+            <a:ext cx="1741071" cy="369332"/>
+          </a:xfrm>
+          <a:prstGeom prst="rect">
+            <a:avLst/>
+          </a:prstGeom>
+          <a:noFill/>
+        </p:spPr>
+        <p:txBody>
+          <a:bodyPr wrap="square" rtlCol="0">
+            <a:spAutoFit/>
+          </a:bodyPr>
+          <a:lstStyle/>
+          <a:p>
+            <a:r>
+              <a:rPr lang="es-ES" dirty="0">
+                <a:solidFill>
+                  <a:srgbClr val="0CCAB8"/>
+                </a:solidFill>
+              </a:rPr>
+              <a:t>Noti</a:t>
+            </a:r>
+            <a:r>
+              <a:rPr lang="es-ES" dirty="0">
+                <a:solidFill>
+                  <a:schemeClr val="accent2"/>
+                </a:solidFill>
+              </a:rPr>
+              <a:t>cias</a:t>
+            </a:r>
+          </a:p>
+        </p:txBody>
+      </p:sp>
+      <p:sp>
+        <p:nvSpPr>
+          <p:cNvPr id="38" name="CuadroTexto 37">
+            <a:extLst>
+              <a:ext uri="{FF2B5EF4-FFF2-40B4-BE49-F238E27FC236}">
+                <a16:creationId xmlns:a16="http://schemas.microsoft.com/office/drawing/2014/main" id="{2831F911-28D9-9A23-1291-A51AD6ED3F8E}"/>
+              </a:ext>
+            </a:extLst>
+          </p:cNvPr>
+          <p:cNvSpPr txBox="1"/>
+          <p:nvPr/>
+        </p:nvSpPr>
+        <p:spPr>
+          <a:xfrm>
+            <a:off x="3253434" y="2495455"/>
+            <a:ext cx="5685131" cy="954107"/>
+          </a:xfrm>
+          <a:prstGeom prst="rect">
+            <a:avLst/>
+          </a:prstGeom>
+          <a:noFill/>
+        </p:spPr>
+        <p:txBody>
+          <a:bodyPr wrap="square" rtlCol="0">
+            <a:spAutoFit/>
+          </a:bodyPr>
+          <a:lstStyle/>
+          <a:p>
+            <a:pPr algn="ctr"/>
+            <a:r>
+              <a:rPr lang="es-ES" sz="1400" i="1" dirty="0" err="1">
+                <a:solidFill>
+                  <a:srgbClr val="0CCAB8"/>
+                </a:solidFill>
+              </a:rPr>
+              <a:t>Lksdfjwe,oeilcj,solfkjdsfljfmojckeofkjckerkfjvkrceikvjcrekfvij</a:t>
+            </a:r>
+            <a:endParaRPr lang="es-ES" sz="1400" i="1" dirty="0">
+              <a:solidFill>
+                <a:srgbClr val="0CCAB8"/>
+              </a:solidFill>
+            </a:endParaRPr>
+          </a:p>
+          <a:p>
+            <a:pPr algn="ctr"/>
+            <a:r>
+              <a:rPr lang="es-ES" sz="1400" i="1" dirty="0">
+                <a:solidFill>
+                  <a:srgbClr val="0CCAB8"/>
+                </a:solidFill>
+              </a:rPr>
+              <a:t>Ervjifcjekroej9fvoecjkrk9voifel9vfokvjv9ifrj+wiere</a:t>
+            </a:r>
+          </a:p>
+          <a:p>
+            <a:pPr algn="ctr"/>
+            <a:r>
+              <a:rPr lang="es-ES" sz="1400" i="1" dirty="0" err="1">
+                <a:solidFill>
+                  <a:srgbClr val="0CCAB8"/>
+                </a:solidFill>
+              </a:rPr>
+              <a:t>Weemutkwmerweemv</a:t>
+            </a:r>
+            <a:r>
+              <a:rPr lang="es-ES" sz="1400" i="1" dirty="0">
+                <a:solidFill>
+                  <a:srgbClr val="0CCAB8"/>
+                </a:solidFill>
+              </a:rPr>
+              <a:t> u vth34ut 3498 tuth989ti2 ti2 th23it 23 ut</a:t>
+            </a:r>
+          </a:p>
+          <a:p>
+            <a:pPr algn="ctr"/>
+            <a:r>
+              <a:rPr lang="es-ES" sz="1400" i="1" dirty="0">
+                <a:solidFill>
+                  <a:srgbClr val="0CCAB8"/>
+                </a:solidFill>
+              </a:rPr>
+              <a:t> </a:t>
+            </a:r>
+            <a:r>
+              <a:rPr lang="es-ES" sz="1400" i="1" dirty="0" err="1">
+                <a:solidFill>
+                  <a:srgbClr val="0CCAB8"/>
+                </a:solidFill>
+              </a:rPr>
+              <a:t>uiwtuijwewuwetuht</a:t>
+            </a:r>
+            <a:r>
+              <a:rPr lang="es-ES" sz="1400" i="1" dirty="0">
+                <a:solidFill>
+                  <a:srgbClr val="0CCAB8"/>
+                </a:solidFill>
+              </a:rPr>
+              <a:t> 98w </a:t>
+            </a:r>
+            <a:r>
+              <a:rPr lang="es-ES" sz="1400" i="1" dirty="0" err="1">
+                <a:solidFill>
+                  <a:srgbClr val="0CCAB8"/>
+                </a:solidFill>
+              </a:rPr>
+              <a:t>ot</a:t>
+            </a:r>
+            <a:r>
+              <a:rPr lang="es-ES" sz="1400" i="1" dirty="0">
+                <a:solidFill>
+                  <a:srgbClr val="0CCAB8"/>
+                </a:solidFill>
+              </a:rPr>
+              <a:t> </a:t>
+            </a:r>
+            <a:r>
+              <a:rPr lang="es-ES" sz="1400" i="1" dirty="0" err="1">
+                <a:solidFill>
+                  <a:srgbClr val="0CCAB8"/>
+                </a:solidFill>
+              </a:rPr>
+              <a:t>hwt</a:t>
+            </a:r>
+            <a:r>
+              <a:rPr lang="es-ES" sz="1400" i="1" dirty="0">
+                <a:solidFill>
+                  <a:srgbClr val="0CCAB8"/>
+                </a:solidFill>
+              </a:rPr>
+              <a:t> h398 t 8tnwm  w </a:t>
+            </a:r>
+            <a:r>
+              <a:rPr lang="es-ES" sz="1400" i="1" dirty="0" err="1">
+                <a:solidFill>
+                  <a:srgbClr val="0CCAB8"/>
+                </a:solidFill>
+              </a:rPr>
+              <a:t>oiw</a:t>
+            </a:r>
+            <a:r>
+              <a:rPr lang="es-ES" sz="1400" i="1" dirty="0">
+                <a:solidFill>
+                  <a:srgbClr val="0CCAB8"/>
+                </a:solidFill>
+              </a:rPr>
+              <a:t> </a:t>
+            </a:r>
+            <a:r>
+              <a:rPr lang="es-ES" sz="1400" i="1" dirty="0" err="1">
+                <a:solidFill>
+                  <a:srgbClr val="0CCAB8"/>
+                </a:solidFill>
+              </a:rPr>
+              <a:t>woi</a:t>
+            </a:r>
+            <a:endParaRPr lang="es-ES" sz="1400" i="1" dirty="0">
+              <a:solidFill>
+                <a:srgbClr val="0CCAB8"/>
+              </a:solidFill>
+            </a:endParaRPr>
+          </a:p>
+        </p:txBody>
+      </p:sp>
+      <p:sp>
+        <p:nvSpPr>
+          <p:cNvPr id="4" name="CuadroTexto 3">
+            <a:extLst>
+              <a:ext uri="{FF2B5EF4-FFF2-40B4-BE49-F238E27FC236}">
+                <a16:creationId xmlns:a16="http://schemas.microsoft.com/office/drawing/2014/main" id="{2AE03554-72BA-1301-6888-43D03751469D}"/>
+              </a:ext>
+            </a:extLst>
+          </p:cNvPr>
+          <p:cNvSpPr txBox="1"/>
+          <p:nvPr/>
+        </p:nvSpPr>
+        <p:spPr>
+          <a:xfrm>
+            <a:off x="3431458" y="3808918"/>
+            <a:ext cx="2012247" cy="2308324"/>
+          </a:xfrm>
+          <a:prstGeom prst="rect">
+            <a:avLst/>
+          </a:prstGeom>
+          <a:noFill/>
+        </p:spPr>
+        <p:txBody>
+          <a:bodyPr wrap="square" rtlCol="0">
+            <a:spAutoFit/>
+          </a:bodyPr>
+          <a:lstStyle/>
+          <a:p>
+            <a:pPr algn="ctr"/>
+            <a:r>
+              <a:rPr lang="es-ES" dirty="0" err="1">
+                <a:solidFill>
+                  <a:schemeClr val="accent2"/>
+                </a:solidFill>
+              </a:rPr>
+              <a:t>Direccion</a:t>
+            </a:r>
+            <a:endParaRPr lang="es-ES" dirty="0">
+              <a:solidFill>
+                <a:schemeClr val="accent2"/>
+              </a:solidFill>
+            </a:endParaRPr>
+          </a:p>
+          <a:p>
+            <a:pPr algn="ctr"/>
+            <a:r>
+              <a:rPr lang="es-ES" dirty="0" err="1"/>
+              <a:t>Sksks</a:t>
+            </a:r>
+            <a:endParaRPr lang="es-ES" dirty="0"/>
+          </a:p>
+          <a:p>
+            <a:pPr algn="ctr"/>
+            <a:r>
+              <a:rPr lang="es-ES" dirty="0" err="1"/>
+              <a:t>skskslk</a:t>
+            </a:r>
+            <a:endParaRPr lang="es-ES" dirty="0"/>
+          </a:p>
+          <a:p>
+            <a:pPr algn="ctr"/>
+            <a:r>
+              <a:rPr lang="es-ES" dirty="0" err="1"/>
+              <a:t>Ajkkmaoskaopspkao</a:t>
+            </a:r>
+            <a:endParaRPr lang="es-ES" dirty="0"/>
+          </a:p>
+          <a:p>
+            <a:pPr algn="ctr"/>
+            <a:r>
+              <a:rPr lang="es-ES" dirty="0">
+                <a:solidFill>
+                  <a:schemeClr val="accent2"/>
+                </a:solidFill>
+              </a:rPr>
+              <a:t>Correo</a:t>
+            </a:r>
+          </a:p>
+          <a:p>
+            <a:pPr algn="ctr"/>
+            <a:r>
+              <a:rPr lang="es-ES" dirty="0" err="1"/>
+              <a:t>Aksmaosmaskasma</a:t>
+            </a:r>
+            <a:endParaRPr lang="es-ES" dirty="0"/>
+          </a:p>
+          <a:p>
+            <a:pPr algn="ctr"/>
+            <a:endParaRPr lang="es-ES" dirty="0"/>
+          </a:p>
+        </p:txBody>
+      </p:sp>
+      <p:sp>
+        <p:nvSpPr>
+          <p:cNvPr id="42" name="CuadroTexto 41">
+            <a:extLst>
+              <a:ext uri="{FF2B5EF4-FFF2-40B4-BE49-F238E27FC236}">
+                <a16:creationId xmlns:a16="http://schemas.microsoft.com/office/drawing/2014/main" id="{27902688-EA6A-0F97-F016-2BB783803DEF}"/>
+              </a:ext>
+            </a:extLst>
+          </p:cNvPr>
+          <p:cNvSpPr txBox="1"/>
+          <p:nvPr/>
+        </p:nvSpPr>
+        <p:spPr>
+          <a:xfrm>
+            <a:off x="6595897" y="3808918"/>
+            <a:ext cx="2012247" cy="2308324"/>
+          </a:xfrm>
+          <a:prstGeom prst="rect">
+            <a:avLst/>
+          </a:prstGeom>
+          <a:noFill/>
+        </p:spPr>
+        <p:txBody>
+          <a:bodyPr wrap="square" rtlCol="0">
+            <a:spAutoFit/>
+          </a:bodyPr>
+          <a:lstStyle/>
+          <a:p>
+            <a:pPr algn="ctr"/>
+            <a:r>
+              <a:rPr lang="es-ES" dirty="0" err="1">
+                <a:solidFill>
+                  <a:schemeClr val="accent2"/>
+                </a:solidFill>
+              </a:rPr>
+              <a:t>Telefono</a:t>
+            </a:r>
+            <a:endParaRPr lang="es-ES" dirty="0"/>
+          </a:p>
+          <a:p>
+            <a:pPr algn="ctr"/>
+            <a:r>
+              <a:rPr lang="es-ES" dirty="0" err="1"/>
+              <a:t>Ajkkmaoskaopspkao</a:t>
+            </a:r>
+            <a:endParaRPr lang="es-ES" dirty="0"/>
+          </a:p>
+          <a:p>
+            <a:pPr algn="ctr"/>
+            <a:r>
+              <a:rPr lang="es-ES" dirty="0">
+                <a:solidFill>
+                  <a:schemeClr val="accent2"/>
+                </a:solidFill>
+              </a:rPr>
+              <a:t>DIRECTOR</a:t>
+            </a:r>
+          </a:p>
+          <a:p>
+            <a:pPr algn="ctr"/>
+            <a:r>
+              <a:rPr lang="es-ES" dirty="0" err="1"/>
+              <a:t>Aksmaosmaskasma</a:t>
+            </a:r>
+            <a:endParaRPr lang="es-ES" dirty="0"/>
+          </a:p>
+          <a:p>
+            <a:pPr algn="ctr"/>
+            <a:r>
+              <a:rPr lang="es-ES" dirty="0" err="1"/>
+              <a:t>Akskasa</a:t>
+            </a:r>
+            <a:endParaRPr lang="es-ES" dirty="0"/>
+          </a:p>
+          <a:p>
+            <a:pPr algn="ctr"/>
+            <a:r>
+              <a:rPr lang="es-ES" dirty="0" err="1"/>
+              <a:t>askaksaas</a:t>
+            </a:r>
+            <a:endParaRPr lang="es-ES" dirty="0"/>
+          </a:p>
+          <a:p>
+            <a:pPr algn="ctr"/>
+            <a:endParaRPr lang="es-ES" dirty="0"/>
+          </a:p>
+        </p:txBody>
+      </p:sp>
+    </p:spTree>
+    <p:extLst>
+      <p:ext uri="{BB962C8B-B14F-4D97-AF65-F5344CB8AC3E}">
+        <p14:creationId xmlns:p14="http://schemas.microsoft.com/office/powerpoint/2010/main" val="4009227395"/>
+      </p:ext>
+    </p:extLst>
+  </p:cSld>
+  <p:clrMapOvr>
+    <a:masterClrMapping/>
+  </p:clrMapOvr>
+</p:sld>
+</file>
+
+<file path=ppt/slides/slide13.xml><?xml version="1.0" encoding="utf-8"?>
+<p:sld xmlns:a="http://schemas.openxmlformats.org/drawingml/2006/main" xmlns:r="http://schemas.openxmlformats.org/officeDocument/2006/relationships" xmlns:p="http://schemas.openxmlformats.org/presentationml/2006/main">
+  <p:cSld>
+    <p:spTree>
+      <p:nvGrpSpPr>
+        <p:cNvPr id="1" name=""/>
+        <p:cNvGrpSpPr/>
+        <p:nvPr/>
+      </p:nvGrpSpPr>
+      <p:grpSpPr>
+        <a:xfrm>
+          <a:off x="0" y="0"/>
+          <a:ext cx="0" cy="0"/>
+          <a:chOff x="0" y="0"/>
+          <a:chExt cx="0" cy="0"/>
+        </a:xfrm>
+      </p:grpSpPr>
+      <p:sp>
+        <p:nvSpPr>
+          <p:cNvPr id="18" name="Rectángulo 17">
+            <a:extLst>
+              <a:ext uri="{FF2B5EF4-FFF2-40B4-BE49-F238E27FC236}">
+                <a16:creationId xmlns:a16="http://schemas.microsoft.com/office/drawing/2014/main" id="{F32E89A6-BE1D-4036-A951-ABFF245AA3AD}"/>
+              </a:ext>
+            </a:extLst>
+          </p:cNvPr>
+          <p:cNvSpPr/>
+          <p:nvPr/>
+        </p:nvSpPr>
+        <p:spPr>
+          <a:xfrm>
+            <a:off x="855406" y="1349952"/>
+            <a:ext cx="10481188" cy="5508047"/>
+          </a:xfrm>
+          <a:prstGeom prst="rect">
+            <a:avLst/>
+          </a:prstGeom>
+          <a:solidFill>
+            <a:srgbClr val="E5FFFF"/>
+          </a:solidFill>
+          <a:ln>
+            <a:noFill/>
+          </a:ln>
+        </p:spPr>
+        <p:style>
+          <a:lnRef idx="2">
+            <a:schemeClr val="accent1">
+              <a:shade val="50000"/>
+            </a:schemeClr>
+          </a:lnRef>
+          <a:fillRef idx="1">
+            <a:schemeClr val="accent1"/>
+          </a:fillRef>
+          <a:effectRef idx="0">
+            <a:schemeClr val="accent1"/>
+          </a:effectRef>
+          <a:fontRef idx="minor">
+            <a:schemeClr val="lt1"/>
+          </a:fontRef>
+        </p:style>
+        <p:txBody>
+          <a:bodyPr rtlCol="0" anchor="ctr"/>
+          <a:lstStyle/>
+          <a:p>
+            <a:pPr marL="0" marR="0" lvl="0" indent="0" algn="ctr" defTabSz="914400" rtl="0" eaLnBrk="1" fontAlgn="auto" latinLnBrk="0" hangingPunct="1">
+              <a:lnSpc>
+                <a:spcPct val="100000"/>
+              </a:lnSpc>
+              <a:spcBef>
+                <a:spcPts val="0"/>
+              </a:spcBef>
+              <a:spcAft>
+                <a:spcPts val="0"/>
+              </a:spcAft>
+              <a:buClrTx/>
+              <a:buSzTx/>
+              <a:buFontTx/>
+              <a:buNone/>
+              <a:tabLst/>
+              <a:defRPr/>
+            </a:pPr>
+            <a:endParaRPr kumimoji="0" lang="es-ES" sz="1800" b="0" i="0" u="none" strike="noStrike" kern="1200" cap="none" spc="0" normalizeH="0" baseline="0" noProof="0" dirty="0">
+              <a:ln>
+                <a:noFill/>
+              </a:ln>
+              <a:solidFill>
+                <a:prstClr val="white"/>
+              </a:solidFill>
+              <a:effectLst/>
+              <a:uLnTx/>
+              <a:uFillTx/>
+              <a:latin typeface="Calibri" panose="020F0502020204030204"/>
+              <a:ea typeface="+mn-ea"/>
+              <a:cs typeface="+mn-cs"/>
+            </a:endParaRPr>
+          </a:p>
+        </p:txBody>
+      </p:sp>
+      <p:sp>
+        <p:nvSpPr>
+          <p:cNvPr id="10" name="Elipse 9">
+            <a:extLst>
+              <a:ext uri="{FF2B5EF4-FFF2-40B4-BE49-F238E27FC236}">
+                <a16:creationId xmlns:a16="http://schemas.microsoft.com/office/drawing/2014/main" id="{1D365CBE-FF67-46AB-9B8E-D5E8A1314E63}"/>
+              </a:ext>
+            </a:extLst>
+          </p:cNvPr>
+          <p:cNvSpPr/>
+          <p:nvPr/>
+        </p:nvSpPr>
+        <p:spPr>
+          <a:xfrm>
+            <a:off x="11520054" y="3560965"/>
+            <a:ext cx="272473" cy="247954"/>
+          </a:xfrm>
+          <a:prstGeom prst="ellipse">
+            <a:avLst/>
+          </a:prstGeom>
+          <a:solidFill>
+            <a:schemeClr val="accent2">
+              <a:alpha val="50000"/>
+            </a:schemeClr>
+          </a:solidFill>
+          <a:ln>
+            <a:noFill/>
+          </a:ln>
+        </p:spPr>
+        <p:style>
+          <a:lnRef idx="0">
+            <a:scrgbClr r="0" g="0" b="0"/>
+          </a:lnRef>
+          <a:fillRef idx="0">
+            <a:scrgbClr r="0" g="0" b="0"/>
+          </a:fillRef>
+          <a:effectRef idx="0">
+            <a:scrgbClr r="0" g="0" b="0"/>
+          </a:effectRef>
+          <a:fontRef idx="minor">
+            <a:schemeClr val="lt1"/>
+          </a:fontRef>
+        </p:style>
+        <p:txBody>
+          <a:bodyPr rtlCol="0" anchor="ctr"/>
+          <a:lstStyle/>
+          <a:p>
+            <a:pPr marL="0" marR="0" lvl="0" indent="0" algn="ctr" defTabSz="914400" rtl="0" eaLnBrk="1" fontAlgn="auto" latinLnBrk="0" hangingPunct="1">
+              <a:lnSpc>
+                <a:spcPct val="100000"/>
+              </a:lnSpc>
+              <a:spcBef>
+                <a:spcPts val="0"/>
+              </a:spcBef>
+              <a:spcAft>
+                <a:spcPts val="0"/>
+              </a:spcAft>
+              <a:buClrTx/>
+              <a:buSzTx/>
+              <a:buFontTx/>
+              <a:buNone/>
+              <a:tabLst/>
+              <a:defRPr/>
+            </a:pPr>
+            <a:endParaRPr kumimoji="0" lang="es-ES" sz="1800" b="0" i="0" u="none" strike="noStrike" kern="1200" cap="none" spc="0" normalizeH="0" baseline="0" noProof="0">
+              <a:ln>
+                <a:noFill/>
+              </a:ln>
+              <a:solidFill>
+                <a:prstClr val="white"/>
+              </a:solidFill>
+              <a:effectLst/>
+              <a:uLnTx/>
+              <a:uFillTx/>
+              <a:latin typeface="Calibri" panose="020F0502020204030204"/>
+              <a:ea typeface="+mn-ea"/>
+              <a:cs typeface="+mn-cs"/>
+            </a:endParaRPr>
+          </a:p>
+        </p:txBody>
+      </p:sp>
+      <p:sp>
+        <p:nvSpPr>
+          <p:cNvPr id="11" name="Elipse 10">
+            <a:extLst>
+              <a:ext uri="{FF2B5EF4-FFF2-40B4-BE49-F238E27FC236}">
+                <a16:creationId xmlns:a16="http://schemas.microsoft.com/office/drawing/2014/main" id="{D3178CD2-487D-44AA-BC65-C732B5C988FF}"/>
+              </a:ext>
+            </a:extLst>
+          </p:cNvPr>
+          <p:cNvSpPr/>
+          <p:nvPr/>
+        </p:nvSpPr>
+        <p:spPr>
+          <a:xfrm>
+            <a:off x="11520054" y="4530783"/>
+            <a:ext cx="272473" cy="247954"/>
+          </a:xfrm>
+          <a:prstGeom prst="ellipse">
+            <a:avLst/>
+          </a:prstGeom>
+          <a:solidFill>
+            <a:schemeClr val="accent2">
+              <a:alpha val="50000"/>
+            </a:schemeClr>
+          </a:solidFill>
+          <a:ln>
+            <a:noFill/>
+          </a:ln>
+        </p:spPr>
+        <p:style>
+          <a:lnRef idx="0">
+            <a:scrgbClr r="0" g="0" b="0"/>
+          </a:lnRef>
+          <a:fillRef idx="0">
+            <a:scrgbClr r="0" g="0" b="0"/>
+          </a:fillRef>
+          <a:effectRef idx="0">
+            <a:scrgbClr r="0" g="0" b="0"/>
+          </a:effectRef>
+          <a:fontRef idx="minor">
+            <a:schemeClr val="lt1"/>
+          </a:fontRef>
+        </p:style>
+        <p:txBody>
+          <a:bodyPr rtlCol="0" anchor="ctr"/>
+          <a:lstStyle/>
+          <a:p>
+            <a:pPr marL="0" marR="0" lvl="0" indent="0" algn="ctr" defTabSz="914400" rtl="0" eaLnBrk="1" fontAlgn="auto" latinLnBrk="0" hangingPunct="1">
+              <a:lnSpc>
+                <a:spcPct val="100000"/>
+              </a:lnSpc>
+              <a:spcBef>
+                <a:spcPts val="0"/>
+              </a:spcBef>
+              <a:spcAft>
+                <a:spcPts val="0"/>
+              </a:spcAft>
+              <a:buClrTx/>
+              <a:buSzTx/>
+              <a:buFontTx/>
+              <a:buNone/>
+              <a:tabLst/>
+              <a:defRPr/>
+            </a:pPr>
+            <a:endParaRPr kumimoji="0" lang="es-ES" sz="1800" b="0" i="0" u="none" strike="noStrike" kern="1200" cap="none" spc="0" normalizeH="0" baseline="0" noProof="0">
+              <a:ln>
+                <a:noFill/>
+              </a:ln>
+              <a:solidFill>
+                <a:prstClr val="white"/>
+              </a:solidFill>
+              <a:effectLst/>
+              <a:uLnTx/>
+              <a:uFillTx/>
+              <a:latin typeface="Calibri" panose="020F0502020204030204"/>
+              <a:ea typeface="+mn-ea"/>
+              <a:cs typeface="+mn-cs"/>
+            </a:endParaRPr>
+          </a:p>
+        </p:txBody>
+      </p:sp>
+      <p:sp>
+        <p:nvSpPr>
+          <p:cNvPr id="12" name="Elipse 11">
+            <a:extLst>
+              <a:ext uri="{FF2B5EF4-FFF2-40B4-BE49-F238E27FC236}">
+                <a16:creationId xmlns:a16="http://schemas.microsoft.com/office/drawing/2014/main" id="{8ACA2EB6-431E-4BF3-A0EF-4D714EFE5D45}"/>
+              </a:ext>
+            </a:extLst>
+          </p:cNvPr>
+          <p:cNvSpPr/>
+          <p:nvPr/>
+        </p:nvSpPr>
+        <p:spPr>
+          <a:xfrm>
+            <a:off x="11520054" y="2591147"/>
+            <a:ext cx="272473" cy="247954"/>
+          </a:xfrm>
+          <a:prstGeom prst="ellipse">
+            <a:avLst/>
+          </a:prstGeom>
+          <a:solidFill>
+            <a:schemeClr val="accent2">
+              <a:alpha val="50000"/>
+            </a:schemeClr>
+          </a:solidFill>
+          <a:ln>
+            <a:noFill/>
+          </a:ln>
+        </p:spPr>
+        <p:style>
+          <a:lnRef idx="0">
+            <a:scrgbClr r="0" g="0" b="0"/>
+          </a:lnRef>
+          <a:fillRef idx="0">
+            <a:scrgbClr r="0" g="0" b="0"/>
+          </a:fillRef>
+          <a:effectRef idx="0">
+            <a:scrgbClr r="0" g="0" b="0"/>
+          </a:effectRef>
+          <a:fontRef idx="minor">
+            <a:schemeClr val="lt1"/>
+          </a:fontRef>
+        </p:style>
+        <p:txBody>
+          <a:bodyPr rtlCol="0" anchor="ctr"/>
+          <a:lstStyle/>
+          <a:p>
+            <a:pPr marL="0" marR="0" lvl="0" indent="0" algn="ctr" defTabSz="914400" rtl="0" eaLnBrk="1" fontAlgn="auto" latinLnBrk="0" hangingPunct="1">
+              <a:lnSpc>
+                <a:spcPct val="100000"/>
+              </a:lnSpc>
+              <a:spcBef>
+                <a:spcPts val="0"/>
+              </a:spcBef>
+              <a:spcAft>
+                <a:spcPts val="0"/>
+              </a:spcAft>
+              <a:buClrTx/>
+              <a:buSzTx/>
+              <a:buFontTx/>
+              <a:buNone/>
+              <a:tabLst/>
+              <a:defRPr/>
+            </a:pPr>
+            <a:endParaRPr kumimoji="0" lang="es-ES" sz="1800" b="0" i="0" u="none" strike="noStrike" kern="1200" cap="none" spc="0" normalizeH="0" baseline="0" noProof="0">
+              <a:ln>
+                <a:noFill/>
+              </a:ln>
+              <a:solidFill>
+                <a:prstClr val="white"/>
+              </a:solidFill>
+              <a:effectLst/>
+              <a:uLnTx/>
+              <a:uFillTx/>
+              <a:latin typeface="Calibri" panose="020F0502020204030204"/>
+              <a:ea typeface="+mn-ea"/>
+              <a:cs typeface="+mn-cs"/>
+            </a:endParaRPr>
+          </a:p>
+        </p:txBody>
+      </p:sp>
+      <p:sp>
+        <p:nvSpPr>
+          <p:cNvPr id="14" name="CuadroTexto 13">
+            <a:extLst>
+              <a:ext uri="{FF2B5EF4-FFF2-40B4-BE49-F238E27FC236}">
+                <a16:creationId xmlns:a16="http://schemas.microsoft.com/office/drawing/2014/main" id="{17725C3C-F5ED-4C16-9579-3AFF248C3DC1}"/>
+              </a:ext>
+            </a:extLst>
+          </p:cNvPr>
+          <p:cNvSpPr txBox="1"/>
+          <p:nvPr/>
+        </p:nvSpPr>
+        <p:spPr>
+          <a:xfrm flipV="1">
+            <a:off x="210281" y="3484631"/>
+            <a:ext cx="461665" cy="648575"/>
+          </a:xfrm>
+          <a:prstGeom prst="rect">
+            <a:avLst/>
+          </a:prstGeom>
+          <a:noFill/>
+        </p:spPr>
+        <p:txBody>
+          <a:bodyPr vert="eaVert" wrap="none" rtlCol="0">
+            <a:spAutoFit/>
+          </a:bodyPr>
+          <a:lstStyle/>
+          <a:p>
+            <a:pPr marL="0" marR="0" lvl="0" indent="0" algn="l" defTabSz="914400" rtl="0" eaLnBrk="1" fontAlgn="auto" latinLnBrk="0" hangingPunct="1">
+              <a:lnSpc>
+                <a:spcPct val="100000"/>
+              </a:lnSpc>
+              <a:spcBef>
+                <a:spcPts val="0"/>
+              </a:spcBef>
+              <a:spcAft>
+                <a:spcPts val="0"/>
+              </a:spcAft>
+              <a:buClrTx/>
+              <a:buSzTx/>
+              <a:buFontTx/>
+              <a:buNone/>
+              <a:tabLst/>
+              <a:defRPr/>
+            </a:pPr>
+            <a:r>
+              <a:rPr kumimoji="0" lang="es-ES" sz="1800" b="0" i="0" u="none" strike="noStrike" kern="1200" cap="none" spc="0" normalizeH="0" baseline="0" noProof="0" dirty="0">
+                <a:ln>
+                  <a:noFill/>
+                </a:ln>
+                <a:solidFill>
+                  <a:srgbClr val="ED7D31">
+                    <a:lumMod val="40000"/>
+                    <a:lumOff val="60000"/>
+                  </a:srgbClr>
+                </a:solidFill>
+                <a:effectLst/>
+                <a:uLnTx/>
+                <a:uFillTx/>
+                <a:latin typeface="Calibri" panose="020F0502020204030204"/>
+                <a:ea typeface="+mn-ea"/>
+                <a:cs typeface="+mn-cs"/>
+              </a:rPr>
+              <a:t>Menú</a:t>
+            </a:r>
+          </a:p>
+        </p:txBody>
+      </p:sp>
+      <p:sp>
+        <p:nvSpPr>
+          <p:cNvPr id="7" name="CuadroTexto 6">
+            <a:extLst>
+              <a:ext uri="{FF2B5EF4-FFF2-40B4-BE49-F238E27FC236}">
+                <a16:creationId xmlns:a16="http://schemas.microsoft.com/office/drawing/2014/main" id="{7CF5C6C3-C16C-4F33-9A2C-0D831A7C0181}"/>
+              </a:ext>
+            </a:extLst>
+          </p:cNvPr>
+          <p:cNvSpPr txBox="1"/>
+          <p:nvPr/>
+        </p:nvSpPr>
+        <p:spPr>
+          <a:xfrm>
+            <a:off x="4142021" y="298524"/>
+            <a:ext cx="4174836" cy="1107996"/>
+          </a:xfrm>
+          <a:prstGeom prst="rect">
+            <a:avLst/>
+          </a:prstGeom>
+          <a:noFill/>
+        </p:spPr>
+        <p:txBody>
+          <a:bodyPr wrap="square" rtlCol="0">
+            <a:spAutoFit/>
+          </a:bodyPr>
+          <a:lstStyle/>
+          <a:p>
+            <a:pPr marL="0" marR="0" lvl="0" indent="0" algn="l" defTabSz="914400" rtl="0" eaLnBrk="1" fontAlgn="auto" latinLnBrk="0" hangingPunct="1">
+              <a:lnSpc>
+                <a:spcPct val="100000"/>
+              </a:lnSpc>
+              <a:spcBef>
+                <a:spcPts val="0"/>
+              </a:spcBef>
+              <a:spcAft>
+                <a:spcPts val="0"/>
+              </a:spcAft>
+              <a:buClrTx/>
+              <a:buSzTx/>
+              <a:buFontTx/>
+              <a:buNone/>
+              <a:tabLst/>
+              <a:defRPr/>
+            </a:pPr>
+            <a:r>
+              <a:rPr kumimoji="0" lang="es-ES" sz="6600" b="1" i="0" u="none" strike="noStrike" kern="1200" cap="none" spc="0" normalizeH="0" baseline="0" noProof="0" dirty="0" err="1">
+                <a:ln w="22225">
+                  <a:noFill/>
+                  <a:prstDash val="solid"/>
+                </a:ln>
+                <a:solidFill>
+                  <a:srgbClr val="ED7D31">
+                    <a:lumMod val="40000"/>
+                    <a:lumOff val="60000"/>
+                  </a:srgbClr>
+                </a:solidFill>
+                <a:effectLst/>
+                <a:uLnTx/>
+                <a:uFillTx/>
+                <a:latin typeface="Rage Italic" panose="03070502040507070304" pitchFamily="66" charset="0"/>
+                <a:ea typeface="Gulim" panose="020B0600000101010101" pitchFamily="34" charset="-127"/>
+                <a:cs typeface="+mn-cs"/>
+              </a:rPr>
+              <a:t>KiteSurfing</a:t>
+            </a:r>
+            <a:endParaRPr kumimoji="0" lang="es-ES" sz="6600" b="1" i="0" u="none" strike="noStrike" kern="1200" cap="none" spc="0" normalizeH="0" baseline="0" noProof="0" dirty="0">
+              <a:ln w="22225">
+                <a:noFill/>
+                <a:prstDash val="solid"/>
+              </a:ln>
+              <a:solidFill>
+                <a:srgbClr val="ED7D31">
+                  <a:lumMod val="40000"/>
+                  <a:lumOff val="60000"/>
+                </a:srgbClr>
+              </a:solidFill>
+              <a:effectLst/>
+              <a:uLnTx/>
+              <a:uFillTx/>
+              <a:latin typeface="Rage Italic" panose="03070502040507070304" pitchFamily="66" charset="0"/>
+              <a:ea typeface="Gulim" panose="020B0600000101010101" pitchFamily="34" charset="-127"/>
+              <a:cs typeface="+mn-cs"/>
+            </a:endParaRPr>
+          </a:p>
+        </p:txBody>
+      </p:sp>
+      <p:sp>
+        <p:nvSpPr>
+          <p:cNvPr id="13" name="Rectángulo 12">
+            <a:extLst>
+              <a:ext uri="{FF2B5EF4-FFF2-40B4-BE49-F238E27FC236}">
+                <a16:creationId xmlns:a16="http://schemas.microsoft.com/office/drawing/2014/main" id="{87AEF759-4FCB-6AFD-3479-7857F7AD6FA7}"/>
+              </a:ext>
+            </a:extLst>
+          </p:cNvPr>
+          <p:cNvSpPr/>
+          <p:nvPr/>
+        </p:nvSpPr>
+        <p:spPr>
+          <a:xfrm>
+            <a:off x="1137247" y="1609553"/>
+            <a:ext cx="9917506" cy="5045412"/>
+          </a:xfrm>
+          <a:prstGeom prst="rect">
+            <a:avLst/>
+          </a:prstGeom>
+          <a:solidFill>
+            <a:srgbClr val="FEF6F0"/>
+          </a:solidFill>
+          <a:ln>
+            <a:noFill/>
+          </a:ln>
+        </p:spPr>
+        <p:style>
+          <a:lnRef idx="2">
+            <a:schemeClr val="accent1">
+              <a:shade val="50000"/>
+            </a:schemeClr>
+          </a:lnRef>
+          <a:fillRef idx="1">
+            <a:schemeClr val="accent1"/>
+          </a:fillRef>
+          <a:effectRef idx="0">
+            <a:schemeClr val="accent1"/>
+          </a:effectRef>
+          <a:fontRef idx="minor">
+            <a:schemeClr val="lt1"/>
+          </a:fontRef>
+        </p:style>
+        <p:txBody>
+          <a:bodyPr rtlCol="0" anchor="ctr"/>
+          <a:lstStyle/>
+          <a:p>
+            <a:pPr marL="0" marR="0" lvl="0" indent="0" algn="ctr" defTabSz="914400" rtl="0" eaLnBrk="1" fontAlgn="auto" latinLnBrk="0" hangingPunct="1">
+              <a:lnSpc>
+                <a:spcPct val="100000"/>
+              </a:lnSpc>
+              <a:spcBef>
+                <a:spcPts val="0"/>
+              </a:spcBef>
+              <a:spcAft>
+                <a:spcPts val="0"/>
+              </a:spcAft>
+              <a:buClrTx/>
+              <a:buSzTx/>
+              <a:buFontTx/>
+              <a:buNone/>
+              <a:tabLst/>
+              <a:defRPr/>
+            </a:pPr>
+            <a:endParaRPr kumimoji="0" lang="es-ES" sz="1800" b="0" i="0" u="none" strike="noStrike" kern="1200" cap="none" spc="0" normalizeH="0" baseline="0" noProof="0" dirty="0">
+              <a:ln>
+                <a:noFill/>
+              </a:ln>
+              <a:solidFill>
+                <a:prstClr val="white"/>
+              </a:solidFill>
+              <a:effectLst/>
+              <a:uLnTx/>
+              <a:uFillTx/>
+              <a:latin typeface="Calibri" panose="020F0502020204030204"/>
+              <a:ea typeface="+mn-ea"/>
+              <a:cs typeface="+mn-cs"/>
+            </a:endParaRPr>
+          </a:p>
+        </p:txBody>
+      </p:sp>
+      <p:sp>
+        <p:nvSpPr>
+          <p:cNvPr id="2" name="Rectángulo 1">
+            <a:extLst>
+              <a:ext uri="{FF2B5EF4-FFF2-40B4-BE49-F238E27FC236}">
+                <a16:creationId xmlns:a16="http://schemas.microsoft.com/office/drawing/2014/main" id="{755811EA-E790-485F-8066-CCC0B0282BF0}"/>
+              </a:ext>
+            </a:extLst>
+          </p:cNvPr>
+          <p:cNvSpPr/>
+          <p:nvPr/>
+        </p:nvSpPr>
+        <p:spPr>
+          <a:xfrm>
+            <a:off x="2012429" y="2281416"/>
+            <a:ext cx="3952567" cy="3868645"/>
+          </a:xfrm>
+          <a:prstGeom prst="rect">
+            <a:avLst/>
+          </a:prstGeom>
+          <a:solidFill>
+            <a:schemeClr val="bg1"/>
+          </a:solidFill>
+        </p:spPr>
+        <p:style>
+          <a:lnRef idx="2">
+            <a:schemeClr val="dk1">
+              <a:shade val="50000"/>
+            </a:schemeClr>
+          </a:lnRef>
+          <a:fillRef idx="1">
+            <a:schemeClr val="dk1"/>
+          </a:fillRef>
+          <a:effectRef idx="0">
+            <a:schemeClr val="dk1"/>
+          </a:effectRef>
+          <a:fontRef idx="minor">
+            <a:schemeClr val="lt1"/>
+          </a:fontRef>
+        </p:style>
+        <p:txBody>
+          <a:bodyPr rtlCol="0" anchor="ctr"/>
+          <a:lstStyle/>
+          <a:p>
+            <a:pPr algn="ctr"/>
+            <a:endParaRPr lang="es-ES" dirty="0"/>
+          </a:p>
+        </p:txBody>
+      </p:sp>
+      <p:sp>
+        <p:nvSpPr>
+          <p:cNvPr id="3" name="Rectángulo 2">
+            <a:extLst>
+              <a:ext uri="{FF2B5EF4-FFF2-40B4-BE49-F238E27FC236}">
+                <a16:creationId xmlns:a16="http://schemas.microsoft.com/office/drawing/2014/main" id="{364CF907-893E-5DDC-BC83-68CF16E9F45F}"/>
+              </a:ext>
+            </a:extLst>
+          </p:cNvPr>
+          <p:cNvSpPr/>
+          <p:nvPr/>
+        </p:nvSpPr>
+        <p:spPr>
+          <a:xfrm>
+            <a:off x="2268067" y="2650748"/>
+            <a:ext cx="3451123" cy="196156"/>
+          </a:xfrm>
+          <a:prstGeom prst="rect">
+            <a:avLst/>
+          </a:prstGeom>
+        </p:spPr>
+        <p:style>
+          <a:lnRef idx="2">
+            <a:schemeClr val="accent1">
+              <a:shade val="50000"/>
+            </a:schemeClr>
+          </a:lnRef>
+          <a:fillRef idx="1">
+            <a:schemeClr val="accent1"/>
+          </a:fillRef>
+          <a:effectRef idx="0">
+            <a:schemeClr val="accent1"/>
+          </a:effectRef>
+          <a:fontRef idx="minor">
+            <a:schemeClr val="lt1"/>
+          </a:fontRef>
+        </p:style>
+        <p:txBody>
+          <a:bodyPr rtlCol="0" anchor="ctr"/>
+          <a:lstStyle/>
+          <a:p>
+            <a:pPr algn="ctr"/>
+            <a:endParaRPr lang="es-ES"/>
+          </a:p>
+        </p:txBody>
+      </p:sp>
+      <p:sp>
+        <p:nvSpPr>
+          <p:cNvPr id="17" name="Rectángulo 16">
+            <a:extLst>
+              <a:ext uri="{FF2B5EF4-FFF2-40B4-BE49-F238E27FC236}">
+                <a16:creationId xmlns:a16="http://schemas.microsoft.com/office/drawing/2014/main" id="{69D7B266-30A7-C7BA-3E69-D1E0CBCE32C2}"/>
+              </a:ext>
+            </a:extLst>
+          </p:cNvPr>
+          <p:cNvSpPr/>
+          <p:nvPr/>
+        </p:nvSpPr>
+        <p:spPr>
+          <a:xfrm>
+            <a:off x="2268067" y="3026678"/>
+            <a:ext cx="3451123" cy="196156"/>
+          </a:xfrm>
+          <a:prstGeom prst="rect">
+            <a:avLst/>
+          </a:prstGeom>
+        </p:spPr>
+        <p:style>
+          <a:lnRef idx="2">
+            <a:schemeClr val="accent1">
+              <a:shade val="50000"/>
+            </a:schemeClr>
+          </a:lnRef>
+          <a:fillRef idx="1">
+            <a:schemeClr val="accent1"/>
+          </a:fillRef>
+          <a:effectRef idx="0">
+            <a:schemeClr val="accent1"/>
+          </a:effectRef>
+          <a:fontRef idx="minor">
+            <a:schemeClr val="lt1"/>
+          </a:fontRef>
+        </p:style>
+        <p:txBody>
+          <a:bodyPr rtlCol="0" anchor="ctr"/>
+          <a:lstStyle/>
+          <a:p>
+            <a:pPr algn="ctr"/>
+            <a:endParaRPr lang="es-ES"/>
+          </a:p>
+        </p:txBody>
+      </p:sp>
+      <p:sp>
+        <p:nvSpPr>
+          <p:cNvPr id="19" name="Rectángulo 18">
+            <a:extLst>
+              <a:ext uri="{FF2B5EF4-FFF2-40B4-BE49-F238E27FC236}">
+                <a16:creationId xmlns:a16="http://schemas.microsoft.com/office/drawing/2014/main" id="{B94C5C5E-EDA8-841E-6B38-6A486CBE33E1}"/>
+              </a:ext>
+            </a:extLst>
+          </p:cNvPr>
+          <p:cNvSpPr/>
+          <p:nvPr/>
+        </p:nvSpPr>
+        <p:spPr>
+          <a:xfrm>
+            <a:off x="2268067" y="3384357"/>
+            <a:ext cx="3451123" cy="196156"/>
+          </a:xfrm>
+          <a:prstGeom prst="rect">
+            <a:avLst/>
+          </a:prstGeom>
+        </p:spPr>
+        <p:style>
+          <a:lnRef idx="2">
+            <a:schemeClr val="accent1">
+              <a:shade val="50000"/>
+            </a:schemeClr>
+          </a:lnRef>
+          <a:fillRef idx="1">
+            <a:schemeClr val="accent1"/>
+          </a:fillRef>
+          <a:effectRef idx="0">
+            <a:schemeClr val="accent1"/>
+          </a:effectRef>
+          <a:fontRef idx="minor">
+            <a:schemeClr val="lt1"/>
+          </a:fontRef>
+        </p:style>
+        <p:txBody>
+          <a:bodyPr rtlCol="0" anchor="ctr"/>
+          <a:lstStyle/>
+          <a:p>
+            <a:pPr algn="ctr"/>
+            <a:endParaRPr lang="es-ES"/>
+          </a:p>
+        </p:txBody>
+      </p:sp>
+      <p:sp>
+        <p:nvSpPr>
+          <p:cNvPr id="20" name="Rectángulo 19">
+            <a:extLst>
+              <a:ext uri="{FF2B5EF4-FFF2-40B4-BE49-F238E27FC236}">
+                <a16:creationId xmlns:a16="http://schemas.microsoft.com/office/drawing/2014/main" id="{906E5234-0C51-6BBB-29F5-E0B531B023FD}"/>
+              </a:ext>
+            </a:extLst>
+          </p:cNvPr>
+          <p:cNvSpPr/>
+          <p:nvPr/>
+        </p:nvSpPr>
+        <p:spPr>
+          <a:xfrm>
+            <a:off x="2268067" y="3796383"/>
+            <a:ext cx="2109020" cy="223530"/>
+          </a:xfrm>
+          <a:prstGeom prst="rect">
+            <a:avLst/>
+          </a:prstGeom>
+        </p:spPr>
+        <p:style>
+          <a:lnRef idx="2">
+            <a:schemeClr val="accent1">
+              <a:shade val="50000"/>
+            </a:schemeClr>
+          </a:lnRef>
+          <a:fillRef idx="1">
+            <a:schemeClr val="accent1"/>
+          </a:fillRef>
+          <a:effectRef idx="0">
+            <a:schemeClr val="accent1"/>
+          </a:effectRef>
+          <a:fontRef idx="minor">
+            <a:schemeClr val="lt1"/>
+          </a:fontRef>
+        </p:style>
+        <p:txBody>
+          <a:bodyPr rtlCol="0" anchor="ctr"/>
+          <a:lstStyle/>
+          <a:p>
+            <a:pPr algn="ctr"/>
+            <a:endParaRPr lang="es-ES"/>
+          </a:p>
+        </p:txBody>
+      </p:sp>
+      <p:sp>
+        <p:nvSpPr>
+          <p:cNvPr id="21" name="Rectángulo 20">
+            <a:extLst>
+              <a:ext uri="{FF2B5EF4-FFF2-40B4-BE49-F238E27FC236}">
+                <a16:creationId xmlns:a16="http://schemas.microsoft.com/office/drawing/2014/main" id="{72A380A5-DA4C-E2B9-94EF-4E378AFFAD23}"/>
+              </a:ext>
+            </a:extLst>
+          </p:cNvPr>
+          <p:cNvSpPr/>
+          <p:nvPr/>
+        </p:nvSpPr>
+        <p:spPr>
+          <a:xfrm>
+            <a:off x="4490157" y="3794244"/>
+            <a:ext cx="1229033" cy="223530"/>
+          </a:xfrm>
+          <a:prstGeom prst="rect">
+            <a:avLst/>
+          </a:prstGeom>
+        </p:spPr>
+        <p:style>
+          <a:lnRef idx="2">
+            <a:schemeClr val="accent1">
+              <a:shade val="50000"/>
+            </a:schemeClr>
+          </a:lnRef>
+          <a:fillRef idx="1">
+            <a:schemeClr val="accent1"/>
+          </a:fillRef>
+          <a:effectRef idx="0">
+            <a:schemeClr val="accent1"/>
+          </a:effectRef>
+          <a:fontRef idx="minor">
+            <a:schemeClr val="lt1"/>
+          </a:fontRef>
+        </p:style>
+        <p:txBody>
+          <a:bodyPr rtlCol="0" anchor="ctr"/>
+          <a:lstStyle/>
+          <a:p>
+            <a:pPr algn="ctr"/>
+            <a:endParaRPr lang="es-ES"/>
+          </a:p>
+        </p:txBody>
+      </p:sp>
+      <p:sp>
+        <p:nvSpPr>
+          <p:cNvPr id="22" name="Rectángulo 21">
+            <a:extLst>
+              <a:ext uri="{FF2B5EF4-FFF2-40B4-BE49-F238E27FC236}">
+                <a16:creationId xmlns:a16="http://schemas.microsoft.com/office/drawing/2014/main" id="{D467BBD6-B6FB-83A1-2A5A-CBCA90FB0B71}"/>
+              </a:ext>
+            </a:extLst>
+          </p:cNvPr>
+          <p:cNvSpPr/>
+          <p:nvPr/>
+        </p:nvSpPr>
+        <p:spPr>
+          <a:xfrm>
+            <a:off x="3610170" y="5580937"/>
+            <a:ext cx="2109020" cy="223530"/>
+          </a:xfrm>
+          <a:prstGeom prst="rect">
+            <a:avLst/>
+          </a:prstGeom>
+        </p:spPr>
+        <p:style>
+          <a:lnRef idx="2">
+            <a:schemeClr val="accent1">
+              <a:shade val="50000"/>
+            </a:schemeClr>
+          </a:lnRef>
+          <a:fillRef idx="1">
+            <a:schemeClr val="accent1"/>
+          </a:fillRef>
+          <a:effectRef idx="0">
+            <a:schemeClr val="accent1"/>
+          </a:effectRef>
+          <a:fontRef idx="minor">
+            <a:schemeClr val="lt1"/>
+          </a:fontRef>
+        </p:style>
+        <p:txBody>
+          <a:bodyPr rtlCol="0" anchor="ctr"/>
+          <a:lstStyle/>
+          <a:p>
+            <a:pPr algn="ctr"/>
+            <a:endParaRPr lang="es-ES"/>
+          </a:p>
+        </p:txBody>
+      </p:sp>
+      <p:sp>
+        <p:nvSpPr>
+          <p:cNvPr id="5" name="Rectángulo 4">
+            <a:extLst>
+              <a:ext uri="{FF2B5EF4-FFF2-40B4-BE49-F238E27FC236}">
+                <a16:creationId xmlns:a16="http://schemas.microsoft.com/office/drawing/2014/main" id="{1DD6A17E-372A-3206-79BC-0CC867CA2BBE}"/>
+              </a:ext>
+            </a:extLst>
+          </p:cNvPr>
+          <p:cNvSpPr/>
+          <p:nvPr/>
+        </p:nvSpPr>
+        <p:spPr>
+          <a:xfrm>
+            <a:off x="6430297" y="2281417"/>
+            <a:ext cx="4355690" cy="3868645"/>
+          </a:xfrm>
+          <a:prstGeom prst="rect">
+            <a:avLst/>
+          </a:prstGeom>
+        </p:spPr>
+        <p:style>
+          <a:lnRef idx="2">
+            <a:schemeClr val="accent1">
+              <a:shade val="50000"/>
+            </a:schemeClr>
+          </a:lnRef>
+          <a:fillRef idx="1">
+            <a:schemeClr val="accent1"/>
+          </a:fillRef>
+          <a:effectRef idx="0">
+            <a:schemeClr val="accent1"/>
+          </a:effectRef>
+          <a:fontRef idx="minor">
+            <a:schemeClr val="lt1"/>
+          </a:fontRef>
+        </p:style>
+        <p:txBody>
+          <a:bodyPr rtlCol="0" anchor="ctr"/>
+          <a:lstStyle/>
+          <a:p>
+            <a:pPr algn="ctr"/>
+            <a:endParaRPr lang="es-ES"/>
+          </a:p>
+        </p:txBody>
+      </p:sp>
+    </p:spTree>
+    <p:extLst>
+      <p:ext uri="{BB962C8B-B14F-4D97-AF65-F5344CB8AC3E}">
+        <p14:creationId xmlns:p14="http://schemas.microsoft.com/office/powerpoint/2010/main" val="3796107060"/>
+      </p:ext>
+    </p:extLst>
+  </p:cSld>
+  <p:clrMapOvr>
+    <a:masterClrMapping/>
+  </p:clrMapOvr>
+</p:sld>
+</file>
+
+<file path=ppt/slides/slide14.xml><?xml version="1.0" encoding="utf-8"?>
+<p:sld xmlns:a="http://schemas.openxmlformats.org/drawingml/2006/main" xmlns:r="http://schemas.openxmlformats.org/officeDocument/2006/relationships" xmlns:p="http://schemas.openxmlformats.org/presentationml/2006/main">
+  <p:cSld>
+    <p:spTree>
+      <p:nvGrpSpPr>
+        <p:cNvPr id="1" name=""/>
+        <p:cNvGrpSpPr/>
+        <p:nvPr/>
+      </p:nvGrpSpPr>
+      <p:grpSpPr>
+        <a:xfrm>
+          <a:off x="0" y="0"/>
+          <a:ext cx="0" cy="0"/>
+          <a:chOff x="0" y="0"/>
+          <a:chExt cx="0" cy="0"/>
+        </a:xfrm>
+      </p:grpSpPr>
+      <p:pic>
+        <p:nvPicPr>
+          <p:cNvPr id="3" name="Imagen 2">
+            <a:extLst>
+              <a:ext uri="{FF2B5EF4-FFF2-40B4-BE49-F238E27FC236}">
+                <a16:creationId xmlns:a16="http://schemas.microsoft.com/office/drawing/2014/main" id="{F5F2A04A-8D41-4C48-9816-386F1448D505}"/>
+              </a:ext>
+            </a:extLst>
+          </p:cNvPr>
+          <p:cNvPicPr>
+            <a:picLocks noChangeAspect="1"/>
+          </p:cNvPicPr>
+          <p:nvPr/>
+        </p:nvPicPr>
+        <p:blipFill>
+          <a:blip r:embed="rId2"/>
+          <a:stretch>
+            <a:fillRect/>
+          </a:stretch>
+        </p:blipFill>
+        <p:spPr>
+          <a:xfrm>
+            <a:off x="0" y="185555"/>
+            <a:ext cx="12192000" cy="6486889"/>
+          </a:xfrm>
+          <a:prstGeom prst="rect">
+            <a:avLst/>
+          </a:prstGeom>
+        </p:spPr>
+      </p:pic>
+    </p:spTree>
+    <p:extLst>
+      <p:ext uri="{BB962C8B-B14F-4D97-AF65-F5344CB8AC3E}">
+        <p14:creationId xmlns:p14="http://schemas.microsoft.com/office/powerpoint/2010/main" val="2229508293"/>
+      </p:ext>
+    </p:extLst>
+  </p:cSld>
+  <p:clrMapOvr>
+    <a:masterClrMapping/>
+  </p:clrMapOvr>
+</p:sld>
+</file>
+
+<file path=ppt/slides/slide15.xml><?xml version="1.0" encoding="utf-8"?>
+<p:sld xmlns:a="http://schemas.openxmlformats.org/drawingml/2006/main" xmlns:r="http://schemas.openxmlformats.org/officeDocument/2006/relationships" xmlns:p="http://schemas.openxmlformats.org/presentationml/2006/main">
+  <p:cSld>
+    <p:spTree>
+      <p:nvGrpSpPr>
+        <p:cNvPr id="1" name=""/>
+        <p:cNvGrpSpPr/>
+        <p:nvPr/>
+      </p:nvGrpSpPr>
+      <p:grpSpPr>
+        <a:xfrm>
+          <a:off x="0" y="0"/>
+          <a:ext cx="0" cy="0"/>
+          <a:chOff x="0" y="0"/>
+          <a:chExt cx="0" cy="0"/>
+        </a:xfrm>
+      </p:grpSpPr>
+      <p:sp>
+        <p:nvSpPr>
           <p:cNvPr id="3" name="CuadroTexto 2">
             <a:extLst>
               <a:ext uri="{FF2B5EF4-FFF2-40B4-BE49-F238E27FC236}">
@@ -4816,7 +9882,7 @@
 </p:sld>
 </file>
 
-<file path=ppt/slides/slide11.xml><?xml version="1.0" encoding="utf-8"?>
+<file path=ppt/slides/slide16.xml><?xml version="1.0" encoding="utf-8"?>
 <p:sld xmlns:a="http://schemas.openxmlformats.org/drawingml/2006/main" xmlns:r="http://schemas.openxmlformats.org/officeDocument/2006/relationships" xmlns:p="http://schemas.openxmlformats.org/presentationml/2006/main">
   <p:cSld>
     <p:spTree>
@@ -12462,6 +17528,1209 @@
           </a:p>
         </p:txBody>
       </p:sp>
+      <p:grpSp>
+        <p:nvGrpSpPr>
+          <p:cNvPr id="6" name="Grupo 5">
+            <a:extLst>
+              <a:ext uri="{FF2B5EF4-FFF2-40B4-BE49-F238E27FC236}">
+                <a16:creationId xmlns:a16="http://schemas.microsoft.com/office/drawing/2014/main" id="{9DBEBA5E-1A9A-9508-537D-4E2E0C168505}"/>
+              </a:ext>
+            </a:extLst>
+          </p:cNvPr>
+          <p:cNvGrpSpPr/>
+          <p:nvPr/>
+        </p:nvGrpSpPr>
+        <p:grpSpPr>
+          <a:xfrm>
+            <a:off x="2137580" y="2851975"/>
+            <a:ext cx="2431313" cy="2656073"/>
+            <a:chOff x="2137580" y="2851975"/>
+            <a:chExt cx="2431313" cy="2656073"/>
+          </a:xfrm>
+        </p:grpSpPr>
+        <p:sp>
+          <p:nvSpPr>
+            <p:cNvPr id="17" name="Rectángulo 16">
+              <a:extLst>
+                <a:ext uri="{FF2B5EF4-FFF2-40B4-BE49-F238E27FC236}">
+                  <a16:creationId xmlns:a16="http://schemas.microsoft.com/office/drawing/2014/main" id="{7500182C-DECE-B06B-2FC0-E16775CD7C2B}"/>
+                </a:ext>
+              </a:extLst>
+            </p:cNvPr>
+            <p:cNvSpPr/>
+            <p:nvPr/>
+          </p:nvSpPr>
+          <p:spPr>
+            <a:xfrm>
+              <a:off x="2137580" y="2851975"/>
+              <a:ext cx="2305455" cy="2560567"/>
+            </a:xfrm>
+            <a:prstGeom prst="rect">
+              <a:avLst/>
+            </a:prstGeom>
+            <a:pattFill prst="ltUpDiag">
+              <a:fgClr>
+                <a:srgbClr val="C5FBF6"/>
+              </a:fgClr>
+              <a:bgClr>
+                <a:schemeClr val="bg1"/>
+              </a:bgClr>
+            </a:pattFill>
+            <a:ln>
+              <a:solidFill>
+                <a:srgbClr val="0CCAB8"/>
+              </a:solidFill>
+            </a:ln>
+          </p:spPr>
+          <p:style>
+            <a:lnRef idx="2">
+              <a:schemeClr val="accent1">
+                <a:shade val="50000"/>
+              </a:schemeClr>
+            </a:lnRef>
+            <a:fillRef idx="1">
+              <a:schemeClr val="accent1"/>
+            </a:fillRef>
+            <a:effectRef idx="0">
+              <a:schemeClr val="accent1"/>
+            </a:effectRef>
+            <a:fontRef idx="minor">
+              <a:schemeClr val="lt1"/>
+            </a:fontRef>
+          </p:style>
+          <p:txBody>
+            <a:bodyPr rtlCol="0" anchor="ctr"/>
+            <a:lstStyle/>
+            <a:p>
+              <a:pPr algn="ctr"/>
+              <a:endParaRPr lang="es-ES"/>
+            </a:p>
+          </p:txBody>
+        </p:sp>
+        <p:sp>
+          <p:nvSpPr>
+            <p:cNvPr id="2" name="Rectángulo 1">
+              <a:extLst>
+                <a:ext uri="{FF2B5EF4-FFF2-40B4-BE49-F238E27FC236}">
+                  <a16:creationId xmlns:a16="http://schemas.microsoft.com/office/drawing/2014/main" id="{E820D0CA-1F1C-CD85-E2CD-AB2598B71E6A}"/>
+                </a:ext>
+              </a:extLst>
+            </p:cNvPr>
+            <p:cNvSpPr/>
+            <p:nvPr/>
+          </p:nvSpPr>
+          <p:spPr>
+            <a:xfrm>
+              <a:off x="2256817" y="2947481"/>
+              <a:ext cx="2305455" cy="2560567"/>
+            </a:xfrm>
+            <a:prstGeom prst="rect">
+              <a:avLst/>
+            </a:prstGeom>
+            <a:solidFill>
+              <a:schemeClr val="bg1"/>
+            </a:solidFill>
+            <a:ln>
+              <a:solidFill>
+                <a:schemeClr val="accent2">
+                  <a:lumMod val="60000"/>
+                  <a:lumOff val="40000"/>
+                </a:schemeClr>
+              </a:solidFill>
+            </a:ln>
+          </p:spPr>
+          <p:style>
+            <a:lnRef idx="2">
+              <a:schemeClr val="accent1">
+                <a:shade val="50000"/>
+              </a:schemeClr>
+            </a:lnRef>
+            <a:fillRef idx="1">
+              <a:schemeClr val="accent1"/>
+            </a:fillRef>
+            <a:effectRef idx="0">
+              <a:schemeClr val="accent1"/>
+            </a:effectRef>
+            <a:fontRef idx="minor">
+              <a:schemeClr val="lt1"/>
+            </a:fontRef>
+          </p:style>
+          <p:txBody>
+            <a:bodyPr rtlCol="0" anchor="ctr"/>
+            <a:lstStyle/>
+            <a:p>
+              <a:pPr algn="ctr"/>
+              <a:endParaRPr lang="es-ES"/>
+            </a:p>
+          </p:txBody>
+        </p:sp>
+        <p:sp>
+          <p:nvSpPr>
+            <p:cNvPr id="3" name="CuadroTexto 2">
+              <a:extLst>
+                <a:ext uri="{FF2B5EF4-FFF2-40B4-BE49-F238E27FC236}">
+                  <a16:creationId xmlns:a16="http://schemas.microsoft.com/office/drawing/2014/main" id="{421251BF-0799-957F-D187-219E8B073CD2}"/>
+                </a:ext>
+              </a:extLst>
+            </p:cNvPr>
+            <p:cNvSpPr txBox="1"/>
+            <p:nvPr/>
+          </p:nvSpPr>
+          <p:spPr>
+            <a:xfrm>
+              <a:off x="2379406" y="3185652"/>
+              <a:ext cx="2048566" cy="1200329"/>
+            </a:xfrm>
+            <a:prstGeom prst="rect">
+              <a:avLst/>
+            </a:prstGeom>
+            <a:noFill/>
+          </p:spPr>
+          <p:txBody>
+            <a:bodyPr wrap="square" rtlCol="0">
+              <a:spAutoFit/>
+            </a:bodyPr>
+            <a:lstStyle/>
+            <a:p>
+              <a:r>
+                <a:rPr lang="es-ES" sz="2400" dirty="0" err="1">
+                  <a:solidFill>
+                    <a:schemeClr val="accent2"/>
+                  </a:solidFill>
+                </a:rPr>
+                <a:t>kddkskpdfkpsdfmsopdflsmpdfsd</a:t>
+              </a:r>
+              <a:endParaRPr lang="es-ES" sz="2400" dirty="0">
+                <a:solidFill>
+                  <a:schemeClr val="accent2"/>
+                </a:solidFill>
+              </a:endParaRPr>
+            </a:p>
+          </p:txBody>
+        </p:sp>
+        <p:sp>
+          <p:nvSpPr>
+            <p:cNvPr id="19" name="CuadroTexto 18">
+              <a:extLst>
+                <a:ext uri="{FF2B5EF4-FFF2-40B4-BE49-F238E27FC236}">
+                  <a16:creationId xmlns:a16="http://schemas.microsoft.com/office/drawing/2014/main" id="{AA53B862-7378-C4A5-D0AD-6ACFCF58F880}"/>
+                </a:ext>
+              </a:extLst>
+            </p:cNvPr>
+            <p:cNvSpPr txBox="1"/>
+            <p:nvPr/>
+          </p:nvSpPr>
+          <p:spPr>
+            <a:xfrm>
+              <a:off x="2388456" y="4439288"/>
+              <a:ext cx="2048566" cy="523220"/>
+            </a:xfrm>
+            <a:prstGeom prst="rect">
+              <a:avLst/>
+            </a:prstGeom>
+            <a:noFill/>
+          </p:spPr>
+          <p:txBody>
+            <a:bodyPr wrap="square" rtlCol="0">
+              <a:spAutoFit/>
+            </a:bodyPr>
+            <a:lstStyle/>
+            <a:p>
+              <a:r>
+                <a:rPr lang="es-ES" sz="1400" dirty="0" err="1">
+                  <a:solidFill>
+                    <a:srgbClr val="0CCAB8"/>
+                  </a:solidFill>
+                </a:rPr>
+                <a:t>kddkskpdfkpsdfmsopdflsmpdfsd</a:t>
+              </a:r>
+              <a:endParaRPr lang="es-ES" sz="1400" dirty="0">
+                <a:solidFill>
+                  <a:srgbClr val="0CCAB8"/>
+                </a:solidFill>
+              </a:endParaRPr>
+            </a:p>
+          </p:txBody>
+        </p:sp>
+        <p:sp>
+          <p:nvSpPr>
+            <p:cNvPr id="20" name="CuadroTexto 19">
+              <a:extLst>
+                <a:ext uri="{FF2B5EF4-FFF2-40B4-BE49-F238E27FC236}">
+                  <a16:creationId xmlns:a16="http://schemas.microsoft.com/office/drawing/2014/main" id="{545C79D4-3EFE-013D-C831-8AC8FB208084}"/>
+                </a:ext>
+              </a:extLst>
+            </p:cNvPr>
+            <p:cNvSpPr txBox="1"/>
+            <p:nvPr/>
+          </p:nvSpPr>
+          <p:spPr>
+            <a:xfrm>
+              <a:off x="2388456" y="5143988"/>
+              <a:ext cx="705680" cy="246221"/>
+            </a:xfrm>
+            <a:prstGeom prst="rect">
+              <a:avLst/>
+            </a:prstGeom>
+            <a:noFill/>
+          </p:spPr>
+          <p:txBody>
+            <a:bodyPr wrap="square" rtlCol="0">
+              <a:spAutoFit/>
+            </a:bodyPr>
+            <a:lstStyle/>
+            <a:p>
+              <a:r>
+                <a:rPr lang="es-ES" sz="1000" dirty="0">
+                  <a:solidFill>
+                    <a:srgbClr val="0CCAB8"/>
+                  </a:solidFill>
+                </a:rPr>
+                <a:t>Autor</a:t>
+              </a:r>
+            </a:p>
+          </p:txBody>
+        </p:sp>
+        <p:sp>
+          <p:nvSpPr>
+            <p:cNvPr id="21" name="CuadroTexto 20">
+              <a:extLst>
+                <a:ext uri="{FF2B5EF4-FFF2-40B4-BE49-F238E27FC236}">
+                  <a16:creationId xmlns:a16="http://schemas.microsoft.com/office/drawing/2014/main" id="{D2280FD5-93FC-92EA-FB08-1FE9557AAC87}"/>
+                </a:ext>
+              </a:extLst>
+            </p:cNvPr>
+            <p:cNvSpPr txBox="1"/>
+            <p:nvPr/>
+          </p:nvSpPr>
+          <p:spPr>
+            <a:xfrm>
+              <a:off x="3863213" y="5131854"/>
+              <a:ext cx="705680" cy="246221"/>
+            </a:xfrm>
+            <a:prstGeom prst="rect">
+              <a:avLst/>
+            </a:prstGeom>
+            <a:noFill/>
+          </p:spPr>
+          <p:txBody>
+            <a:bodyPr wrap="square" rtlCol="0">
+              <a:spAutoFit/>
+            </a:bodyPr>
+            <a:lstStyle/>
+            <a:p>
+              <a:r>
+                <a:rPr lang="es-ES" sz="1000" dirty="0">
+                  <a:solidFill>
+                    <a:srgbClr val="0CCAB8"/>
+                  </a:solidFill>
+                </a:rPr>
+                <a:t>Fecha</a:t>
+              </a:r>
+            </a:p>
+          </p:txBody>
+        </p:sp>
+        <p:cxnSp>
+          <p:nvCxnSpPr>
+            <p:cNvPr id="5" name="Conector recto 4">
+              <a:extLst>
+                <a:ext uri="{FF2B5EF4-FFF2-40B4-BE49-F238E27FC236}">
+                  <a16:creationId xmlns:a16="http://schemas.microsoft.com/office/drawing/2014/main" id="{8246C5AC-584D-CD8F-D411-8BDDE7AC2065}"/>
+                </a:ext>
+              </a:extLst>
+            </p:cNvPr>
+            <p:cNvCxnSpPr/>
+            <p:nvPr/>
+          </p:nvCxnSpPr>
+          <p:spPr>
+            <a:xfrm>
+              <a:off x="2497394" y="4385981"/>
+              <a:ext cx="1789471" cy="0"/>
+            </a:xfrm>
+            <a:prstGeom prst="line">
+              <a:avLst/>
+            </a:prstGeom>
+            <a:ln>
+              <a:solidFill>
+                <a:schemeClr val="accent2"/>
+              </a:solidFill>
+            </a:ln>
+          </p:spPr>
+          <p:style>
+            <a:lnRef idx="1">
+              <a:schemeClr val="accent1"/>
+            </a:lnRef>
+            <a:fillRef idx="0">
+              <a:schemeClr val="accent1"/>
+            </a:fillRef>
+            <a:effectRef idx="0">
+              <a:schemeClr val="accent1"/>
+            </a:effectRef>
+            <a:fontRef idx="minor">
+              <a:schemeClr val="tx1"/>
+            </a:fontRef>
+          </p:style>
+        </p:cxnSp>
+      </p:grpSp>
+      <p:grpSp>
+        <p:nvGrpSpPr>
+          <p:cNvPr id="22" name="Grupo 21">
+            <a:extLst>
+              <a:ext uri="{FF2B5EF4-FFF2-40B4-BE49-F238E27FC236}">
+                <a16:creationId xmlns:a16="http://schemas.microsoft.com/office/drawing/2014/main" id="{BCADE0A8-2B48-DD8F-175E-CE09E101EFA5}"/>
+              </a:ext>
+            </a:extLst>
+          </p:cNvPr>
+          <p:cNvGrpSpPr/>
+          <p:nvPr/>
+        </p:nvGrpSpPr>
+        <p:grpSpPr>
+          <a:xfrm>
+            <a:off x="4839989" y="2851975"/>
+            <a:ext cx="2431313" cy="2656073"/>
+            <a:chOff x="2137580" y="2851975"/>
+            <a:chExt cx="2431313" cy="2656073"/>
+          </a:xfrm>
+        </p:grpSpPr>
+        <p:sp>
+          <p:nvSpPr>
+            <p:cNvPr id="23" name="Rectángulo 22">
+              <a:extLst>
+                <a:ext uri="{FF2B5EF4-FFF2-40B4-BE49-F238E27FC236}">
+                  <a16:creationId xmlns:a16="http://schemas.microsoft.com/office/drawing/2014/main" id="{CB66C06D-4105-DBFB-0922-D046099405FB}"/>
+                </a:ext>
+              </a:extLst>
+            </p:cNvPr>
+            <p:cNvSpPr/>
+            <p:nvPr/>
+          </p:nvSpPr>
+          <p:spPr>
+            <a:xfrm>
+              <a:off x="2137580" y="2851975"/>
+              <a:ext cx="2305455" cy="2560567"/>
+            </a:xfrm>
+            <a:prstGeom prst="rect">
+              <a:avLst/>
+            </a:prstGeom>
+            <a:pattFill prst="ltUpDiag">
+              <a:fgClr>
+                <a:srgbClr val="C5FBF6"/>
+              </a:fgClr>
+              <a:bgClr>
+                <a:schemeClr val="bg1"/>
+              </a:bgClr>
+            </a:pattFill>
+            <a:ln>
+              <a:solidFill>
+                <a:srgbClr val="0CCAB8"/>
+              </a:solidFill>
+            </a:ln>
+          </p:spPr>
+          <p:style>
+            <a:lnRef idx="2">
+              <a:schemeClr val="accent1">
+                <a:shade val="50000"/>
+              </a:schemeClr>
+            </a:lnRef>
+            <a:fillRef idx="1">
+              <a:schemeClr val="accent1"/>
+            </a:fillRef>
+            <a:effectRef idx="0">
+              <a:schemeClr val="accent1"/>
+            </a:effectRef>
+            <a:fontRef idx="minor">
+              <a:schemeClr val="lt1"/>
+            </a:fontRef>
+          </p:style>
+          <p:txBody>
+            <a:bodyPr rtlCol="0" anchor="ctr"/>
+            <a:lstStyle/>
+            <a:p>
+              <a:pPr algn="ctr"/>
+              <a:endParaRPr lang="es-ES"/>
+            </a:p>
+          </p:txBody>
+        </p:sp>
+        <p:sp>
+          <p:nvSpPr>
+            <p:cNvPr id="24" name="Rectángulo 23">
+              <a:extLst>
+                <a:ext uri="{FF2B5EF4-FFF2-40B4-BE49-F238E27FC236}">
+                  <a16:creationId xmlns:a16="http://schemas.microsoft.com/office/drawing/2014/main" id="{C5D8F52B-59F5-C942-017C-82A33CF6D1C4}"/>
+                </a:ext>
+              </a:extLst>
+            </p:cNvPr>
+            <p:cNvSpPr/>
+            <p:nvPr/>
+          </p:nvSpPr>
+          <p:spPr>
+            <a:xfrm>
+              <a:off x="2256817" y="2947481"/>
+              <a:ext cx="2305455" cy="2560567"/>
+            </a:xfrm>
+            <a:prstGeom prst="rect">
+              <a:avLst/>
+            </a:prstGeom>
+            <a:solidFill>
+              <a:schemeClr val="bg1"/>
+            </a:solidFill>
+            <a:ln>
+              <a:solidFill>
+                <a:schemeClr val="accent2">
+                  <a:lumMod val="60000"/>
+                  <a:lumOff val="40000"/>
+                </a:schemeClr>
+              </a:solidFill>
+            </a:ln>
+          </p:spPr>
+          <p:style>
+            <a:lnRef idx="2">
+              <a:schemeClr val="accent1">
+                <a:shade val="50000"/>
+              </a:schemeClr>
+            </a:lnRef>
+            <a:fillRef idx="1">
+              <a:schemeClr val="accent1"/>
+            </a:fillRef>
+            <a:effectRef idx="0">
+              <a:schemeClr val="accent1"/>
+            </a:effectRef>
+            <a:fontRef idx="minor">
+              <a:schemeClr val="lt1"/>
+            </a:fontRef>
+          </p:style>
+          <p:txBody>
+            <a:bodyPr rtlCol="0" anchor="ctr"/>
+            <a:lstStyle/>
+            <a:p>
+              <a:pPr algn="ctr"/>
+              <a:endParaRPr lang="es-ES"/>
+            </a:p>
+          </p:txBody>
+        </p:sp>
+        <p:sp>
+          <p:nvSpPr>
+            <p:cNvPr id="25" name="CuadroTexto 24">
+              <a:extLst>
+                <a:ext uri="{FF2B5EF4-FFF2-40B4-BE49-F238E27FC236}">
+                  <a16:creationId xmlns:a16="http://schemas.microsoft.com/office/drawing/2014/main" id="{0DF6A5DB-B9F3-7566-E4A7-4C1058840372}"/>
+                </a:ext>
+              </a:extLst>
+            </p:cNvPr>
+            <p:cNvSpPr txBox="1"/>
+            <p:nvPr/>
+          </p:nvSpPr>
+          <p:spPr>
+            <a:xfrm>
+              <a:off x="2379406" y="3185652"/>
+              <a:ext cx="2048566" cy="1200329"/>
+            </a:xfrm>
+            <a:prstGeom prst="rect">
+              <a:avLst/>
+            </a:prstGeom>
+            <a:noFill/>
+          </p:spPr>
+          <p:txBody>
+            <a:bodyPr wrap="square" rtlCol="0">
+              <a:spAutoFit/>
+            </a:bodyPr>
+            <a:lstStyle/>
+            <a:p>
+              <a:r>
+                <a:rPr lang="es-ES" sz="2400" dirty="0" err="1">
+                  <a:solidFill>
+                    <a:schemeClr val="accent2"/>
+                  </a:solidFill>
+                </a:rPr>
+                <a:t>kddkskpdfkpsdfmsopdflsmpdfsd</a:t>
+              </a:r>
+              <a:endParaRPr lang="es-ES" sz="2400" dirty="0">
+                <a:solidFill>
+                  <a:schemeClr val="accent2"/>
+                </a:solidFill>
+              </a:endParaRPr>
+            </a:p>
+          </p:txBody>
+        </p:sp>
+        <p:sp>
+          <p:nvSpPr>
+            <p:cNvPr id="26" name="CuadroTexto 25">
+              <a:extLst>
+                <a:ext uri="{FF2B5EF4-FFF2-40B4-BE49-F238E27FC236}">
+                  <a16:creationId xmlns:a16="http://schemas.microsoft.com/office/drawing/2014/main" id="{828D598A-2112-14B1-C8DF-6940D0258897}"/>
+                </a:ext>
+              </a:extLst>
+            </p:cNvPr>
+            <p:cNvSpPr txBox="1"/>
+            <p:nvPr/>
+          </p:nvSpPr>
+          <p:spPr>
+            <a:xfrm>
+              <a:off x="2388456" y="4439288"/>
+              <a:ext cx="2048566" cy="523220"/>
+            </a:xfrm>
+            <a:prstGeom prst="rect">
+              <a:avLst/>
+            </a:prstGeom>
+            <a:noFill/>
+          </p:spPr>
+          <p:txBody>
+            <a:bodyPr wrap="square" rtlCol="0">
+              <a:spAutoFit/>
+            </a:bodyPr>
+            <a:lstStyle/>
+            <a:p>
+              <a:r>
+                <a:rPr lang="es-ES" sz="1400" dirty="0" err="1">
+                  <a:solidFill>
+                    <a:srgbClr val="0CCAB8"/>
+                  </a:solidFill>
+                </a:rPr>
+                <a:t>kddkskpdfkpsdfmsopdflsmpdfsd</a:t>
+              </a:r>
+              <a:endParaRPr lang="es-ES" sz="1400" dirty="0">
+                <a:solidFill>
+                  <a:srgbClr val="0CCAB8"/>
+                </a:solidFill>
+              </a:endParaRPr>
+            </a:p>
+          </p:txBody>
+        </p:sp>
+        <p:sp>
+          <p:nvSpPr>
+            <p:cNvPr id="27" name="CuadroTexto 26">
+              <a:extLst>
+                <a:ext uri="{FF2B5EF4-FFF2-40B4-BE49-F238E27FC236}">
+                  <a16:creationId xmlns:a16="http://schemas.microsoft.com/office/drawing/2014/main" id="{6CC25E64-AD09-733C-9C46-9962015CD412}"/>
+                </a:ext>
+              </a:extLst>
+            </p:cNvPr>
+            <p:cNvSpPr txBox="1"/>
+            <p:nvPr/>
+          </p:nvSpPr>
+          <p:spPr>
+            <a:xfrm>
+              <a:off x="2388456" y="5143988"/>
+              <a:ext cx="705680" cy="246221"/>
+            </a:xfrm>
+            <a:prstGeom prst="rect">
+              <a:avLst/>
+            </a:prstGeom>
+            <a:noFill/>
+          </p:spPr>
+          <p:txBody>
+            <a:bodyPr wrap="square" rtlCol="0">
+              <a:spAutoFit/>
+            </a:bodyPr>
+            <a:lstStyle/>
+            <a:p>
+              <a:r>
+                <a:rPr lang="es-ES" sz="1000" dirty="0">
+                  <a:solidFill>
+                    <a:srgbClr val="0CCAB8"/>
+                  </a:solidFill>
+                </a:rPr>
+                <a:t>Autor</a:t>
+              </a:r>
+            </a:p>
+          </p:txBody>
+        </p:sp>
+        <p:sp>
+          <p:nvSpPr>
+            <p:cNvPr id="28" name="CuadroTexto 27">
+              <a:extLst>
+                <a:ext uri="{FF2B5EF4-FFF2-40B4-BE49-F238E27FC236}">
+                  <a16:creationId xmlns:a16="http://schemas.microsoft.com/office/drawing/2014/main" id="{7E7FABC7-74CE-F6AE-BF30-2F8218B322EC}"/>
+                </a:ext>
+              </a:extLst>
+            </p:cNvPr>
+            <p:cNvSpPr txBox="1"/>
+            <p:nvPr/>
+          </p:nvSpPr>
+          <p:spPr>
+            <a:xfrm>
+              <a:off x="3863213" y="5131854"/>
+              <a:ext cx="705680" cy="246221"/>
+            </a:xfrm>
+            <a:prstGeom prst="rect">
+              <a:avLst/>
+            </a:prstGeom>
+            <a:noFill/>
+          </p:spPr>
+          <p:txBody>
+            <a:bodyPr wrap="square" rtlCol="0">
+              <a:spAutoFit/>
+            </a:bodyPr>
+            <a:lstStyle/>
+            <a:p>
+              <a:r>
+                <a:rPr lang="es-ES" sz="1000" dirty="0">
+                  <a:solidFill>
+                    <a:srgbClr val="0CCAB8"/>
+                  </a:solidFill>
+                </a:rPr>
+                <a:t>Fecha</a:t>
+              </a:r>
+            </a:p>
+          </p:txBody>
+        </p:sp>
+        <p:cxnSp>
+          <p:nvCxnSpPr>
+            <p:cNvPr id="29" name="Conector recto 28">
+              <a:extLst>
+                <a:ext uri="{FF2B5EF4-FFF2-40B4-BE49-F238E27FC236}">
+                  <a16:creationId xmlns:a16="http://schemas.microsoft.com/office/drawing/2014/main" id="{BCAC8DE7-6054-6700-BA61-89C9151B8FB0}"/>
+                </a:ext>
+              </a:extLst>
+            </p:cNvPr>
+            <p:cNvCxnSpPr/>
+            <p:nvPr/>
+          </p:nvCxnSpPr>
+          <p:spPr>
+            <a:xfrm>
+              <a:off x="2497394" y="4385981"/>
+              <a:ext cx="1789471" cy="0"/>
+            </a:xfrm>
+            <a:prstGeom prst="line">
+              <a:avLst/>
+            </a:prstGeom>
+            <a:ln>
+              <a:solidFill>
+                <a:schemeClr val="accent2"/>
+              </a:solidFill>
+            </a:ln>
+          </p:spPr>
+          <p:style>
+            <a:lnRef idx="1">
+              <a:schemeClr val="accent1"/>
+            </a:lnRef>
+            <a:fillRef idx="0">
+              <a:schemeClr val="accent1"/>
+            </a:fillRef>
+            <a:effectRef idx="0">
+              <a:schemeClr val="accent1"/>
+            </a:effectRef>
+            <a:fontRef idx="minor">
+              <a:schemeClr val="tx1"/>
+            </a:fontRef>
+          </p:style>
+        </p:cxnSp>
+      </p:grpSp>
+      <p:grpSp>
+        <p:nvGrpSpPr>
+          <p:cNvPr id="30" name="Grupo 29">
+            <a:extLst>
+              <a:ext uri="{FF2B5EF4-FFF2-40B4-BE49-F238E27FC236}">
+                <a16:creationId xmlns:a16="http://schemas.microsoft.com/office/drawing/2014/main" id="{5BFA42E4-CF58-39FD-1AC2-0486F8F655A5}"/>
+              </a:ext>
+            </a:extLst>
+          </p:cNvPr>
+          <p:cNvGrpSpPr/>
+          <p:nvPr/>
+        </p:nvGrpSpPr>
+        <p:grpSpPr>
+          <a:xfrm>
+            <a:off x="7552887" y="2899727"/>
+            <a:ext cx="2431313" cy="2656073"/>
+            <a:chOff x="2137580" y="2851975"/>
+            <a:chExt cx="2431313" cy="2656073"/>
+          </a:xfrm>
+        </p:grpSpPr>
+        <p:sp>
+          <p:nvSpPr>
+            <p:cNvPr id="31" name="Rectángulo 30">
+              <a:extLst>
+                <a:ext uri="{FF2B5EF4-FFF2-40B4-BE49-F238E27FC236}">
+                  <a16:creationId xmlns:a16="http://schemas.microsoft.com/office/drawing/2014/main" id="{4AA66699-6D84-2657-6C1D-2CB2C63669C6}"/>
+                </a:ext>
+              </a:extLst>
+            </p:cNvPr>
+            <p:cNvSpPr/>
+            <p:nvPr/>
+          </p:nvSpPr>
+          <p:spPr>
+            <a:xfrm>
+              <a:off x="2137580" y="2851975"/>
+              <a:ext cx="2305455" cy="2560567"/>
+            </a:xfrm>
+            <a:prstGeom prst="rect">
+              <a:avLst/>
+            </a:prstGeom>
+            <a:pattFill prst="ltUpDiag">
+              <a:fgClr>
+                <a:srgbClr val="C5FBF6"/>
+              </a:fgClr>
+              <a:bgClr>
+                <a:schemeClr val="bg1"/>
+              </a:bgClr>
+            </a:pattFill>
+            <a:ln>
+              <a:solidFill>
+                <a:srgbClr val="0CCAB8"/>
+              </a:solidFill>
+            </a:ln>
+          </p:spPr>
+          <p:style>
+            <a:lnRef idx="2">
+              <a:schemeClr val="accent1">
+                <a:shade val="50000"/>
+              </a:schemeClr>
+            </a:lnRef>
+            <a:fillRef idx="1">
+              <a:schemeClr val="accent1"/>
+            </a:fillRef>
+            <a:effectRef idx="0">
+              <a:schemeClr val="accent1"/>
+            </a:effectRef>
+            <a:fontRef idx="minor">
+              <a:schemeClr val="lt1"/>
+            </a:fontRef>
+          </p:style>
+          <p:txBody>
+            <a:bodyPr rtlCol="0" anchor="ctr"/>
+            <a:lstStyle/>
+            <a:p>
+              <a:pPr algn="ctr"/>
+              <a:endParaRPr lang="es-ES"/>
+            </a:p>
+          </p:txBody>
+        </p:sp>
+        <p:sp>
+          <p:nvSpPr>
+            <p:cNvPr id="32" name="Rectángulo 31">
+              <a:extLst>
+                <a:ext uri="{FF2B5EF4-FFF2-40B4-BE49-F238E27FC236}">
+                  <a16:creationId xmlns:a16="http://schemas.microsoft.com/office/drawing/2014/main" id="{DB115B92-2033-0DA9-D8BC-CCA88F8BDAC8}"/>
+                </a:ext>
+              </a:extLst>
+            </p:cNvPr>
+            <p:cNvSpPr/>
+            <p:nvPr/>
+          </p:nvSpPr>
+          <p:spPr>
+            <a:xfrm>
+              <a:off x="2256817" y="2947481"/>
+              <a:ext cx="2305455" cy="2560567"/>
+            </a:xfrm>
+            <a:prstGeom prst="rect">
+              <a:avLst/>
+            </a:prstGeom>
+            <a:solidFill>
+              <a:schemeClr val="bg1"/>
+            </a:solidFill>
+            <a:ln>
+              <a:solidFill>
+                <a:schemeClr val="accent2">
+                  <a:lumMod val="60000"/>
+                  <a:lumOff val="40000"/>
+                </a:schemeClr>
+              </a:solidFill>
+            </a:ln>
+          </p:spPr>
+          <p:style>
+            <a:lnRef idx="2">
+              <a:schemeClr val="accent1">
+                <a:shade val="50000"/>
+              </a:schemeClr>
+            </a:lnRef>
+            <a:fillRef idx="1">
+              <a:schemeClr val="accent1"/>
+            </a:fillRef>
+            <a:effectRef idx="0">
+              <a:schemeClr val="accent1"/>
+            </a:effectRef>
+            <a:fontRef idx="minor">
+              <a:schemeClr val="lt1"/>
+            </a:fontRef>
+          </p:style>
+          <p:txBody>
+            <a:bodyPr rtlCol="0" anchor="ctr"/>
+            <a:lstStyle/>
+            <a:p>
+              <a:pPr algn="ctr"/>
+              <a:endParaRPr lang="es-ES"/>
+            </a:p>
+          </p:txBody>
+        </p:sp>
+        <p:sp>
+          <p:nvSpPr>
+            <p:cNvPr id="33" name="CuadroTexto 32">
+              <a:extLst>
+                <a:ext uri="{FF2B5EF4-FFF2-40B4-BE49-F238E27FC236}">
+                  <a16:creationId xmlns:a16="http://schemas.microsoft.com/office/drawing/2014/main" id="{3F3E250A-34F5-5F2A-2667-86A6A3F27E36}"/>
+                </a:ext>
+              </a:extLst>
+            </p:cNvPr>
+            <p:cNvSpPr txBox="1"/>
+            <p:nvPr/>
+          </p:nvSpPr>
+          <p:spPr>
+            <a:xfrm>
+              <a:off x="2379406" y="3185652"/>
+              <a:ext cx="2048566" cy="1200329"/>
+            </a:xfrm>
+            <a:prstGeom prst="rect">
+              <a:avLst/>
+            </a:prstGeom>
+            <a:noFill/>
+          </p:spPr>
+          <p:txBody>
+            <a:bodyPr wrap="square" rtlCol="0">
+              <a:spAutoFit/>
+            </a:bodyPr>
+            <a:lstStyle/>
+            <a:p>
+              <a:r>
+                <a:rPr lang="es-ES" sz="2400" dirty="0" err="1">
+                  <a:solidFill>
+                    <a:schemeClr val="accent2"/>
+                  </a:solidFill>
+                </a:rPr>
+                <a:t>kddkskpdfkpsdfmsopdflsmpdfsd</a:t>
+              </a:r>
+              <a:endParaRPr lang="es-ES" sz="2400" dirty="0">
+                <a:solidFill>
+                  <a:schemeClr val="accent2"/>
+                </a:solidFill>
+              </a:endParaRPr>
+            </a:p>
+          </p:txBody>
+        </p:sp>
+        <p:sp>
+          <p:nvSpPr>
+            <p:cNvPr id="34" name="CuadroTexto 33">
+              <a:extLst>
+                <a:ext uri="{FF2B5EF4-FFF2-40B4-BE49-F238E27FC236}">
+                  <a16:creationId xmlns:a16="http://schemas.microsoft.com/office/drawing/2014/main" id="{49F4F0E1-2563-0F1A-969C-EFDF3C1F45DB}"/>
+                </a:ext>
+              </a:extLst>
+            </p:cNvPr>
+            <p:cNvSpPr txBox="1"/>
+            <p:nvPr/>
+          </p:nvSpPr>
+          <p:spPr>
+            <a:xfrm>
+              <a:off x="2388456" y="4439288"/>
+              <a:ext cx="2048566" cy="523220"/>
+            </a:xfrm>
+            <a:prstGeom prst="rect">
+              <a:avLst/>
+            </a:prstGeom>
+            <a:noFill/>
+          </p:spPr>
+          <p:txBody>
+            <a:bodyPr wrap="square" rtlCol="0">
+              <a:spAutoFit/>
+            </a:bodyPr>
+            <a:lstStyle/>
+            <a:p>
+              <a:r>
+                <a:rPr lang="es-ES" sz="1400" dirty="0" err="1">
+                  <a:solidFill>
+                    <a:srgbClr val="0CCAB8"/>
+                  </a:solidFill>
+                </a:rPr>
+                <a:t>kddkskpdfkpsdfmsopdflsmpdfsd</a:t>
+              </a:r>
+              <a:endParaRPr lang="es-ES" sz="1400" dirty="0">
+                <a:solidFill>
+                  <a:srgbClr val="0CCAB8"/>
+                </a:solidFill>
+              </a:endParaRPr>
+            </a:p>
+          </p:txBody>
+        </p:sp>
+        <p:sp>
+          <p:nvSpPr>
+            <p:cNvPr id="35" name="CuadroTexto 34">
+              <a:extLst>
+                <a:ext uri="{FF2B5EF4-FFF2-40B4-BE49-F238E27FC236}">
+                  <a16:creationId xmlns:a16="http://schemas.microsoft.com/office/drawing/2014/main" id="{8BD841F2-5EE9-552C-4AA1-73A7373E65F7}"/>
+                </a:ext>
+              </a:extLst>
+            </p:cNvPr>
+            <p:cNvSpPr txBox="1"/>
+            <p:nvPr/>
+          </p:nvSpPr>
+          <p:spPr>
+            <a:xfrm>
+              <a:off x="2388456" y="5143988"/>
+              <a:ext cx="705680" cy="246221"/>
+            </a:xfrm>
+            <a:prstGeom prst="rect">
+              <a:avLst/>
+            </a:prstGeom>
+            <a:noFill/>
+          </p:spPr>
+          <p:txBody>
+            <a:bodyPr wrap="square" rtlCol="0">
+              <a:spAutoFit/>
+            </a:bodyPr>
+            <a:lstStyle/>
+            <a:p>
+              <a:r>
+                <a:rPr lang="es-ES" sz="1000" dirty="0">
+                  <a:solidFill>
+                    <a:srgbClr val="0CCAB8"/>
+                  </a:solidFill>
+                </a:rPr>
+                <a:t>Autor</a:t>
+              </a:r>
+            </a:p>
+          </p:txBody>
+        </p:sp>
+        <p:sp>
+          <p:nvSpPr>
+            <p:cNvPr id="36" name="CuadroTexto 35">
+              <a:extLst>
+                <a:ext uri="{FF2B5EF4-FFF2-40B4-BE49-F238E27FC236}">
+                  <a16:creationId xmlns:a16="http://schemas.microsoft.com/office/drawing/2014/main" id="{42561AC8-E264-8C1C-46A2-C64E327C01D3}"/>
+                </a:ext>
+              </a:extLst>
+            </p:cNvPr>
+            <p:cNvSpPr txBox="1"/>
+            <p:nvPr/>
+          </p:nvSpPr>
+          <p:spPr>
+            <a:xfrm>
+              <a:off x="3863213" y="5131854"/>
+              <a:ext cx="705680" cy="246221"/>
+            </a:xfrm>
+            <a:prstGeom prst="rect">
+              <a:avLst/>
+            </a:prstGeom>
+            <a:noFill/>
+          </p:spPr>
+          <p:txBody>
+            <a:bodyPr wrap="square" rtlCol="0">
+              <a:spAutoFit/>
+            </a:bodyPr>
+            <a:lstStyle/>
+            <a:p>
+              <a:r>
+                <a:rPr lang="es-ES" sz="1000" dirty="0">
+                  <a:solidFill>
+                    <a:srgbClr val="0CCAB8"/>
+                  </a:solidFill>
+                </a:rPr>
+                <a:t>Fecha</a:t>
+              </a:r>
+            </a:p>
+          </p:txBody>
+        </p:sp>
+        <p:cxnSp>
+          <p:nvCxnSpPr>
+            <p:cNvPr id="37" name="Conector recto 36">
+              <a:extLst>
+                <a:ext uri="{FF2B5EF4-FFF2-40B4-BE49-F238E27FC236}">
+                  <a16:creationId xmlns:a16="http://schemas.microsoft.com/office/drawing/2014/main" id="{CA1190A5-D2A9-8AB4-A785-43D0E638F4FA}"/>
+                </a:ext>
+              </a:extLst>
+            </p:cNvPr>
+            <p:cNvCxnSpPr/>
+            <p:nvPr/>
+          </p:nvCxnSpPr>
+          <p:spPr>
+            <a:xfrm>
+              <a:off x="2497394" y="4385981"/>
+              <a:ext cx="1789471" cy="0"/>
+            </a:xfrm>
+            <a:prstGeom prst="line">
+              <a:avLst/>
+            </a:prstGeom>
+            <a:ln>
+              <a:solidFill>
+                <a:schemeClr val="accent2"/>
+              </a:solidFill>
+            </a:ln>
+          </p:spPr>
+          <p:style>
+            <a:lnRef idx="1">
+              <a:schemeClr val="accent1"/>
+            </a:lnRef>
+            <a:fillRef idx="0">
+              <a:schemeClr val="accent1"/>
+            </a:fillRef>
+            <a:effectRef idx="0">
+              <a:schemeClr val="accent1"/>
+            </a:effectRef>
+            <a:fontRef idx="minor">
+              <a:schemeClr val="tx1"/>
+            </a:fontRef>
+          </p:style>
+        </p:cxnSp>
+      </p:grpSp>
+      <p:cxnSp>
+        <p:nvCxnSpPr>
+          <p:cNvPr id="9" name="Conector recto de flecha 8">
+            <a:extLst>
+              <a:ext uri="{FF2B5EF4-FFF2-40B4-BE49-F238E27FC236}">
+                <a16:creationId xmlns:a16="http://schemas.microsoft.com/office/drawing/2014/main" id="{B72D5335-8034-3048-850E-49CDC3E6B99D}"/>
+              </a:ext>
+            </a:extLst>
+          </p:cNvPr>
+          <p:cNvCxnSpPr/>
+          <p:nvPr/>
+        </p:nvCxnSpPr>
+        <p:spPr>
+          <a:xfrm>
+            <a:off x="8981309" y="5997677"/>
+            <a:ext cx="1002891" cy="0"/>
+          </a:xfrm>
+          <a:prstGeom prst="straightConnector1">
+            <a:avLst/>
+          </a:prstGeom>
+          <a:ln>
+            <a:solidFill>
+              <a:schemeClr val="accent2"/>
+            </a:solidFill>
+            <a:tailEnd type="triangle"/>
+          </a:ln>
+        </p:spPr>
+        <p:style>
+          <a:lnRef idx="1">
+            <a:schemeClr val="accent1"/>
+          </a:lnRef>
+          <a:fillRef idx="0">
+            <a:schemeClr val="accent1"/>
+          </a:fillRef>
+          <a:effectRef idx="0">
+            <a:schemeClr val="accent1"/>
+          </a:effectRef>
+          <a:fontRef idx="minor">
+            <a:schemeClr val="tx1"/>
+          </a:fontRef>
+        </p:style>
+      </p:cxnSp>
+      <p:cxnSp>
+        <p:nvCxnSpPr>
+          <p:cNvPr id="39" name="Conector recto 38">
+            <a:extLst>
+              <a:ext uri="{FF2B5EF4-FFF2-40B4-BE49-F238E27FC236}">
+                <a16:creationId xmlns:a16="http://schemas.microsoft.com/office/drawing/2014/main" id="{B2BA31C0-3F65-0657-F2AF-5A776D06EE60}"/>
+              </a:ext>
+            </a:extLst>
+          </p:cNvPr>
+          <p:cNvCxnSpPr/>
+          <p:nvPr/>
+        </p:nvCxnSpPr>
+        <p:spPr>
+          <a:xfrm>
+            <a:off x="2045110" y="2290916"/>
+            <a:ext cx="3036705" cy="0"/>
+          </a:xfrm>
+          <a:prstGeom prst="line">
+            <a:avLst/>
+          </a:prstGeom>
+          <a:ln>
+            <a:solidFill>
+              <a:schemeClr val="accent2"/>
+            </a:solidFill>
+          </a:ln>
+        </p:spPr>
+        <p:style>
+          <a:lnRef idx="1">
+            <a:schemeClr val="accent1"/>
+          </a:lnRef>
+          <a:fillRef idx="0">
+            <a:schemeClr val="accent1"/>
+          </a:fillRef>
+          <a:effectRef idx="0">
+            <a:schemeClr val="accent1"/>
+          </a:effectRef>
+          <a:fontRef idx="minor">
+            <a:schemeClr val="tx1"/>
+          </a:fontRef>
+        </p:style>
+      </p:cxnSp>
+      <p:cxnSp>
+        <p:nvCxnSpPr>
+          <p:cNvPr id="40" name="Conector recto 39">
+            <a:extLst>
+              <a:ext uri="{FF2B5EF4-FFF2-40B4-BE49-F238E27FC236}">
+                <a16:creationId xmlns:a16="http://schemas.microsoft.com/office/drawing/2014/main" id="{32A2AC79-31F1-CDEC-8697-57AE80A6ABD6}"/>
+              </a:ext>
+            </a:extLst>
+          </p:cNvPr>
+          <p:cNvCxnSpPr/>
+          <p:nvPr/>
+        </p:nvCxnSpPr>
+        <p:spPr>
+          <a:xfrm>
+            <a:off x="6940874" y="2290916"/>
+            <a:ext cx="3036705" cy="0"/>
+          </a:xfrm>
+          <a:prstGeom prst="line">
+            <a:avLst/>
+          </a:prstGeom>
+          <a:ln>
+            <a:solidFill>
+              <a:schemeClr val="accent2"/>
+            </a:solidFill>
+          </a:ln>
+        </p:spPr>
+        <p:style>
+          <a:lnRef idx="1">
+            <a:schemeClr val="accent1"/>
+          </a:lnRef>
+          <a:fillRef idx="0">
+            <a:schemeClr val="accent1"/>
+          </a:fillRef>
+          <a:effectRef idx="0">
+            <a:schemeClr val="accent1"/>
+          </a:effectRef>
+          <a:fontRef idx="minor">
+            <a:schemeClr val="tx1"/>
+          </a:fontRef>
+        </p:style>
+      </p:cxnSp>
+      <p:sp>
+        <p:nvSpPr>
+          <p:cNvPr id="41" name="CuadroTexto 40">
+            <a:extLst>
+              <a:ext uri="{FF2B5EF4-FFF2-40B4-BE49-F238E27FC236}">
+                <a16:creationId xmlns:a16="http://schemas.microsoft.com/office/drawing/2014/main" id="{7CDBF8D2-6B70-913F-977E-E80369A5F496}"/>
+              </a:ext>
+            </a:extLst>
+          </p:cNvPr>
+          <p:cNvSpPr txBox="1"/>
+          <p:nvPr/>
+        </p:nvSpPr>
+        <p:spPr>
+          <a:xfrm>
+            <a:off x="5443705" y="2105940"/>
+            <a:ext cx="1741071" cy="369332"/>
+          </a:xfrm>
+          <a:prstGeom prst="rect">
+            <a:avLst/>
+          </a:prstGeom>
+          <a:noFill/>
+        </p:spPr>
+        <p:txBody>
+          <a:bodyPr wrap="square" rtlCol="0">
+            <a:spAutoFit/>
+          </a:bodyPr>
+          <a:lstStyle/>
+          <a:p>
+            <a:r>
+              <a:rPr lang="es-ES" dirty="0">
+                <a:solidFill>
+                  <a:srgbClr val="0CCAB8"/>
+                </a:solidFill>
+              </a:rPr>
+              <a:t>Noti</a:t>
+            </a:r>
+            <a:r>
+              <a:rPr lang="es-ES" dirty="0">
+                <a:solidFill>
+                  <a:schemeClr val="accent2"/>
+                </a:solidFill>
+              </a:rPr>
+              <a:t>cias</a:t>
+            </a:r>
+          </a:p>
+        </p:txBody>
+      </p:sp>
     </p:spTree>
     <p:extLst>
       <p:ext uri="{BB962C8B-B14F-4D97-AF65-F5344CB8AC3E}">
@@ -12492,40 +18761,935 @@
           <a:chExt cx="0" cy="0"/>
         </a:xfrm>
       </p:grpSpPr>
-      <p:pic>
-        <p:nvPicPr>
-          <p:cNvPr id="3" name="Imagen 2">
-            <a:extLst>
-              <a:ext uri="{FF2B5EF4-FFF2-40B4-BE49-F238E27FC236}">
-                <a16:creationId xmlns:a16="http://schemas.microsoft.com/office/drawing/2014/main" id="{F5F2A04A-8D41-4C48-9816-386F1448D505}"/>
-              </a:ext>
-            </a:extLst>
-          </p:cNvPr>
-          <p:cNvPicPr>
-            <a:picLocks noChangeAspect="1"/>
-          </p:cNvPicPr>
+      <p:sp>
+        <p:nvSpPr>
+          <p:cNvPr id="18" name="Rectángulo 17">
+            <a:extLst>
+              <a:ext uri="{FF2B5EF4-FFF2-40B4-BE49-F238E27FC236}">
+                <a16:creationId xmlns:a16="http://schemas.microsoft.com/office/drawing/2014/main" id="{F32E89A6-BE1D-4036-A951-ABFF245AA3AD}"/>
+              </a:ext>
+            </a:extLst>
+          </p:cNvPr>
+          <p:cNvSpPr/>
           <p:nvPr/>
-        </p:nvPicPr>
-        <p:blipFill>
-          <a:blip r:embed="rId2"/>
-          <a:stretch>
-            <a:fillRect/>
-          </a:stretch>
-        </p:blipFill>
-        <p:spPr>
-          <a:xfrm>
-            <a:off x="0" y="185555"/>
-            <a:ext cx="12192000" cy="6486889"/>
+        </p:nvSpPr>
+        <p:spPr>
+          <a:xfrm>
+            <a:off x="855406" y="1349952"/>
+            <a:ext cx="10481188" cy="5508047"/>
           </a:xfrm>
           <a:prstGeom prst="rect">
             <a:avLst/>
           </a:prstGeom>
-        </p:spPr>
-      </p:pic>
+          <a:solidFill>
+            <a:srgbClr val="E5FFFF"/>
+          </a:solidFill>
+          <a:ln>
+            <a:noFill/>
+          </a:ln>
+        </p:spPr>
+        <p:style>
+          <a:lnRef idx="2">
+            <a:schemeClr val="accent1">
+              <a:shade val="50000"/>
+            </a:schemeClr>
+          </a:lnRef>
+          <a:fillRef idx="1">
+            <a:schemeClr val="accent1"/>
+          </a:fillRef>
+          <a:effectRef idx="0">
+            <a:schemeClr val="accent1"/>
+          </a:effectRef>
+          <a:fontRef idx="minor">
+            <a:schemeClr val="lt1"/>
+          </a:fontRef>
+        </p:style>
+        <p:txBody>
+          <a:bodyPr rtlCol="0" anchor="ctr"/>
+          <a:lstStyle/>
+          <a:p>
+            <a:pPr marL="0" marR="0" lvl="0" indent="0" algn="ctr" defTabSz="914400" rtl="0" eaLnBrk="1" fontAlgn="auto" latinLnBrk="0" hangingPunct="1">
+              <a:lnSpc>
+                <a:spcPct val="100000"/>
+              </a:lnSpc>
+              <a:spcBef>
+                <a:spcPts val="0"/>
+              </a:spcBef>
+              <a:spcAft>
+                <a:spcPts val="0"/>
+              </a:spcAft>
+              <a:buClrTx/>
+              <a:buSzTx/>
+              <a:buFontTx/>
+              <a:buNone/>
+              <a:tabLst/>
+              <a:defRPr/>
+            </a:pPr>
+            <a:endParaRPr kumimoji="0" lang="es-ES" sz="1800" b="0" i="0" u="none" strike="noStrike" kern="1200" cap="none" spc="0" normalizeH="0" baseline="0" noProof="0" dirty="0">
+              <a:ln>
+                <a:noFill/>
+              </a:ln>
+              <a:solidFill>
+                <a:prstClr val="white"/>
+              </a:solidFill>
+              <a:effectLst/>
+              <a:uLnTx/>
+              <a:uFillTx/>
+              <a:latin typeface="Calibri" panose="020F0502020204030204"/>
+              <a:ea typeface="+mn-ea"/>
+              <a:cs typeface="+mn-cs"/>
+            </a:endParaRPr>
+          </a:p>
+        </p:txBody>
+      </p:sp>
+      <p:sp>
+        <p:nvSpPr>
+          <p:cNvPr id="10" name="Elipse 9">
+            <a:extLst>
+              <a:ext uri="{FF2B5EF4-FFF2-40B4-BE49-F238E27FC236}">
+                <a16:creationId xmlns:a16="http://schemas.microsoft.com/office/drawing/2014/main" id="{1D365CBE-FF67-46AB-9B8E-D5E8A1314E63}"/>
+              </a:ext>
+            </a:extLst>
+          </p:cNvPr>
+          <p:cNvSpPr/>
+          <p:nvPr/>
+        </p:nvSpPr>
+        <p:spPr>
+          <a:xfrm>
+            <a:off x="11520054" y="3560965"/>
+            <a:ext cx="272473" cy="247954"/>
+          </a:xfrm>
+          <a:prstGeom prst="ellipse">
+            <a:avLst/>
+          </a:prstGeom>
+          <a:solidFill>
+            <a:schemeClr val="accent2">
+              <a:alpha val="50000"/>
+            </a:schemeClr>
+          </a:solidFill>
+          <a:ln>
+            <a:noFill/>
+          </a:ln>
+        </p:spPr>
+        <p:style>
+          <a:lnRef idx="0">
+            <a:scrgbClr r="0" g="0" b="0"/>
+          </a:lnRef>
+          <a:fillRef idx="0">
+            <a:scrgbClr r="0" g="0" b="0"/>
+          </a:fillRef>
+          <a:effectRef idx="0">
+            <a:scrgbClr r="0" g="0" b="0"/>
+          </a:effectRef>
+          <a:fontRef idx="minor">
+            <a:schemeClr val="lt1"/>
+          </a:fontRef>
+        </p:style>
+        <p:txBody>
+          <a:bodyPr rtlCol="0" anchor="ctr"/>
+          <a:lstStyle/>
+          <a:p>
+            <a:pPr marL="0" marR="0" lvl="0" indent="0" algn="ctr" defTabSz="914400" rtl="0" eaLnBrk="1" fontAlgn="auto" latinLnBrk="0" hangingPunct="1">
+              <a:lnSpc>
+                <a:spcPct val="100000"/>
+              </a:lnSpc>
+              <a:spcBef>
+                <a:spcPts val="0"/>
+              </a:spcBef>
+              <a:spcAft>
+                <a:spcPts val="0"/>
+              </a:spcAft>
+              <a:buClrTx/>
+              <a:buSzTx/>
+              <a:buFontTx/>
+              <a:buNone/>
+              <a:tabLst/>
+              <a:defRPr/>
+            </a:pPr>
+            <a:endParaRPr kumimoji="0" lang="es-ES" sz="1800" b="0" i="0" u="none" strike="noStrike" kern="1200" cap="none" spc="0" normalizeH="0" baseline="0" noProof="0">
+              <a:ln>
+                <a:noFill/>
+              </a:ln>
+              <a:solidFill>
+                <a:prstClr val="white"/>
+              </a:solidFill>
+              <a:effectLst/>
+              <a:uLnTx/>
+              <a:uFillTx/>
+              <a:latin typeface="Calibri" panose="020F0502020204030204"/>
+              <a:ea typeface="+mn-ea"/>
+              <a:cs typeface="+mn-cs"/>
+            </a:endParaRPr>
+          </a:p>
+        </p:txBody>
+      </p:sp>
+      <p:sp>
+        <p:nvSpPr>
+          <p:cNvPr id="11" name="Elipse 10">
+            <a:extLst>
+              <a:ext uri="{FF2B5EF4-FFF2-40B4-BE49-F238E27FC236}">
+                <a16:creationId xmlns:a16="http://schemas.microsoft.com/office/drawing/2014/main" id="{D3178CD2-487D-44AA-BC65-C732B5C988FF}"/>
+              </a:ext>
+            </a:extLst>
+          </p:cNvPr>
+          <p:cNvSpPr/>
+          <p:nvPr/>
+        </p:nvSpPr>
+        <p:spPr>
+          <a:xfrm>
+            <a:off x="11520054" y="4530783"/>
+            <a:ext cx="272473" cy="247954"/>
+          </a:xfrm>
+          <a:prstGeom prst="ellipse">
+            <a:avLst/>
+          </a:prstGeom>
+          <a:solidFill>
+            <a:schemeClr val="accent2">
+              <a:alpha val="50000"/>
+            </a:schemeClr>
+          </a:solidFill>
+          <a:ln>
+            <a:noFill/>
+          </a:ln>
+        </p:spPr>
+        <p:style>
+          <a:lnRef idx="0">
+            <a:scrgbClr r="0" g="0" b="0"/>
+          </a:lnRef>
+          <a:fillRef idx="0">
+            <a:scrgbClr r="0" g="0" b="0"/>
+          </a:fillRef>
+          <a:effectRef idx="0">
+            <a:scrgbClr r="0" g="0" b="0"/>
+          </a:effectRef>
+          <a:fontRef idx="minor">
+            <a:schemeClr val="lt1"/>
+          </a:fontRef>
+        </p:style>
+        <p:txBody>
+          <a:bodyPr rtlCol="0" anchor="ctr"/>
+          <a:lstStyle/>
+          <a:p>
+            <a:pPr marL="0" marR="0" lvl="0" indent="0" algn="ctr" defTabSz="914400" rtl="0" eaLnBrk="1" fontAlgn="auto" latinLnBrk="0" hangingPunct="1">
+              <a:lnSpc>
+                <a:spcPct val="100000"/>
+              </a:lnSpc>
+              <a:spcBef>
+                <a:spcPts val="0"/>
+              </a:spcBef>
+              <a:spcAft>
+                <a:spcPts val="0"/>
+              </a:spcAft>
+              <a:buClrTx/>
+              <a:buSzTx/>
+              <a:buFontTx/>
+              <a:buNone/>
+              <a:tabLst/>
+              <a:defRPr/>
+            </a:pPr>
+            <a:endParaRPr kumimoji="0" lang="es-ES" sz="1800" b="0" i="0" u="none" strike="noStrike" kern="1200" cap="none" spc="0" normalizeH="0" baseline="0" noProof="0">
+              <a:ln>
+                <a:noFill/>
+              </a:ln>
+              <a:solidFill>
+                <a:prstClr val="white"/>
+              </a:solidFill>
+              <a:effectLst/>
+              <a:uLnTx/>
+              <a:uFillTx/>
+              <a:latin typeface="Calibri" panose="020F0502020204030204"/>
+              <a:ea typeface="+mn-ea"/>
+              <a:cs typeface="+mn-cs"/>
+            </a:endParaRPr>
+          </a:p>
+        </p:txBody>
+      </p:sp>
+      <p:sp>
+        <p:nvSpPr>
+          <p:cNvPr id="12" name="Elipse 11">
+            <a:extLst>
+              <a:ext uri="{FF2B5EF4-FFF2-40B4-BE49-F238E27FC236}">
+                <a16:creationId xmlns:a16="http://schemas.microsoft.com/office/drawing/2014/main" id="{8ACA2EB6-431E-4BF3-A0EF-4D714EFE5D45}"/>
+              </a:ext>
+            </a:extLst>
+          </p:cNvPr>
+          <p:cNvSpPr/>
+          <p:nvPr/>
+        </p:nvSpPr>
+        <p:spPr>
+          <a:xfrm>
+            <a:off x="11520054" y="2591147"/>
+            <a:ext cx="272473" cy="247954"/>
+          </a:xfrm>
+          <a:prstGeom prst="ellipse">
+            <a:avLst/>
+          </a:prstGeom>
+          <a:solidFill>
+            <a:schemeClr val="accent2">
+              <a:alpha val="50000"/>
+            </a:schemeClr>
+          </a:solidFill>
+          <a:ln>
+            <a:noFill/>
+          </a:ln>
+        </p:spPr>
+        <p:style>
+          <a:lnRef idx="0">
+            <a:scrgbClr r="0" g="0" b="0"/>
+          </a:lnRef>
+          <a:fillRef idx="0">
+            <a:scrgbClr r="0" g="0" b="0"/>
+          </a:fillRef>
+          <a:effectRef idx="0">
+            <a:scrgbClr r="0" g="0" b="0"/>
+          </a:effectRef>
+          <a:fontRef idx="minor">
+            <a:schemeClr val="lt1"/>
+          </a:fontRef>
+        </p:style>
+        <p:txBody>
+          <a:bodyPr rtlCol="0" anchor="ctr"/>
+          <a:lstStyle/>
+          <a:p>
+            <a:pPr marL="0" marR="0" lvl="0" indent="0" algn="ctr" defTabSz="914400" rtl="0" eaLnBrk="1" fontAlgn="auto" latinLnBrk="0" hangingPunct="1">
+              <a:lnSpc>
+                <a:spcPct val="100000"/>
+              </a:lnSpc>
+              <a:spcBef>
+                <a:spcPts val="0"/>
+              </a:spcBef>
+              <a:spcAft>
+                <a:spcPts val="0"/>
+              </a:spcAft>
+              <a:buClrTx/>
+              <a:buSzTx/>
+              <a:buFontTx/>
+              <a:buNone/>
+              <a:tabLst/>
+              <a:defRPr/>
+            </a:pPr>
+            <a:endParaRPr kumimoji="0" lang="es-ES" sz="1800" b="0" i="0" u="none" strike="noStrike" kern="1200" cap="none" spc="0" normalizeH="0" baseline="0" noProof="0">
+              <a:ln>
+                <a:noFill/>
+              </a:ln>
+              <a:solidFill>
+                <a:prstClr val="white"/>
+              </a:solidFill>
+              <a:effectLst/>
+              <a:uLnTx/>
+              <a:uFillTx/>
+              <a:latin typeface="Calibri" panose="020F0502020204030204"/>
+              <a:ea typeface="+mn-ea"/>
+              <a:cs typeface="+mn-cs"/>
+            </a:endParaRPr>
+          </a:p>
+        </p:txBody>
+      </p:sp>
+      <p:sp>
+        <p:nvSpPr>
+          <p:cNvPr id="14" name="CuadroTexto 13">
+            <a:extLst>
+              <a:ext uri="{FF2B5EF4-FFF2-40B4-BE49-F238E27FC236}">
+                <a16:creationId xmlns:a16="http://schemas.microsoft.com/office/drawing/2014/main" id="{17725C3C-F5ED-4C16-9579-3AFF248C3DC1}"/>
+              </a:ext>
+            </a:extLst>
+          </p:cNvPr>
+          <p:cNvSpPr txBox="1"/>
+          <p:nvPr/>
+        </p:nvSpPr>
+        <p:spPr>
+          <a:xfrm flipV="1">
+            <a:off x="210281" y="3484631"/>
+            <a:ext cx="461665" cy="648575"/>
+          </a:xfrm>
+          <a:prstGeom prst="rect">
+            <a:avLst/>
+          </a:prstGeom>
+          <a:noFill/>
+        </p:spPr>
+        <p:txBody>
+          <a:bodyPr vert="eaVert" wrap="none" rtlCol="0">
+            <a:spAutoFit/>
+          </a:bodyPr>
+          <a:lstStyle/>
+          <a:p>
+            <a:pPr marL="0" marR="0" lvl="0" indent="0" algn="l" defTabSz="914400" rtl="0" eaLnBrk="1" fontAlgn="auto" latinLnBrk="0" hangingPunct="1">
+              <a:lnSpc>
+                <a:spcPct val="100000"/>
+              </a:lnSpc>
+              <a:spcBef>
+                <a:spcPts val="0"/>
+              </a:spcBef>
+              <a:spcAft>
+                <a:spcPts val="0"/>
+              </a:spcAft>
+              <a:buClrTx/>
+              <a:buSzTx/>
+              <a:buFontTx/>
+              <a:buNone/>
+              <a:tabLst/>
+              <a:defRPr/>
+            </a:pPr>
+            <a:r>
+              <a:rPr kumimoji="0" lang="es-ES" sz="1800" b="0" i="0" u="none" strike="noStrike" kern="1200" cap="none" spc="0" normalizeH="0" baseline="0" noProof="0" dirty="0">
+                <a:ln>
+                  <a:noFill/>
+                </a:ln>
+                <a:solidFill>
+                  <a:srgbClr val="ED7D31">
+                    <a:lumMod val="40000"/>
+                    <a:lumOff val="60000"/>
+                  </a:srgbClr>
+                </a:solidFill>
+                <a:effectLst/>
+                <a:uLnTx/>
+                <a:uFillTx/>
+                <a:latin typeface="Calibri" panose="020F0502020204030204"/>
+                <a:ea typeface="+mn-ea"/>
+                <a:cs typeface="+mn-cs"/>
+              </a:rPr>
+              <a:t>Menú</a:t>
+            </a:r>
+          </a:p>
+        </p:txBody>
+      </p:sp>
+      <p:sp>
+        <p:nvSpPr>
+          <p:cNvPr id="7" name="CuadroTexto 6">
+            <a:extLst>
+              <a:ext uri="{FF2B5EF4-FFF2-40B4-BE49-F238E27FC236}">
+                <a16:creationId xmlns:a16="http://schemas.microsoft.com/office/drawing/2014/main" id="{7CF5C6C3-C16C-4F33-9A2C-0D831A7C0181}"/>
+              </a:ext>
+            </a:extLst>
+          </p:cNvPr>
+          <p:cNvSpPr txBox="1"/>
+          <p:nvPr/>
+        </p:nvSpPr>
+        <p:spPr>
+          <a:xfrm>
+            <a:off x="4142021" y="298524"/>
+            <a:ext cx="4174836" cy="1107996"/>
+          </a:xfrm>
+          <a:prstGeom prst="rect">
+            <a:avLst/>
+          </a:prstGeom>
+          <a:noFill/>
+        </p:spPr>
+        <p:txBody>
+          <a:bodyPr wrap="square" rtlCol="0">
+            <a:spAutoFit/>
+          </a:bodyPr>
+          <a:lstStyle/>
+          <a:p>
+            <a:pPr marL="0" marR="0" lvl="0" indent="0" algn="l" defTabSz="914400" rtl="0" eaLnBrk="1" fontAlgn="auto" latinLnBrk="0" hangingPunct="1">
+              <a:lnSpc>
+                <a:spcPct val="100000"/>
+              </a:lnSpc>
+              <a:spcBef>
+                <a:spcPts val="0"/>
+              </a:spcBef>
+              <a:spcAft>
+                <a:spcPts val="0"/>
+              </a:spcAft>
+              <a:buClrTx/>
+              <a:buSzTx/>
+              <a:buFontTx/>
+              <a:buNone/>
+              <a:tabLst/>
+              <a:defRPr/>
+            </a:pPr>
+            <a:r>
+              <a:rPr kumimoji="0" lang="es-ES" sz="6600" b="1" i="0" u="none" strike="noStrike" kern="1200" cap="none" spc="0" normalizeH="0" baseline="0" noProof="0" dirty="0" err="1">
+                <a:ln w="22225">
+                  <a:noFill/>
+                  <a:prstDash val="solid"/>
+                </a:ln>
+                <a:solidFill>
+                  <a:srgbClr val="ED7D31">
+                    <a:lumMod val="40000"/>
+                    <a:lumOff val="60000"/>
+                  </a:srgbClr>
+                </a:solidFill>
+                <a:effectLst/>
+                <a:uLnTx/>
+                <a:uFillTx/>
+                <a:latin typeface="Rage Italic" panose="03070502040507070304" pitchFamily="66" charset="0"/>
+                <a:ea typeface="Gulim" panose="020B0600000101010101" pitchFamily="34" charset="-127"/>
+                <a:cs typeface="+mn-cs"/>
+              </a:rPr>
+              <a:t>KiteSurfing</a:t>
+            </a:r>
+            <a:endParaRPr kumimoji="0" lang="es-ES" sz="6600" b="1" i="0" u="none" strike="noStrike" kern="1200" cap="none" spc="0" normalizeH="0" baseline="0" noProof="0" dirty="0">
+              <a:ln w="22225">
+                <a:noFill/>
+                <a:prstDash val="solid"/>
+              </a:ln>
+              <a:solidFill>
+                <a:srgbClr val="ED7D31">
+                  <a:lumMod val="40000"/>
+                  <a:lumOff val="60000"/>
+                </a:srgbClr>
+              </a:solidFill>
+              <a:effectLst/>
+              <a:uLnTx/>
+              <a:uFillTx/>
+              <a:latin typeface="Rage Italic" panose="03070502040507070304" pitchFamily="66" charset="0"/>
+              <a:ea typeface="Gulim" panose="020B0600000101010101" pitchFamily="34" charset="-127"/>
+              <a:cs typeface="+mn-cs"/>
+            </a:endParaRPr>
+          </a:p>
+        </p:txBody>
+      </p:sp>
+      <p:sp>
+        <p:nvSpPr>
+          <p:cNvPr id="13" name="Rectángulo 12">
+            <a:extLst>
+              <a:ext uri="{FF2B5EF4-FFF2-40B4-BE49-F238E27FC236}">
+                <a16:creationId xmlns:a16="http://schemas.microsoft.com/office/drawing/2014/main" id="{87AEF759-4FCB-6AFD-3479-7857F7AD6FA7}"/>
+              </a:ext>
+            </a:extLst>
+          </p:cNvPr>
+          <p:cNvSpPr/>
+          <p:nvPr/>
+        </p:nvSpPr>
+        <p:spPr>
+          <a:xfrm>
+            <a:off x="1137247" y="1609553"/>
+            <a:ext cx="9917506" cy="5045412"/>
+          </a:xfrm>
+          <a:prstGeom prst="rect">
+            <a:avLst/>
+          </a:prstGeom>
+          <a:solidFill>
+            <a:srgbClr val="FEF6F0"/>
+          </a:solidFill>
+          <a:ln>
+            <a:noFill/>
+          </a:ln>
+        </p:spPr>
+        <p:style>
+          <a:lnRef idx="2">
+            <a:schemeClr val="accent1">
+              <a:shade val="50000"/>
+            </a:schemeClr>
+          </a:lnRef>
+          <a:fillRef idx="1">
+            <a:schemeClr val="accent1"/>
+          </a:fillRef>
+          <a:effectRef idx="0">
+            <a:schemeClr val="accent1"/>
+          </a:effectRef>
+          <a:fontRef idx="minor">
+            <a:schemeClr val="lt1"/>
+          </a:fontRef>
+        </p:style>
+        <p:txBody>
+          <a:bodyPr rtlCol="0" anchor="ctr"/>
+          <a:lstStyle/>
+          <a:p>
+            <a:pPr marL="0" marR="0" lvl="0" indent="0" algn="ctr" defTabSz="914400" rtl="0" eaLnBrk="1" fontAlgn="auto" latinLnBrk="0" hangingPunct="1">
+              <a:lnSpc>
+                <a:spcPct val="100000"/>
+              </a:lnSpc>
+              <a:spcBef>
+                <a:spcPts val="0"/>
+              </a:spcBef>
+              <a:spcAft>
+                <a:spcPts val="0"/>
+              </a:spcAft>
+              <a:buClrTx/>
+              <a:buSzTx/>
+              <a:buFontTx/>
+              <a:buNone/>
+              <a:tabLst/>
+              <a:defRPr/>
+            </a:pPr>
+            <a:endParaRPr kumimoji="0" lang="es-ES" sz="1800" b="0" i="0" u="none" strike="noStrike" kern="1200" cap="none" spc="0" normalizeH="0" baseline="0" noProof="0" dirty="0">
+              <a:ln>
+                <a:noFill/>
+              </a:ln>
+              <a:solidFill>
+                <a:prstClr val="white"/>
+              </a:solidFill>
+              <a:effectLst/>
+              <a:uLnTx/>
+              <a:uFillTx/>
+              <a:latin typeface="Calibri" panose="020F0502020204030204"/>
+              <a:ea typeface="+mn-ea"/>
+              <a:cs typeface="+mn-cs"/>
+            </a:endParaRPr>
+          </a:p>
+        </p:txBody>
+      </p:sp>
+      <p:sp>
+        <p:nvSpPr>
+          <p:cNvPr id="3" name="Rectángulo 2">
+            <a:extLst>
+              <a:ext uri="{FF2B5EF4-FFF2-40B4-BE49-F238E27FC236}">
+                <a16:creationId xmlns:a16="http://schemas.microsoft.com/office/drawing/2014/main" id="{1B310F0A-7A1A-A0DF-E03B-01F5B73CFB46}"/>
+              </a:ext>
+            </a:extLst>
+          </p:cNvPr>
+          <p:cNvSpPr/>
+          <p:nvPr/>
+        </p:nvSpPr>
+        <p:spPr>
+          <a:xfrm>
+            <a:off x="1484671" y="2839101"/>
+            <a:ext cx="5385504" cy="3310728"/>
+          </a:xfrm>
+          <a:prstGeom prst="rect">
+            <a:avLst/>
+          </a:prstGeom>
+          <a:blipFill>
+            <a:blip r:embed="rId2"/>
+            <a:stretch>
+              <a:fillRect/>
+            </a:stretch>
+          </a:blipFill>
+          <a:ln w="57150">
+            <a:solidFill>
+              <a:schemeClr val="bg1"/>
+            </a:solidFill>
+          </a:ln>
+          <a:effectLst>
+            <a:outerShdw blurRad="50800" dist="38100" dir="2700000" algn="tl" rotWithShape="0">
+              <a:prstClr val="black">
+                <a:alpha val="40000"/>
+              </a:prstClr>
+            </a:outerShdw>
+          </a:effectLst>
+        </p:spPr>
+        <p:style>
+          <a:lnRef idx="2">
+            <a:schemeClr val="accent1">
+              <a:shade val="50000"/>
+            </a:schemeClr>
+          </a:lnRef>
+          <a:fillRef idx="1">
+            <a:schemeClr val="accent1"/>
+          </a:fillRef>
+          <a:effectRef idx="0">
+            <a:schemeClr val="accent1"/>
+          </a:effectRef>
+          <a:fontRef idx="minor">
+            <a:schemeClr val="lt1"/>
+          </a:fontRef>
+        </p:style>
+        <p:txBody>
+          <a:bodyPr rtlCol="0" anchor="ctr"/>
+          <a:lstStyle/>
+          <a:p>
+            <a:pPr algn="ctr"/>
+            <a:endParaRPr lang="es-ES"/>
+          </a:p>
+        </p:txBody>
+      </p:sp>
+      <p:sp>
+        <p:nvSpPr>
+          <p:cNvPr id="4" name="CuadroTexto 3">
+            <a:extLst>
+              <a:ext uri="{FF2B5EF4-FFF2-40B4-BE49-F238E27FC236}">
+                <a16:creationId xmlns:a16="http://schemas.microsoft.com/office/drawing/2014/main" id="{63CF4347-D3B2-B421-5288-7B9EA95C3538}"/>
+              </a:ext>
+            </a:extLst>
+          </p:cNvPr>
+          <p:cNvSpPr txBox="1"/>
+          <p:nvPr/>
+        </p:nvSpPr>
+        <p:spPr>
+          <a:xfrm>
+            <a:off x="1959259" y="1971042"/>
+            <a:ext cx="4365523" cy="1138773"/>
+          </a:xfrm>
+          <a:prstGeom prst="rect">
+            <a:avLst/>
+          </a:prstGeom>
+          <a:noFill/>
+        </p:spPr>
+        <p:txBody>
+          <a:bodyPr wrap="square" rtlCol="0">
+            <a:spAutoFit/>
+          </a:bodyPr>
+          <a:lstStyle/>
+          <a:p>
+            <a:pPr algn="just"/>
+            <a:r>
+              <a:rPr lang="es-ES" sz="3600" dirty="0" err="1">
+                <a:solidFill>
+                  <a:schemeClr val="accent2"/>
+                </a:solidFill>
+              </a:rPr>
+              <a:t>Ds</a:t>
+            </a:r>
+            <a:r>
+              <a:rPr lang="es-ES" sz="3200" dirty="0" err="1">
+                <a:solidFill>
+                  <a:schemeClr val="accent2"/>
+                </a:solidFill>
+              </a:rPr>
+              <a:t>fsdfsdfsdf</a:t>
+            </a:r>
+            <a:r>
+              <a:rPr lang="es-ES" sz="3200" dirty="0">
+                <a:solidFill>
+                  <a:schemeClr val="accent2"/>
+                </a:solidFill>
+              </a:rPr>
+              <a:t> </a:t>
+            </a:r>
+            <a:r>
+              <a:rPr lang="es-ES" sz="3200" dirty="0" err="1">
+                <a:solidFill>
+                  <a:schemeClr val="accent2"/>
+                </a:solidFill>
+              </a:rPr>
+              <a:t>ddddsdfsdfs</a:t>
+            </a:r>
+            <a:r>
+              <a:rPr lang="es-ES" sz="3200" dirty="0">
+                <a:solidFill>
+                  <a:schemeClr val="accent2"/>
+                </a:solidFill>
+              </a:rPr>
+              <a:t> </a:t>
+            </a:r>
+            <a:r>
+              <a:rPr lang="es-ES" sz="3200" dirty="0" err="1">
+                <a:solidFill>
+                  <a:schemeClr val="accent2"/>
+                </a:solidFill>
+              </a:rPr>
+              <a:t>sdfsd</a:t>
+            </a:r>
+            <a:r>
+              <a:rPr lang="es-ES" sz="3200" dirty="0">
+                <a:solidFill>
+                  <a:schemeClr val="accent2"/>
+                </a:solidFill>
+              </a:rPr>
+              <a:t> </a:t>
+            </a:r>
+            <a:r>
+              <a:rPr lang="es-ES" sz="3200" dirty="0" err="1">
+                <a:solidFill>
+                  <a:schemeClr val="accent2"/>
+                </a:solidFill>
+              </a:rPr>
+              <a:t>sdfsfsdf</a:t>
+            </a:r>
+            <a:r>
+              <a:rPr lang="es-ES" sz="3200" dirty="0">
+                <a:solidFill>
+                  <a:schemeClr val="accent2"/>
+                </a:solidFill>
+              </a:rPr>
+              <a:t> </a:t>
+            </a:r>
+            <a:r>
+              <a:rPr lang="es-ES" sz="3200" dirty="0" err="1">
+                <a:solidFill>
+                  <a:schemeClr val="accent2"/>
+                </a:solidFill>
+              </a:rPr>
+              <a:t>sdfsdfsdfsd</a:t>
+            </a:r>
+            <a:endParaRPr lang="es-ES" sz="3600" dirty="0">
+              <a:solidFill>
+                <a:schemeClr val="accent2"/>
+              </a:solidFill>
+            </a:endParaRPr>
+          </a:p>
+        </p:txBody>
+      </p:sp>
+      <p:sp>
+        <p:nvSpPr>
+          <p:cNvPr id="5" name="CuadroTexto 4">
+            <a:extLst>
+              <a:ext uri="{FF2B5EF4-FFF2-40B4-BE49-F238E27FC236}">
+                <a16:creationId xmlns:a16="http://schemas.microsoft.com/office/drawing/2014/main" id="{4A08A2D0-7821-7F42-7782-221C973FDF00}"/>
+              </a:ext>
+            </a:extLst>
+          </p:cNvPr>
+          <p:cNvSpPr txBox="1"/>
+          <p:nvPr/>
+        </p:nvSpPr>
+        <p:spPr>
+          <a:xfrm>
+            <a:off x="6988878" y="4618317"/>
+            <a:ext cx="3947171" cy="830997"/>
+          </a:xfrm>
+          <a:prstGeom prst="rect">
+            <a:avLst/>
+          </a:prstGeom>
+          <a:noFill/>
+        </p:spPr>
+        <p:txBody>
+          <a:bodyPr wrap="none" rtlCol="0">
+            <a:spAutoFit/>
+          </a:bodyPr>
+          <a:lstStyle/>
+          <a:p>
+            <a:r>
+              <a:rPr lang="es-ES" sz="1200" i="1" dirty="0" err="1"/>
+              <a:t>Ddsssssdoskdfmo,kfmj</a:t>
+            </a:r>
+            <a:r>
+              <a:rPr lang="es-ES" sz="1200" i="1" dirty="0"/>
+              <a:t> </a:t>
+            </a:r>
+            <a:r>
+              <a:rPr lang="es-ES" sz="1200" i="1" dirty="0" err="1"/>
+              <a:t>o,akosd</a:t>
+            </a:r>
+            <a:r>
+              <a:rPr lang="es-ES" sz="1200" i="1" dirty="0"/>
+              <a:t> </a:t>
+            </a:r>
+            <a:r>
+              <a:rPr lang="es-ES" sz="1200" i="1" dirty="0" err="1"/>
+              <a:t>apowoierkei,r</a:t>
+            </a:r>
+            <a:r>
+              <a:rPr lang="es-ES" sz="1200" i="1" dirty="0"/>
+              <a:t> </a:t>
+            </a:r>
+            <a:r>
+              <a:rPr lang="es-ES" sz="1200" i="1" dirty="0" err="1"/>
+              <a:t>poerj,weer</a:t>
+            </a:r>
+            <a:endParaRPr lang="es-ES" sz="1200" i="1" dirty="0"/>
+          </a:p>
+          <a:p>
+            <a:r>
+              <a:rPr lang="es-ES" sz="1200" i="1" dirty="0" err="1"/>
+              <a:t>Ew,krjjewir</a:t>
+            </a:r>
+            <a:r>
+              <a:rPr lang="es-ES" sz="1200" i="1" dirty="0"/>
+              <a:t> </a:t>
+            </a:r>
+            <a:r>
+              <a:rPr lang="es-ES" sz="1200" i="1" dirty="0" err="1"/>
+              <a:t>i,jr,wer,jwor</a:t>
+            </a:r>
+            <a:r>
+              <a:rPr lang="es-ES" sz="1200" i="1" dirty="0"/>
+              <a:t> ,</a:t>
+            </a:r>
+            <a:r>
+              <a:rPr lang="es-ES" sz="1200" i="1" dirty="0" err="1"/>
+              <a:t>weerjwrrwe</a:t>
+            </a:r>
+            <a:r>
+              <a:rPr lang="es-ES" sz="1200" i="1" dirty="0"/>
+              <a:t> </a:t>
+            </a:r>
+            <a:r>
+              <a:rPr lang="es-ES" sz="1200" i="1" dirty="0" err="1"/>
+              <a:t>wem,ror,opwo,jw</a:t>
+            </a:r>
+            <a:r>
+              <a:rPr lang="es-ES" sz="1200" i="1" dirty="0"/>
+              <a:t> e</a:t>
+            </a:r>
+          </a:p>
+          <a:p>
+            <a:r>
+              <a:rPr lang="es-ES" sz="1200" i="1" dirty="0" err="1"/>
+              <a:t>Ej,wrewoerjwerjowemrwe</a:t>
+            </a:r>
+            <a:r>
+              <a:rPr lang="es-ES" sz="1200" i="1" dirty="0"/>
+              <a:t> </a:t>
+            </a:r>
+            <a:r>
+              <a:rPr lang="es-ES" sz="1200" i="1" dirty="0" err="1"/>
+              <a:t>we,rwer,weroiwoe</a:t>
+            </a:r>
+            <a:r>
+              <a:rPr lang="es-ES" sz="1200" i="1" dirty="0"/>
+              <a:t> </a:t>
+            </a:r>
+            <a:r>
+              <a:rPr lang="es-ES" sz="1200" i="1" dirty="0" err="1"/>
+              <a:t>werm,iewr</a:t>
+            </a:r>
+            <a:r>
+              <a:rPr lang="es-ES" sz="1200" i="1" dirty="0"/>
+              <a:t> </a:t>
+            </a:r>
+            <a:r>
+              <a:rPr lang="es-ES" sz="1200" i="1" dirty="0" err="1"/>
+              <a:t>er</a:t>
+            </a:r>
+            <a:r>
+              <a:rPr lang="es-ES" sz="1200" i="1" dirty="0"/>
+              <a:t> i</a:t>
+            </a:r>
+          </a:p>
+          <a:p>
+            <a:pPr algn="ctr"/>
+            <a:r>
+              <a:rPr lang="es-ES" sz="1200" i="1" dirty="0"/>
+              <a:t> </a:t>
+            </a:r>
+            <a:r>
+              <a:rPr lang="es-ES" sz="1200" i="1" dirty="0" err="1"/>
+              <a:t>newrnewroemrkewr</a:t>
+            </a:r>
+            <a:r>
+              <a:rPr lang="es-ES" sz="1200" i="1" dirty="0"/>
+              <a:t>, </a:t>
+            </a:r>
+            <a:r>
+              <a:rPr lang="es-ES" sz="1200" i="1" dirty="0" err="1"/>
+              <a:t>weemirj,ewroiewri</a:t>
+            </a:r>
+            <a:endParaRPr lang="es-ES" sz="1200" i="1" dirty="0"/>
+          </a:p>
+        </p:txBody>
+      </p:sp>
+      <p:sp>
+        <p:nvSpPr>
+          <p:cNvPr id="6" name="CuadroTexto 5">
+            <a:extLst>
+              <a:ext uri="{FF2B5EF4-FFF2-40B4-BE49-F238E27FC236}">
+                <a16:creationId xmlns:a16="http://schemas.microsoft.com/office/drawing/2014/main" id="{01A82ACF-EC7C-3F75-3F62-30F2E96EB8E4}"/>
+              </a:ext>
+            </a:extLst>
+          </p:cNvPr>
+          <p:cNvSpPr txBox="1"/>
+          <p:nvPr/>
+        </p:nvSpPr>
+        <p:spPr>
+          <a:xfrm>
+            <a:off x="8196808" y="5527961"/>
+            <a:ext cx="1087477" cy="369332"/>
+          </a:xfrm>
+          <a:prstGeom prst="rect">
+            <a:avLst/>
+          </a:prstGeom>
+          <a:noFill/>
+        </p:spPr>
+        <p:txBody>
+          <a:bodyPr wrap="none" rtlCol="0">
+            <a:spAutoFit/>
+          </a:bodyPr>
+          <a:lstStyle/>
+          <a:p>
+            <a:r>
+              <a:rPr lang="es-ES" dirty="0" err="1"/>
+              <a:t>sdfsfdfsdf</a:t>
+            </a:r>
+            <a:endParaRPr lang="es-ES" dirty="0"/>
+          </a:p>
+        </p:txBody>
+      </p:sp>
     </p:spTree>
     <p:extLst>
       <p:ext uri="{BB962C8B-B14F-4D97-AF65-F5344CB8AC3E}">
-        <p14:creationId xmlns:p14="http://schemas.microsoft.com/office/powerpoint/2010/main" val="2229508293"/>
+        <p14:creationId xmlns:p14="http://schemas.microsoft.com/office/powerpoint/2010/main" val="2999363434"/>
       </p:ext>
     </p:extLst>
   </p:cSld>
